--- a/南山_題目一_組別二.pptx
+++ b/南山_題目一_組別二.pptx
@@ -7,10 +7,10 @@
     <p:sldMasterId id="2147483732" r:id="rId3"/>
   </p:sldMasterIdLst>
   <p:notesMasterIdLst>
-    <p:notesMasterId r:id="rId32"/>
+    <p:notesMasterId r:id="rId37"/>
   </p:notesMasterIdLst>
   <p:handoutMasterIdLst>
-    <p:handoutMasterId r:id="rId33"/>
+    <p:handoutMasterId r:id="rId38"/>
   </p:handoutMasterIdLst>
   <p:sldIdLst>
     <p:sldId id="393" r:id="rId4"/>
@@ -40,7 +40,12 @@
     <p:sldId id="415" r:id="rId28"/>
     <p:sldId id="416" r:id="rId29"/>
     <p:sldId id="421" r:id="rId30"/>
-    <p:sldId id="422" r:id="rId31"/>
+    <p:sldId id="423" r:id="rId31"/>
+    <p:sldId id="425" r:id="rId32"/>
+    <p:sldId id="426" r:id="rId33"/>
+    <p:sldId id="427" r:id="rId34"/>
+    <p:sldId id="424" r:id="rId35"/>
+    <p:sldId id="422" r:id="rId36"/>
   </p:sldIdLst>
   <p:sldSz cx="12192000" cy="6858000"/>
   <p:notesSz cx="6735763" cy="9866313"/>
@@ -10457,8 +10462,8 @@
           <a:chExt cx="0" cy="0"/>
         </a:xfrm>
       </p:grpSpPr>
-      <mc:AlternateContent xmlns:mc="http://schemas.openxmlformats.org/markup-compatibility/2006">
-        <mc:Choice xmlns:a14="http://schemas.microsoft.com/office/drawing/2010/main" Requires="a14">
+      <mc:AlternateContent xmlns:mc="http://schemas.openxmlformats.org/markup-compatibility/2006" xmlns:a14="http://schemas.microsoft.com/office/drawing/2010/main">
+        <mc:Choice Requires="a14">
           <p:sp>
             <p:nvSpPr>
               <p:cNvPr id="3" name="內容版面配置區 2">
@@ -10949,7 +10954,7 @@
             </p:txBody>
           </p:sp>
         </mc:Choice>
-        <mc:Fallback>
+        <mc:Fallback xmlns="">
           <p:sp>
             <p:nvSpPr>
               <p:cNvPr id="3" name="內容版面配置區 2">
@@ -22401,7 +22406,7 @@
         <p:spPr>
           <a:xfrm>
             <a:off x="4958549" y="4097549"/>
-            <a:ext cx="1514197" cy="923330"/>
+            <a:ext cx="1623265" cy="1200329"/>
           </a:xfrm>
           <a:prstGeom prst="rect">
             <a:avLst/>
@@ -22421,7 +22426,6 @@
                 <a:solidFill>
                   <a:schemeClr val="accent1"/>
                 </a:solidFill>
-                <a:latin typeface="標楷體" panose="03000509000000000000" pitchFamily="65" charset="-120"/>
                 <a:ea typeface="標楷體" panose="03000509000000000000" pitchFamily="65" charset="-120"/>
                 <a:cs typeface="Times New Roman" panose="02020603050405020304" pitchFamily="18" charset="0"/>
               </a:rPr>
@@ -22431,7 +22435,6 @@
               <a:solidFill>
                 <a:schemeClr val="accent1"/>
               </a:solidFill>
-              <a:latin typeface="標楷體" panose="03000509000000000000" pitchFamily="65" charset="-120"/>
               <a:ea typeface="標楷體" panose="03000509000000000000" pitchFamily="65" charset="-120"/>
               <a:cs typeface="Times New Roman" panose="02020603050405020304" pitchFamily="18" charset="0"/>
             </a:endParaRPr>
@@ -22445,7 +22448,6 @@
                 <a:solidFill>
                   <a:schemeClr val="accent1"/>
                 </a:solidFill>
-                <a:latin typeface="標楷體" panose="03000509000000000000" pitchFamily="65" charset="-120"/>
                 <a:ea typeface="標楷體" panose="03000509000000000000" pitchFamily="65" charset="-120"/>
                 <a:cs typeface="Times New Roman" panose="02020603050405020304" pitchFamily="18" charset="0"/>
               </a:rPr>
@@ -22455,7 +22457,6 @@
               <a:solidFill>
                 <a:schemeClr val="accent1"/>
               </a:solidFill>
-              <a:latin typeface="標楷體" panose="03000509000000000000" pitchFamily="65" charset="-120"/>
               <a:ea typeface="標楷體" panose="03000509000000000000" pitchFamily="65" charset="-120"/>
               <a:cs typeface="Times New Roman" panose="02020603050405020304" pitchFamily="18" charset="0"/>
             </a:endParaRPr>
@@ -22469,7 +22470,38 @@
                 <a:solidFill>
                   <a:schemeClr val="accent1"/>
                 </a:solidFill>
-                <a:latin typeface="Times New Roman" panose="02020603050405020304" pitchFamily="18" charset="0"/>
+                <a:cs typeface="Times New Roman" panose="02020603050405020304" pitchFamily="18" charset="0"/>
+              </a:rPr>
+              <a:t>EDA</a:t>
+            </a:r>
+            <a:r>
+              <a:rPr lang="zh-TW" altLang="en-US" b="1" kern="100" dirty="0">
+                <a:solidFill>
+                  <a:schemeClr val="accent1"/>
+                </a:solidFill>
+                <a:cs typeface="Times New Roman" panose="02020603050405020304" pitchFamily="18" charset="0"/>
+              </a:rPr>
+              <a:t> </a:t>
+            </a:r>
+            <a:r>
+              <a:rPr lang="en-US" altLang="zh-TW" b="1" kern="100" dirty="0">
+                <a:solidFill>
+                  <a:schemeClr val="accent1"/>
+                </a:solidFill>
+                <a:cs typeface="Times New Roman" panose="02020603050405020304" pitchFamily="18" charset="0"/>
+              </a:rPr>
+              <a:t>result</a:t>
+            </a:r>
+          </a:p>
+          <a:p>
+            <a:pPr marL="342900" indent="-342900">
+              <a:buAutoNum type="alphaUcPeriod"/>
+            </a:pPr>
+            <a:r>
+              <a:rPr lang="en-US" altLang="zh-TW" b="1" kern="100" dirty="0">
+                <a:solidFill>
+                  <a:schemeClr val="accent1"/>
+                </a:solidFill>
                 <a:cs typeface="Times New Roman" panose="02020603050405020304" pitchFamily="18" charset="0"/>
               </a:rPr>
               <a:t>Reference</a:t>
@@ -24606,10 +24638,109 @@
       </p:sp>
       <p:sp>
         <p:nvSpPr>
-          <p:cNvPr id="3" name="內容版面配置區 2">
-            <a:extLst>
-              <a:ext uri="{FF2B5EF4-FFF2-40B4-BE49-F238E27FC236}">
-                <a16:creationId xmlns:a16="http://schemas.microsoft.com/office/drawing/2014/main" id="{DB0009B8-71AF-4034-BE59-D596EA3D42EE}"/>
+          <p:cNvPr id="17" name="矩形 16">
+            <a:extLst>
+              <a:ext uri="{FF2B5EF4-FFF2-40B4-BE49-F238E27FC236}">
+                <a16:creationId xmlns:a16="http://schemas.microsoft.com/office/drawing/2014/main" id="{FF885DDD-0FFE-44BC-8CD2-CA7462B3168D}"/>
+              </a:ext>
+            </a:extLst>
+          </p:cNvPr>
+          <p:cNvSpPr/>
+          <p:nvPr/>
+        </p:nvSpPr>
+        <p:spPr>
+          <a:xfrm>
+            <a:off x="399716" y="594739"/>
+            <a:ext cx="1460656" cy="338554"/>
+          </a:xfrm>
+          <a:prstGeom prst="rect">
+            <a:avLst/>
+          </a:prstGeom>
+        </p:spPr>
+        <p:txBody>
+          <a:bodyPr wrap="none">
+            <a:spAutoFit/>
+          </a:bodyPr>
+          <a:lstStyle/>
+          <a:p>
+            <a:r>
+              <a:rPr lang="en-US" altLang="zh-TW" sz="1600" b="1" kern="100" dirty="0">
+                <a:solidFill>
+                  <a:schemeClr val="accent1"/>
+                </a:solidFill>
+                <a:cs typeface="Times New Roman" panose="02020603050405020304" pitchFamily="18" charset="0"/>
+              </a:rPr>
+              <a:t>C. </a:t>
+            </a:r>
+            <a:r>
+              <a:rPr lang="en-US" altLang="zh-TW" sz="1600" b="1" kern="100" dirty="0">
+                <a:solidFill>
+                  <a:schemeClr val="accent1"/>
+                </a:solidFill>
+                <a:ea typeface="標楷體" panose="03000509000000000000" pitchFamily="65" charset="-120"/>
+                <a:cs typeface="Times New Roman" panose="02020603050405020304" pitchFamily="18" charset="0"/>
+              </a:rPr>
+              <a:t>EDA</a:t>
+            </a:r>
+            <a:r>
+              <a:rPr lang="zh-TW" altLang="en-US" sz="1600" b="1" kern="100" dirty="0">
+                <a:solidFill>
+                  <a:schemeClr val="accent1"/>
+                </a:solidFill>
+                <a:ea typeface="標楷體" panose="03000509000000000000" pitchFamily="65" charset="-120"/>
+                <a:cs typeface="Times New Roman" panose="02020603050405020304" pitchFamily="18" charset="0"/>
+              </a:rPr>
+              <a:t> </a:t>
+            </a:r>
+            <a:r>
+              <a:rPr lang="en-US" altLang="zh-TW" sz="1600" b="1" kern="100" dirty="0">
+                <a:solidFill>
+                  <a:schemeClr val="accent1"/>
+                </a:solidFill>
+                <a:ea typeface="標楷體" panose="03000509000000000000" pitchFamily="65" charset="-120"/>
+                <a:cs typeface="Times New Roman" panose="02020603050405020304" pitchFamily="18" charset="0"/>
+              </a:rPr>
+              <a:t>result</a:t>
+            </a:r>
+          </a:p>
+        </p:txBody>
+      </p:sp>
+    </p:spTree>
+    <p:extLst>
+      <p:ext uri="{BB962C8B-B14F-4D97-AF65-F5344CB8AC3E}">
+        <p14:creationId xmlns:p14="http://schemas.microsoft.com/office/powerpoint/2010/main" val="1983862535"/>
+      </p:ext>
+    </p:extLst>
+  </p:cSld>
+  <p:clrMapOvr>
+    <a:masterClrMapping/>
+  </p:clrMapOvr>
+</p:sld>
+</file>
+
+<file path=ppt/slides/slide29.xml><?xml version="1.0" encoding="utf-8"?>
+<p:sld xmlns:a="http://schemas.openxmlformats.org/drawingml/2006/main" xmlns:r="http://schemas.openxmlformats.org/officeDocument/2006/relationships" xmlns:p="http://schemas.openxmlformats.org/presentationml/2006/main">
+  <p:cSld>
+    <p:spTree>
+      <p:nvGrpSpPr>
+        <p:cNvPr id="1" name=""/>
+        <p:cNvGrpSpPr/>
+        <p:nvPr/>
+      </p:nvGrpSpPr>
+      <p:grpSpPr>
+        <a:xfrm>
+          <a:off x="0" y="0"/>
+          <a:ext cx="0" cy="0"/>
+          <a:chOff x="0" y="0"/>
+          <a:chExt cx="0" cy="0"/>
+        </a:xfrm>
+      </p:grpSpPr>
+      <p:sp>
+        <p:nvSpPr>
+          <p:cNvPr id="4" name="投影片編號版面配置區 3">
+            <a:extLst>
+              <a:ext uri="{FF2B5EF4-FFF2-40B4-BE49-F238E27FC236}">
+                <a16:creationId xmlns:a16="http://schemas.microsoft.com/office/drawing/2014/main" id="{C5183A82-9DEB-4EC5-9C61-ADE694674CED}"/>
               </a:ext>
             </a:extLst>
           </p:cNvPr>
@@ -24617,7 +24748,7 @@
             <a:spLocks noGrp="1"/>
           </p:cNvSpPr>
           <p:nvPr>
-            <p:ph idx="1"/>
+            <p:ph type="sldNum" sz="quarter" idx="12"/>
           </p:nvPr>
         </p:nvSpPr>
         <p:spPr/>
@@ -24625,16 +24756,20 @@
           <a:bodyPr/>
           <a:lstStyle/>
           <a:p>
-            <a:endParaRPr lang="en-US" dirty="0"/>
-          </a:p>
-        </p:txBody>
-      </p:sp>
-      <p:sp>
-        <p:nvSpPr>
-          <p:cNvPr id="17" name="矩形 16">
-            <a:extLst>
-              <a:ext uri="{FF2B5EF4-FFF2-40B4-BE49-F238E27FC236}">
-                <a16:creationId xmlns:a16="http://schemas.microsoft.com/office/drawing/2014/main" id="{FF885DDD-0FFE-44BC-8CD2-CA7462B3168D}"/>
+            <a:fld id="{BF8CE765-4F4E-465C-81D9-F9DA65D64035}" type="slidenum">
+              <a:rPr lang="zh-TW" altLang="en-US" smtClean="0"/>
+              <a:t>29</a:t>
+            </a:fld>
+            <a:endParaRPr lang="zh-TW" altLang="en-US"/>
+          </a:p>
+        </p:txBody>
+      </p:sp>
+      <p:sp>
+        <p:nvSpPr>
+          <p:cNvPr id="18" name="矩形 17">
+            <a:extLst>
+              <a:ext uri="{FF2B5EF4-FFF2-40B4-BE49-F238E27FC236}">
+                <a16:creationId xmlns:a16="http://schemas.microsoft.com/office/drawing/2014/main" id="{0FB3A394-9020-469D-91F6-68EEA700FA7B}"/>
               </a:ext>
             </a:extLst>
           </p:cNvPr>
@@ -24643,36 +24778,747 @@
         </p:nvSpPr>
         <p:spPr>
           <a:xfrm>
-            <a:off x="399716" y="594739"/>
-            <a:ext cx="1309461" cy="338554"/>
-          </a:xfrm>
-          <a:prstGeom prst="rect">
-            <a:avLst/>
-          </a:prstGeom>
-        </p:spPr>
-        <p:txBody>
-          <a:bodyPr wrap="none">
+            <a:off x="-2880" y="0"/>
+            <a:ext cx="12191760" cy="381800"/>
+          </a:xfrm>
+          <a:prstGeom prst="rect">
+            <a:avLst/>
+          </a:prstGeom>
+          <a:solidFill>
+            <a:schemeClr val="bg1"/>
+          </a:solidFill>
+          <a:ln>
+            <a:solidFill>
+              <a:schemeClr val="bg1"/>
+            </a:solidFill>
+          </a:ln>
+        </p:spPr>
+        <p:style>
+          <a:lnRef idx="2">
+            <a:schemeClr val="accent1">
+              <a:shade val="50000"/>
+            </a:schemeClr>
+          </a:lnRef>
+          <a:fillRef idx="1">
+            <a:schemeClr val="accent1"/>
+          </a:fillRef>
+          <a:effectRef idx="0">
+            <a:schemeClr val="accent1"/>
+          </a:effectRef>
+          <a:fontRef idx="minor">
+            <a:schemeClr val="lt1"/>
+          </a:fontRef>
+        </p:style>
+        <p:txBody>
+          <a:bodyPr rtlCol="0" anchor="ctr"/>
+          <a:lstStyle/>
+          <a:p>
+            <a:pPr algn="ctr"/>
+            <a:endParaRPr lang="en-US"/>
+          </a:p>
+        </p:txBody>
+      </p:sp>
+      <p:sp>
+        <p:nvSpPr>
+          <p:cNvPr id="19" name="矩形 18">
+            <a:extLst>
+              <a:ext uri="{FF2B5EF4-FFF2-40B4-BE49-F238E27FC236}">
+                <a16:creationId xmlns:a16="http://schemas.microsoft.com/office/drawing/2014/main" id="{1B3F5A8A-595D-4FB4-87AE-9EABF3549FA3}"/>
+              </a:ext>
+            </a:extLst>
+          </p:cNvPr>
+          <p:cNvSpPr/>
+          <p:nvPr/>
+        </p:nvSpPr>
+        <p:spPr>
+          <a:xfrm>
+            <a:off x="9754560" y="0"/>
+            <a:ext cx="2437200" cy="381800"/>
+          </a:xfrm>
+          <a:prstGeom prst="rect">
+            <a:avLst/>
+          </a:prstGeom>
+          <a:solidFill>
+            <a:schemeClr val="tx1">
+              <a:lumMod val="75000"/>
+              <a:lumOff val="25000"/>
+              <a:alpha val="30000"/>
+            </a:schemeClr>
+          </a:solidFill>
+          <a:ln w="9525">
+            <a:solidFill>
+              <a:schemeClr val="tx1">
+                <a:lumMod val="50000"/>
+                <a:lumOff val="50000"/>
+              </a:schemeClr>
+            </a:solidFill>
+          </a:ln>
+        </p:spPr>
+        <p:style>
+          <a:lnRef idx="2">
+            <a:schemeClr val="accent3">
+              <a:shade val="50000"/>
+            </a:schemeClr>
+          </a:lnRef>
+          <a:fillRef idx="1">
+            <a:schemeClr val="accent3"/>
+          </a:fillRef>
+          <a:effectRef idx="0">
+            <a:schemeClr val="accent3"/>
+          </a:effectRef>
+          <a:fontRef idx="minor">
+            <a:schemeClr val="lt1"/>
+          </a:fontRef>
+        </p:style>
+        <p:txBody>
+          <a:bodyPr rtlCol="0" anchor="ctr"/>
+          <a:lstStyle/>
+          <a:p>
+            <a:pPr algn="ctr"/>
+            <a:endParaRPr lang="en-US"/>
+          </a:p>
+        </p:txBody>
+      </p:sp>
+      <p:sp>
+        <p:nvSpPr>
+          <p:cNvPr id="20" name="矩形 19">
+            <a:extLst>
+              <a:ext uri="{FF2B5EF4-FFF2-40B4-BE49-F238E27FC236}">
+                <a16:creationId xmlns:a16="http://schemas.microsoft.com/office/drawing/2014/main" id="{6AFEE53B-00F4-4C28-995D-F23DDC78F376}"/>
+              </a:ext>
+            </a:extLst>
+          </p:cNvPr>
+          <p:cNvSpPr/>
+          <p:nvPr/>
+        </p:nvSpPr>
+        <p:spPr>
+          <a:xfrm>
+            <a:off x="0" y="0"/>
+            <a:ext cx="2437200" cy="381800"/>
+          </a:xfrm>
+          <a:prstGeom prst="rect">
+            <a:avLst/>
+          </a:prstGeom>
+          <a:solidFill>
+            <a:schemeClr val="bg1"/>
+          </a:solidFill>
+          <a:ln w="9525">
+            <a:solidFill>
+              <a:schemeClr val="tx1">
+                <a:lumMod val="50000"/>
+                <a:lumOff val="50000"/>
+              </a:schemeClr>
+            </a:solidFill>
+          </a:ln>
+        </p:spPr>
+        <p:style>
+          <a:lnRef idx="2">
+            <a:schemeClr val="accent3">
+              <a:shade val="50000"/>
+            </a:schemeClr>
+          </a:lnRef>
+          <a:fillRef idx="1">
+            <a:schemeClr val="accent3"/>
+          </a:fillRef>
+          <a:effectRef idx="0">
+            <a:schemeClr val="accent3"/>
+          </a:effectRef>
+          <a:fontRef idx="minor">
+            <a:schemeClr val="lt1"/>
+          </a:fontRef>
+        </p:style>
+        <p:txBody>
+          <a:bodyPr rtlCol="0" anchor="ctr"/>
+          <a:lstStyle/>
+          <a:p>
+            <a:pPr algn="ctr"/>
+            <a:endParaRPr lang="en-US"/>
+          </a:p>
+        </p:txBody>
+      </p:sp>
+      <p:sp>
+        <p:nvSpPr>
+          <p:cNvPr id="21" name="矩形 20">
+            <a:extLst>
+              <a:ext uri="{FF2B5EF4-FFF2-40B4-BE49-F238E27FC236}">
+                <a16:creationId xmlns:a16="http://schemas.microsoft.com/office/drawing/2014/main" id="{E90642E8-2512-4DC0-9E3C-EA8FF78F5B36}"/>
+              </a:ext>
+            </a:extLst>
+          </p:cNvPr>
+          <p:cNvSpPr/>
+          <p:nvPr/>
+        </p:nvSpPr>
+        <p:spPr>
+          <a:xfrm>
+            <a:off x="91057" y="44624"/>
+            <a:ext cx="2303999" cy="307777"/>
+          </a:xfrm>
+          <a:prstGeom prst="rect">
+            <a:avLst/>
+          </a:prstGeom>
+          <a:ln w="9525">
+            <a:noFill/>
+          </a:ln>
+        </p:spPr>
+        <p:txBody>
+          <a:bodyPr wrap="square">
             <a:spAutoFit/>
           </a:bodyPr>
           <a:lstStyle/>
           <a:p>
-            <a:r>
-              <a:rPr lang="en-US" altLang="zh-TW" sz="1600" b="1" kern="100" dirty="0">
+            <a:pPr algn="ctr"/>
+            <a:r>
+              <a:rPr lang="en-US" altLang="zh-CN" sz="1400" b="1" kern="100" dirty="0">
                 <a:solidFill>
                   <a:schemeClr val="accent1"/>
                 </a:solidFill>
                 <a:latin typeface="Times New Roman" panose="02020603050405020304" pitchFamily="18" charset="0"/>
                 <a:cs typeface="Times New Roman" panose="02020603050405020304" pitchFamily="18" charset="0"/>
               </a:rPr>
-              <a:t>C. Reference</a:t>
-            </a:r>
+              <a:t>Research Question</a:t>
+            </a:r>
+          </a:p>
+        </p:txBody>
+      </p:sp>
+      <p:sp>
+        <p:nvSpPr>
+          <p:cNvPr id="22" name="矩形 21">
+            <a:extLst>
+              <a:ext uri="{FF2B5EF4-FFF2-40B4-BE49-F238E27FC236}">
+                <a16:creationId xmlns:a16="http://schemas.microsoft.com/office/drawing/2014/main" id="{06A2820E-A5C8-49A8-A65E-659F8CDDCC27}"/>
+              </a:ext>
+            </a:extLst>
+          </p:cNvPr>
+          <p:cNvSpPr/>
+          <p:nvPr/>
+        </p:nvSpPr>
+        <p:spPr>
+          <a:xfrm>
+            <a:off x="2437200" y="0"/>
+            <a:ext cx="2437200" cy="381800"/>
+          </a:xfrm>
+          <a:prstGeom prst="rect">
+            <a:avLst/>
+          </a:prstGeom>
+          <a:solidFill>
+            <a:schemeClr val="bg1">
+              <a:alpha val="30000"/>
+            </a:schemeClr>
+          </a:solidFill>
+          <a:ln w="9525">
+            <a:solidFill>
+              <a:schemeClr val="tx1">
+                <a:lumMod val="50000"/>
+                <a:lumOff val="50000"/>
+              </a:schemeClr>
+            </a:solidFill>
+          </a:ln>
+        </p:spPr>
+        <p:style>
+          <a:lnRef idx="2">
+            <a:schemeClr val="accent3">
+              <a:shade val="50000"/>
+            </a:schemeClr>
+          </a:lnRef>
+          <a:fillRef idx="1">
+            <a:schemeClr val="accent3"/>
+          </a:fillRef>
+          <a:effectRef idx="0">
+            <a:schemeClr val="accent3"/>
+          </a:effectRef>
+          <a:fontRef idx="minor">
+            <a:schemeClr val="lt1"/>
+          </a:fontRef>
+        </p:style>
+        <p:txBody>
+          <a:bodyPr rtlCol="0" anchor="ctr"/>
+          <a:lstStyle/>
+          <a:p>
+            <a:pPr algn="ctr"/>
+            <a:endParaRPr lang="en-US"/>
+          </a:p>
+        </p:txBody>
+      </p:sp>
+      <p:sp>
+        <p:nvSpPr>
+          <p:cNvPr id="23" name="矩形 22">
+            <a:extLst>
+              <a:ext uri="{FF2B5EF4-FFF2-40B4-BE49-F238E27FC236}">
+                <a16:creationId xmlns:a16="http://schemas.microsoft.com/office/drawing/2014/main" id="{0758C2A2-B485-4FAF-90D6-18FF9EFA4647}"/>
+              </a:ext>
+            </a:extLst>
+          </p:cNvPr>
+          <p:cNvSpPr/>
+          <p:nvPr/>
+        </p:nvSpPr>
+        <p:spPr>
+          <a:xfrm>
+            <a:off x="4874400" y="0"/>
+            <a:ext cx="2437200" cy="381800"/>
+          </a:xfrm>
+          <a:prstGeom prst="rect">
+            <a:avLst/>
+          </a:prstGeom>
+          <a:solidFill>
+            <a:schemeClr val="bg1">
+              <a:alpha val="30000"/>
+            </a:schemeClr>
+          </a:solidFill>
+          <a:ln w="9525">
+            <a:solidFill>
+              <a:schemeClr val="tx1">
+                <a:lumMod val="50000"/>
+                <a:lumOff val="50000"/>
+              </a:schemeClr>
+            </a:solidFill>
+          </a:ln>
+        </p:spPr>
+        <p:style>
+          <a:lnRef idx="2">
+            <a:schemeClr val="accent3">
+              <a:shade val="50000"/>
+            </a:schemeClr>
+          </a:lnRef>
+          <a:fillRef idx="1">
+            <a:schemeClr val="accent3"/>
+          </a:fillRef>
+          <a:effectRef idx="0">
+            <a:schemeClr val="accent3"/>
+          </a:effectRef>
+          <a:fontRef idx="minor">
+            <a:schemeClr val="lt1"/>
+          </a:fontRef>
+        </p:style>
+        <p:txBody>
+          <a:bodyPr rtlCol="0" anchor="ctr"/>
+          <a:lstStyle/>
+          <a:p>
+            <a:pPr algn="ctr"/>
+            <a:endParaRPr lang="en-US"/>
+          </a:p>
+        </p:txBody>
+      </p:sp>
+      <p:sp>
+        <p:nvSpPr>
+          <p:cNvPr id="24" name="矩形 23">
+            <a:extLst>
+              <a:ext uri="{FF2B5EF4-FFF2-40B4-BE49-F238E27FC236}">
+                <a16:creationId xmlns:a16="http://schemas.microsoft.com/office/drawing/2014/main" id="{879D0081-A729-47E8-8E14-ED65864460EF}"/>
+              </a:ext>
+            </a:extLst>
+          </p:cNvPr>
+          <p:cNvSpPr/>
+          <p:nvPr/>
+        </p:nvSpPr>
+        <p:spPr>
+          <a:xfrm>
+            <a:off x="4916544" y="44624"/>
+            <a:ext cx="2303999" cy="307777"/>
+          </a:xfrm>
+          <a:prstGeom prst="rect">
+            <a:avLst/>
+          </a:prstGeom>
+          <a:ln w="9525">
+            <a:noFill/>
+          </a:ln>
+        </p:spPr>
+        <p:txBody>
+          <a:bodyPr wrap="square">
+            <a:spAutoFit/>
+          </a:bodyPr>
+          <a:lstStyle/>
+          <a:p>
+            <a:pPr algn="ctr"/>
+            <a:r>
+              <a:rPr lang="en-US" altLang="zh-CN" sz="1400" b="1" kern="100" dirty="0">
+                <a:solidFill>
+                  <a:schemeClr val="accent1"/>
+                </a:solidFill>
+                <a:latin typeface="Times New Roman" panose="02020603050405020304" pitchFamily="18" charset="0"/>
+                <a:cs typeface="Times New Roman" panose="02020603050405020304" pitchFamily="18" charset="0"/>
+              </a:rPr>
+              <a:t>Data pre-processing</a:t>
+            </a:r>
+            <a:endParaRPr lang="zh-CN" altLang="zh-CN" sz="1400" b="1" kern="100" dirty="0">
+              <a:solidFill>
+                <a:schemeClr val="accent1"/>
+              </a:solidFill>
+              <a:latin typeface="Times New Roman" panose="02020603050405020304" pitchFamily="18" charset="0"/>
+              <a:cs typeface="Times New Roman" panose="02020603050405020304" pitchFamily="18" charset="0"/>
+            </a:endParaRPr>
+          </a:p>
+        </p:txBody>
+      </p:sp>
+      <p:sp>
+        <p:nvSpPr>
+          <p:cNvPr id="25" name="矩形 24">
+            <a:extLst>
+              <a:ext uri="{FF2B5EF4-FFF2-40B4-BE49-F238E27FC236}">
+                <a16:creationId xmlns:a16="http://schemas.microsoft.com/office/drawing/2014/main" id="{C990BE16-83C9-4750-AAB0-6E5B2A2FA773}"/>
+              </a:ext>
+            </a:extLst>
+          </p:cNvPr>
+          <p:cNvSpPr/>
+          <p:nvPr/>
+        </p:nvSpPr>
+        <p:spPr>
+          <a:xfrm>
+            <a:off x="7311600" y="0"/>
+            <a:ext cx="2437200" cy="381800"/>
+          </a:xfrm>
+          <a:prstGeom prst="rect">
+            <a:avLst/>
+          </a:prstGeom>
+          <a:solidFill>
+            <a:schemeClr val="bg1">
+              <a:alpha val="30000"/>
+            </a:schemeClr>
+          </a:solidFill>
+          <a:ln w="9525">
+            <a:solidFill>
+              <a:schemeClr val="tx1">
+                <a:lumMod val="50000"/>
+                <a:lumOff val="50000"/>
+              </a:schemeClr>
+            </a:solidFill>
+          </a:ln>
+        </p:spPr>
+        <p:style>
+          <a:lnRef idx="2">
+            <a:schemeClr val="accent3">
+              <a:shade val="50000"/>
+            </a:schemeClr>
+          </a:lnRef>
+          <a:fillRef idx="1">
+            <a:schemeClr val="accent3"/>
+          </a:fillRef>
+          <a:effectRef idx="0">
+            <a:schemeClr val="accent3"/>
+          </a:effectRef>
+          <a:fontRef idx="minor">
+            <a:schemeClr val="lt1"/>
+          </a:fontRef>
+        </p:style>
+        <p:txBody>
+          <a:bodyPr rtlCol="0" anchor="ctr"/>
+          <a:lstStyle/>
+          <a:p>
+            <a:pPr algn="ctr"/>
+            <a:endParaRPr lang="en-US"/>
+          </a:p>
+        </p:txBody>
+      </p:sp>
+      <p:sp>
+        <p:nvSpPr>
+          <p:cNvPr id="26" name="矩形 25">
+            <a:extLst>
+              <a:ext uri="{FF2B5EF4-FFF2-40B4-BE49-F238E27FC236}">
+                <a16:creationId xmlns:a16="http://schemas.microsoft.com/office/drawing/2014/main" id="{371EEEDB-FE8A-46FE-B5DE-83502475004A}"/>
+              </a:ext>
+            </a:extLst>
+          </p:cNvPr>
+          <p:cNvSpPr/>
+          <p:nvPr/>
+        </p:nvSpPr>
+        <p:spPr>
+          <a:xfrm>
+            <a:off x="7408657" y="33290"/>
+            <a:ext cx="2303999" cy="307777"/>
+          </a:xfrm>
+          <a:prstGeom prst="rect">
+            <a:avLst/>
+          </a:prstGeom>
+          <a:ln w="9525">
+            <a:noFill/>
+          </a:ln>
+        </p:spPr>
+        <p:txBody>
+          <a:bodyPr wrap="square">
+            <a:spAutoFit/>
+          </a:bodyPr>
+          <a:lstStyle/>
+          <a:p>
+            <a:pPr algn="ctr"/>
+            <a:r>
+              <a:rPr lang="en-US" altLang="zh-CN" sz="1400" b="1" kern="100" dirty="0">
+                <a:solidFill>
+                  <a:schemeClr val="accent1"/>
+                </a:solidFill>
+                <a:latin typeface="Times New Roman" panose="02020603050405020304" pitchFamily="18" charset="0"/>
+                <a:cs typeface="Times New Roman" panose="02020603050405020304" pitchFamily="18" charset="0"/>
+              </a:rPr>
+              <a:t>Model Training</a:t>
+            </a:r>
+            <a:endParaRPr lang="zh-CN" altLang="zh-CN" sz="1400" b="1" kern="100" dirty="0">
+              <a:solidFill>
+                <a:schemeClr val="accent1"/>
+              </a:solidFill>
+              <a:latin typeface="Times New Roman" panose="02020603050405020304" pitchFamily="18" charset="0"/>
+              <a:cs typeface="Times New Roman" panose="02020603050405020304" pitchFamily="18" charset="0"/>
+            </a:endParaRPr>
+          </a:p>
+        </p:txBody>
+      </p:sp>
+      <p:sp>
+        <p:nvSpPr>
+          <p:cNvPr id="27" name="矩形 26">
+            <a:extLst>
+              <a:ext uri="{FF2B5EF4-FFF2-40B4-BE49-F238E27FC236}">
+                <a16:creationId xmlns:a16="http://schemas.microsoft.com/office/drawing/2014/main" id="{DE395EB8-7179-4B43-99D4-156E65A700AC}"/>
+              </a:ext>
+            </a:extLst>
+          </p:cNvPr>
+          <p:cNvSpPr/>
+          <p:nvPr/>
+        </p:nvSpPr>
+        <p:spPr>
+          <a:xfrm>
+            <a:off x="9821160" y="44624"/>
+            <a:ext cx="2303999" cy="307777"/>
+          </a:xfrm>
+          <a:prstGeom prst="rect">
+            <a:avLst/>
+          </a:prstGeom>
+        </p:spPr>
+        <p:txBody>
+          <a:bodyPr wrap="square">
+            <a:spAutoFit/>
+          </a:bodyPr>
+          <a:lstStyle/>
+          <a:p>
+            <a:pPr algn="ctr"/>
+            <a:r>
+              <a:rPr lang="en-US" altLang="zh-CN" sz="1400" b="1" kern="100" dirty="0">
+                <a:solidFill>
+                  <a:schemeClr val="accent1"/>
+                </a:solidFill>
+                <a:latin typeface="Times New Roman" panose="02020603050405020304" pitchFamily="18" charset="0"/>
+                <a:cs typeface="Times New Roman" panose="02020603050405020304" pitchFamily="18" charset="0"/>
+              </a:rPr>
+              <a:t>Appendix</a:t>
+            </a:r>
+            <a:endParaRPr lang="zh-CN" altLang="zh-CN" sz="1400" b="1" kern="100" dirty="0">
+              <a:solidFill>
+                <a:schemeClr val="accent1"/>
+              </a:solidFill>
+              <a:latin typeface="Times New Roman" panose="02020603050405020304" pitchFamily="18" charset="0"/>
+              <a:cs typeface="Times New Roman" panose="02020603050405020304" pitchFamily="18" charset="0"/>
+            </a:endParaRPr>
+          </a:p>
+        </p:txBody>
+      </p:sp>
+      <p:sp>
+        <p:nvSpPr>
+          <p:cNvPr id="28" name="矩形 27">
+            <a:extLst>
+              <a:ext uri="{FF2B5EF4-FFF2-40B4-BE49-F238E27FC236}">
+                <a16:creationId xmlns:a16="http://schemas.microsoft.com/office/drawing/2014/main" id="{93D8981B-AF20-4DC7-ABF8-10F9897107C3}"/>
+              </a:ext>
+            </a:extLst>
+          </p:cNvPr>
+          <p:cNvSpPr/>
+          <p:nvPr/>
+        </p:nvSpPr>
+        <p:spPr>
+          <a:xfrm>
+            <a:off x="2503800" y="44624"/>
+            <a:ext cx="2303999" cy="307777"/>
+          </a:xfrm>
+          <a:prstGeom prst="rect">
+            <a:avLst/>
+          </a:prstGeom>
+          <a:ln w="9525">
+            <a:noFill/>
+          </a:ln>
+        </p:spPr>
+        <p:txBody>
+          <a:bodyPr wrap="square">
+            <a:spAutoFit/>
+          </a:bodyPr>
+          <a:lstStyle/>
+          <a:p>
+            <a:pPr algn="ctr"/>
+            <a:r>
+              <a:rPr lang="en-US" altLang="zh-CN" sz="1400" b="1" kern="100" dirty="0">
+                <a:solidFill>
+                  <a:schemeClr val="accent1"/>
+                </a:solidFill>
+                <a:latin typeface="Times New Roman" panose="02020603050405020304" pitchFamily="18" charset="0"/>
+                <a:cs typeface="Times New Roman" panose="02020603050405020304" pitchFamily="18" charset="0"/>
+              </a:rPr>
+              <a:t>EDA</a:t>
+            </a:r>
+          </a:p>
+        </p:txBody>
+      </p:sp>
+      <p:sp>
+        <p:nvSpPr>
+          <p:cNvPr id="17" name="矩形 16">
+            <a:extLst>
+              <a:ext uri="{FF2B5EF4-FFF2-40B4-BE49-F238E27FC236}">
+                <a16:creationId xmlns:a16="http://schemas.microsoft.com/office/drawing/2014/main" id="{FF885DDD-0FFE-44BC-8CD2-CA7462B3168D}"/>
+              </a:ext>
+            </a:extLst>
+          </p:cNvPr>
+          <p:cNvSpPr/>
+          <p:nvPr/>
+        </p:nvSpPr>
+        <p:spPr>
+          <a:xfrm>
+            <a:off x="399716" y="594739"/>
+            <a:ext cx="2158924" cy="338554"/>
+          </a:xfrm>
+          <a:prstGeom prst="rect">
+            <a:avLst/>
+          </a:prstGeom>
+        </p:spPr>
+        <p:txBody>
+          <a:bodyPr wrap="none">
+            <a:spAutoFit/>
+          </a:bodyPr>
+          <a:lstStyle/>
+          <a:p>
+            <a:r>
+              <a:rPr lang="en-US" altLang="zh-TW" sz="1600" b="1" kern="100" dirty="0">
+                <a:solidFill>
+                  <a:schemeClr val="accent1"/>
+                </a:solidFill>
+                <a:cs typeface="Times New Roman" panose="02020603050405020304" pitchFamily="18" charset="0"/>
+              </a:rPr>
+              <a:t>C. </a:t>
+            </a:r>
+            <a:r>
+              <a:rPr lang="en-US" altLang="zh-TW" sz="1600" b="1" kern="100" dirty="0">
+                <a:solidFill>
+                  <a:schemeClr val="accent1"/>
+                </a:solidFill>
+                <a:ea typeface="標楷體" panose="03000509000000000000" pitchFamily="65" charset="-120"/>
+                <a:cs typeface="Times New Roman" panose="02020603050405020304" pitchFamily="18" charset="0"/>
+              </a:rPr>
+              <a:t>EDA</a:t>
+            </a:r>
+            <a:r>
+              <a:rPr lang="zh-TW" altLang="en-US" sz="1600" b="1" kern="100" dirty="0">
+                <a:solidFill>
+                  <a:schemeClr val="accent1"/>
+                </a:solidFill>
+                <a:ea typeface="標楷體" panose="03000509000000000000" pitchFamily="65" charset="-120"/>
+                <a:cs typeface="Times New Roman" panose="02020603050405020304" pitchFamily="18" charset="0"/>
+              </a:rPr>
+              <a:t> </a:t>
+            </a:r>
+            <a:r>
+              <a:rPr lang="en-US" altLang="zh-TW" sz="1600" b="1" kern="100" dirty="0">
+                <a:solidFill>
+                  <a:schemeClr val="accent1"/>
+                </a:solidFill>
+                <a:ea typeface="標楷體" panose="03000509000000000000" pitchFamily="65" charset="-120"/>
+                <a:cs typeface="Times New Roman" panose="02020603050405020304" pitchFamily="18" charset="0"/>
+              </a:rPr>
+              <a:t>result(</a:t>
+            </a:r>
+            <a:r>
+              <a:rPr lang="zh-TW" altLang="en-US" sz="1600" b="1" kern="100" dirty="0">
+                <a:solidFill>
+                  <a:schemeClr val="accent1"/>
+                </a:solidFill>
+                <a:ea typeface="標楷體" panose="03000509000000000000" pitchFamily="65" charset="-120"/>
+                <a:cs typeface="Times New Roman" panose="02020603050405020304" pitchFamily="18" charset="0"/>
+              </a:rPr>
+              <a:t>理賠檔</a:t>
+            </a:r>
+            <a:r>
+              <a:rPr lang="en-US" altLang="zh-TW" sz="1600" b="1" kern="100" dirty="0">
+                <a:solidFill>
+                  <a:schemeClr val="accent1"/>
+                </a:solidFill>
+                <a:ea typeface="標楷體" panose="03000509000000000000" pitchFamily="65" charset="-120"/>
+                <a:cs typeface="Times New Roman" panose="02020603050405020304" pitchFamily="18" charset="0"/>
+              </a:rPr>
+              <a:t>)</a:t>
+            </a:r>
+          </a:p>
+        </p:txBody>
+      </p:sp>
+      <p:pic>
+        <p:nvPicPr>
+          <p:cNvPr id="15" name="圖片 14">
+            <a:extLst>
+              <a:ext uri="{FF2B5EF4-FFF2-40B4-BE49-F238E27FC236}">
+                <a16:creationId xmlns:a16="http://schemas.microsoft.com/office/drawing/2014/main" id="{E97C6BA0-3194-4281-AAA6-0F3EF72F652B}"/>
+              </a:ext>
+            </a:extLst>
+          </p:cNvPr>
+          <p:cNvPicPr>
+            <a:picLocks noChangeAspect="1"/>
+          </p:cNvPicPr>
+          <p:nvPr/>
+        </p:nvPicPr>
+        <p:blipFill rotWithShape="1">
+          <a:blip r:embed="rId2"/>
+          <a:srcRect r="801"/>
+          <a:stretch/>
+        </p:blipFill>
+        <p:spPr>
+          <a:xfrm>
+            <a:off x="2223824" y="1412776"/>
+            <a:ext cx="7488832" cy="4597420"/>
+          </a:xfrm>
+          <a:prstGeom prst="rect">
+            <a:avLst/>
+          </a:prstGeom>
+        </p:spPr>
+      </p:pic>
+      <p:sp>
+        <p:nvSpPr>
+          <p:cNvPr id="16" name="文字方塊 15">
+            <a:extLst>
+              <a:ext uri="{FF2B5EF4-FFF2-40B4-BE49-F238E27FC236}">
+                <a16:creationId xmlns:a16="http://schemas.microsoft.com/office/drawing/2014/main" id="{CFF5505E-6008-4EE5-B4CD-8DC92E236A20}"/>
+              </a:ext>
+            </a:extLst>
+          </p:cNvPr>
+          <p:cNvSpPr txBox="1"/>
+          <p:nvPr/>
+        </p:nvSpPr>
+        <p:spPr>
+          <a:xfrm>
+            <a:off x="5447928" y="6151363"/>
+            <a:ext cx="1616004" cy="369332"/>
+          </a:xfrm>
+          <a:prstGeom prst="rect">
+            <a:avLst/>
+          </a:prstGeom>
+          <a:noFill/>
+        </p:spPr>
+        <p:txBody>
+          <a:bodyPr wrap="square" rtlCol="0">
+            <a:spAutoFit/>
+          </a:bodyPr>
+          <a:lstStyle/>
+          <a:p>
+            <a:r>
+              <a:rPr lang="en-US" dirty="0"/>
+              <a:t>1. </a:t>
+            </a:r>
+            <a:r>
+              <a:rPr lang="zh-TW" altLang="en-US" dirty="0">
+                <a:latin typeface="標楷體" panose="03000509000000000000" pitchFamily="65" charset="-120"/>
+                <a:ea typeface="標楷體" panose="03000509000000000000" pitchFamily="65" charset="-120"/>
+              </a:rPr>
+              <a:t>欄位說明</a:t>
+            </a:r>
+            <a:endParaRPr lang="en-US" dirty="0">
+              <a:latin typeface="標楷體" panose="03000509000000000000" pitchFamily="65" charset="-120"/>
+              <a:ea typeface="標楷體" panose="03000509000000000000" pitchFamily="65" charset="-120"/>
+            </a:endParaRPr>
           </a:p>
         </p:txBody>
       </p:sp>
     </p:spTree>
     <p:extLst>
       <p:ext uri="{BB962C8B-B14F-4D97-AF65-F5344CB8AC3E}">
-        <p14:creationId xmlns:p14="http://schemas.microsoft.com/office/powerpoint/2010/main" val="3554010484"/>
+        <p14:creationId xmlns:p14="http://schemas.microsoft.com/office/powerpoint/2010/main" val="2742110044"/>
       </p:ext>
     </p:extLst>
   </p:cSld>
@@ -24918,6 +25764,3192 @@
     <p:extLst>
       <p:ext uri="{BB962C8B-B14F-4D97-AF65-F5344CB8AC3E}">
         <p14:creationId xmlns:p14="http://schemas.microsoft.com/office/powerpoint/2010/main" val="1258181072"/>
+      </p:ext>
+    </p:extLst>
+  </p:cSld>
+  <p:clrMapOvr>
+    <a:masterClrMapping/>
+  </p:clrMapOvr>
+</p:sld>
+</file>
+
+<file path=ppt/slides/slide30.xml><?xml version="1.0" encoding="utf-8"?>
+<p:sld xmlns:a="http://schemas.openxmlformats.org/drawingml/2006/main" xmlns:r="http://schemas.openxmlformats.org/officeDocument/2006/relationships" xmlns:p="http://schemas.openxmlformats.org/presentationml/2006/main">
+  <p:cSld>
+    <p:spTree>
+      <p:nvGrpSpPr>
+        <p:cNvPr id="1" name=""/>
+        <p:cNvGrpSpPr/>
+        <p:nvPr/>
+      </p:nvGrpSpPr>
+      <p:grpSpPr>
+        <a:xfrm>
+          <a:off x="0" y="0"/>
+          <a:ext cx="0" cy="0"/>
+          <a:chOff x="0" y="0"/>
+          <a:chExt cx="0" cy="0"/>
+        </a:xfrm>
+      </p:grpSpPr>
+      <p:sp>
+        <p:nvSpPr>
+          <p:cNvPr id="4" name="投影片編號版面配置區 3">
+            <a:extLst>
+              <a:ext uri="{FF2B5EF4-FFF2-40B4-BE49-F238E27FC236}">
+                <a16:creationId xmlns:a16="http://schemas.microsoft.com/office/drawing/2014/main" id="{C5183A82-9DEB-4EC5-9C61-ADE694674CED}"/>
+              </a:ext>
+            </a:extLst>
+          </p:cNvPr>
+          <p:cNvSpPr>
+            <a:spLocks noGrp="1"/>
+          </p:cNvSpPr>
+          <p:nvPr>
+            <p:ph type="sldNum" sz="quarter" idx="12"/>
+          </p:nvPr>
+        </p:nvSpPr>
+        <p:spPr/>
+        <p:txBody>
+          <a:bodyPr/>
+          <a:lstStyle/>
+          <a:p>
+            <a:fld id="{BF8CE765-4F4E-465C-81D9-F9DA65D64035}" type="slidenum">
+              <a:rPr lang="zh-TW" altLang="en-US" smtClean="0"/>
+              <a:t>30</a:t>
+            </a:fld>
+            <a:endParaRPr lang="zh-TW" altLang="en-US"/>
+          </a:p>
+        </p:txBody>
+      </p:sp>
+      <p:sp>
+        <p:nvSpPr>
+          <p:cNvPr id="18" name="矩形 17">
+            <a:extLst>
+              <a:ext uri="{FF2B5EF4-FFF2-40B4-BE49-F238E27FC236}">
+                <a16:creationId xmlns:a16="http://schemas.microsoft.com/office/drawing/2014/main" id="{0FB3A394-9020-469D-91F6-68EEA700FA7B}"/>
+              </a:ext>
+            </a:extLst>
+          </p:cNvPr>
+          <p:cNvSpPr/>
+          <p:nvPr/>
+        </p:nvSpPr>
+        <p:spPr>
+          <a:xfrm>
+            <a:off x="-2880" y="0"/>
+            <a:ext cx="12191760" cy="381800"/>
+          </a:xfrm>
+          <a:prstGeom prst="rect">
+            <a:avLst/>
+          </a:prstGeom>
+          <a:solidFill>
+            <a:schemeClr val="bg1"/>
+          </a:solidFill>
+          <a:ln>
+            <a:solidFill>
+              <a:schemeClr val="bg1"/>
+            </a:solidFill>
+          </a:ln>
+        </p:spPr>
+        <p:style>
+          <a:lnRef idx="2">
+            <a:schemeClr val="accent1">
+              <a:shade val="50000"/>
+            </a:schemeClr>
+          </a:lnRef>
+          <a:fillRef idx="1">
+            <a:schemeClr val="accent1"/>
+          </a:fillRef>
+          <a:effectRef idx="0">
+            <a:schemeClr val="accent1"/>
+          </a:effectRef>
+          <a:fontRef idx="minor">
+            <a:schemeClr val="lt1"/>
+          </a:fontRef>
+        </p:style>
+        <p:txBody>
+          <a:bodyPr rtlCol="0" anchor="ctr"/>
+          <a:lstStyle/>
+          <a:p>
+            <a:pPr algn="ctr"/>
+            <a:endParaRPr lang="en-US"/>
+          </a:p>
+        </p:txBody>
+      </p:sp>
+      <p:sp>
+        <p:nvSpPr>
+          <p:cNvPr id="19" name="矩形 18">
+            <a:extLst>
+              <a:ext uri="{FF2B5EF4-FFF2-40B4-BE49-F238E27FC236}">
+                <a16:creationId xmlns:a16="http://schemas.microsoft.com/office/drawing/2014/main" id="{1B3F5A8A-595D-4FB4-87AE-9EABF3549FA3}"/>
+              </a:ext>
+            </a:extLst>
+          </p:cNvPr>
+          <p:cNvSpPr/>
+          <p:nvPr/>
+        </p:nvSpPr>
+        <p:spPr>
+          <a:xfrm>
+            <a:off x="9754560" y="0"/>
+            <a:ext cx="2437200" cy="381800"/>
+          </a:xfrm>
+          <a:prstGeom prst="rect">
+            <a:avLst/>
+          </a:prstGeom>
+          <a:solidFill>
+            <a:schemeClr val="tx1">
+              <a:lumMod val="75000"/>
+              <a:lumOff val="25000"/>
+              <a:alpha val="30000"/>
+            </a:schemeClr>
+          </a:solidFill>
+          <a:ln w="9525">
+            <a:solidFill>
+              <a:schemeClr val="tx1">
+                <a:lumMod val="50000"/>
+                <a:lumOff val="50000"/>
+              </a:schemeClr>
+            </a:solidFill>
+          </a:ln>
+        </p:spPr>
+        <p:style>
+          <a:lnRef idx="2">
+            <a:schemeClr val="accent3">
+              <a:shade val="50000"/>
+            </a:schemeClr>
+          </a:lnRef>
+          <a:fillRef idx="1">
+            <a:schemeClr val="accent3"/>
+          </a:fillRef>
+          <a:effectRef idx="0">
+            <a:schemeClr val="accent3"/>
+          </a:effectRef>
+          <a:fontRef idx="minor">
+            <a:schemeClr val="lt1"/>
+          </a:fontRef>
+        </p:style>
+        <p:txBody>
+          <a:bodyPr rtlCol="0" anchor="ctr"/>
+          <a:lstStyle/>
+          <a:p>
+            <a:pPr algn="ctr"/>
+            <a:endParaRPr lang="en-US"/>
+          </a:p>
+        </p:txBody>
+      </p:sp>
+      <p:sp>
+        <p:nvSpPr>
+          <p:cNvPr id="20" name="矩形 19">
+            <a:extLst>
+              <a:ext uri="{FF2B5EF4-FFF2-40B4-BE49-F238E27FC236}">
+                <a16:creationId xmlns:a16="http://schemas.microsoft.com/office/drawing/2014/main" id="{6AFEE53B-00F4-4C28-995D-F23DDC78F376}"/>
+              </a:ext>
+            </a:extLst>
+          </p:cNvPr>
+          <p:cNvSpPr/>
+          <p:nvPr/>
+        </p:nvSpPr>
+        <p:spPr>
+          <a:xfrm>
+            <a:off x="0" y="0"/>
+            <a:ext cx="2437200" cy="381800"/>
+          </a:xfrm>
+          <a:prstGeom prst="rect">
+            <a:avLst/>
+          </a:prstGeom>
+          <a:solidFill>
+            <a:schemeClr val="bg1"/>
+          </a:solidFill>
+          <a:ln w="9525">
+            <a:solidFill>
+              <a:schemeClr val="tx1">
+                <a:lumMod val="50000"/>
+                <a:lumOff val="50000"/>
+              </a:schemeClr>
+            </a:solidFill>
+          </a:ln>
+        </p:spPr>
+        <p:style>
+          <a:lnRef idx="2">
+            <a:schemeClr val="accent3">
+              <a:shade val="50000"/>
+            </a:schemeClr>
+          </a:lnRef>
+          <a:fillRef idx="1">
+            <a:schemeClr val="accent3"/>
+          </a:fillRef>
+          <a:effectRef idx="0">
+            <a:schemeClr val="accent3"/>
+          </a:effectRef>
+          <a:fontRef idx="minor">
+            <a:schemeClr val="lt1"/>
+          </a:fontRef>
+        </p:style>
+        <p:txBody>
+          <a:bodyPr rtlCol="0" anchor="ctr"/>
+          <a:lstStyle/>
+          <a:p>
+            <a:pPr algn="ctr"/>
+            <a:endParaRPr lang="en-US"/>
+          </a:p>
+        </p:txBody>
+      </p:sp>
+      <p:sp>
+        <p:nvSpPr>
+          <p:cNvPr id="21" name="矩形 20">
+            <a:extLst>
+              <a:ext uri="{FF2B5EF4-FFF2-40B4-BE49-F238E27FC236}">
+                <a16:creationId xmlns:a16="http://schemas.microsoft.com/office/drawing/2014/main" id="{E90642E8-2512-4DC0-9E3C-EA8FF78F5B36}"/>
+              </a:ext>
+            </a:extLst>
+          </p:cNvPr>
+          <p:cNvSpPr/>
+          <p:nvPr/>
+        </p:nvSpPr>
+        <p:spPr>
+          <a:xfrm>
+            <a:off x="91057" y="44624"/>
+            <a:ext cx="2303999" cy="307777"/>
+          </a:xfrm>
+          <a:prstGeom prst="rect">
+            <a:avLst/>
+          </a:prstGeom>
+          <a:ln w="9525">
+            <a:noFill/>
+          </a:ln>
+        </p:spPr>
+        <p:txBody>
+          <a:bodyPr wrap="square">
+            <a:spAutoFit/>
+          </a:bodyPr>
+          <a:lstStyle/>
+          <a:p>
+            <a:pPr algn="ctr"/>
+            <a:r>
+              <a:rPr lang="en-US" altLang="zh-CN" sz="1400" b="1" kern="100" dirty="0">
+                <a:solidFill>
+                  <a:schemeClr val="accent1"/>
+                </a:solidFill>
+                <a:latin typeface="Times New Roman" panose="02020603050405020304" pitchFamily="18" charset="0"/>
+                <a:cs typeface="Times New Roman" panose="02020603050405020304" pitchFamily="18" charset="0"/>
+              </a:rPr>
+              <a:t>Research Question</a:t>
+            </a:r>
+          </a:p>
+        </p:txBody>
+      </p:sp>
+      <p:sp>
+        <p:nvSpPr>
+          <p:cNvPr id="22" name="矩形 21">
+            <a:extLst>
+              <a:ext uri="{FF2B5EF4-FFF2-40B4-BE49-F238E27FC236}">
+                <a16:creationId xmlns:a16="http://schemas.microsoft.com/office/drawing/2014/main" id="{06A2820E-A5C8-49A8-A65E-659F8CDDCC27}"/>
+              </a:ext>
+            </a:extLst>
+          </p:cNvPr>
+          <p:cNvSpPr/>
+          <p:nvPr/>
+        </p:nvSpPr>
+        <p:spPr>
+          <a:xfrm>
+            <a:off x="2437200" y="0"/>
+            <a:ext cx="2437200" cy="381800"/>
+          </a:xfrm>
+          <a:prstGeom prst="rect">
+            <a:avLst/>
+          </a:prstGeom>
+          <a:solidFill>
+            <a:schemeClr val="bg1">
+              <a:alpha val="30000"/>
+            </a:schemeClr>
+          </a:solidFill>
+          <a:ln w="9525">
+            <a:solidFill>
+              <a:schemeClr val="tx1">
+                <a:lumMod val="50000"/>
+                <a:lumOff val="50000"/>
+              </a:schemeClr>
+            </a:solidFill>
+          </a:ln>
+        </p:spPr>
+        <p:style>
+          <a:lnRef idx="2">
+            <a:schemeClr val="accent3">
+              <a:shade val="50000"/>
+            </a:schemeClr>
+          </a:lnRef>
+          <a:fillRef idx="1">
+            <a:schemeClr val="accent3"/>
+          </a:fillRef>
+          <a:effectRef idx="0">
+            <a:schemeClr val="accent3"/>
+          </a:effectRef>
+          <a:fontRef idx="minor">
+            <a:schemeClr val="lt1"/>
+          </a:fontRef>
+        </p:style>
+        <p:txBody>
+          <a:bodyPr rtlCol="0" anchor="ctr"/>
+          <a:lstStyle/>
+          <a:p>
+            <a:pPr algn="ctr"/>
+            <a:endParaRPr lang="en-US"/>
+          </a:p>
+        </p:txBody>
+      </p:sp>
+      <p:sp>
+        <p:nvSpPr>
+          <p:cNvPr id="23" name="矩形 22">
+            <a:extLst>
+              <a:ext uri="{FF2B5EF4-FFF2-40B4-BE49-F238E27FC236}">
+                <a16:creationId xmlns:a16="http://schemas.microsoft.com/office/drawing/2014/main" id="{0758C2A2-B485-4FAF-90D6-18FF9EFA4647}"/>
+              </a:ext>
+            </a:extLst>
+          </p:cNvPr>
+          <p:cNvSpPr/>
+          <p:nvPr/>
+        </p:nvSpPr>
+        <p:spPr>
+          <a:xfrm>
+            <a:off x="4874400" y="0"/>
+            <a:ext cx="2437200" cy="381800"/>
+          </a:xfrm>
+          <a:prstGeom prst="rect">
+            <a:avLst/>
+          </a:prstGeom>
+          <a:solidFill>
+            <a:schemeClr val="bg1">
+              <a:alpha val="30000"/>
+            </a:schemeClr>
+          </a:solidFill>
+          <a:ln w="9525">
+            <a:solidFill>
+              <a:schemeClr val="tx1">
+                <a:lumMod val="50000"/>
+                <a:lumOff val="50000"/>
+              </a:schemeClr>
+            </a:solidFill>
+          </a:ln>
+        </p:spPr>
+        <p:style>
+          <a:lnRef idx="2">
+            <a:schemeClr val="accent3">
+              <a:shade val="50000"/>
+            </a:schemeClr>
+          </a:lnRef>
+          <a:fillRef idx="1">
+            <a:schemeClr val="accent3"/>
+          </a:fillRef>
+          <a:effectRef idx="0">
+            <a:schemeClr val="accent3"/>
+          </a:effectRef>
+          <a:fontRef idx="minor">
+            <a:schemeClr val="lt1"/>
+          </a:fontRef>
+        </p:style>
+        <p:txBody>
+          <a:bodyPr rtlCol="0" anchor="ctr"/>
+          <a:lstStyle/>
+          <a:p>
+            <a:pPr algn="ctr"/>
+            <a:endParaRPr lang="en-US"/>
+          </a:p>
+        </p:txBody>
+      </p:sp>
+      <p:sp>
+        <p:nvSpPr>
+          <p:cNvPr id="24" name="矩形 23">
+            <a:extLst>
+              <a:ext uri="{FF2B5EF4-FFF2-40B4-BE49-F238E27FC236}">
+                <a16:creationId xmlns:a16="http://schemas.microsoft.com/office/drawing/2014/main" id="{879D0081-A729-47E8-8E14-ED65864460EF}"/>
+              </a:ext>
+            </a:extLst>
+          </p:cNvPr>
+          <p:cNvSpPr/>
+          <p:nvPr/>
+        </p:nvSpPr>
+        <p:spPr>
+          <a:xfrm>
+            <a:off x="4916544" y="44624"/>
+            <a:ext cx="2303999" cy="307777"/>
+          </a:xfrm>
+          <a:prstGeom prst="rect">
+            <a:avLst/>
+          </a:prstGeom>
+          <a:ln w="9525">
+            <a:noFill/>
+          </a:ln>
+        </p:spPr>
+        <p:txBody>
+          <a:bodyPr wrap="square">
+            <a:spAutoFit/>
+          </a:bodyPr>
+          <a:lstStyle/>
+          <a:p>
+            <a:pPr algn="ctr"/>
+            <a:r>
+              <a:rPr lang="en-US" altLang="zh-CN" sz="1400" b="1" kern="100" dirty="0">
+                <a:solidFill>
+                  <a:schemeClr val="accent1"/>
+                </a:solidFill>
+                <a:latin typeface="Times New Roman" panose="02020603050405020304" pitchFamily="18" charset="0"/>
+                <a:cs typeface="Times New Roman" panose="02020603050405020304" pitchFamily="18" charset="0"/>
+              </a:rPr>
+              <a:t>Data pre-processing</a:t>
+            </a:r>
+            <a:endParaRPr lang="zh-CN" altLang="zh-CN" sz="1400" b="1" kern="100" dirty="0">
+              <a:solidFill>
+                <a:schemeClr val="accent1"/>
+              </a:solidFill>
+              <a:latin typeface="Times New Roman" panose="02020603050405020304" pitchFamily="18" charset="0"/>
+              <a:cs typeface="Times New Roman" panose="02020603050405020304" pitchFamily="18" charset="0"/>
+            </a:endParaRPr>
+          </a:p>
+        </p:txBody>
+      </p:sp>
+      <p:sp>
+        <p:nvSpPr>
+          <p:cNvPr id="25" name="矩形 24">
+            <a:extLst>
+              <a:ext uri="{FF2B5EF4-FFF2-40B4-BE49-F238E27FC236}">
+                <a16:creationId xmlns:a16="http://schemas.microsoft.com/office/drawing/2014/main" id="{C990BE16-83C9-4750-AAB0-6E5B2A2FA773}"/>
+              </a:ext>
+            </a:extLst>
+          </p:cNvPr>
+          <p:cNvSpPr/>
+          <p:nvPr/>
+        </p:nvSpPr>
+        <p:spPr>
+          <a:xfrm>
+            <a:off x="7311600" y="0"/>
+            <a:ext cx="2437200" cy="381800"/>
+          </a:xfrm>
+          <a:prstGeom prst="rect">
+            <a:avLst/>
+          </a:prstGeom>
+          <a:solidFill>
+            <a:schemeClr val="bg1">
+              <a:alpha val="30000"/>
+            </a:schemeClr>
+          </a:solidFill>
+          <a:ln w="9525">
+            <a:solidFill>
+              <a:schemeClr val="tx1">
+                <a:lumMod val="50000"/>
+                <a:lumOff val="50000"/>
+              </a:schemeClr>
+            </a:solidFill>
+          </a:ln>
+        </p:spPr>
+        <p:style>
+          <a:lnRef idx="2">
+            <a:schemeClr val="accent3">
+              <a:shade val="50000"/>
+            </a:schemeClr>
+          </a:lnRef>
+          <a:fillRef idx="1">
+            <a:schemeClr val="accent3"/>
+          </a:fillRef>
+          <a:effectRef idx="0">
+            <a:schemeClr val="accent3"/>
+          </a:effectRef>
+          <a:fontRef idx="minor">
+            <a:schemeClr val="lt1"/>
+          </a:fontRef>
+        </p:style>
+        <p:txBody>
+          <a:bodyPr rtlCol="0" anchor="ctr"/>
+          <a:lstStyle/>
+          <a:p>
+            <a:pPr algn="ctr"/>
+            <a:endParaRPr lang="en-US"/>
+          </a:p>
+        </p:txBody>
+      </p:sp>
+      <p:sp>
+        <p:nvSpPr>
+          <p:cNvPr id="26" name="矩形 25">
+            <a:extLst>
+              <a:ext uri="{FF2B5EF4-FFF2-40B4-BE49-F238E27FC236}">
+                <a16:creationId xmlns:a16="http://schemas.microsoft.com/office/drawing/2014/main" id="{371EEEDB-FE8A-46FE-B5DE-83502475004A}"/>
+              </a:ext>
+            </a:extLst>
+          </p:cNvPr>
+          <p:cNvSpPr/>
+          <p:nvPr/>
+        </p:nvSpPr>
+        <p:spPr>
+          <a:xfrm>
+            <a:off x="7408657" y="33290"/>
+            <a:ext cx="2303999" cy="307777"/>
+          </a:xfrm>
+          <a:prstGeom prst="rect">
+            <a:avLst/>
+          </a:prstGeom>
+          <a:ln w="9525">
+            <a:noFill/>
+          </a:ln>
+        </p:spPr>
+        <p:txBody>
+          <a:bodyPr wrap="square">
+            <a:spAutoFit/>
+          </a:bodyPr>
+          <a:lstStyle/>
+          <a:p>
+            <a:pPr algn="ctr"/>
+            <a:r>
+              <a:rPr lang="en-US" altLang="zh-CN" sz="1400" b="1" kern="100" dirty="0">
+                <a:solidFill>
+                  <a:schemeClr val="accent1"/>
+                </a:solidFill>
+                <a:latin typeface="Times New Roman" panose="02020603050405020304" pitchFamily="18" charset="0"/>
+                <a:cs typeface="Times New Roman" panose="02020603050405020304" pitchFamily="18" charset="0"/>
+              </a:rPr>
+              <a:t>Model Training</a:t>
+            </a:r>
+            <a:endParaRPr lang="zh-CN" altLang="zh-CN" sz="1400" b="1" kern="100" dirty="0">
+              <a:solidFill>
+                <a:schemeClr val="accent1"/>
+              </a:solidFill>
+              <a:latin typeface="Times New Roman" panose="02020603050405020304" pitchFamily="18" charset="0"/>
+              <a:cs typeface="Times New Roman" panose="02020603050405020304" pitchFamily="18" charset="0"/>
+            </a:endParaRPr>
+          </a:p>
+        </p:txBody>
+      </p:sp>
+      <p:sp>
+        <p:nvSpPr>
+          <p:cNvPr id="27" name="矩形 26">
+            <a:extLst>
+              <a:ext uri="{FF2B5EF4-FFF2-40B4-BE49-F238E27FC236}">
+                <a16:creationId xmlns:a16="http://schemas.microsoft.com/office/drawing/2014/main" id="{DE395EB8-7179-4B43-99D4-156E65A700AC}"/>
+              </a:ext>
+            </a:extLst>
+          </p:cNvPr>
+          <p:cNvSpPr/>
+          <p:nvPr/>
+        </p:nvSpPr>
+        <p:spPr>
+          <a:xfrm>
+            <a:off x="9821160" y="44624"/>
+            <a:ext cx="2303999" cy="307777"/>
+          </a:xfrm>
+          <a:prstGeom prst="rect">
+            <a:avLst/>
+          </a:prstGeom>
+        </p:spPr>
+        <p:txBody>
+          <a:bodyPr wrap="square">
+            <a:spAutoFit/>
+          </a:bodyPr>
+          <a:lstStyle/>
+          <a:p>
+            <a:pPr algn="ctr"/>
+            <a:r>
+              <a:rPr lang="en-US" altLang="zh-CN" sz="1400" b="1" kern="100" dirty="0">
+                <a:solidFill>
+                  <a:schemeClr val="accent1"/>
+                </a:solidFill>
+                <a:latin typeface="Times New Roman" panose="02020603050405020304" pitchFamily="18" charset="0"/>
+                <a:cs typeface="Times New Roman" panose="02020603050405020304" pitchFamily="18" charset="0"/>
+              </a:rPr>
+              <a:t>Appendix</a:t>
+            </a:r>
+            <a:endParaRPr lang="zh-CN" altLang="zh-CN" sz="1400" b="1" kern="100" dirty="0">
+              <a:solidFill>
+                <a:schemeClr val="accent1"/>
+              </a:solidFill>
+              <a:latin typeface="Times New Roman" panose="02020603050405020304" pitchFamily="18" charset="0"/>
+              <a:cs typeface="Times New Roman" panose="02020603050405020304" pitchFamily="18" charset="0"/>
+            </a:endParaRPr>
+          </a:p>
+        </p:txBody>
+      </p:sp>
+      <p:sp>
+        <p:nvSpPr>
+          <p:cNvPr id="28" name="矩形 27">
+            <a:extLst>
+              <a:ext uri="{FF2B5EF4-FFF2-40B4-BE49-F238E27FC236}">
+                <a16:creationId xmlns:a16="http://schemas.microsoft.com/office/drawing/2014/main" id="{93D8981B-AF20-4DC7-ABF8-10F9897107C3}"/>
+              </a:ext>
+            </a:extLst>
+          </p:cNvPr>
+          <p:cNvSpPr/>
+          <p:nvPr/>
+        </p:nvSpPr>
+        <p:spPr>
+          <a:xfrm>
+            <a:off x="2503800" y="44624"/>
+            <a:ext cx="2303999" cy="307777"/>
+          </a:xfrm>
+          <a:prstGeom prst="rect">
+            <a:avLst/>
+          </a:prstGeom>
+          <a:ln w="9525">
+            <a:noFill/>
+          </a:ln>
+        </p:spPr>
+        <p:txBody>
+          <a:bodyPr wrap="square">
+            <a:spAutoFit/>
+          </a:bodyPr>
+          <a:lstStyle/>
+          <a:p>
+            <a:pPr algn="ctr"/>
+            <a:r>
+              <a:rPr lang="en-US" altLang="zh-CN" sz="1400" b="1" kern="100" dirty="0">
+                <a:solidFill>
+                  <a:schemeClr val="accent1"/>
+                </a:solidFill>
+                <a:latin typeface="Times New Roman" panose="02020603050405020304" pitchFamily="18" charset="0"/>
+                <a:cs typeface="Times New Roman" panose="02020603050405020304" pitchFamily="18" charset="0"/>
+              </a:rPr>
+              <a:t>EDA</a:t>
+            </a:r>
+          </a:p>
+        </p:txBody>
+      </p:sp>
+      <p:sp>
+        <p:nvSpPr>
+          <p:cNvPr id="17" name="矩形 16">
+            <a:extLst>
+              <a:ext uri="{FF2B5EF4-FFF2-40B4-BE49-F238E27FC236}">
+                <a16:creationId xmlns:a16="http://schemas.microsoft.com/office/drawing/2014/main" id="{FF885DDD-0FFE-44BC-8CD2-CA7462B3168D}"/>
+              </a:ext>
+            </a:extLst>
+          </p:cNvPr>
+          <p:cNvSpPr/>
+          <p:nvPr/>
+        </p:nvSpPr>
+        <p:spPr>
+          <a:xfrm>
+            <a:off x="399716" y="594739"/>
+            <a:ext cx="2158924" cy="338554"/>
+          </a:xfrm>
+          <a:prstGeom prst="rect">
+            <a:avLst/>
+          </a:prstGeom>
+        </p:spPr>
+        <p:txBody>
+          <a:bodyPr wrap="none">
+            <a:spAutoFit/>
+          </a:bodyPr>
+          <a:lstStyle/>
+          <a:p>
+            <a:r>
+              <a:rPr lang="en-US" altLang="zh-TW" sz="1600" b="1" kern="100" dirty="0">
+                <a:solidFill>
+                  <a:schemeClr val="accent1"/>
+                </a:solidFill>
+                <a:cs typeface="Times New Roman" panose="02020603050405020304" pitchFamily="18" charset="0"/>
+              </a:rPr>
+              <a:t>C. </a:t>
+            </a:r>
+            <a:r>
+              <a:rPr lang="en-US" altLang="zh-TW" sz="1600" b="1" kern="100" dirty="0">
+                <a:solidFill>
+                  <a:schemeClr val="accent1"/>
+                </a:solidFill>
+                <a:ea typeface="標楷體" panose="03000509000000000000" pitchFamily="65" charset="-120"/>
+                <a:cs typeface="Times New Roman" panose="02020603050405020304" pitchFamily="18" charset="0"/>
+              </a:rPr>
+              <a:t>EDA</a:t>
+            </a:r>
+            <a:r>
+              <a:rPr lang="zh-TW" altLang="en-US" sz="1600" b="1" kern="100" dirty="0">
+                <a:solidFill>
+                  <a:schemeClr val="accent1"/>
+                </a:solidFill>
+                <a:ea typeface="標楷體" panose="03000509000000000000" pitchFamily="65" charset="-120"/>
+                <a:cs typeface="Times New Roman" panose="02020603050405020304" pitchFamily="18" charset="0"/>
+              </a:rPr>
+              <a:t> </a:t>
+            </a:r>
+            <a:r>
+              <a:rPr lang="en-US" altLang="zh-TW" sz="1600" b="1" kern="100" dirty="0">
+                <a:solidFill>
+                  <a:schemeClr val="accent1"/>
+                </a:solidFill>
+                <a:ea typeface="標楷體" panose="03000509000000000000" pitchFamily="65" charset="-120"/>
+                <a:cs typeface="Times New Roman" panose="02020603050405020304" pitchFamily="18" charset="0"/>
+              </a:rPr>
+              <a:t>result(</a:t>
+            </a:r>
+            <a:r>
+              <a:rPr lang="zh-TW" altLang="en-US" sz="1600" b="1" kern="100" dirty="0">
+                <a:solidFill>
+                  <a:schemeClr val="accent1"/>
+                </a:solidFill>
+                <a:ea typeface="標楷體" panose="03000509000000000000" pitchFamily="65" charset="-120"/>
+                <a:cs typeface="Times New Roman" panose="02020603050405020304" pitchFamily="18" charset="0"/>
+              </a:rPr>
+              <a:t>理賠檔</a:t>
+            </a:r>
+            <a:r>
+              <a:rPr lang="en-US" altLang="zh-TW" sz="1600" b="1" kern="100" dirty="0">
+                <a:solidFill>
+                  <a:schemeClr val="accent1"/>
+                </a:solidFill>
+                <a:ea typeface="標楷體" panose="03000509000000000000" pitchFamily="65" charset="-120"/>
+                <a:cs typeface="Times New Roman" panose="02020603050405020304" pitchFamily="18" charset="0"/>
+              </a:rPr>
+              <a:t>)</a:t>
+            </a:r>
+          </a:p>
+        </p:txBody>
+      </p:sp>
+      <p:pic>
+        <p:nvPicPr>
+          <p:cNvPr id="2" name="圖片 1">
+            <a:extLst>
+              <a:ext uri="{FF2B5EF4-FFF2-40B4-BE49-F238E27FC236}">
+                <a16:creationId xmlns:a16="http://schemas.microsoft.com/office/drawing/2014/main" id="{07792CB2-4B0E-4767-98BE-D70E87B50DB0}"/>
+              </a:ext>
+            </a:extLst>
+          </p:cNvPr>
+          <p:cNvPicPr>
+            <a:picLocks noChangeAspect="1"/>
+          </p:cNvPicPr>
+          <p:nvPr/>
+        </p:nvPicPr>
+        <p:blipFill rotWithShape="1">
+          <a:blip r:embed="rId2"/>
+          <a:srcRect t="28060"/>
+          <a:stretch/>
+        </p:blipFill>
+        <p:spPr>
+          <a:xfrm>
+            <a:off x="1218600" y="1916832"/>
+            <a:ext cx="4132017" cy="3462464"/>
+          </a:xfrm>
+          <a:prstGeom prst="rect">
+            <a:avLst/>
+          </a:prstGeom>
+        </p:spPr>
+      </p:pic>
+      <p:pic>
+        <p:nvPicPr>
+          <p:cNvPr id="3" name="圖片 2">
+            <a:extLst>
+              <a:ext uri="{FF2B5EF4-FFF2-40B4-BE49-F238E27FC236}">
+                <a16:creationId xmlns:a16="http://schemas.microsoft.com/office/drawing/2014/main" id="{9AA60736-B353-4AAF-A5EC-321CE6CDD99A}"/>
+              </a:ext>
+            </a:extLst>
+          </p:cNvPr>
+          <p:cNvPicPr>
+            <a:picLocks noChangeAspect="1"/>
+          </p:cNvPicPr>
+          <p:nvPr/>
+        </p:nvPicPr>
+        <p:blipFill rotWithShape="1">
+          <a:blip r:embed="rId3"/>
+          <a:srcRect r="13059"/>
+          <a:stretch/>
+        </p:blipFill>
+        <p:spPr>
+          <a:xfrm>
+            <a:off x="5951984" y="2008802"/>
+            <a:ext cx="5554031" cy="2859345"/>
+          </a:xfrm>
+          <a:prstGeom prst="rect">
+            <a:avLst/>
+          </a:prstGeom>
+        </p:spPr>
+      </p:pic>
+      <p:sp>
+        <p:nvSpPr>
+          <p:cNvPr id="29" name="文字方塊 28">
+            <a:extLst>
+              <a:ext uri="{FF2B5EF4-FFF2-40B4-BE49-F238E27FC236}">
+                <a16:creationId xmlns:a16="http://schemas.microsoft.com/office/drawing/2014/main" id="{C24E0DA4-0B6B-4EE8-9B57-B2FC3372F984}"/>
+              </a:ext>
+            </a:extLst>
+          </p:cNvPr>
+          <p:cNvSpPr txBox="1"/>
+          <p:nvPr/>
+        </p:nvSpPr>
+        <p:spPr>
+          <a:xfrm>
+            <a:off x="2063552" y="5517232"/>
+            <a:ext cx="2088232" cy="369332"/>
+          </a:xfrm>
+          <a:prstGeom prst="rect">
+            <a:avLst/>
+          </a:prstGeom>
+          <a:noFill/>
+        </p:spPr>
+        <p:txBody>
+          <a:bodyPr wrap="square" rtlCol="0">
+            <a:spAutoFit/>
+          </a:bodyPr>
+          <a:lstStyle/>
+          <a:p>
+            <a:r>
+              <a:rPr lang="en-US" dirty="0"/>
+              <a:t>2. Missing Value</a:t>
+            </a:r>
+            <a:endParaRPr lang="en-US" dirty="0">
+              <a:latin typeface="標楷體" panose="03000509000000000000" pitchFamily="65" charset="-120"/>
+              <a:ea typeface="標楷體" panose="03000509000000000000" pitchFamily="65" charset="-120"/>
+            </a:endParaRPr>
+          </a:p>
+        </p:txBody>
+      </p:sp>
+      <p:sp>
+        <p:nvSpPr>
+          <p:cNvPr id="30" name="文字方塊 29">
+            <a:extLst>
+              <a:ext uri="{FF2B5EF4-FFF2-40B4-BE49-F238E27FC236}">
+                <a16:creationId xmlns:a16="http://schemas.microsoft.com/office/drawing/2014/main" id="{8E3E3F87-1F45-4B8F-A23C-4013E09EB59E}"/>
+              </a:ext>
+            </a:extLst>
+          </p:cNvPr>
+          <p:cNvSpPr txBox="1"/>
+          <p:nvPr/>
+        </p:nvSpPr>
+        <p:spPr>
+          <a:xfrm>
+            <a:off x="7608168" y="5517232"/>
+            <a:ext cx="2952328" cy="369332"/>
+          </a:xfrm>
+          <a:prstGeom prst="rect">
+            <a:avLst/>
+          </a:prstGeom>
+          <a:noFill/>
+        </p:spPr>
+        <p:txBody>
+          <a:bodyPr wrap="square" rtlCol="0">
+            <a:spAutoFit/>
+          </a:bodyPr>
+          <a:lstStyle/>
+          <a:p>
+            <a:r>
+              <a:rPr lang="en-US" dirty="0"/>
+              <a:t>3.</a:t>
+            </a:r>
+            <a:r>
+              <a:rPr lang="zh-TW" altLang="en-US" dirty="0"/>
+              <a:t> 理賠案件型態人數分配</a:t>
+            </a:r>
+            <a:r>
+              <a:rPr lang="en-US" dirty="0"/>
+              <a:t> </a:t>
+            </a:r>
+            <a:endParaRPr lang="en-US" dirty="0">
+              <a:latin typeface="標楷體" panose="03000509000000000000" pitchFamily="65" charset="-120"/>
+              <a:ea typeface="標楷體" panose="03000509000000000000" pitchFamily="65" charset="-120"/>
+            </a:endParaRPr>
+          </a:p>
+        </p:txBody>
+      </p:sp>
+    </p:spTree>
+    <p:extLst>
+      <p:ext uri="{BB962C8B-B14F-4D97-AF65-F5344CB8AC3E}">
+        <p14:creationId xmlns:p14="http://schemas.microsoft.com/office/powerpoint/2010/main" val="2033319588"/>
+      </p:ext>
+    </p:extLst>
+  </p:cSld>
+  <p:clrMapOvr>
+    <a:masterClrMapping/>
+  </p:clrMapOvr>
+</p:sld>
+</file>
+
+<file path=ppt/slides/slide31.xml><?xml version="1.0" encoding="utf-8"?>
+<p:sld xmlns:a="http://schemas.openxmlformats.org/drawingml/2006/main" xmlns:r="http://schemas.openxmlformats.org/officeDocument/2006/relationships" xmlns:p="http://schemas.openxmlformats.org/presentationml/2006/main">
+  <p:cSld>
+    <p:spTree>
+      <p:nvGrpSpPr>
+        <p:cNvPr id="1" name=""/>
+        <p:cNvGrpSpPr/>
+        <p:nvPr/>
+      </p:nvGrpSpPr>
+      <p:grpSpPr>
+        <a:xfrm>
+          <a:off x="0" y="0"/>
+          <a:ext cx="0" cy="0"/>
+          <a:chOff x="0" y="0"/>
+          <a:chExt cx="0" cy="0"/>
+        </a:xfrm>
+      </p:grpSpPr>
+      <p:sp>
+        <p:nvSpPr>
+          <p:cNvPr id="4" name="投影片編號版面配置區 3">
+            <a:extLst>
+              <a:ext uri="{FF2B5EF4-FFF2-40B4-BE49-F238E27FC236}">
+                <a16:creationId xmlns:a16="http://schemas.microsoft.com/office/drawing/2014/main" id="{C5183A82-9DEB-4EC5-9C61-ADE694674CED}"/>
+              </a:ext>
+            </a:extLst>
+          </p:cNvPr>
+          <p:cNvSpPr>
+            <a:spLocks noGrp="1"/>
+          </p:cNvSpPr>
+          <p:nvPr>
+            <p:ph type="sldNum" sz="quarter" idx="12"/>
+          </p:nvPr>
+        </p:nvSpPr>
+        <p:spPr/>
+        <p:txBody>
+          <a:bodyPr/>
+          <a:lstStyle/>
+          <a:p>
+            <a:fld id="{BF8CE765-4F4E-465C-81D9-F9DA65D64035}" type="slidenum">
+              <a:rPr lang="zh-TW" altLang="en-US" smtClean="0"/>
+              <a:t>31</a:t>
+            </a:fld>
+            <a:endParaRPr lang="zh-TW" altLang="en-US"/>
+          </a:p>
+        </p:txBody>
+      </p:sp>
+      <p:sp>
+        <p:nvSpPr>
+          <p:cNvPr id="18" name="矩形 17">
+            <a:extLst>
+              <a:ext uri="{FF2B5EF4-FFF2-40B4-BE49-F238E27FC236}">
+                <a16:creationId xmlns:a16="http://schemas.microsoft.com/office/drawing/2014/main" id="{0FB3A394-9020-469D-91F6-68EEA700FA7B}"/>
+              </a:ext>
+            </a:extLst>
+          </p:cNvPr>
+          <p:cNvSpPr/>
+          <p:nvPr/>
+        </p:nvSpPr>
+        <p:spPr>
+          <a:xfrm>
+            <a:off x="-2880" y="0"/>
+            <a:ext cx="12191760" cy="381800"/>
+          </a:xfrm>
+          <a:prstGeom prst="rect">
+            <a:avLst/>
+          </a:prstGeom>
+          <a:solidFill>
+            <a:schemeClr val="bg1"/>
+          </a:solidFill>
+          <a:ln>
+            <a:solidFill>
+              <a:schemeClr val="bg1"/>
+            </a:solidFill>
+          </a:ln>
+        </p:spPr>
+        <p:style>
+          <a:lnRef idx="2">
+            <a:schemeClr val="accent1">
+              <a:shade val="50000"/>
+            </a:schemeClr>
+          </a:lnRef>
+          <a:fillRef idx="1">
+            <a:schemeClr val="accent1"/>
+          </a:fillRef>
+          <a:effectRef idx="0">
+            <a:schemeClr val="accent1"/>
+          </a:effectRef>
+          <a:fontRef idx="minor">
+            <a:schemeClr val="lt1"/>
+          </a:fontRef>
+        </p:style>
+        <p:txBody>
+          <a:bodyPr rtlCol="0" anchor="ctr"/>
+          <a:lstStyle/>
+          <a:p>
+            <a:pPr algn="ctr"/>
+            <a:endParaRPr lang="en-US"/>
+          </a:p>
+        </p:txBody>
+      </p:sp>
+      <p:sp>
+        <p:nvSpPr>
+          <p:cNvPr id="19" name="矩形 18">
+            <a:extLst>
+              <a:ext uri="{FF2B5EF4-FFF2-40B4-BE49-F238E27FC236}">
+                <a16:creationId xmlns:a16="http://schemas.microsoft.com/office/drawing/2014/main" id="{1B3F5A8A-595D-4FB4-87AE-9EABF3549FA3}"/>
+              </a:ext>
+            </a:extLst>
+          </p:cNvPr>
+          <p:cNvSpPr/>
+          <p:nvPr/>
+        </p:nvSpPr>
+        <p:spPr>
+          <a:xfrm>
+            <a:off x="9754560" y="0"/>
+            <a:ext cx="2437200" cy="381800"/>
+          </a:xfrm>
+          <a:prstGeom prst="rect">
+            <a:avLst/>
+          </a:prstGeom>
+          <a:solidFill>
+            <a:schemeClr val="tx1">
+              <a:lumMod val="75000"/>
+              <a:lumOff val="25000"/>
+              <a:alpha val="30000"/>
+            </a:schemeClr>
+          </a:solidFill>
+          <a:ln w="9525">
+            <a:solidFill>
+              <a:schemeClr val="tx1">
+                <a:lumMod val="50000"/>
+                <a:lumOff val="50000"/>
+              </a:schemeClr>
+            </a:solidFill>
+          </a:ln>
+        </p:spPr>
+        <p:style>
+          <a:lnRef idx="2">
+            <a:schemeClr val="accent3">
+              <a:shade val="50000"/>
+            </a:schemeClr>
+          </a:lnRef>
+          <a:fillRef idx="1">
+            <a:schemeClr val="accent3"/>
+          </a:fillRef>
+          <a:effectRef idx="0">
+            <a:schemeClr val="accent3"/>
+          </a:effectRef>
+          <a:fontRef idx="minor">
+            <a:schemeClr val="lt1"/>
+          </a:fontRef>
+        </p:style>
+        <p:txBody>
+          <a:bodyPr rtlCol="0" anchor="ctr"/>
+          <a:lstStyle/>
+          <a:p>
+            <a:pPr algn="ctr"/>
+            <a:endParaRPr lang="en-US"/>
+          </a:p>
+        </p:txBody>
+      </p:sp>
+      <p:sp>
+        <p:nvSpPr>
+          <p:cNvPr id="20" name="矩形 19">
+            <a:extLst>
+              <a:ext uri="{FF2B5EF4-FFF2-40B4-BE49-F238E27FC236}">
+                <a16:creationId xmlns:a16="http://schemas.microsoft.com/office/drawing/2014/main" id="{6AFEE53B-00F4-4C28-995D-F23DDC78F376}"/>
+              </a:ext>
+            </a:extLst>
+          </p:cNvPr>
+          <p:cNvSpPr/>
+          <p:nvPr/>
+        </p:nvSpPr>
+        <p:spPr>
+          <a:xfrm>
+            <a:off x="0" y="0"/>
+            <a:ext cx="2437200" cy="381800"/>
+          </a:xfrm>
+          <a:prstGeom prst="rect">
+            <a:avLst/>
+          </a:prstGeom>
+          <a:solidFill>
+            <a:schemeClr val="bg1"/>
+          </a:solidFill>
+          <a:ln w="9525">
+            <a:solidFill>
+              <a:schemeClr val="tx1">
+                <a:lumMod val="50000"/>
+                <a:lumOff val="50000"/>
+              </a:schemeClr>
+            </a:solidFill>
+          </a:ln>
+        </p:spPr>
+        <p:style>
+          <a:lnRef idx="2">
+            <a:schemeClr val="accent3">
+              <a:shade val="50000"/>
+            </a:schemeClr>
+          </a:lnRef>
+          <a:fillRef idx="1">
+            <a:schemeClr val="accent3"/>
+          </a:fillRef>
+          <a:effectRef idx="0">
+            <a:schemeClr val="accent3"/>
+          </a:effectRef>
+          <a:fontRef idx="minor">
+            <a:schemeClr val="lt1"/>
+          </a:fontRef>
+        </p:style>
+        <p:txBody>
+          <a:bodyPr rtlCol="0" anchor="ctr"/>
+          <a:lstStyle/>
+          <a:p>
+            <a:pPr algn="ctr"/>
+            <a:endParaRPr lang="en-US"/>
+          </a:p>
+        </p:txBody>
+      </p:sp>
+      <p:sp>
+        <p:nvSpPr>
+          <p:cNvPr id="21" name="矩形 20">
+            <a:extLst>
+              <a:ext uri="{FF2B5EF4-FFF2-40B4-BE49-F238E27FC236}">
+                <a16:creationId xmlns:a16="http://schemas.microsoft.com/office/drawing/2014/main" id="{E90642E8-2512-4DC0-9E3C-EA8FF78F5B36}"/>
+              </a:ext>
+            </a:extLst>
+          </p:cNvPr>
+          <p:cNvSpPr/>
+          <p:nvPr/>
+        </p:nvSpPr>
+        <p:spPr>
+          <a:xfrm>
+            <a:off x="91057" y="44624"/>
+            <a:ext cx="2303999" cy="307777"/>
+          </a:xfrm>
+          <a:prstGeom prst="rect">
+            <a:avLst/>
+          </a:prstGeom>
+          <a:ln w="9525">
+            <a:noFill/>
+          </a:ln>
+        </p:spPr>
+        <p:txBody>
+          <a:bodyPr wrap="square">
+            <a:spAutoFit/>
+          </a:bodyPr>
+          <a:lstStyle/>
+          <a:p>
+            <a:pPr algn="ctr"/>
+            <a:r>
+              <a:rPr lang="en-US" altLang="zh-CN" sz="1400" b="1" kern="100" dirty="0">
+                <a:solidFill>
+                  <a:schemeClr val="accent1"/>
+                </a:solidFill>
+                <a:latin typeface="Times New Roman" panose="02020603050405020304" pitchFamily="18" charset="0"/>
+                <a:cs typeface="Times New Roman" panose="02020603050405020304" pitchFamily="18" charset="0"/>
+              </a:rPr>
+              <a:t>Research Question</a:t>
+            </a:r>
+          </a:p>
+        </p:txBody>
+      </p:sp>
+      <p:sp>
+        <p:nvSpPr>
+          <p:cNvPr id="22" name="矩形 21">
+            <a:extLst>
+              <a:ext uri="{FF2B5EF4-FFF2-40B4-BE49-F238E27FC236}">
+                <a16:creationId xmlns:a16="http://schemas.microsoft.com/office/drawing/2014/main" id="{06A2820E-A5C8-49A8-A65E-659F8CDDCC27}"/>
+              </a:ext>
+            </a:extLst>
+          </p:cNvPr>
+          <p:cNvSpPr/>
+          <p:nvPr/>
+        </p:nvSpPr>
+        <p:spPr>
+          <a:xfrm>
+            <a:off x="2437200" y="0"/>
+            <a:ext cx="2437200" cy="381800"/>
+          </a:xfrm>
+          <a:prstGeom prst="rect">
+            <a:avLst/>
+          </a:prstGeom>
+          <a:solidFill>
+            <a:schemeClr val="bg1">
+              <a:alpha val="30000"/>
+            </a:schemeClr>
+          </a:solidFill>
+          <a:ln w="9525">
+            <a:solidFill>
+              <a:schemeClr val="tx1">
+                <a:lumMod val="50000"/>
+                <a:lumOff val="50000"/>
+              </a:schemeClr>
+            </a:solidFill>
+          </a:ln>
+        </p:spPr>
+        <p:style>
+          <a:lnRef idx="2">
+            <a:schemeClr val="accent3">
+              <a:shade val="50000"/>
+            </a:schemeClr>
+          </a:lnRef>
+          <a:fillRef idx="1">
+            <a:schemeClr val="accent3"/>
+          </a:fillRef>
+          <a:effectRef idx="0">
+            <a:schemeClr val="accent3"/>
+          </a:effectRef>
+          <a:fontRef idx="minor">
+            <a:schemeClr val="lt1"/>
+          </a:fontRef>
+        </p:style>
+        <p:txBody>
+          <a:bodyPr rtlCol="0" anchor="ctr"/>
+          <a:lstStyle/>
+          <a:p>
+            <a:pPr algn="ctr"/>
+            <a:endParaRPr lang="en-US"/>
+          </a:p>
+        </p:txBody>
+      </p:sp>
+      <p:sp>
+        <p:nvSpPr>
+          <p:cNvPr id="23" name="矩形 22">
+            <a:extLst>
+              <a:ext uri="{FF2B5EF4-FFF2-40B4-BE49-F238E27FC236}">
+                <a16:creationId xmlns:a16="http://schemas.microsoft.com/office/drawing/2014/main" id="{0758C2A2-B485-4FAF-90D6-18FF9EFA4647}"/>
+              </a:ext>
+            </a:extLst>
+          </p:cNvPr>
+          <p:cNvSpPr/>
+          <p:nvPr/>
+        </p:nvSpPr>
+        <p:spPr>
+          <a:xfrm>
+            <a:off x="4874400" y="0"/>
+            <a:ext cx="2437200" cy="381800"/>
+          </a:xfrm>
+          <a:prstGeom prst="rect">
+            <a:avLst/>
+          </a:prstGeom>
+          <a:solidFill>
+            <a:schemeClr val="bg1">
+              <a:alpha val="30000"/>
+            </a:schemeClr>
+          </a:solidFill>
+          <a:ln w="9525">
+            <a:solidFill>
+              <a:schemeClr val="tx1">
+                <a:lumMod val="50000"/>
+                <a:lumOff val="50000"/>
+              </a:schemeClr>
+            </a:solidFill>
+          </a:ln>
+        </p:spPr>
+        <p:style>
+          <a:lnRef idx="2">
+            <a:schemeClr val="accent3">
+              <a:shade val="50000"/>
+            </a:schemeClr>
+          </a:lnRef>
+          <a:fillRef idx="1">
+            <a:schemeClr val="accent3"/>
+          </a:fillRef>
+          <a:effectRef idx="0">
+            <a:schemeClr val="accent3"/>
+          </a:effectRef>
+          <a:fontRef idx="minor">
+            <a:schemeClr val="lt1"/>
+          </a:fontRef>
+        </p:style>
+        <p:txBody>
+          <a:bodyPr rtlCol="0" anchor="ctr"/>
+          <a:lstStyle/>
+          <a:p>
+            <a:pPr algn="ctr"/>
+            <a:endParaRPr lang="en-US"/>
+          </a:p>
+        </p:txBody>
+      </p:sp>
+      <p:sp>
+        <p:nvSpPr>
+          <p:cNvPr id="24" name="矩形 23">
+            <a:extLst>
+              <a:ext uri="{FF2B5EF4-FFF2-40B4-BE49-F238E27FC236}">
+                <a16:creationId xmlns:a16="http://schemas.microsoft.com/office/drawing/2014/main" id="{879D0081-A729-47E8-8E14-ED65864460EF}"/>
+              </a:ext>
+            </a:extLst>
+          </p:cNvPr>
+          <p:cNvSpPr/>
+          <p:nvPr/>
+        </p:nvSpPr>
+        <p:spPr>
+          <a:xfrm>
+            <a:off x="4916544" y="44624"/>
+            <a:ext cx="2303999" cy="307777"/>
+          </a:xfrm>
+          <a:prstGeom prst="rect">
+            <a:avLst/>
+          </a:prstGeom>
+          <a:ln w="9525">
+            <a:noFill/>
+          </a:ln>
+        </p:spPr>
+        <p:txBody>
+          <a:bodyPr wrap="square">
+            <a:spAutoFit/>
+          </a:bodyPr>
+          <a:lstStyle/>
+          <a:p>
+            <a:pPr algn="ctr"/>
+            <a:r>
+              <a:rPr lang="en-US" altLang="zh-CN" sz="1400" b="1" kern="100" dirty="0">
+                <a:solidFill>
+                  <a:schemeClr val="accent1"/>
+                </a:solidFill>
+                <a:latin typeface="Times New Roman" panose="02020603050405020304" pitchFamily="18" charset="0"/>
+                <a:cs typeface="Times New Roman" panose="02020603050405020304" pitchFamily="18" charset="0"/>
+              </a:rPr>
+              <a:t>Data pre-processing</a:t>
+            </a:r>
+            <a:endParaRPr lang="zh-CN" altLang="zh-CN" sz="1400" b="1" kern="100" dirty="0">
+              <a:solidFill>
+                <a:schemeClr val="accent1"/>
+              </a:solidFill>
+              <a:latin typeface="Times New Roman" panose="02020603050405020304" pitchFamily="18" charset="0"/>
+              <a:cs typeface="Times New Roman" panose="02020603050405020304" pitchFamily="18" charset="0"/>
+            </a:endParaRPr>
+          </a:p>
+        </p:txBody>
+      </p:sp>
+      <p:sp>
+        <p:nvSpPr>
+          <p:cNvPr id="25" name="矩形 24">
+            <a:extLst>
+              <a:ext uri="{FF2B5EF4-FFF2-40B4-BE49-F238E27FC236}">
+                <a16:creationId xmlns:a16="http://schemas.microsoft.com/office/drawing/2014/main" id="{C990BE16-83C9-4750-AAB0-6E5B2A2FA773}"/>
+              </a:ext>
+            </a:extLst>
+          </p:cNvPr>
+          <p:cNvSpPr/>
+          <p:nvPr/>
+        </p:nvSpPr>
+        <p:spPr>
+          <a:xfrm>
+            <a:off x="7311600" y="0"/>
+            <a:ext cx="2437200" cy="381800"/>
+          </a:xfrm>
+          <a:prstGeom prst="rect">
+            <a:avLst/>
+          </a:prstGeom>
+          <a:solidFill>
+            <a:schemeClr val="bg1">
+              <a:alpha val="30000"/>
+            </a:schemeClr>
+          </a:solidFill>
+          <a:ln w="9525">
+            <a:solidFill>
+              <a:schemeClr val="tx1">
+                <a:lumMod val="50000"/>
+                <a:lumOff val="50000"/>
+              </a:schemeClr>
+            </a:solidFill>
+          </a:ln>
+        </p:spPr>
+        <p:style>
+          <a:lnRef idx="2">
+            <a:schemeClr val="accent3">
+              <a:shade val="50000"/>
+            </a:schemeClr>
+          </a:lnRef>
+          <a:fillRef idx="1">
+            <a:schemeClr val="accent3"/>
+          </a:fillRef>
+          <a:effectRef idx="0">
+            <a:schemeClr val="accent3"/>
+          </a:effectRef>
+          <a:fontRef idx="minor">
+            <a:schemeClr val="lt1"/>
+          </a:fontRef>
+        </p:style>
+        <p:txBody>
+          <a:bodyPr rtlCol="0" anchor="ctr"/>
+          <a:lstStyle/>
+          <a:p>
+            <a:pPr algn="ctr"/>
+            <a:endParaRPr lang="en-US"/>
+          </a:p>
+        </p:txBody>
+      </p:sp>
+      <p:sp>
+        <p:nvSpPr>
+          <p:cNvPr id="26" name="矩形 25">
+            <a:extLst>
+              <a:ext uri="{FF2B5EF4-FFF2-40B4-BE49-F238E27FC236}">
+                <a16:creationId xmlns:a16="http://schemas.microsoft.com/office/drawing/2014/main" id="{371EEEDB-FE8A-46FE-B5DE-83502475004A}"/>
+              </a:ext>
+            </a:extLst>
+          </p:cNvPr>
+          <p:cNvSpPr/>
+          <p:nvPr/>
+        </p:nvSpPr>
+        <p:spPr>
+          <a:xfrm>
+            <a:off x="7408657" y="33290"/>
+            <a:ext cx="2303999" cy="307777"/>
+          </a:xfrm>
+          <a:prstGeom prst="rect">
+            <a:avLst/>
+          </a:prstGeom>
+          <a:ln w="9525">
+            <a:noFill/>
+          </a:ln>
+        </p:spPr>
+        <p:txBody>
+          <a:bodyPr wrap="square">
+            <a:spAutoFit/>
+          </a:bodyPr>
+          <a:lstStyle/>
+          <a:p>
+            <a:pPr algn="ctr"/>
+            <a:r>
+              <a:rPr lang="en-US" altLang="zh-CN" sz="1400" b="1" kern="100" dirty="0">
+                <a:solidFill>
+                  <a:schemeClr val="accent1"/>
+                </a:solidFill>
+                <a:latin typeface="Times New Roman" panose="02020603050405020304" pitchFamily="18" charset="0"/>
+                <a:cs typeface="Times New Roman" panose="02020603050405020304" pitchFamily="18" charset="0"/>
+              </a:rPr>
+              <a:t>Model Training</a:t>
+            </a:r>
+            <a:endParaRPr lang="zh-CN" altLang="zh-CN" sz="1400" b="1" kern="100" dirty="0">
+              <a:solidFill>
+                <a:schemeClr val="accent1"/>
+              </a:solidFill>
+              <a:latin typeface="Times New Roman" panose="02020603050405020304" pitchFamily="18" charset="0"/>
+              <a:cs typeface="Times New Roman" panose="02020603050405020304" pitchFamily="18" charset="0"/>
+            </a:endParaRPr>
+          </a:p>
+        </p:txBody>
+      </p:sp>
+      <p:sp>
+        <p:nvSpPr>
+          <p:cNvPr id="27" name="矩形 26">
+            <a:extLst>
+              <a:ext uri="{FF2B5EF4-FFF2-40B4-BE49-F238E27FC236}">
+                <a16:creationId xmlns:a16="http://schemas.microsoft.com/office/drawing/2014/main" id="{DE395EB8-7179-4B43-99D4-156E65A700AC}"/>
+              </a:ext>
+            </a:extLst>
+          </p:cNvPr>
+          <p:cNvSpPr/>
+          <p:nvPr/>
+        </p:nvSpPr>
+        <p:spPr>
+          <a:xfrm>
+            <a:off x="9821160" y="44624"/>
+            <a:ext cx="2303999" cy="307777"/>
+          </a:xfrm>
+          <a:prstGeom prst="rect">
+            <a:avLst/>
+          </a:prstGeom>
+        </p:spPr>
+        <p:txBody>
+          <a:bodyPr wrap="square">
+            <a:spAutoFit/>
+          </a:bodyPr>
+          <a:lstStyle/>
+          <a:p>
+            <a:pPr algn="ctr"/>
+            <a:r>
+              <a:rPr lang="en-US" altLang="zh-CN" sz="1400" b="1" kern="100" dirty="0">
+                <a:solidFill>
+                  <a:schemeClr val="accent1"/>
+                </a:solidFill>
+                <a:latin typeface="Times New Roman" panose="02020603050405020304" pitchFamily="18" charset="0"/>
+                <a:cs typeface="Times New Roman" panose="02020603050405020304" pitchFamily="18" charset="0"/>
+              </a:rPr>
+              <a:t>Appendix</a:t>
+            </a:r>
+            <a:endParaRPr lang="zh-CN" altLang="zh-CN" sz="1400" b="1" kern="100" dirty="0">
+              <a:solidFill>
+                <a:schemeClr val="accent1"/>
+              </a:solidFill>
+              <a:latin typeface="Times New Roman" panose="02020603050405020304" pitchFamily="18" charset="0"/>
+              <a:cs typeface="Times New Roman" panose="02020603050405020304" pitchFamily="18" charset="0"/>
+            </a:endParaRPr>
+          </a:p>
+        </p:txBody>
+      </p:sp>
+      <p:sp>
+        <p:nvSpPr>
+          <p:cNvPr id="28" name="矩形 27">
+            <a:extLst>
+              <a:ext uri="{FF2B5EF4-FFF2-40B4-BE49-F238E27FC236}">
+                <a16:creationId xmlns:a16="http://schemas.microsoft.com/office/drawing/2014/main" id="{93D8981B-AF20-4DC7-ABF8-10F9897107C3}"/>
+              </a:ext>
+            </a:extLst>
+          </p:cNvPr>
+          <p:cNvSpPr/>
+          <p:nvPr/>
+        </p:nvSpPr>
+        <p:spPr>
+          <a:xfrm>
+            <a:off x="2503800" y="44624"/>
+            <a:ext cx="2303999" cy="307777"/>
+          </a:xfrm>
+          <a:prstGeom prst="rect">
+            <a:avLst/>
+          </a:prstGeom>
+          <a:ln w="9525">
+            <a:noFill/>
+          </a:ln>
+        </p:spPr>
+        <p:txBody>
+          <a:bodyPr wrap="square">
+            <a:spAutoFit/>
+          </a:bodyPr>
+          <a:lstStyle/>
+          <a:p>
+            <a:pPr algn="ctr"/>
+            <a:r>
+              <a:rPr lang="en-US" altLang="zh-CN" sz="1400" b="1" kern="100" dirty="0">
+                <a:solidFill>
+                  <a:schemeClr val="accent1"/>
+                </a:solidFill>
+                <a:latin typeface="Times New Roman" panose="02020603050405020304" pitchFamily="18" charset="0"/>
+                <a:cs typeface="Times New Roman" panose="02020603050405020304" pitchFamily="18" charset="0"/>
+              </a:rPr>
+              <a:t>EDA</a:t>
+            </a:r>
+          </a:p>
+        </p:txBody>
+      </p:sp>
+      <p:sp>
+        <p:nvSpPr>
+          <p:cNvPr id="17" name="矩形 16">
+            <a:extLst>
+              <a:ext uri="{FF2B5EF4-FFF2-40B4-BE49-F238E27FC236}">
+                <a16:creationId xmlns:a16="http://schemas.microsoft.com/office/drawing/2014/main" id="{FF885DDD-0FFE-44BC-8CD2-CA7462B3168D}"/>
+              </a:ext>
+            </a:extLst>
+          </p:cNvPr>
+          <p:cNvSpPr/>
+          <p:nvPr/>
+        </p:nvSpPr>
+        <p:spPr>
+          <a:xfrm>
+            <a:off x="399716" y="594739"/>
+            <a:ext cx="2158924" cy="338554"/>
+          </a:xfrm>
+          <a:prstGeom prst="rect">
+            <a:avLst/>
+          </a:prstGeom>
+        </p:spPr>
+        <p:txBody>
+          <a:bodyPr wrap="none">
+            <a:spAutoFit/>
+          </a:bodyPr>
+          <a:lstStyle/>
+          <a:p>
+            <a:r>
+              <a:rPr lang="en-US" altLang="zh-TW" sz="1600" b="1" kern="100" dirty="0">
+                <a:solidFill>
+                  <a:schemeClr val="accent1"/>
+                </a:solidFill>
+                <a:cs typeface="Times New Roman" panose="02020603050405020304" pitchFamily="18" charset="0"/>
+              </a:rPr>
+              <a:t>C. </a:t>
+            </a:r>
+            <a:r>
+              <a:rPr lang="en-US" altLang="zh-TW" sz="1600" b="1" kern="100" dirty="0">
+                <a:solidFill>
+                  <a:schemeClr val="accent1"/>
+                </a:solidFill>
+                <a:ea typeface="標楷體" panose="03000509000000000000" pitchFamily="65" charset="-120"/>
+                <a:cs typeface="Times New Roman" panose="02020603050405020304" pitchFamily="18" charset="0"/>
+              </a:rPr>
+              <a:t>EDA</a:t>
+            </a:r>
+            <a:r>
+              <a:rPr lang="zh-TW" altLang="en-US" sz="1600" b="1" kern="100" dirty="0">
+                <a:solidFill>
+                  <a:schemeClr val="accent1"/>
+                </a:solidFill>
+                <a:ea typeface="標楷體" panose="03000509000000000000" pitchFamily="65" charset="-120"/>
+                <a:cs typeface="Times New Roman" panose="02020603050405020304" pitchFamily="18" charset="0"/>
+              </a:rPr>
+              <a:t> </a:t>
+            </a:r>
+            <a:r>
+              <a:rPr lang="en-US" altLang="zh-TW" sz="1600" b="1" kern="100" dirty="0">
+                <a:solidFill>
+                  <a:schemeClr val="accent1"/>
+                </a:solidFill>
+                <a:ea typeface="標楷體" panose="03000509000000000000" pitchFamily="65" charset="-120"/>
+                <a:cs typeface="Times New Roman" panose="02020603050405020304" pitchFamily="18" charset="0"/>
+              </a:rPr>
+              <a:t>result(</a:t>
+            </a:r>
+            <a:r>
+              <a:rPr lang="zh-TW" altLang="en-US" sz="1600" b="1" kern="100" dirty="0">
+                <a:solidFill>
+                  <a:schemeClr val="accent1"/>
+                </a:solidFill>
+                <a:ea typeface="標楷體" panose="03000509000000000000" pitchFamily="65" charset="-120"/>
+                <a:cs typeface="Times New Roman" panose="02020603050405020304" pitchFamily="18" charset="0"/>
+              </a:rPr>
+              <a:t>理賠檔</a:t>
+            </a:r>
+            <a:r>
+              <a:rPr lang="en-US" altLang="zh-TW" sz="1600" b="1" kern="100" dirty="0">
+                <a:solidFill>
+                  <a:schemeClr val="accent1"/>
+                </a:solidFill>
+                <a:ea typeface="標楷體" panose="03000509000000000000" pitchFamily="65" charset="-120"/>
+                <a:cs typeface="Times New Roman" panose="02020603050405020304" pitchFamily="18" charset="0"/>
+              </a:rPr>
+              <a:t>)</a:t>
+            </a:r>
+          </a:p>
+        </p:txBody>
+      </p:sp>
+      <p:sp>
+        <p:nvSpPr>
+          <p:cNvPr id="29" name="文字方塊 28">
+            <a:extLst>
+              <a:ext uri="{FF2B5EF4-FFF2-40B4-BE49-F238E27FC236}">
+                <a16:creationId xmlns:a16="http://schemas.microsoft.com/office/drawing/2014/main" id="{C24E0DA4-0B6B-4EE8-9B57-B2FC3372F984}"/>
+              </a:ext>
+            </a:extLst>
+          </p:cNvPr>
+          <p:cNvSpPr txBox="1"/>
+          <p:nvPr/>
+        </p:nvSpPr>
+        <p:spPr>
+          <a:xfrm>
+            <a:off x="2022012" y="5517232"/>
+            <a:ext cx="2088232" cy="369332"/>
+          </a:xfrm>
+          <a:prstGeom prst="rect">
+            <a:avLst/>
+          </a:prstGeom>
+          <a:noFill/>
+        </p:spPr>
+        <p:txBody>
+          <a:bodyPr wrap="square" rtlCol="0">
+            <a:spAutoFit/>
+          </a:bodyPr>
+          <a:lstStyle/>
+          <a:p>
+            <a:r>
+              <a:rPr lang="en-US" dirty="0"/>
+              <a:t>4. </a:t>
+            </a:r>
+            <a:r>
+              <a:rPr lang="zh-TW" altLang="en-US" dirty="0"/>
+              <a:t>各項疾病人數</a:t>
+            </a:r>
+            <a:endParaRPr lang="en-US" dirty="0">
+              <a:latin typeface="標楷體" panose="03000509000000000000" pitchFamily="65" charset="-120"/>
+              <a:ea typeface="標楷體" panose="03000509000000000000" pitchFamily="65" charset="-120"/>
+            </a:endParaRPr>
+          </a:p>
+        </p:txBody>
+      </p:sp>
+      <p:sp>
+        <p:nvSpPr>
+          <p:cNvPr id="30" name="文字方塊 29">
+            <a:extLst>
+              <a:ext uri="{FF2B5EF4-FFF2-40B4-BE49-F238E27FC236}">
+                <a16:creationId xmlns:a16="http://schemas.microsoft.com/office/drawing/2014/main" id="{8E3E3F87-1F45-4B8F-A23C-4013E09EB59E}"/>
+              </a:ext>
+            </a:extLst>
+          </p:cNvPr>
+          <p:cNvSpPr txBox="1"/>
+          <p:nvPr/>
+        </p:nvSpPr>
+        <p:spPr>
+          <a:xfrm>
+            <a:off x="6528048" y="5517232"/>
+            <a:ext cx="4104456" cy="369332"/>
+          </a:xfrm>
+          <a:prstGeom prst="rect">
+            <a:avLst/>
+          </a:prstGeom>
+          <a:noFill/>
+        </p:spPr>
+        <p:txBody>
+          <a:bodyPr wrap="square" rtlCol="0">
+            <a:spAutoFit/>
+          </a:bodyPr>
+          <a:lstStyle/>
+          <a:p>
+            <a:r>
+              <a:rPr lang="en-US" dirty="0"/>
+              <a:t>5.</a:t>
+            </a:r>
+            <a:r>
+              <a:rPr lang="zh-TW" altLang="en-US" dirty="0"/>
+              <a:t> 事故人、被保人、要保人重複情況</a:t>
+            </a:r>
+            <a:endParaRPr lang="en-US" dirty="0">
+              <a:latin typeface="標楷體" panose="03000509000000000000" pitchFamily="65" charset="-120"/>
+              <a:ea typeface="標楷體" panose="03000509000000000000" pitchFamily="65" charset="-120"/>
+            </a:endParaRPr>
+          </a:p>
+        </p:txBody>
+      </p:sp>
+      <p:pic>
+        <p:nvPicPr>
+          <p:cNvPr id="5" name="圖片 4">
+            <a:extLst>
+              <a:ext uri="{FF2B5EF4-FFF2-40B4-BE49-F238E27FC236}">
+                <a16:creationId xmlns:a16="http://schemas.microsoft.com/office/drawing/2014/main" id="{6010D881-E42C-474A-918A-BF82006D68AE}"/>
+              </a:ext>
+            </a:extLst>
+          </p:cNvPr>
+          <p:cNvPicPr>
+            <a:picLocks noChangeAspect="1"/>
+          </p:cNvPicPr>
+          <p:nvPr/>
+        </p:nvPicPr>
+        <p:blipFill>
+          <a:blip r:embed="rId2"/>
+          <a:stretch>
+            <a:fillRect/>
+          </a:stretch>
+        </p:blipFill>
+        <p:spPr>
+          <a:xfrm>
+            <a:off x="1847528" y="1916832"/>
+            <a:ext cx="2437200" cy="3183859"/>
+          </a:xfrm>
+          <a:prstGeom prst="rect">
+            <a:avLst/>
+          </a:prstGeom>
+        </p:spPr>
+      </p:pic>
+      <p:pic>
+        <p:nvPicPr>
+          <p:cNvPr id="7" name="圖片 6">
+            <a:extLst>
+              <a:ext uri="{FF2B5EF4-FFF2-40B4-BE49-F238E27FC236}">
+                <a16:creationId xmlns:a16="http://schemas.microsoft.com/office/drawing/2014/main" id="{8692F4DF-4E77-4C73-A541-9967B917FF05}"/>
+              </a:ext>
+            </a:extLst>
+          </p:cNvPr>
+          <p:cNvPicPr>
+            <a:picLocks noChangeAspect="1"/>
+          </p:cNvPicPr>
+          <p:nvPr/>
+        </p:nvPicPr>
+        <p:blipFill>
+          <a:blip r:embed="rId3"/>
+          <a:stretch>
+            <a:fillRect/>
+          </a:stretch>
+        </p:blipFill>
+        <p:spPr>
+          <a:xfrm>
+            <a:off x="4792023" y="1654198"/>
+            <a:ext cx="7249382" cy="3549603"/>
+          </a:xfrm>
+          <a:prstGeom prst="rect">
+            <a:avLst/>
+          </a:prstGeom>
+        </p:spPr>
+      </p:pic>
+    </p:spTree>
+    <p:extLst>
+      <p:ext uri="{BB962C8B-B14F-4D97-AF65-F5344CB8AC3E}">
+        <p14:creationId xmlns:p14="http://schemas.microsoft.com/office/powerpoint/2010/main" val="3989306568"/>
+      </p:ext>
+    </p:extLst>
+  </p:cSld>
+  <p:clrMapOvr>
+    <a:masterClrMapping/>
+  </p:clrMapOvr>
+</p:sld>
+</file>
+
+<file path=ppt/slides/slide32.xml><?xml version="1.0" encoding="utf-8"?>
+<p:sld xmlns:a="http://schemas.openxmlformats.org/drawingml/2006/main" xmlns:r="http://schemas.openxmlformats.org/officeDocument/2006/relationships" xmlns:p="http://schemas.openxmlformats.org/presentationml/2006/main">
+  <p:cSld>
+    <p:spTree>
+      <p:nvGrpSpPr>
+        <p:cNvPr id="1" name=""/>
+        <p:cNvGrpSpPr/>
+        <p:nvPr/>
+      </p:nvGrpSpPr>
+      <p:grpSpPr>
+        <a:xfrm>
+          <a:off x="0" y="0"/>
+          <a:ext cx="0" cy="0"/>
+          <a:chOff x="0" y="0"/>
+          <a:chExt cx="0" cy="0"/>
+        </a:xfrm>
+      </p:grpSpPr>
+      <p:sp>
+        <p:nvSpPr>
+          <p:cNvPr id="4" name="投影片編號版面配置區 3">
+            <a:extLst>
+              <a:ext uri="{FF2B5EF4-FFF2-40B4-BE49-F238E27FC236}">
+                <a16:creationId xmlns:a16="http://schemas.microsoft.com/office/drawing/2014/main" id="{C5183A82-9DEB-4EC5-9C61-ADE694674CED}"/>
+              </a:ext>
+            </a:extLst>
+          </p:cNvPr>
+          <p:cNvSpPr>
+            <a:spLocks noGrp="1"/>
+          </p:cNvSpPr>
+          <p:nvPr>
+            <p:ph type="sldNum" sz="quarter" idx="12"/>
+          </p:nvPr>
+        </p:nvSpPr>
+        <p:spPr/>
+        <p:txBody>
+          <a:bodyPr/>
+          <a:lstStyle/>
+          <a:p>
+            <a:fld id="{BF8CE765-4F4E-465C-81D9-F9DA65D64035}" type="slidenum">
+              <a:rPr lang="zh-TW" altLang="en-US" smtClean="0"/>
+              <a:t>32</a:t>
+            </a:fld>
+            <a:endParaRPr lang="zh-TW" altLang="en-US"/>
+          </a:p>
+        </p:txBody>
+      </p:sp>
+      <p:sp>
+        <p:nvSpPr>
+          <p:cNvPr id="18" name="矩形 17">
+            <a:extLst>
+              <a:ext uri="{FF2B5EF4-FFF2-40B4-BE49-F238E27FC236}">
+                <a16:creationId xmlns:a16="http://schemas.microsoft.com/office/drawing/2014/main" id="{0FB3A394-9020-469D-91F6-68EEA700FA7B}"/>
+              </a:ext>
+            </a:extLst>
+          </p:cNvPr>
+          <p:cNvSpPr/>
+          <p:nvPr/>
+        </p:nvSpPr>
+        <p:spPr>
+          <a:xfrm>
+            <a:off x="-2880" y="0"/>
+            <a:ext cx="12191760" cy="381800"/>
+          </a:xfrm>
+          <a:prstGeom prst="rect">
+            <a:avLst/>
+          </a:prstGeom>
+          <a:solidFill>
+            <a:schemeClr val="bg1"/>
+          </a:solidFill>
+          <a:ln>
+            <a:solidFill>
+              <a:schemeClr val="bg1"/>
+            </a:solidFill>
+          </a:ln>
+        </p:spPr>
+        <p:style>
+          <a:lnRef idx="2">
+            <a:schemeClr val="accent1">
+              <a:shade val="50000"/>
+            </a:schemeClr>
+          </a:lnRef>
+          <a:fillRef idx="1">
+            <a:schemeClr val="accent1"/>
+          </a:fillRef>
+          <a:effectRef idx="0">
+            <a:schemeClr val="accent1"/>
+          </a:effectRef>
+          <a:fontRef idx="minor">
+            <a:schemeClr val="lt1"/>
+          </a:fontRef>
+        </p:style>
+        <p:txBody>
+          <a:bodyPr rtlCol="0" anchor="ctr"/>
+          <a:lstStyle/>
+          <a:p>
+            <a:pPr algn="ctr"/>
+            <a:endParaRPr lang="en-US"/>
+          </a:p>
+        </p:txBody>
+      </p:sp>
+      <p:sp>
+        <p:nvSpPr>
+          <p:cNvPr id="19" name="矩形 18">
+            <a:extLst>
+              <a:ext uri="{FF2B5EF4-FFF2-40B4-BE49-F238E27FC236}">
+                <a16:creationId xmlns:a16="http://schemas.microsoft.com/office/drawing/2014/main" id="{1B3F5A8A-595D-4FB4-87AE-9EABF3549FA3}"/>
+              </a:ext>
+            </a:extLst>
+          </p:cNvPr>
+          <p:cNvSpPr/>
+          <p:nvPr/>
+        </p:nvSpPr>
+        <p:spPr>
+          <a:xfrm>
+            <a:off x="9754560" y="0"/>
+            <a:ext cx="2437200" cy="381800"/>
+          </a:xfrm>
+          <a:prstGeom prst="rect">
+            <a:avLst/>
+          </a:prstGeom>
+          <a:solidFill>
+            <a:schemeClr val="tx1">
+              <a:lumMod val="75000"/>
+              <a:lumOff val="25000"/>
+              <a:alpha val="30000"/>
+            </a:schemeClr>
+          </a:solidFill>
+          <a:ln w="9525">
+            <a:solidFill>
+              <a:schemeClr val="tx1">
+                <a:lumMod val="50000"/>
+                <a:lumOff val="50000"/>
+              </a:schemeClr>
+            </a:solidFill>
+          </a:ln>
+        </p:spPr>
+        <p:style>
+          <a:lnRef idx="2">
+            <a:schemeClr val="accent3">
+              <a:shade val="50000"/>
+            </a:schemeClr>
+          </a:lnRef>
+          <a:fillRef idx="1">
+            <a:schemeClr val="accent3"/>
+          </a:fillRef>
+          <a:effectRef idx="0">
+            <a:schemeClr val="accent3"/>
+          </a:effectRef>
+          <a:fontRef idx="minor">
+            <a:schemeClr val="lt1"/>
+          </a:fontRef>
+        </p:style>
+        <p:txBody>
+          <a:bodyPr rtlCol="0" anchor="ctr"/>
+          <a:lstStyle/>
+          <a:p>
+            <a:pPr algn="ctr"/>
+            <a:endParaRPr lang="en-US"/>
+          </a:p>
+        </p:txBody>
+      </p:sp>
+      <p:sp>
+        <p:nvSpPr>
+          <p:cNvPr id="20" name="矩形 19">
+            <a:extLst>
+              <a:ext uri="{FF2B5EF4-FFF2-40B4-BE49-F238E27FC236}">
+                <a16:creationId xmlns:a16="http://schemas.microsoft.com/office/drawing/2014/main" id="{6AFEE53B-00F4-4C28-995D-F23DDC78F376}"/>
+              </a:ext>
+            </a:extLst>
+          </p:cNvPr>
+          <p:cNvSpPr/>
+          <p:nvPr/>
+        </p:nvSpPr>
+        <p:spPr>
+          <a:xfrm>
+            <a:off x="0" y="0"/>
+            <a:ext cx="2437200" cy="381800"/>
+          </a:xfrm>
+          <a:prstGeom prst="rect">
+            <a:avLst/>
+          </a:prstGeom>
+          <a:solidFill>
+            <a:schemeClr val="bg1"/>
+          </a:solidFill>
+          <a:ln w="9525">
+            <a:solidFill>
+              <a:schemeClr val="tx1">
+                <a:lumMod val="50000"/>
+                <a:lumOff val="50000"/>
+              </a:schemeClr>
+            </a:solidFill>
+          </a:ln>
+        </p:spPr>
+        <p:style>
+          <a:lnRef idx="2">
+            <a:schemeClr val="accent3">
+              <a:shade val="50000"/>
+            </a:schemeClr>
+          </a:lnRef>
+          <a:fillRef idx="1">
+            <a:schemeClr val="accent3"/>
+          </a:fillRef>
+          <a:effectRef idx="0">
+            <a:schemeClr val="accent3"/>
+          </a:effectRef>
+          <a:fontRef idx="minor">
+            <a:schemeClr val="lt1"/>
+          </a:fontRef>
+        </p:style>
+        <p:txBody>
+          <a:bodyPr rtlCol="0" anchor="ctr"/>
+          <a:lstStyle/>
+          <a:p>
+            <a:pPr algn="ctr"/>
+            <a:endParaRPr lang="en-US"/>
+          </a:p>
+        </p:txBody>
+      </p:sp>
+      <p:sp>
+        <p:nvSpPr>
+          <p:cNvPr id="21" name="矩形 20">
+            <a:extLst>
+              <a:ext uri="{FF2B5EF4-FFF2-40B4-BE49-F238E27FC236}">
+                <a16:creationId xmlns:a16="http://schemas.microsoft.com/office/drawing/2014/main" id="{E90642E8-2512-4DC0-9E3C-EA8FF78F5B36}"/>
+              </a:ext>
+            </a:extLst>
+          </p:cNvPr>
+          <p:cNvSpPr/>
+          <p:nvPr/>
+        </p:nvSpPr>
+        <p:spPr>
+          <a:xfrm>
+            <a:off x="91057" y="44624"/>
+            <a:ext cx="2303999" cy="307777"/>
+          </a:xfrm>
+          <a:prstGeom prst="rect">
+            <a:avLst/>
+          </a:prstGeom>
+          <a:ln w="9525">
+            <a:noFill/>
+          </a:ln>
+        </p:spPr>
+        <p:txBody>
+          <a:bodyPr wrap="square">
+            <a:spAutoFit/>
+          </a:bodyPr>
+          <a:lstStyle/>
+          <a:p>
+            <a:pPr algn="ctr"/>
+            <a:r>
+              <a:rPr lang="en-US" altLang="zh-CN" sz="1400" b="1" kern="100" dirty="0">
+                <a:solidFill>
+                  <a:schemeClr val="accent1"/>
+                </a:solidFill>
+                <a:latin typeface="Times New Roman" panose="02020603050405020304" pitchFamily="18" charset="0"/>
+                <a:cs typeface="Times New Roman" panose="02020603050405020304" pitchFamily="18" charset="0"/>
+              </a:rPr>
+              <a:t>Research Question</a:t>
+            </a:r>
+          </a:p>
+        </p:txBody>
+      </p:sp>
+      <p:sp>
+        <p:nvSpPr>
+          <p:cNvPr id="22" name="矩形 21">
+            <a:extLst>
+              <a:ext uri="{FF2B5EF4-FFF2-40B4-BE49-F238E27FC236}">
+                <a16:creationId xmlns:a16="http://schemas.microsoft.com/office/drawing/2014/main" id="{06A2820E-A5C8-49A8-A65E-659F8CDDCC27}"/>
+              </a:ext>
+            </a:extLst>
+          </p:cNvPr>
+          <p:cNvSpPr/>
+          <p:nvPr/>
+        </p:nvSpPr>
+        <p:spPr>
+          <a:xfrm>
+            <a:off x="2437200" y="0"/>
+            <a:ext cx="2437200" cy="381800"/>
+          </a:xfrm>
+          <a:prstGeom prst="rect">
+            <a:avLst/>
+          </a:prstGeom>
+          <a:solidFill>
+            <a:schemeClr val="bg1">
+              <a:alpha val="30000"/>
+            </a:schemeClr>
+          </a:solidFill>
+          <a:ln w="9525">
+            <a:solidFill>
+              <a:schemeClr val="tx1">
+                <a:lumMod val="50000"/>
+                <a:lumOff val="50000"/>
+              </a:schemeClr>
+            </a:solidFill>
+          </a:ln>
+        </p:spPr>
+        <p:style>
+          <a:lnRef idx="2">
+            <a:schemeClr val="accent3">
+              <a:shade val="50000"/>
+            </a:schemeClr>
+          </a:lnRef>
+          <a:fillRef idx="1">
+            <a:schemeClr val="accent3"/>
+          </a:fillRef>
+          <a:effectRef idx="0">
+            <a:schemeClr val="accent3"/>
+          </a:effectRef>
+          <a:fontRef idx="minor">
+            <a:schemeClr val="lt1"/>
+          </a:fontRef>
+        </p:style>
+        <p:txBody>
+          <a:bodyPr rtlCol="0" anchor="ctr"/>
+          <a:lstStyle/>
+          <a:p>
+            <a:pPr algn="ctr"/>
+            <a:endParaRPr lang="en-US"/>
+          </a:p>
+        </p:txBody>
+      </p:sp>
+      <p:sp>
+        <p:nvSpPr>
+          <p:cNvPr id="23" name="矩形 22">
+            <a:extLst>
+              <a:ext uri="{FF2B5EF4-FFF2-40B4-BE49-F238E27FC236}">
+                <a16:creationId xmlns:a16="http://schemas.microsoft.com/office/drawing/2014/main" id="{0758C2A2-B485-4FAF-90D6-18FF9EFA4647}"/>
+              </a:ext>
+            </a:extLst>
+          </p:cNvPr>
+          <p:cNvSpPr/>
+          <p:nvPr/>
+        </p:nvSpPr>
+        <p:spPr>
+          <a:xfrm>
+            <a:off x="4874400" y="0"/>
+            <a:ext cx="2437200" cy="381800"/>
+          </a:xfrm>
+          <a:prstGeom prst="rect">
+            <a:avLst/>
+          </a:prstGeom>
+          <a:solidFill>
+            <a:schemeClr val="bg1">
+              <a:alpha val="30000"/>
+            </a:schemeClr>
+          </a:solidFill>
+          <a:ln w="9525">
+            <a:solidFill>
+              <a:schemeClr val="tx1">
+                <a:lumMod val="50000"/>
+                <a:lumOff val="50000"/>
+              </a:schemeClr>
+            </a:solidFill>
+          </a:ln>
+        </p:spPr>
+        <p:style>
+          <a:lnRef idx="2">
+            <a:schemeClr val="accent3">
+              <a:shade val="50000"/>
+            </a:schemeClr>
+          </a:lnRef>
+          <a:fillRef idx="1">
+            <a:schemeClr val="accent3"/>
+          </a:fillRef>
+          <a:effectRef idx="0">
+            <a:schemeClr val="accent3"/>
+          </a:effectRef>
+          <a:fontRef idx="minor">
+            <a:schemeClr val="lt1"/>
+          </a:fontRef>
+        </p:style>
+        <p:txBody>
+          <a:bodyPr rtlCol="0" anchor="ctr"/>
+          <a:lstStyle/>
+          <a:p>
+            <a:pPr algn="ctr"/>
+            <a:endParaRPr lang="en-US"/>
+          </a:p>
+        </p:txBody>
+      </p:sp>
+      <p:sp>
+        <p:nvSpPr>
+          <p:cNvPr id="24" name="矩形 23">
+            <a:extLst>
+              <a:ext uri="{FF2B5EF4-FFF2-40B4-BE49-F238E27FC236}">
+                <a16:creationId xmlns:a16="http://schemas.microsoft.com/office/drawing/2014/main" id="{879D0081-A729-47E8-8E14-ED65864460EF}"/>
+              </a:ext>
+            </a:extLst>
+          </p:cNvPr>
+          <p:cNvSpPr/>
+          <p:nvPr/>
+        </p:nvSpPr>
+        <p:spPr>
+          <a:xfrm>
+            <a:off x="4916544" y="44624"/>
+            <a:ext cx="2303999" cy="307777"/>
+          </a:xfrm>
+          <a:prstGeom prst="rect">
+            <a:avLst/>
+          </a:prstGeom>
+          <a:ln w="9525">
+            <a:noFill/>
+          </a:ln>
+        </p:spPr>
+        <p:txBody>
+          <a:bodyPr wrap="square">
+            <a:spAutoFit/>
+          </a:bodyPr>
+          <a:lstStyle/>
+          <a:p>
+            <a:pPr algn="ctr"/>
+            <a:r>
+              <a:rPr lang="en-US" altLang="zh-CN" sz="1400" b="1" kern="100" dirty="0">
+                <a:solidFill>
+                  <a:schemeClr val="accent1"/>
+                </a:solidFill>
+                <a:latin typeface="Times New Roman" panose="02020603050405020304" pitchFamily="18" charset="0"/>
+                <a:cs typeface="Times New Roman" panose="02020603050405020304" pitchFamily="18" charset="0"/>
+              </a:rPr>
+              <a:t>Data pre-processing</a:t>
+            </a:r>
+            <a:endParaRPr lang="zh-CN" altLang="zh-CN" sz="1400" b="1" kern="100" dirty="0">
+              <a:solidFill>
+                <a:schemeClr val="accent1"/>
+              </a:solidFill>
+              <a:latin typeface="Times New Roman" panose="02020603050405020304" pitchFamily="18" charset="0"/>
+              <a:cs typeface="Times New Roman" panose="02020603050405020304" pitchFamily="18" charset="0"/>
+            </a:endParaRPr>
+          </a:p>
+        </p:txBody>
+      </p:sp>
+      <p:sp>
+        <p:nvSpPr>
+          <p:cNvPr id="25" name="矩形 24">
+            <a:extLst>
+              <a:ext uri="{FF2B5EF4-FFF2-40B4-BE49-F238E27FC236}">
+                <a16:creationId xmlns:a16="http://schemas.microsoft.com/office/drawing/2014/main" id="{C990BE16-83C9-4750-AAB0-6E5B2A2FA773}"/>
+              </a:ext>
+            </a:extLst>
+          </p:cNvPr>
+          <p:cNvSpPr/>
+          <p:nvPr/>
+        </p:nvSpPr>
+        <p:spPr>
+          <a:xfrm>
+            <a:off x="7311600" y="0"/>
+            <a:ext cx="2437200" cy="381800"/>
+          </a:xfrm>
+          <a:prstGeom prst="rect">
+            <a:avLst/>
+          </a:prstGeom>
+          <a:solidFill>
+            <a:schemeClr val="bg1">
+              <a:alpha val="30000"/>
+            </a:schemeClr>
+          </a:solidFill>
+          <a:ln w="9525">
+            <a:solidFill>
+              <a:schemeClr val="tx1">
+                <a:lumMod val="50000"/>
+                <a:lumOff val="50000"/>
+              </a:schemeClr>
+            </a:solidFill>
+          </a:ln>
+        </p:spPr>
+        <p:style>
+          <a:lnRef idx="2">
+            <a:schemeClr val="accent3">
+              <a:shade val="50000"/>
+            </a:schemeClr>
+          </a:lnRef>
+          <a:fillRef idx="1">
+            <a:schemeClr val="accent3"/>
+          </a:fillRef>
+          <a:effectRef idx="0">
+            <a:schemeClr val="accent3"/>
+          </a:effectRef>
+          <a:fontRef idx="minor">
+            <a:schemeClr val="lt1"/>
+          </a:fontRef>
+        </p:style>
+        <p:txBody>
+          <a:bodyPr rtlCol="0" anchor="ctr"/>
+          <a:lstStyle/>
+          <a:p>
+            <a:pPr algn="ctr"/>
+            <a:endParaRPr lang="en-US"/>
+          </a:p>
+        </p:txBody>
+      </p:sp>
+      <p:sp>
+        <p:nvSpPr>
+          <p:cNvPr id="26" name="矩形 25">
+            <a:extLst>
+              <a:ext uri="{FF2B5EF4-FFF2-40B4-BE49-F238E27FC236}">
+                <a16:creationId xmlns:a16="http://schemas.microsoft.com/office/drawing/2014/main" id="{371EEEDB-FE8A-46FE-B5DE-83502475004A}"/>
+              </a:ext>
+            </a:extLst>
+          </p:cNvPr>
+          <p:cNvSpPr/>
+          <p:nvPr/>
+        </p:nvSpPr>
+        <p:spPr>
+          <a:xfrm>
+            <a:off x="7408657" y="33290"/>
+            <a:ext cx="2303999" cy="307777"/>
+          </a:xfrm>
+          <a:prstGeom prst="rect">
+            <a:avLst/>
+          </a:prstGeom>
+          <a:ln w="9525">
+            <a:noFill/>
+          </a:ln>
+        </p:spPr>
+        <p:txBody>
+          <a:bodyPr wrap="square">
+            <a:spAutoFit/>
+          </a:bodyPr>
+          <a:lstStyle/>
+          <a:p>
+            <a:pPr algn="ctr"/>
+            <a:r>
+              <a:rPr lang="en-US" altLang="zh-CN" sz="1400" b="1" kern="100" dirty="0">
+                <a:solidFill>
+                  <a:schemeClr val="accent1"/>
+                </a:solidFill>
+                <a:latin typeface="Times New Roman" panose="02020603050405020304" pitchFamily="18" charset="0"/>
+                <a:cs typeface="Times New Roman" panose="02020603050405020304" pitchFamily="18" charset="0"/>
+              </a:rPr>
+              <a:t>Model Training</a:t>
+            </a:r>
+            <a:endParaRPr lang="zh-CN" altLang="zh-CN" sz="1400" b="1" kern="100" dirty="0">
+              <a:solidFill>
+                <a:schemeClr val="accent1"/>
+              </a:solidFill>
+              <a:latin typeface="Times New Roman" panose="02020603050405020304" pitchFamily="18" charset="0"/>
+              <a:cs typeface="Times New Roman" panose="02020603050405020304" pitchFamily="18" charset="0"/>
+            </a:endParaRPr>
+          </a:p>
+        </p:txBody>
+      </p:sp>
+      <p:sp>
+        <p:nvSpPr>
+          <p:cNvPr id="27" name="矩形 26">
+            <a:extLst>
+              <a:ext uri="{FF2B5EF4-FFF2-40B4-BE49-F238E27FC236}">
+                <a16:creationId xmlns:a16="http://schemas.microsoft.com/office/drawing/2014/main" id="{DE395EB8-7179-4B43-99D4-156E65A700AC}"/>
+              </a:ext>
+            </a:extLst>
+          </p:cNvPr>
+          <p:cNvSpPr/>
+          <p:nvPr/>
+        </p:nvSpPr>
+        <p:spPr>
+          <a:xfrm>
+            <a:off x="9821160" y="44624"/>
+            <a:ext cx="2303999" cy="307777"/>
+          </a:xfrm>
+          <a:prstGeom prst="rect">
+            <a:avLst/>
+          </a:prstGeom>
+        </p:spPr>
+        <p:txBody>
+          <a:bodyPr wrap="square">
+            <a:spAutoFit/>
+          </a:bodyPr>
+          <a:lstStyle/>
+          <a:p>
+            <a:pPr algn="ctr"/>
+            <a:r>
+              <a:rPr lang="en-US" altLang="zh-CN" sz="1400" b="1" kern="100" dirty="0">
+                <a:solidFill>
+                  <a:schemeClr val="accent1"/>
+                </a:solidFill>
+                <a:latin typeface="Times New Roman" panose="02020603050405020304" pitchFamily="18" charset="0"/>
+                <a:cs typeface="Times New Roman" panose="02020603050405020304" pitchFamily="18" charset="0"/>
+              </a:rPr>
+              <a:t>Appendix</a:t>
+            </a:r>
+            <a:endParaRPr lang="zh-CN" altLang="zh-CN" sz="1400" b="1" kern="100" dirty="0">
+              <a:solidFill>
+                <a:schemeClr val="accent1"/>
+              </a:solidFill>
+              <a:latin typeface="Times New Roman" panose="02020603050405020304" pitchFamily="18" charset="0"/>
+              <a:cs typeface="Times New Roman" panose="02020603050405020304" pitchFamily="18" charset="0"/>
+            </a:endParaRPr>
+          </a:p>
+        </p:txBody>
+      </p:sp>
+      <p:sp>
+        <p:nvSpPr>
+          <p:cNvPr id="28" name="矩形 27">
+            <a:extLst>
+              <a:ext uri="{FF2B5EF4-FFF2-40B4-BE49-F238E27FC236}">
+                <a16:creationId xmlns:a16="http://schemas.microsoft.com/office/drawing/2014/main" id="{93D8981B-AF20-4DC7-ABF8-10F9897107C3}"/>
+              </a:ext>
+            </a:extLst>
+          </p:cNvPr>
+          <p:cNvSpPr/>
+          <p:nvPr/>
+        </p:nvSpPr>
+        <p:spPr>
+          <a:xfrm>
+            <a:off x="2503800" y="44624"/>
+            <a:ext cx="2303999" cy="307777"/>
+          </a:xfrm>
+          <a:prstGeom prst="rect">
+            <a:avLst/>
+          </a:prstGeom>
+          <a:ln w="9525">
+            <a:noFill/>
+          </a:ln>
+        </p:spPr>
+        <p:txBody>
+          <a:bodyPr wrap="square">
+            <a:spAutoFit/>
+          </a:bodyPr>
+          <a:lstStyle/>
+          <a:p>
+            <a:pPr algn="ctr"/>
+            <a:r>
+              <a:rPr lang="en-US" altLang="zh-CN" sz="1400" b="1" kern="100" dirty="0">
+                <a:solidFill>
+                  <a:schemeClr val="accent1"/>
+                </a:solidFill>
+                <a:latin typeface="Times New Roman" panose="02020603050405020304" pitchFamily="18" charset="0"/>
+                <a:cs typeface="Times New Roman" panose="02020603050405020304" pitchFamily="18" charset="0"/>
+              </a:rPr>
+              <a:t>EDA</a:t>
+            </a:r>
+          </a:p>
+        </p:txBody>
+      </p:sp>
+      <p:sp>
+        <p:nvSpPr>
+          <p:cNvPr id="17" name="矩形 16">
+            <a:extLst>
+              <a:ext uri="{FF2B5EF4-FFF2-40B4-BE49-F238E27FC236}">
+                <a16:creationId xmlns:a16="http://schemas.microsoft.com/office/drawing/2014/main" id="{FF885DDD-0FFE-44BC-8CD2-CA7462B3168D}"/>
+              </a:ext>
+            </a:extLst>
+          </p:cNvPr>
+          <p:cNvSpPr/>
+          <p:nvPr/>
+        </p:nvSpPr>
+        <p:spPr>
+          <a:xfrm>
+            <a:off x="399716" y="594739"/>
+            <a:ext cx="1460656" cy="338554"/>
+          </a:xfrm>
+          <a:prstGeom prst="rect">
+            <a:avLst/>
+          </a:prstGeom>
+        </p:spPr>
+        <p:txBody>
+          <a:bodyPr wrap="none">
+            <a:spAutoFit/>
+          </a:bodyPr>
+          <a:lstStyle/>
+          <a:p>
+            <a:r>
+              <a:rPr lang="en-US" altLang="zh-TW" sz="1600" b="1" kern="100" dirty="0">
+                <a:solidFill>
+                  <a:schemeClr val="accent1"/>
+                </a:solidFill>
+                <a:cs typeface="Times New Roman" panose="02020603050405020304" pitchFamily="18" charset="0"/>
+              </a:rPr>
+              <a:t>C. </a:t>
+            </a:r>
+            <a:r>
+              <a:rPr lang="en-US" altLang="zh-TW" sz="1600" b="1" kern="100" dirty="0">
+                <a:solidFill>
+                  <a:schemeClr val="accent1"/>
+                </a:solidFill>
+                <a:ea typeface="標楷體" panose="03000509000000000000" pitchFamily="65" charset="-120"/>
+                <a:cs typeface="Times New Roman" panose="02020603050405020304" pitchFamily="18" charset="0"/>
+              </a:rPr>
+              <a:t>EDA</a:t>
+            </a:r>
+            <a:r>
+              <a:rPr lang="zh-TW" altLang="en-US" sz="1600" b="1" kern="100" dirty="0">
+                <a:solidFill>
+                  <a:schemeClr val="accent1"/>
+                </a:solidFill>
+                <a:ea typeface="標楷體" panose="03000509000000000000" pitchFamily="65" charset="-120"/>
+                <a:cs typeface="Times New Roman" panose="02020603050405020304" pitchFamily="18" charset="0"/>
+              </a:rPr>
+              <a:t> </a:t>
+            </a:r>
+            <a:r>
+              <a:rPr lang="en-US" altLang="zh-TW" sz="1600" b="1" kern="100" dirty="0">
+                <a:solidFill>
+                  <a:schemeClr val="accent1"/>
+                </a:solidFill>
+                <a:ea typeface="標楷體" panose="03000509000000000000" pitchFamily="65" charset="-120"/>
+                <a:cs typeface="Times New Roman" panose="02020603050405020304" pitchFamily="18" charset="0"/>
+              </a:rPr>
+              <a:t>result</a:t>
+            </a:r>
+          </a:p>
+        </p:txBody>
+      </p:sp>
+    </p:spTree>
+    <p:extLst>
+      <p:ext uri="{BB962C8B-B14F-4D97-AF65-F5344CB8AC3E}">
+        <p14:creationId xmlns:p14="http://schemas.microsoft.com/office/powerpoint/2010/main" val="123997039"/>
+      </p:ext>
+    </p:extLst>
+  </p:cSld>
+  <p:clrMapOvr>
+    <a:masterClrMapping/>
+  </p:clrMapOvr>
+</p:sld>
+</file>
+
+<file path=ppt/slides/slide33.xml><?xml version="1.0" encoding="utf-8"?>
+<p:sld xmlns:a="http://schemas.openxmlformats.org/drawingml/2006/main" xmlns:r="http://schemas.openxmlformats.org/officeDocument/2006/relationships" xmlns:p="http://schemas.openxmlformats.org/presentationml/2006/main">
+  <p:cSld>
+    <p:spTree>
+      <p:nvGrpSpPr>
+        <p:cNvPr id="1" name=""/>
+        <p:cNvGrpSpPr/>
+        <p:nvPr/>
+      </p:nvGrpSpPr>
+      <p:grpSpPr>
+        <a:xfrm>
+          <a:off x="0" y="0"/>
+          <a:ext cx="0" cy="0"/>
+          <a:chOff x="0" y="0"/>
+          <a:chExt cx="0" cy="0"/>
+        </a:xfrm>
+      </p:grpSpPr>
+      <p:sp>
+        <p:nvSpPr>
+          <p:cNvPr id="4" name="投影片編號版面配置區 3">
+            <a:extLst>
+              <a:ext uri="{FF2B5EF4-FFF2-40B4-BE49-F238E27FC236}">
+                <a16:creationId xmlns:a16="http://schemas.microsoft.com/office/drawing/2014/main" id="{C5183A82-9DEB-4EC5-9C61-ADE694674CED}"/>
+              </a:ext>
+            </a:extLst>
+          </p:cNvPr>
+          <p:cNvSpPr>
+            <a:spLocks noGrp="1"/>
+          </p:cNvSpPr>
+          <p:nvPr>
+            <p:ph type="sldNum" sz="quarter" idx="12"/>
+          </p:nvPr>
+        </p:nvSpPr>
+        <p:spPr/>
+        <p:txBody>
+          <a:bodyPr/>
+          <a:lstStyle/>
+          <a:p>
+            <a:fld id="{BF8CE765-4F4E-465C-81D9-F9DA65D64035}" type="slidenum">
+              <a:rPr lang="zh-TW" altLang="en-US" smtClean="0"/>
+              <a:t>33</a:t>
+            </a:fld>
+            <a:endParaRPr lang="zh-TW" altLang="en-US"/>
+          </a:p>
+        </p:txBody>
+      </p:sp>
+      <p:sp>
+        <p:nvSpPr>
+          <p:cNvPr id="18" name="矩形 17">
+            <a:extLst>
+              <a:ext uri="{FF2B5EF4-FFF2-40B4-BE49-F238E27FC236}">
+                <a16:creationId xmlns:a16="http://schemas.microsoft.com/office/drawing/2014/main" id="{0FB3A394-9020-469D-91F6-68EEA700FA7B}"/>
+              </a:ext>
+            </a:extLst>
+          </p:cNvPr>
+          <p:cNvSpPr/>
+          <p:nvPr/>
+        </p:nvSpPr>
+        <p:spPr>
+          <a:xfrm>
+            <a:off x="-2880" y="0"/>
+            <a:ext cx="12191760" cy="381800"/>
+          </a:xfrm>
+          <a:prstGeom prst="rect">
+            <a:avLst/>
+          </a:prstGeom>
+          <a:solidFill>
+            <a:schemeClr val="bg1"/>
+          </a:solidFill>
+          <a:ln>
+            <a:solidFill>
+              <a:schemeClr val="bg1"/>
+            </a:solidFill>
+          </a:ln>
+        </p:spPr>
+        <p:style>
+          <a:lnRef idx="2">
+            <a:schemeClr val="accent1">
+              <a:shade val="50000"/>
+            </a:schemeClr>
+          </a:lnRef>
+          <a:fillRef idx="1">
+            <a:schemeClr val="accent1"/>
+          </a:fillRef>
+          <a:effectRef idx="0">
+            <a:schemeClr val="accent1"/>
+          </a:effectRef>
+          <a:fontRef idx="minor">
+            <a:schemeClr val="lt1"/>
+          </a:fontRef>
+        </p:style>
+        <p:txBody>
+          <a:bodyPr rtlCol="0" anchor="ctr"/>
+          <a:lstStyle/>
+          <a:p>
+            <a:pPr algn="ctr"/>
+            <a:endParaRPr lang="en-US"/>
+          </a:p>
+        </p:txBody>
+      </p:sp>
+      <p:sp>
+        <p:nvSpPr>
+          <p:cNvPr id="19" name="矩形 18">
+            <a:extLst>
+              <a:ext uri="{FF2B5EF4-FFF2-40B4-BE49-F238E27FC236}">
+                <a16:creationId xmlns:a16="http://schemas.microsoft.com/office/drawing/2014/main" id="{1B3F5A8A-595D-4FB4-87AE-9EABF3549FA3}"/>
+              </a:ext>
+            </a:extLst>
+          </p:cNvPr>
+          <p:cNvSpPr/>
+          <p:nvPr/>
+        </p:nvSpPr>
+        <p:spPr>
+          <a:xfrm>
+            <a:off x="9754560" y="0"/>
+            <a:ext cx="2437200" cy="381800"/>
+          </a:xfrm>
+          <a:prstGeom prst="rect">
+            <a:avLst/>
+          </a:prstGeom>
+          <a:solidFill>
+            <a:schemeClr val="tx1">
+              <a:lumMod val="75000"/>
+              <a:lumOff val="25000"/>
+              <a:alpha val="30000"/>
+            </a:schemeClr>
+          </a:solidFill>
+          <a:ln w="9525">
+            <a:solidFill>
+              <a:schemeClr val="tx1">
+                <a:lumMod val="50000"/>
+                <a:lumOff val="50000"/>
+              </a:schemeClr>
+            </a:solidFill>
+          </a:ln>
+        </p:spPr>
+        <p:style>
+          <a:lnRef idx="2">
+            <a:schemeClr val="accent3">
+              <a:shade val="50000"/>
+            </a:schemeClr>
+          </a:lnRef>
+          <a:fillRef idx="1">
+            <a:schemeClr val="accent3"/>
+          </a:fillRef>
+          <a:effectRef idx="0">
+            <a:schemeClr val="accent3"/>
+          </a:effectRef>
+          <a:fontRef idx="minor">
+            <a:schemeClr val="lt1"/>
+          </a:fontRef>
+        </p:style>
+        <p:txBody>
+          <a:bodyPr rtlCol="0" anchor="ctr"/>
+          <a:lstStyle/>
+          <a:p>
+            <a:pPr algn="ctr"/>
+            <a:endParaRPr lang="en-US"/>
+          </a:p>
+        </p:txBody>
+      </p:sp>
+      <p:sp>
+        <p:nvSpPr>
+          <p:cNvPr id="20" name="矩形 19">
+            <a:extLst>
+              <a:ext uri="{FF2B5EF4-FFF2-40B4-BE49-F238E27FC236}">
+                <a16:creationId xmlns:a16="http://schemas.microsoft.com/office/drawing/2014/main" id="{6AFEE53B-00F4-4C28-995D-F23DDC78F376}"/>
+              </a:ext>
+            </a:extLst>
+          </p:cNvPr>
+          <p:cNvSpPr/>
+          <p:nvPr/>
+        </p:nvSpPr>
+        <p:spPr>
+          <a:xfrm>
+            <a:off x="0" y="0"/>
+            <a:ext cx="2437200" cy="381800"/>
+          </a:xfrm>
+          <a:prstGeom prst="rect">
+            <a:avLst/>
+          </a:prstGeom>
+          <a:solidFill>
+            <a:schemeClr val="bg1"/>
+          </a:solidFill>
+          <a:ln w="9525">
+            <a:solidFill>
+              <a:schemeClr val="tx1">
+                <a:lumMod val="50000"/>
+                <a:lumOff val="50000"/>
+              </a:schemeClr>
+            </a:solidFill>
+          </a:ln>
+        </p:spPr>
+        <p:style>
+          <a:lnRef idx="2">
+            <a:schemeClr val="accent3">
+              <a:shade val="50000"/>
+            </a:schemeClr>
+          </a:lnRef>
+          <a:fillRef idx="1">
+            <a:schemeClr val="accent3"/>
+          </a:fillRef>
+          <a:effectRef idx="0">
+            <a:schemeClr val="accent3"/>
+          </a:effectRef>
+          <a:fontRef idx="minor">
+            <a:schemeClr val="lt1"/>
+          </a:fontRef>
+        </p:style>
+        <p:txBody>
+          <a:bodyPr rtlCol="0" anchor="ctr"/>
+          <a:lstStyle/>
+          <a:p>
+            <a:pPr algn="ctr"/>
+            <a:endParaRPr lang="en-US"/>
+          </a:p>
+        </p:txBody>
+      </p:sp>
+      <p:sp>
+        <p:nvSpPr>
+          <p:cNvPr id="21" name="矩形 20">
+            <a:extLst>
+              <a:ext uri="{FF2B5EF4-FFF2-40B4-BE49-F238E27FC236}">
+                <a16:creationId xmlns:a16="http://schemas.microsoft.com/office/drawing/2014/main" id="{E90642E8-2512-4DC0-9E3C-EA8FF78F5B36}"/>
+              </a:ext>
+            </a:extLst>
+          </p:cNvPr>
+          <p:cNvSpPr/>
+          <p:nvPr/>
+        </p:nvSpPr>
+        <p:spPr>
+          <a:xfrm>
+            <a:off x="91057" y="44624"/>
+            <a:ext cx="2303999" cy="307777"/>
+          </a:xfrm>
+          <a:prstGeom prst="rect">
+            <a:avLst/>
+          </a:prstGeom>
+          <a:ln w="9525">
+            <a:noFill/>
+          </a:ln>
+        </p:spPr>
+        <p:txBody>
+          <a:bodyPr wrap="square">
+            <a:spAutoFit/>
+          </a:bodyPr>
+          <a:lstStyle/>
+          <a:p>
+            <a:pPr algn="ctr"/>
+            <a:r>
+              <a:rPr lang="en-US" altLang="zh-CN" sz="1400" b="1" kern="100" dirty="0">
+                <a:solidFill>
+                  <a:schemeClr val="accent1"/>
+                </a:solidFill>
+                <a:latin typeface="Times New Roman" panose="02020603050405020304" pitchFamily="18" charset="0"/>
+                <a:cs typeface="Times New Roman" panose="02020603050405020304" pitchFamily="18" charset="0"/>
+              </a:rPr>
+              <a:t>Research Question</a:t>
+            </a:r>
+          </a:p>
+        </p:txBody>
+      </p:sp>
+      <p:sp>
+        <p:nvSpPr>
+          <p:cNvPr id="22" name="矩形 21">
+            <a:extLst>
+              <a:ext uri="{FF2B5EF4-FFF2-40B4-BE49-F238E27FC236}">
+                <a16:creationId xmlns:a16="http://schemas.microsoft.com/office/drawing/2014/main" id="{06A2820E-A5C8-49A8-A65E-659F8CDDCC27}"/>
+              </a:ext>
+            </a:extLst>
+          </p:cNvPr>
+          <p:cNvSpPr/>
+          <p:nvPr/>
+        </p:nvSpPr>
+        <p:spPr>
+          <a:xfrm>
+            <a:off x="2437200" y="0"/>
+            <a:ext cx="2437200" cy="381800"/>
+          </a:xfrm>
+          <a:prstGeom prst="rect">
+            <a:avLst/>
+          </a:prstGeom>
+          <a:solidFill>
+            <a:schemeClr val="bg1">
+              <a:alpha val="30000"/>
+            </a:schemeClr>
+          </a:solidFill>
+          <a:ln w="9525">
+            <a:solidFill>
+              <a:schemeClr val="tx1">
+                <a:lumMod val="50000"/>
+                <a:lumOff val="50000"/>
+              </a:schemeClr>
+            </a:solidFill>
+          </a:ln>
+        </p:spPr>
+        <p:style>
+          <a:lnRef idx="2">
+            <a:schemeClr val="accent3">
+              <a:shade val="50000"/>
+            </a:schemeClr>
+          </a:lnRef>
+          <a:fillRef idx="1">
+            <a:schemeClr val="accent3"/>
+          </a:fillRef>
+          <a:effectRef idx="0">
+            <a:schemeClr val="accent3"/>
+          </a:effectRef>
+          <a:fontRef idx="minor">
+            <a:schemeClr val="lt1"/>
+          </a:fontRef>
+        </p:style>
+        <p:txBody>
+          <a:bodyPr rtlCol="0" anchor="ctr"/>
+          <a:lstStyle/>
+          <a:p>
+            <a:pPr algn="ctr"/>
+            <a:endParaRPr lang="en-US"/>
+          </a:p>
+        </p:txBody>
+      </p:sp>
+      <p:sp>
+        <p:nvSpPr>
+          <p:cNvPr id="23" name="矩形 22">
+            <a:extLst>
+              <a:ext uri="{FF2B5EF4-FFF2-40B4-BE49-F238E27FC236}">
+                <a16:creationId xmlns:a16="http://schemas.microsoft.com/office/drawing/2014/main" id="{0758C2A2-B485-4FAF-90D6-18FF9EFA4647}"/>
+              </a:ext>
+            </a:extLst>
+          </p:cNvPr>
+          <p:cNvSpPr/>
+          <p:nvPr/>
+        </p:nvSpPr>
+        <p:spPr>
+          <a:xfrm>
+            <a:off x="4874400" y="0"/>
+            <a:ext cx="2437200" cy="381800"/>
+          </a:xfrm>
+          <a:prstGeom prst="rect">
+            <a:avLst/>
+          </a:prstGeom>
+          <a:solidFill>
+            <a:schemeClr val="bg1">
+              <a:alpha val="30000"/>
+            </a:schemeClr>
+          </a:solidFill>
+          <a:ln w="9525">
+            <a:solidFill>
+              <a:schemeClr val="tx1">
+                <a:lumMod val="50000"/>
+                <a:lumOff val="50000"/>
+              </a:schemeClr>
+            </a:solidFill>
+          </a:ln>
+        </p:spPr>
+        <p:style>
+          <a:lnRef idx="2">
+            <a:schemeClr val="accent3">
+              <a:shade val="50000"/>
+            </a:schemeClr>
+          </a:lnRef>
+          <a:fillRef idx="1">
+            <a:schemeClr val="accent3"/>
+          </a:fillRef>
+          <a:effectRef idx="0">
+            <a:schemeClr val="accent3"/>
+          </a:effectRef>
+          <a:fontRef idx="minor">
+            <a:schemeClr val="lt1"/>
+          </a:fontRef>
+        </p:style>
+        <p:txBody>
+          <a:bodyPr rtlCol="0" anchor="ctr"/>
+          <a:lstStyle/>
+          <a:p>
+            <a:pPr algn="ctr"/>
+            <a:endParaRPr lang="en-US"/>
+          </a:p>
+        </p:txBody>
+      </p:sp>
+      <p:sp>
+        <p:nvSpPr>
+          <p:cNvPr id="24" name="矩形 23">
+            <a:extLst>
+              <a:ext uri="{FF2B5EF4-FFF2-40B4-BE49-F238E27FC236}">
+                <a16:creationId xmlns:a16="http://schemas.microsoft.com/office/drawing/2014/main" id="{879D0081-A729-47E8-8E14-ED65864460EF}"/>
+              </a:ext>
+            </a:extLst>
+          </p:cNvPr>
+          <p:cNvSpPr/>
+          <p:nvPr/>
+        </p:nvSpPr>
+        <p:spPr>
+          <a:xfrm>
+            <a:off x="4916544" y="44624"/>
+            <a:ext cx="2303999" cy="307777"/>
+          </a:xfrm>
+          <a:prstGeom prst="rect">
+            <a:avLst/>
+          </a:prstGeom>
+          <a:ln w="9525">
+            <a:noFill/>
+          </a:ln>
+        </p:spPr>
+        <p:txBody>
+          <a:bodyPr wrap="square">
+            <a:spAutoFit/>
+          </a:bodyPr>
+          <a:lstStyle/>
+          <a:p>
+            <a:pPr algn="ctr"/>
+            <a:r>
+              <a:rPr lang="en-US" altLang="zh-CN" sz="1400" b="1" kern="100" dirty="0">
+                <a:solidFill>
+                  <a:schemeClr val="accent1"/>
+                </a:solidFill>
+                <a:latin typeface="Times New Roman" panose="02020603050405020304" pitchFamily="18" charset="0"/>
+                <a:cs typeface="Times New Roman" panose="02020603050405020304" pitchFamily="18" charset="0"/>
+              </a:rPr>
+              <a:t>Data pre-processing</a:t>
+            </a:r>
+            <a:endParaRPr lang="zh-CN" altLang="zh-CN" sz="1400" b="1" kern="100" dirty="0">
+              <a:solidFill>
+                <a:schemeClr val="accent1"/>
+              </a:solidFill>
+              <a:latin typeface="Times New Roman" panose="02020603050405020304" pitchFamily="18" charset="0"/>
+              <a:cs typeface="Times New Roman" panose="02020603050405020304" pitchFamily="18" charset="0"/>
+            </a:endParaRPr>
+          </a:p>
+        </p:txBody>
+      </p:sp>
+      <p:sp>
+        <p:nvSpPr>
+          <p:cNvPr id="25" name="矩形 24">
+            <a:extLst>
+              <a:ext uri="{FF2B5EF4-FFF2-40B4-BE49-F238E27FC236}">
+                <a16:creationId xmlns:a16="http://schemas.microsoft.com/office/drawing/2014/main" id="{C990BE16-83C9-4750-AAB0-6E5B2A2FA773}"/>
+              </a:ext>
+            </a:extLst>
+          </p:cNvPr>
+          <p:cNvSpPr/>
+          <p:nvPr/>
+        </p:nvSpPr>
+        <p:spPr>
+          <a:xfrm>
+            <a:off x="7311600" y="0"/>
+            <a:ext cx="2437200" cy="381800"/>
+          </a:xfrm>
+          <a:prstGeom prst="rect">
+            <a:avLst/>
+          </a:prstGeom>
+          <a:solidFill>
+            <a:schemeClr val="bg1">
+              <a:alpha val="30000"/>
+            </a:schemeClr>
+          </a:solidFill>
+          <a:ln w="9525">
+            <a:solidFill>
+              <a:schemeClr val="tx1">
+                <a:lumMod val="50000"/>
+                <a:lumOff val="50000"/>
+              </a:schemeClr>
+            </a:solidFill>
+          </a:ln>
+        </p:spPr>
+        <p:style>
+          <a:lnRef idx="2">
+            <a:schemeClr val="accent3">
+              <a:shade val="50000"/>
+            </a:schemeClr>
+          </a:lnRef>
+          <a:fillRef idx="1">
+            <a:schemeClr val="accent3"/>
+          </a:fillRef>
+          <a:effectRef idx="0">
+            <a:schemeClr val="accent3"/>
+          </a:effectRef>
+          <a:fontRef idx="minor">
+            <a:schemeClr val="lt1"/>
+          </a:fontRef>
+        </p:style>
+        <p:txBody>
+          <a:bodyPr rtlCol="0" anchor="ctr"/>
+          <a:lstStyle/>
+          <a:p>
+            <a:pPr algn="ctr"/>
+            <a:endParaRPr lang="en-US"/>
+          </a:p>
+        </p:txBody>
+      </p:sp>
+      <p:sp>
+        <p:nvSpPr>
+          <p:cNvPr id="26" name="矩形 25">
+            <a:extLst>
+              <a:ext uri="{FF2B5EF4-FFF2-40B4-BE49-F238E27FC236}">
+                <a16:creationId xmlns:a16="http://schemas.microsoft.com/office/drawing/2014/main" id="{371EEEDB-FE8A-46FE-B5DE-83502475004A}"/>
+              </a:ext>
+            </a:extLst>
+          </p:cNvPr>
+          <p:cNvSpPr/>
+          <p:nvPr/>
+        </p:nvSpPr>
+        <p:spPr>
+          <a:xfrm>
+            <a:off x="7408657" y="33290"/>
+            <a:ext cx="2303999" cy="307777"/>
+          </a:xfrm>
+          <a:prstGeom prst="rect">
+            <a:avLst/>
+          </a:prstGeom>
+          <a:ln w="9525">
+            <a:noFill/>
+          </a:ln>
+        </p:spPr>
+        <p:txBody>
+          <a:bodyPr wrap="square">
+            <a:spAutoFit/>
+          </a:bodyPr>
+          <a:lstStyle/>
+          <a:p>
+            <a:pPr algn="ctr"/>
+            <a:r>
+              <a:rPr lang="en-US" altLang="zh-CN" sz="1400" b="1" kern="100" dirty="0">
+                <a:solidFill>
+                  <a:schemeClr val="accent1"/>
+                </a:solidFill>
+                <a:latin typeface="Times New Roman" panose="02020603050405020304" pitchFamily="18" charset="0"/>
+                <a:cs typeface="Times New Roman" panose="02020603050405020304" pitchFamily="18" charset="0"/>
+              </a:rPr>
+              <a:t>Model Training</a:t>
+            </a:r>
+            <a:endParaRPr lang="zh-CN" altLang="zh-CN" sz="1400" b="1" kern="100" dirty="0">
+              <a:solidFill>
+                <a:schemeClr val="accent1"/>
+              </a:solidFill>
+              <a:latin typeface="Times New Roman" panose="02020603050405020304" pitchFamily="18" charset="0"/>
+              <a:cs typeface="Times New Roman" panose="02020603050405020304" pitchFamily="18" charset="0"/>
+            </a:endParaRPr>
+          </a:p>
+        </p:txBody>
+      </p:sp>
+      <p:sp>
+        <p:nvSpPr>
+          <p:cNvPr id="27" name="矩形 26">
+            <a:extLst>
+              <a:ext uri="{FF2B5EF4-FFF2-40B4-BE49-F238E27FC236}">
+                <a16:creationId xmlns:a16="http://schemas.microsoft.com/office/drawing/2014/main" id="{DE395EB8-7179-4B43-99D4-156E65A700AC}"/>
+              </a:ext>
+            </a:extLst>
+          </p:cNvPr>
+          <p:cNvSpPr/>
+          <p:nvPr/>
+        </p:nvSpPr>
+        <p:spPr>
+          <a:xfrm>
+            <a:off x="9821160" y="44624"/>
+            <a:ext cx="2303999" cy="307777"/>
+          </a:xfrm>
+          <a:prstGeom prst="rect">
+            <a:avLst/>
+          </a:prstGeom>
+        </p:spPr>
+        <p:txBody>
+          <a:bodyPr wrap="square">
+            <a:spAutoFit/>
+          </a:bodyPr>
+          <a:lstStyle/>
+          <a:p>
+            <a:pPr algn="ctr"/>
+            <a:r>
+              <a:rPr lang="en-US" altLang="zh-CN" sz="1400" b="1" kern="100" dirty="0">
+                <a:solidFill>
+                  <a:schemeClr val="accent1"/>
+                </a:solidFill>
+                <a:latin typeface="Times New Roman" panose="02020603050405020304" pitchFamily="18" charset="0"/>
+                <a:cs typeface="Times New Roman" panose="02020603050405020304" pitchFamily="18" charset="0"/>
+              </a:rPr>
+              <a:t>Appendix</a:t>
+            </a:r>
+            <a:endParaRPr lang="zh-CN" altLang="zh-CN" sz="1400" b="1" kern="100" dirty="0">
+              <a:solidFill>
+                <a:schemeClr val="accent1"/>
+              </a:solidFill>
+              <a:latin typeface="Times New Roman" panose="02020603050405020304" pitchFamily="18" charset="0"/>
+              <a:cs typeface="Times New Roman" panose="02020603050405020304" pitchFamily="18" charset="0"/>
+            </a:endParaRPr>
+          </a:p>
+        </p:txBody>
+      </p:sp>
+      <p:sp>
+        <p:nvSpPr>
+          <p:cNvPr id="28" name="矩形 27">
+            <a:extLst>
+              <a:ext uri="{FF2B5EF4-FFF2-40B4-BE49-F238E27FC236}">
+                <a16:creationId xmlns:a16="http://schemas.microsoft.com/office/drawing/2014/main" id="{93D8981B-AF20-4DC7-ABF8-10F9897107C3}"/>
+              </a:ext>
+            </a:extLst>
+          </p:cNvPr>
+          <p:cNvSpPr/>
+          <p:nvPr/>
+        </p:nvSpPr>
+        <p:spPr>
+          <a:xfrm>
+            <a:off x="2503800" y="44624"/>
+            <a:ext cx="2303999" cy="307777"/>
+          </a:xfrm>
+          <a:prstGeom prst="rect">
+            <a:avLst/>
+          </a:prstGeom>
+          <a:ln w="9525">
+            <a:noFill/>
+          </a:ln>
+        </p:spPr>
+        <p:txBody>
+          <a:bodyPr wrap="square">
+            <a:spAutoFit/>
+          </a:bodyPr>
+          <a:lstStyle/>
+          <a:p>
+            <a:pPr algn="ctr"/>
+            <a:r>
+              <a:rPr lang="en-US" altLang="zh-CN" sz="1400" b="1" kern="100" dirty="0">
+                <a:solidFill>
+                  <a:schemeClr val="accent1"/>
+                </a:solidFill>
+                <a:latin typeface="Times New Roman" panose="02020603050405020304" pitchFamily="18" charset="0"/>
+                <a:cs typeface="Times New Roman" panose="02020603050405020304" pitchFamily="18" charset="0"/>
+              </a:rPr>
+              <a:t>EDA</a:t>
+            </a:r>
+          </a:p>
+        </p:txBody>
+      </p:sp>
+      <p:sp>
+        <p:nvSpPr>
+          <p:cNvPr id="3" name="內容版面配置區 2">
+            <a:extLst>
+              <a:ext uri="{FF2B5EF4-FFF2-40B4-BE49-F238E27FC236}">
+                <a16:creationId xmlns:a16="http://schemas.microsoft.com/office/drawing/2014/main" id="{DB0009B8-71AF-4034-BE59-D596EA3D42EE}"/>
+              </a:ext>
+            </a:extLst>
+          </p:cNvPr>
+          <p:cNvSpPr>
+            <a:spLocks noGrp="1"/>
+          </p:cNvSpPr>
+          <p:nvPr>
+            <p:ph idx="1"/>
+          </p:nvPr>
+        </p:nvSpPr>
+        <p:spPr/>
+        <p:txBody>
+          <a:bodyPr/>
+          <a:lstStyle/>
+          <a:p>
+            <a:endParaRPr lang="en-US" dirty="0"/>
+          </a:p>
+        </p:txBody>
+      </p:sp>
+      <p:sp>
+        <p:nvSpPr>
+          <p:cNvPr id="17" name="矩形 16">
+            <a:extLst>
+              <a:ext uri="{FF2B5EF4-FFF2-40B4-BE49-F238E27FC236}">
+                <a16:creationId xmlns:a16="http://schemas.microsoft.com/office/drawing/2014/main" id="{FF885DDD-0FFE-44BC-8CD2-CA7462B3168D}"/>
+              </a:ext>
+            </a:extLst>
+          </p:cNvPr>
+          <p:cNvSpPr/>
+          <p:nvPr/>
+        </p:nvSpPr>
+        <p:spPr>
+          <a:xfrm>
+            <a:off x="399716" y="594739"/>
+            <a:ext cx="1309461" cy="338554"/>
+          </a:xfrm>
+          <a:prstGeom prst="rect">
+            <a:avLst/>
+          </a:prstGeom>
+        </p:spPr>
+        <p:txBody>
+          <a:bodyPr wrap="none">
+            <a:spAutoFit/>
+          </a:bodyPr>
+          <a:lstStyle/>
+          <a:p>
+            <a:r>
+              <a:rPr lang="en-US" altLang="zh-TW" sz="1600" b="1" kern="100" dirty="0">
+                <a:solidFill>
+                  <a:schemeClr val="accent1"/>
+                </a:solidFill>
+                <a:latin typeface="Times New Roman" panose="02020603050405020304" pitchFamily="18" charset="0"/>
+                <a:cs typeface="Times New Roman" panose="02020603050405020304" pitchFamily="18" charset="0"/>
+              </a:rPr>
+              <a:t>C. Reference</a:t>
+            </a:r>
+          </a:p>
+        </p:txBody>
+      </p:sp>
+    </p:spTree>
+    <p:extLst>
+      <p:ext uri="{BB962C8B-B14F-4D97-AF65-F5344CB8AC3E}">
+        <p14:creationId xmlns:p14="http://schemas.microsoft.com/office/powerpoint/2010/main" val="3554010484"/>
       </p:ext>
     </p:extLst>
   </p:cSld>
@@ -26649,26 +30681,568 @@
       </p:sp>
       <p:sp>
         <p:nvSpPr>
-          <p:cNvPr id="42" name="內容版面配置區 41">
-            <a:extLst>
-              <a:ext uri="{FF2B5EF4-FFF2-40B4-BE49-F238E27FC236}">
-                <a16:creationId xmlns:a16="http://schemas.microsoft.com/office/drawing/2014/main" id="{5140B2D8-34FC-4ED4-BA55-371DACF3FA48}"/>
-              </a:ext>
-            </a:extLst>
-          </p:cNvPr>
-          <p:cNvSpPr>
-            <a:spLocks noGrp="1"/>
+          <p:cNvPr id="22" name="內容版面配置區 4">
+            <a:extLst>
+              <a:ext uri="{FF2B5EF4-FFF2-40B4-BE49-F238E27FC236}">
+                <a16:creationId xmlns:a16="http://schemas.microsoft.com/office/drawing/2014/main" id="{0245D0AC-F376-4128-80B6-0CD61E0FD132}"/>
+              </a:ext>
+            </a:extLst>
+          </p:cNvPr>
+          <p:cNvSpPr txBox="1">
+            <a:spLocks/>
           </p:cNvSpPr>
-          <p:nvPr>
-            <p:ph idx="1"/>
-          </p:nvPr>
-        </p:nvSpPr>
-        <p:spPr/>
-        <p:txBody>
-          <a:bodyPr/>
-          <a:lstStyle/>
-          <a:p>
-            <a:endParaRPr lang="en-US"/>
+          <p:nvPr/>
+        </p:nvSpPr>
+        <p:spPr>
+          <a:xfrm>
+            <a:off x="609600" y="1556794"/>
+            <a:ext cx="10972800" cy="4936084"/>
+          </a:xfrm>
+          <a:prstGeom prst="rect">
+            <a:avLst/>
+          </a:prstGeom>
+        </p:spPr>
+        <p:txBody>
+          <a:bodyPr vert="horz" lIns="91440" tIns="45720" rIns="91440" bIns="45720" rtlCol="0">
+            <a:noAutofit/>
+          </a:bodyPr>
+          <a:lstStyle>
+            <a:lvl1pPr marL="342900" indent="-342900" algn="l" defTabSz="914400" rtl="0" eaLnBrk="1" latinLnBrk="0" hangingPunct="1">
+              <a:spcBef>
+                <a:spcPct val="20000"/>
+              </a:spcBef>
+              <a:buFont typeface="Arial" panose="020B0604020202020204" pitchFamily="34" charset="0"/>
+              <a:buChar char="•"/>
+              <a:defRPr sz="2400" kern="1200">
+                <a:solidFill>
+                  <a:schemeClr val="tx1"/>
+                </a:solidFill>
+                <a:latin typeface="微軟正黑體" panose="020B0604030504040204" pitchFamily="34" charset="-120"/>
+                <a:ea typeface="微軟正黑體" panose="020B0604030504040204" pitchFamily="34" charset="-120"/>
+                <a:cs typeface="+mn-cs"/>
+              </a:defRPr>
+            </a:lvl1pPr>
+            <a:lvl2pPr marL="742950" indent="-285750" algn="l" defTabSz="914400" rtl="0" eaLnBrk="1" latinLnBrk="0" hangingPunct="1">
+              <a:spcBef>
+                <a:spcPct val="20000"/>
+              </a:spcBef>
+              <a:buFont typeface="Arial" panose="020B0604020202020204" pitchFamily="34" charset="0"/>
+              <a:buChar char="–"/>
+              <a:defRPr sz="2400" kern="1200">
+                <a:solidFill>
+                  <a:schemeClr val="tx1"/>
+                </a:solidFill>
+                <a:latin typeface="微軟正黑體" panose="020B0604030504040204" pitchFamily="34" charset="-120"/>
+                <a:ea typeface="微軟正黑體" panose="020B0604030504040204" pitchFamily="34" charset="-120"/>
+                <a:cs typeface="+mn-cs"/>
+              </a:defRPr>
+            </a:lvl2pPr>
+            <a:lvl3pPr marL="1143000" indent="-228600" algn="l" defTabSz="914400" rtl="0" eaLnBrk="1" latinLnBrk="0" hangingPunct="1">
+              <a:spcBef>
+                <a:spcPct val="20000"/>
+              </a:spcBef>
+              <a:buFont typeface="Arial" panose="020B0604020202020204" pitchFamily="34" charset="0"/>
+              <a:buChar char="•"/>
+              <a:defRPr sz="2400" kern="1200">
+                <a:solidFill>
+                  <a:schemeClr val="tx1"/>
+                </a:solidFill>
+                <a:latin typeface="微軟正黑體" panose="020B0604030504040204" pitchFamily="34" charset="-120"/>
+                <a:ea typeface="微軟正黑體" panose="020B0604030504040204" pitchFamily="34" charset="-120"/>
+                <a:cs typeface="+mn-cs"/>
+              </a:defRPr>
+            </a:lvl3pPr>
+            <a:lvl4pPr marL="1600200" indent="-228600" algn="l" defTabSz="914400" rtl="0" eaLnBrk="1" latinLnBrk="0" hangingPunct="1">
+              <a:spcBef>
+                <a:spcPct val="20000"/>
+              </a:spcBef>
+              <a:buFont typeface="Arial" panose="020B0604020202020204" pitchFamily="34" charset="0"/>
+              <a:buChar char="–"/>
+              <a:defRPr sz="2400" kern="1200">
+                <a:solidFill>
+                  <a:schemeClr val="tx1"/>
+                </a:solidFill>
+                <a:latin typeface="微軟正黑體" panose="020B0604030504040204" pitchFamily="34" charset="-120"/>
+                <a:ea typeface="微軟正黑體" panose="020B0604030504040204" pitchFamily="34" charset="-120"/>
+                <a:cs typeface="+mn-cs"/>
+              </a:defRPr>
+            </a:lvl4pPr>
+            <a:lvl5pPr marL="2057400" indent="-228600" algn="l" defTabSz="914400" rtl="0" eaLnBrk="1" latinLnBrk="0" hangingPunct="1">
+              <a:spcBef>
+                <a:spcPct val="20000"/>
+              </a:spcBef>
+              <a:buFont typeface="Arial" panose="020B0604020202020204" pitchFamily="34" charset="0"/>
+              <a:buChar char="»"/>
+              <a:defRPr sz="2400" kern="1200">
+                <a:solidFill>
+                  <a:schemeClr val="tx1"/>
+                </a:solidFill>
+                <a:latin typeface="微軟正黑體" panose="020B0604030504040204" pitchFamily="34" charset="-120"/>
+                <a:ea typeface="微軟正黑體" panose="020B0604030504040204" pitchFamily="34" charset="-120"/>
+                <a:cs typeface="+mn-cs"/>
+              </a:defRPr>
+            </a:lvl5pPr>
+            <a:lvl6pPr marL="2514600" indent="-228600" algn="l" defTabSz="914400" rtl="0" eaLnBrk="1" latinLnBrk="0" hangingPunct="1">
+              <a:spcBef>
+                <a:spcPct val="20000"/>
+              </a:spcBef>
+              <a:buFont typeface="Arial" panose="020B0604020202020204" pitchFamily="34" charset="0"/>
+              <a:buChar char="•"/>
+              <a:defRPr sz="2000" kern="1200">
+                <a:solidFill>
+                  <a:schemeClr val="tx1"/>
+                </a:solidFill>
+                <a:latin typeface="+mn-lt"/>
+                <a:ea typeface="+mn-ea"/>
+                <a:cs typeface="+mn-cs"/>
+              </a:defRPr>
+            </a:lvl6pPr>
+            <a:lvl7pPr marL="2971800" indent="-228600" algn="l" defTabSz="914400" rtl="0" eaLnBrk="1" latinLnBrk="0" hangingPunct="1">
+              <a:spcBef>
+                <a:spcPct val="20000"/>
+              </a:spcBef>
+              <a:buFont typeface="Arial" panose="020B0604020202020204" pitchFamily="34" charset="0"/>
+              <a:buChar char="•"/>
+              <a:defRPr sz="2000" kern="1200">
+                <a:solidFill>
+                  <a:schemeClr val="tx1"/>
+                </a:solidFill>
+                <a:latin typeface="+mn-lt"/>
+                <a:ea typeface="+mn-ea"/>
+                <a:cs typeface="+mn-cs"/>
+              </a:defRPr>
+            </a:lvl7pPr>
+            <a:lvl8pPr marL="3429000" indent="-228600" algn="l" defTabSz="914400" rtl="0" eaLnBrk="1" latinLnBrk="0" hangingPunct="1">
+              <a:spcBef>
+                <a:spcPct val="20000"/>
+              </a:spcBef>
+              <a:buFont typeface="Arial" panose="020B0604020202020204" pitchFamily="34" charset="0"/>
+              <a:buChar char="•"/>
+              <a:defRPr sz="2000" kern="1200">
+                <a:solidFill>
+                  <a:schemeClr val="tx1"/>
+                </a:solidFill>
+                <a:latin typeface="+mn-lt"/>
+                <a:ea typeface="+mn-ea"/>
+                <a:cs typeface="+mn-cs"/>
+              </a:defRPr>
+            </a:lvl8pPr>
+            <a:lvl9pPr marL="3886200" indent="-228600" algn="l" defTabSz="914400" rtl="0" eaLnBrk="1" latinLnBrk="0" hangingPunct="1">
+              <a:spcBef>
+                <a:spcPct val="20000"/>
+              </a:spcBef>
+              <a:buFont typeface="Arial" panose="020B0604020202020204" pitchFamily="34" charset="0"/>
+              <a:buChar char="•"/>
+              <a:defRPr sz="2000" kern="1200">
+                <a:solidFill>
+                  <a:schemeClr val="tx1"/>
+                </a:solidFill>
+                <a:latin typeface="+mn-lt"/>
+                <a:ea typeface="+mn-ea"/>
+                <a:cs typeface="+mn-cs"/>
+              </a:defRPr>
+            </a:lvl9pPr>
+          </a:lstStyle>
+          <a:p>
+            <a:pPr>
+              <a:lnSpc>
+                <a:spcPct val="90000"/>
+              </a:lnSpc>
+              <a:spcBef>
+                <a:spcPts val="1000"/>
+              </a:spcBef>
+            </a:pPr>
+            <a:r>
+              <a:rPr lang="zh-TW" altLang="en-US" sz="2000" dirty="0">
+                <a:latin typeface="Times New Roman" panose="02020603050405020304" pitchFamily="18" charset="0"/>
+                <a:ea typeface="標楷體" panose="03000509000000000000" pitchFamily="65" charset="-120"/>
+                <a:cs typeface="Times New Roman" panose="02020603050405020304" pitchFamily="18" charset="0"/>
+              </a:rPr>
+              <a:t>共</a:t>
+            </a:r>
+            <a:r>
+              <a:rPr lang="en-US" altLang="zh-TW" sz="2000" dirty="0">
+                <a:latin typeface="Times New Roman" panose="02020603050405020304" pitchFamily="18" charset="0"/>
+                <a:ea typeface="標楷體" panose="03000509000000000000" pitchFamily="65" charset="-120"/>
+                <a:cs typeface="Times New Roman" panose="02020603050405020304" pitchFamily="18" charset="0"/>
+              </a:rPr>
+              <a:t>234428</a:t>
+            </a:r>
+            <a:r>
+              <a:rPr lang="zh-TW" altLang="en-US" sz="2000" dirty="0">
+                <a:latin typeface="Times New Roman" panose="02020603050405020304" pitchFamily="18" charset="0"/>
+                <a:ea typeface="標楷體" panose="03000509000000000000" pitchFamily="65" charset="-120"/>
+                <a:cs typeface="Times New Roman" panose="02020603050405020304" pitchFamily="18" charset="0"/>
+              </a:rPr>
+              <a:t>筆資料，</a:t>
+            </a:r>
+            <a:r>
+              <a:rPr lang="en-US" altLang="zh-TW" sz="2000" dirty="0">
+                <a:latin typeface="Times New Roman" panose="02020603050405020304" pitchFamily="18" charset="0"/>
+                <a:ea typeface="標楷體" panose="03000509000000000000" pitchFamily="65" charset="-120"/>
+                <a:cs typeface="Times New Roman" panose="02020603050405020304" pitchFamily="18" charset="0"/>
+              </a:rPr>
+              <a:t>13</a:t>
+            </a:r>
+            <a:r>
+              <a:rPr lang="zh-TW" altLang="en-US" sz="2000" dirty="0">
+                <a:latin typeface="Times New Roman" panose="02020603050405020304" pitchFamily="18" charset="0"/>
+                <a:ea typeface="標楷體" panose="03000509000000000000" pitchFamily="65" charset="-120"/>
+                <a:cs typeface="Times New Roman" panose="02020603050405020304" pitchFamily="18" charset="0"/>
+              </a:rPr>
+              <a:t>個</a:t>
+            </a:r>
+            <a:r>
+              <a:rPr lang="en-US" altLang="zh-TW" sz="2000" dirty="0">
+                <a:latin typeface="Times New Roman" panose="02020603050405020304" pitchFamily="18" charset="0"/>
+                <a:ea typeface="標楷體" panose="03000509000000000000" pitchFamily="65" charset="-120"/>
+                <a:cs typeface="Times New Roman" panose="02020603050405020304" pitchFamily="18" charset="0"/>
+              </a:rPr>
+              <a:t>feature</a:t>
+            </a:r>
+          </a:p>
+          <a:p>
+            <a:pPr>
+              <a:lnSpc>
+                <a:spcPct val="90000"/>
+              </a:lnSpc>
+              <a:spcBef>
+                <a:spcPts val="1000"/>
+              </a:spcBef>
+            </a:pPr>
+            <a:r>
+              <a:rPr lang="zh-TW" altLang="en-US" sz="2000" dirty="0">
+                <a:latin typeface="Times New Roman" panose="02020603050405020304" pitchFamily="18" charset="0"/>
+                <a:ea typeface="標楷體" panose="03000509000000000000" pitchFamily="65" charset="-120"/>
+                <a:cs typeface="Times New Roman" panose="02020603050405020304" pitchFamily="18" charset="0"/>
+              </a:rPr>
+              <a:t>滿期金受益人</a:t>
+            </a:r>
+            <a:r>
+              <a:rPr lang="en-US" altLang="zh-TW" sz="2000" dirty="0">
+                <a:latin typeface="Times New Roman" panose="02020603050405020304" pitchFamily="18" charset="0"/>
+                <a:ea typeface="標楷體" panose="03000509000000000000" pitchFamily="65" charset="-120"/>
+                <a:cs typeface="Times New Roman" panose="02020603050405020304" pitchFamily="18" charset="0"/>
+              </a:rPr>
+              <a:t>RK</a:t>
+            </a:r>
+            <a:r>
+              <a:rPr lang="zh-TW" altLang="en-US" sz="2000" dirty="0">
+                <a:latin typeface="Times New Roman" panose="02020603050405020304" pitchFamily="18" charset="0"/>
+                <a:ea typeface="標楷體" panose="03000509000000000000" pitchFamily="65" charset="-120"/>
+                <a:cs typeface="Times New Roman" panose="02020603050405020304" pitchFamily="18" charset="0"/>
+              </a:rPr>
+              <a:t>有</a:t>
+            </a:r>
+            <a:r>
+              <a:rPr lang="en-US" altLang="zh-TW" sz="2000" dirty="0">
+                <a:solidFill>
+                  <a:srgbClr val="FF0000"/>
+                </a:solidFill>
+                <a:latin typeface="Times New Roman" panose="02020603050405020304" pitchFamily="18" charset="0"/>
+                <a:ea typeface="標楷體" panose="03000509000000000000" pitchFamily="65" charset="-120"/>
+                <a:cs typeface="Times New Roman" panose="02020603050405020304" pitchFamily="18" charset="0"/>
+              </a:rPr>
+              <a:t>69%</a:t>
+            </a:r>
+            <a:r>
+              <a:rPr lang="zh-TW" altLang="en-US" sz="2000" dirty="0">
+                <a:latin typeface="Times New Roman" panose="02020603050405020304" pitchFamily="18" charset="0"/>
+                <a:ea typeface="標楷體" panose="03000509000000000000" pitchFamily="65" charset="-120"/>
+                <a:cs typeface="Times New Roman" panose="02020603050405020304" pitchFamily="18" charset="0"/>
+              </a:rPr>
+              <a:t>的</a:t>
+            </a:r>
+            <a:r>
+              <a:rPr lang="en-US" altLang="zh-TW" sz="2000" dirty="0">
+                <a:latin typeface="Times New Roman" panose="02020603050405020304" pitchFamily="18" charset="0"/>
+                <a:ea typeface="標楷體" panose="03000509000000000000" pitchFamily="65" charset="-120"/>
+                <a:cs typeface="Times New Roman" panose="02020603050405020304" pitchFamily="18" charset="0"/>
+              </a:rPr>
+              <a:t>Missing Value</a:t>
+            </a:r>
+            <a:r>
+              <a:rPr lang="zh-TW" altLang="en-US" sz="2000" dirty="0">
+                <a:latin typeface="Times New Roman" panose="02020603050405020304" pitchFamily="18" charset="0"/>
+                <a:ea typeface="標楷體" panose="03000509000000000000" pitchFamily="65" charset="-120"/>
+                <a:cs typeface="Times New Roman" panose="02020603050405020304" pitchFamily="18" charset="0"/>
+              </a:rPr>
+              <a:t>，生故保險金受益人</a:t>
+            </a:r>
+            <a:r>
+              <a:rPr lang="en-US" altLang="zh-TW" sz="2000" dirty="0">
+                <a:latin typeface="Times New Roman" panose="02020603050405020304" pitchFamily="18" charset="0"/>
+                <a:ea typeface="標楷體" panose="03000509000000000000" pitchFamily="65" charset="-120"/>
+                <a:cs typeface="Times New Roman" panose="02020603050405020304" pitchFamily="18" charset="0"/>
+              </a:rPr>
+              <a:t>RK</a:t>
+            </a:r>
+            <a:r>
+              <a:rPr lang="zh-TW" altLang="en-US" sz="2000" dirty="0">
+                <a:latin typeface="Times New Roman" panose="02020603050405020304" pitchFamily="18" charset="0"/>
+                <a:ea typeface="標楷體" panose="03000509000000000000" pitchFamily="65" charset="-120"/>
+                <a:cs typeface="Times New Roman" panose="02020603050405020304" pitchFamily="18" charset="0"/>
+              </a:rPr>
+              <a:t>有</a:t>
+            </a:r>
+            <a:r>
+              <a:rPr lang="en-US" altLang="zh-TW" sz="2000" dirty="0">
+                <a:solidFill>
+                  <a:srgbClr val="FF0000"/>
+                </a:solidFill>
+                <a:latin typeface="Times New Roman" panose="02020603050405020304" pitchFamily="18" charset="0"/>
+                <a:ea typeface="標楷體" panose="03000509000000000000" pitchFamily="65" charset="-120"/>
+                <a:cs typeface="Times New Roman" panose="02020603050405020304" pitchFamily="18" charset="0"/>
+              </a:rPr>
+              <a:t>75%</a:t>
+            </a:r>
+            <a:r>
+              <a:rPr lang="zh-TW" altLang="en-US" sz="2000" dirty="0">
+                <a:latin typeface="Times New Roman" panose="02020603050405020304" pitchFamily="18" charset="0"/>
+                <a:ea typeface="標楷體" panose="03000509000000000000" pitchFamily="65" charset="-120"/>
+                <a:cs typeface="Times New Roman" panose="02020603050405020304" pitchFamily="18" charset="0"/>
+              </a:rPr>
+              <a:t>的</a:t>
+            </a:r>
+            <a:r>
+              <a:rPr lang="en-US" altLang="zh-TW" sz="2000" dirty="0">
+                <a:latin typeface="Times New Roman" panose="02020603050405020304" pitchFamily="18" charset="0"/>
+                <a:ea typeface="標楷體" panose="03000509000000000000" pitchFamily="65" charset="-120"/>
+                <a:cs typeface="Times New Roman" panose="02020603050405020304" pitchFamily="18" charset="0"/>
+              </a:rPr>
+              <a:t>Missing Value</a:t>
+            </a:r>
+            <a:r>
+              <a:rPr lang="zh-TW" altLang="en-US" sz="2000" dirty="0">
+                <a:latin typeface="Times New Roman" panose="02020603050405020304" pitchFamily="18" charset="0"/>
+                <a:ea typeface="標楷體" panose="03000509000000000000" pitchFamily="65" charset="-120"/>
+                <a:cs typeface="Times New Roman" panose="02020603050405020304" pitchFamily="18" charset="0"/>
+              </a:rPr>
+              <a:t>。此兩者應不適合做填補，但可用來產生更多</a:t>
+            </a:r>
+            <a:r>
+              <a:rPr lang="en-US" altLang="zh-TW" sz="2000" dirty="0">
+                <a:latin typeface="Times New Roman" panose="02020603050405020304" pitchFamily="18" charset="0"/>
+                <a:ea typeface="標楷體" panose="03000509000000000000" pitchFamily="65" charset="-120"/>
+                <a:cs typeface="Times New Roman" panose="02020603050405020304" pitchFamily="18" charset="0"/>
+              </a:rPr>
+              <a:t>feature</a:t>
+            </a:r>
+            <a:r>
+              <a:rPr lang="zh-TW" altLang="en-US" sz="2000" dirty="0">
+                <a:latin typeface="Times New Roman" panose="02020603050405020304" pitchFamily="18" charset="0"/>
+                <a:ea typeface="標楷體" panose="03000509000000000000" pitchFamily="65" charset="-120"/>
+                <a:cs typeface="Times New Roman" panose="02020603050405020304" pitchFamily="18" charset="0"/>
+              </a:rPr>
+              <a:t>，如：是否具滿期金受益人、是否具滿期金受益人、任一受益人是否為被保人</a:t>
+            </a:r>
+            <a:r>
+              <a:rPr lang="en-US" altLang="zh-TW" sz="2000" dirty="0">
+                <a:latin typeface="Times New Roman" panose="02020603050405020304" pitchFamily="18" charset="0"/>
+                <a:ea typeface="標楷體" panose="03000509000000000000" pitchFamily="65" charset="-120"/>
+                <a:cs typeface="Times New Roman" panose="02020603050405020304" pitchFamily="18" charset="0"/>
+              </a:rPr>
+              <a:t>…</a:t>
+            </a:r>
+            <a:r>
+              <a:rPr lang="zh-TW" altLang="en-US" sz="2000" dirty="0">
+                <a:latin typeface="Times New Roman" panose="02020603050405020304" pitchFamily="18" charset="0"/>
+                <a:ea typeface="標楷體" panose="03000509000000000000" pitchFamily="65" charset="-120"/>
+                <a:cs typeface="Times New Roman" panose="02020603050405020304" pitchFamily="18" charset="0"/>
+              </a:rPr>
+              <a:t>等。</a:t>
+            </a:r>
+            <a:endParaRPr lang="en-US" altLang="zh-TW" sz="2000" dirty="0">
+              <a:latin typeface="Times New Roman" panose="02020603050405020304" pitchFamily="18" charset="0"/>
+              <a:ea typeface="標楷體" panose="03000509000000000000" pitchFamily="65" charset="-120"/>
+              <a:cs typeface="Times New Roman" panose="02020603050405020304" pitchFamily="18" charset="0"/>
+            </a:endParaRPr>
+          </a:p>
+          <a:p>
+            <a:pPr>
+              <a:lnSpc>
+                <a:spcPct val="90000"/>
+              </a:lnSpc>
+              <a:spcBef>
+                <a:spcPts val="1000"/>
+              </a:spcBef>
+            </a:pPr>
+            <a:r>
+              <a:rPr lang="zh-TW" altLang="en-US" sz="2000" dirty="0">
+                <a:latin typeface="Times New Roman" panose="02020603050405020304" pitchFamily="18" charset="0"/>
+                <a:ea typeface="標楷體" panose="03000509000000000000" pitchFamily="65" charset="-120"/>
+                <a:cs typeface="Times New Roman" panose="02020603050405020304" pitchFamily="18" charset="0"/>
+              </a:rPr>
+              <a:t>理賠案件型態人數極度失衡，可以注意各類的再購率是否有明顯差異。尤其是當被保人死亡或重病後，是否影響再購行為</a:t>
+            </a:r>
+            <a:r>
+              <a:rPr lang="en-US" altLang="zh-TW" sz="2000" dirty="0">
+                <a:latin typeface="Times New Roman" panose="02020603050405020304" pitchFamily="18" charset="0"/>
+                <a:ea typeface="標楷體" panose="03000509000000000000" pitchFamily="65" charset="-120"/>
+                <a:cs typeface="Times New Roman" panose="02020603050405020304" pitchFamily="18" charset="0"/>
+              </a:rPr>
+              <a:t>(</a:t>
+            </a:r>
+            <a:r>
+              <a:rPr lang="zh-TW" altLang="en-US" sz="2000" dirty="0">
+                <a:latin typeface="Times New Roman" panose="02020603050405020304" pitchFamily="18" charset="0"/>
+                <a:ea typeface="標楷體" panose="03000509000000000000" pitchFamily="65" charset="-120"/>
+                <a:cs typeface="Times New Roman" panose="02020603050405020304" pitchFamily="18" charset="0"/>
+              </a:rPr>
+              <a:t>此處須注意再購定義，如以被保人</a:t>
+            </a:r>
+            <a:r>
+              <a:rPr lang="en-US" altLang="zh-TW" sz="2000" dirty="0">
+                <a:latin typeface="Times New Roman" panose="02020603050405020304" pitchFamily="18" charset="0"/>
+                <a:ea typeface="標楷體" panose="03000509000000000000" pitchFamily="65" charset="-120"/>
+                <a:cs typeface="Times New Roman" panose="02020603050405020304" pitchFamily="18" charset="0"/>
+              </a:rPr>
+              <a:t>-</a:t>
+            </a:r>
+            <a:r>
+              <a:rPr lang="zh-TW" altLang="en-US" sz="2000" dirty="0">
+                <a:latin typeface="Times New Roman" panose="02020603050405020304" pitchFamily="18" charset="0"/>
+                <a:ea typeface="標楷體" panose="03000509000000000000" pitchFamily="65" charset="-120"/>
+                <a:cs typeface="Times New Roman" panose="02020603050405020304" pitchFamily="18" charset="0"/>
+              </a:rPr>
+              <a:t>被保人合併，那死亡件</a:t>
+            </a:r>
+            <a:r>
+              <a:rPr lang="en-US" altLang="zh-TW" sz="2000" dirty="0">
+                <a:latin typeface="Times New Roman" panose="02020603050405020304" pitchFamily="18" charset="0"/>
+                <a:ea typeface="標楷體" panose="03000509000000000000" pitchFamily="65" charset="-120"/>
+                <a:cs typeface="Times New Roman" panose="02020603050405020304" pitchFamily="18" charset="0"/>
+              </a:rPr>
+              <a:t>100%</a:t>
+            </a:r>
+            <a:r>
+              <a:rPr lang="zh-TW" altLang="en-US" sz="2000" dirty="0">
+                <a:latin typeface="Times New Roman" panose="02020603050405020304" pitchFamily="18" charset="0"/>
+                <a:ea typeface="標楷體" panose="03000509000000000000" pitchFamily="65" charset="-120"/>
+                <a:cs typeface="Times New Roman" panose="02020603050405020304" pitchFamily="18" charset="0"/>
+              </a:rPr>
+              <a:t>不會有再購行為，可能要結合客戶關係檔，如被保人的一等親作為合併條件</a:t>
+            </a:r>
+            <a:r>
+              <a:rPr lang="en-US" altLang="zh-TW" sz="2000" dirty="0">
+                <a:latin typeface="Times New Roman" panose="02020603050405020304" pitchFamily="18" charset="0"/>
+                <a:ea typeface="標楷體" panose="03000509000000000000" pitchFamily="65" charset="-120"/>
+                <a:cs typeface="Times New Roman" panose="02020603050405020304" pitchFamily="18" charset="0"/>
+              </a:rPr>
+              <a:t>)</a:t>
+            </a:r>
+          </a:p>
+          <a:p>
+            <a:pPr>
+              <a:lnSpc>
+                <a:spcPct val="90000"/>
+              </a:lnSpc>
+              <a:spcBef>
+                <a:spcPts val="1000"/>
+              </a:spcBef>
+            </a:pPr>
+            <a:r>
+              <a:rPr lang="zh-TW" altLang="en-US" sz="2000" dirty="0">
+                <a:latin typeface="Times New Roman" panose="02020603050405020304" pitchFamily="18" charset="0"/>
+                <a:ea typeface="標楷體" panose="03000509000000000000" pitchFamily="65" charset="-120"/>
+                <a:cs typeface="Times New Roman" panose="02020603050405020304" pitchFamily="18" charset="0"/>
+              </a:rPr>
+              <a:t>有</a:t>
+            </a:r>
+            <a:r>
+              <a:rPr lang="en-US" altLang="zh-TW" sz="2000" dirty="0">
+                <a:solidFill>
+                  <a:srgbClr val="FF0000"/>
+                </a:solidFill>
+                <a:latin typeface="Times New Roman" panose="02020603050405020304" pitchFamily="18" charset="0"/>
+                <a:ea typeface="標楷體" panose="03000509000000000000" pitchFamily="65" charset="-120"/>
+                <a:cs typeface="Times New Roman" panose="02020603050405020304" pitchFamily="18" charset="0"/>
+              </a:rPr>
+              <a:t>97.96%</a:t>
+            </a:r>
+            <a:r>
+              <a:rPr lang="zh-TW" altLang="en-US" sz="2000" dirty="0">
+                <a:latin typeface="Times New Roman" panose="02020603050405020304" pitchFamily="18" charset="0"/>
+                <a:ea typeface="標楷體" panose="03000509000000000000" pitchFamily="65" charset="-120"/>
+                <a:cs typeface="Times New Roman" panose="02020603050405020304" pitchFamily="18" charset="0"/>
+              </a:rPr>
+              <a:t>的案件被保人等於事故人，其餘可能是家庭保單，因此取一位被保人當代表，而代表人並非事故人，因此產生被保人不等於是故人情況，因此理賠再購合併時應注意此種情況，避免漏掉再購。</a:t>
+            </a:r>
+            <a:endParaRPr lang="en-US" altLang="zh-TW" sz="2000" dirty="0">
+              <a:latin typeface="Times New Roman" panose="02020603050405020304" pitchFamily="18" charset="0"/>
+              <a:ea typeface="標楷體" panose="03000509000000000000" pitchFamily="65" charset="-120"/>
+              <a:cs typeface="Times New Roman" panose="02020603050405020304" pitchFamily="18" charset="0"/>
+            </a:endParaRPr>
+          </a:p>
+          <a:p>
+            <a:pPr>
+              <a:lnSpc>
+                <a:spcPct val="90000"/>
+              </a:lnSpc>
+              <a:spcBef>
+                <a:spcPts val="1000"/>
+              </a:spcBef>
+            </a:pPr>
+            <a:r>
+              <a:rPr lang="zh-TW" altLang="en-US" sz="2000" dirty="0">
+                <a:latin typeface="Times New Roman" panose="02020603050405020304" pitchFamily="18" charset="0"/>
+                <a:ea typeface="標楷體" panose="03000509000000000000" pitchFamily="65" charset="-120"/>
+                <a:cs typeface="Times New Roman" panose="02020603050405020304" pitchFamily="18" charset="0"/>
+              </a:rPr>
+              <a:t>事故人、要保人、被保人之間關係應仔細考慮，可搭配客戶關係檔做更多</a:t>
+            </a:r>
+            <a:r>
+              <a:rPr lang="en-US" altLang="zh-TW" sz="2000" dirty="0">
+                <a:latin typeface="Times New Roman" panose="02020603050405020304" pitchFamily="18" charset="0"/>
+                <a:ea typeface="標楷體" panose="03000509000000000000" pitchFamily="65" charset="-120"/>
+                <a:cs typeface="Times New Roman" panose="02020603050405020304" pitchFamily="18" charset="0"/>
+              </a:rPr>
+              <a:t>Feature</a:t>
+            </a:r>
+            <a:r>
+              <a:rPr lang="zh-TW" altLang="en-US" sz="2000" dirty="0">
+                <a:latin typeface="Times New Roman" panose="02020603050405020304" pitchFamily="18" charset="0"/>
+                <a:ea typeface="標楷體" panose="03000509000000000000" pitchFamily="65" charset="-120"/>
+                <a:cs typeface="Times New Roman" panose="02020603050405020304" pitchFamily="18" charset="0"/>
+              </a:rPr>
+              <a:t> </a:t>
+            </a:r>
+            <a:r>
+              <a:rPr lang="en-US" altLang="zh-TW" sz="2000" dirty="0">
+                <a:latin typeface="Times New Roman" panose="02020603050405020304" pitchFamily="18" charset="0"/>
+                <a:ea typeface="標楷體" panose="03000509000000000000" pitchFamily="65" charset="-120"/>
+                <a:cs typeface="Times New Roman" panose="02020603050405020304" pitchFamily="18" charset="0"/>
+              </a:rPr>
+              <a:t>Engineering</a:t>
+            </a:r>
+            <a:r>
+              <a:rPr lang="zh-TW" altLang="en-US" sz="2000" dirty="0">
+                <a:latin typeface="Times New Roman" panose="02020603050405020304" pitchFamily="18" charset="0"/>
+                <a:ea typeface="標楷體" panose="03000509000000000000" pitchFamily="65" charset="-120"/>
+                <a:cs typeface="Times New Roman" panose="02020603050405020304" pitchFamily="18" charset="0"/>
+              </a:rPr>
+              <a:t>。</a:t>
+            </a:r>
+            <a:endParaRPr lang="en-US" altLang="zh-TW" sz="2000" dirty="0">
+              <a:latin typeface="Times New Roman" panose="02020603050405020304" pitchFamily="18" charset="0"/>
+              <a:ea typeface="標楷體" panose="03000509000000000000" pitchFamily="65" charset="-120"/>
+              <a:cs typeface="Times New Roman" panose="02020603050405020304" pitchFamily="18" charset="0"/>
+            </a:endParaRPr>
+          </a:p>
+          <a:p>
+            <a:pPr>
+              <a:lnSpc>
+                <a:spcPct val="90000"/>
+              </a:lnSpc>
+              <a:spcBef>
+                <a:spcPts val="1000"/>
+              </a:spcBef>
+            </a:pPr>
+            <a:endParaRPr lang="en-US" altLang="zh-TW" sz="2000" dirty="0">
+              <a:latin typeface="Times New Roman" panose="02020603050405020304" pitchFamily="18" charset="0"/>
+              <a:ea typeface="標楷體" panose="03000509000000000000" pitchFamily="65" charset="-120"/>
+              <a:cs typeface="Times New Roman" panose="02020603050405020304" pitchFamily="18" charset="0"/>
+            </a:endParaRPr>
           </a:p>
         </p:txBody>
       </p:sp>
@@ -27385,126 +31959,6 @@
           </a:p>
         </p:txBody>
       </p:sp>
-      <p:pic>
-        <p:nvPicPr>
-          <p:cNvPr id="17" name="圖片 16">
-            <a:extLst>
-              <a:ext uri="{FF2B5EF4-FFF2-40B4-BE49-F238E27FC236}">
-                <a16:creationId xmlns:a16="http://schemas.microsoft.com/office/drawing/2014/main" id="{19DC5CEA-E25A-4F8E-9EA3-03677386DB98}"/>
-              </a:ext>
-            </a:extLst>
-          </p:cNvPr>
-          <p:cNvPicPr>
-            <a:picLocks noChangeAspect="1"/>
-          </p:cNvPicPr>
-          <p:nvPr/>
-        </p:nvPicPr>
-        <p:blipFill>
-          <a:blip r:embed="rId2"/>
-          <a:stretch>
-            <a:fillRect/>
-          </a:stretch>
-        </p:blipFill>
-        <p:spPr>
-          <a:xfrm>
-            <a:off x="354504" y="1355569"/>
-            <a:ext cx="2952328" cy="3351542"/>
-          </a:xfrm>
-          <a:prstGeom prst="rect">
-            <a:avLst/>
-          </a:prstGeom>
-        </p:spPr>
-      </p:pic>
-      <p:pic>
-        <p:nvPicPr>
-          <p:cNvPr id="20" name="圖片 19">
-            <a:extLst>
-              <a:ext uri="{FF2B5EF4-FFF2-40B4-BE49-F238E27FC236}">
-                <a16:creationId xmlns:a16="http://schemas.microsoft.com/office/drawing/2014/main" id="{F37D7CBF-6239-4292-8A47-567FDD5A8ECD}"/>
-              </a:ext>
-            </a:extLst>
-          </p:cNvPr>
-          <p:cNvPicPr>
-            <a:picLocks noChangeAspect="1"/>
-          </p:cNvPicPr>
-          <p:nvPr/>
-        </p:nvPicPr>
-        <p:blipFill>
-          <a:blip r:embed="rId3"/>
-          <a:stretch>
-            <a:fillRect/>
-          </a:stretch>
-        </p:blipFill>
-        <p:spPr>
-          <a:xfrm>
-            <a:off x="3420979" y="1365510"/>
-            <a:ext cx="3986255" cy="1728192"/>
-          </a:xfrm>
-          <a:prstGeom prst="rect">
-            <a:avLst/>
-          </a:prstGeom>
-        </p:spPr>
-      </p:pic>
-      <p:pic>
-        <p:nvPicPr>
-          <p:cNvPr id="21" name="圖片 20">
-            <a:extLst>
-              <a:ext uri="{FF2B5EF4-FFF2-40B4-BE49-F238E27FC236}">
-                <a16:creationId xmlns:a16="http://schemas.microsoft.com/office/drawing/2014/main" id="{6204C2F6-80D2-440C-B28A-5AFBC5214927}"/>
-              </a:ext>
-            </a:extLst>
-          </p:cNvPr>
-          <p:cNvPicPr>
-            <a:picLocks noChangeAspect="1"/>
-          </p:cNvPicPr>
-          <p:nvPr/>
-        </p:nvPicPr>
-        <p:blipFill>
-          <a:blip r:embed="rId4"/>
-          <a:stretch>
-            <a:fillRect/>
-          </a:stretch>
-        </p:blipFill>
-        <p:spPr>
-          <a:xfrm>
-            <a:off x="6960096" y="1124744"/>
-            <a:ext cx="4977040" cy="2199158"/>
-          </a:xfrm>
-          <a:prstGeom prst="rect">
-            <a:avLst/>
-          </a:prstGeom>
-        </p:spPr>
-      </p:pic>
-      <p:pic>
-        <p:nvPicPr>
-          <p:cNvPr id="22" name="圖片 21">
-            <a:extLst>
-              <a:ext uri="{FF2B5EF4-FFF2-40B4-BE49-F238E27FC236}">
-                <a16:creationId xmlns:a16="http://schemas.microsoft.com/office/drawing/2014/main" id="{476E82C8-C13C-4EC9-9F5F-F4679D09B757}"/>
-              </a:ext>
-            </a:extLst>
-          </p:cNvPr>
-          <p:cNvPicPr>
-            <a:picLocks noChangeAspect="1"/>
-          </p:cNvPicPr>
-          <p:nvPr/>
-        </p:nvPicPr>
-        <p:blipFill>
-          <a:blip r:embed="rId5"/>
-          <a:stretch>
-            <a:fillRect/>
-          </a:stretch>
-        </p:blipFill>
-        <p:spPr>
-          <a:xfrm>
-            <a:off x="3818296" y="3534099"/>
-            <a:ext cx="3191619" cy="2592288"/>
-          </a:xfrm>
-          <a:prstGeom prst="rect">
-            <a:avLst/>
-          </a:prstGeom>
-        </p:spPr>
-      </p:pic>
     </p:spTree>
     <p:extLst>
       <p:ext uri="{BB962C8B-B14F-4D97-AF65-F5344CB8AC3E}">
@@ -28225,36 +32679,6 @@
           </a:p>
         </p:txBody>
       </p:sp>
-      <p:pic>
-        <p:nvPicPr>
-          <p:cNvPr id="19" name="圖片 18">
-            <a:extLst>
-              <a:ext uri="{FF2B5EF4-FFF2-40B4-BE49-F238E27FC236}">
-                <a16:creationId xmlns:a16="http://schemas.microsoft.com/office/drawing/2014/main" id="{F3099E7B-EB10-4FA3-AEAF-61FFD8E36730}"/>
-              </a:ext>
-            </a:extLst>
-          </p:cNvPr>
-          <p:cNvPicPr>
-            <a:picLocks noChangeAspect="1"/>
-          </p:cNvPicPr>
-          <p:nvPr/>
-        </p:nvPicPr>
-        <p:blipFill>
-          <a:blip r:embed="rId3"/>
-          <a:stretch>
-            <a:fillRect/>
-          </a:stretch>
-        </p:blipFill>
-        <p:spPr>
-          <a:xfrm>
-            <a:off x="151686" y="1077180"/>
-            <a:ext cx="2304256" cy="5598260"/>
-          </a:xfrm>
-          <a:prstGeom prst="rect">
-            <a:avLst/>
-          </a:prstGeom>
-        </p:spPr>
-      </p:pic>
     </p:spTree>
     <p:extLst>
       <p:ext uri="{BB962C8B-B14F-4D97-AF65-F5344CB8AC3E}">

--- a/南山_題目一_組別二.pptx
+++ b/南山_題目一_組別二.pptx
@@ -7,10 +7,10 @@
     <p:sldMasterId id="2147483732" r:id="rId3"/>
   </p:sldMasterIdLst>
   <p:notesMasterIdLst>
-    <p:notesMasterId r:id="rId37"/>
+    <p:notesMasterId r:id="rId38"/>
   </p:notesMasterIdLst>
   <p:handoutMasterIdLst>
-    <p:handoutMasterId r:id="rId38"/>
+    <p:handoutMasterId r:id="rId39"/>
   </p:handoutMasterIdLst>
   <p:sldIdLst>
     <p:sldId id="393" r:id="rId4"/>
@@ -40,12 +40,13 @@
     <p:sldId id="415" r:id="rId28"/>
     <p:sldId id="416" r:id="rId29"/>
     <p:sldId id="421" r:id="rId30"/>
-    <p:sldId id="423" r:id="rId31"/>
-    <p:sldId id="425" r:id="rId32"/>
-    <p:sldId id="426" r:id="rId33"/>
-    <p:sldId id="427" r:id="rId34"/>
-    <p:sldId id="424" r:id="rId35"/>
-    <p:sldId id="422" r:id="rId36"/>
+    <p:sldId id="425" r:id="rId31"/>
+    <p:sldId id="426" r:id="rId32"/>
+    <p:sldId id="427" r:id="rId33"/>
+    <p:sldId id="424" r:id="rId34"/>
+    <p:sldId id="429" r:id="rId35"/>
+    <p:sldId id="428" r:id="rId36"/>
+    <p:sldId id="422" r:id="rId37"/>
   </p:sldIdLst>
   <p:sldSz cx="12192000" cy="6858000"/>
   <p:notesSz cx="6735763" cy="9866313"/>
@@ -23176,7 +23177,55 @@
           <a:bodyPr/>
           <a:lstStyle/>
           <a:p>
-            <a:endParaRPr lang="en-US"/>
+            <a:r>
+              <a:rPr lang="zh-TW" altLang="en-US" dirty="0"/>
+              <a:t>周永昱：</a:t>
+            </a:r>
+            <a:r>
+              <a:rPr lang="en-US" altLang="zh-TW" dirty="0"/>
+              <a:t>EDA</a:t>
+            </a:r>
+            <a:r>
+              <a:rPr lang="zh-TW" altLang="en-US"/>
+              <a:t>、資料預處理</a:t>
+            </a:r>
+            <a:r>
+              <a:rPr lang="zh-TW" altLang="en-US" dirty="0"/>
+              <a:t>、機器學習、簡報製作</a:t>
+            </a:r>
+            <a:endParaRPr lang="en-US" altLang="zh-TW" dirty="0"/>
+          </a:p>
+          <a:p>
+            <a:r>
+              <a:rPr lang="zh-TW" altLang="en-US" dirty="0"/>
+              <a:t>謝宗儒：學習了機器學習相關：</a:t>
+            </a:r>
+            <a:r>
+              <a:rPr lang="en-US" altLang="zh-TW" dirty="0"/>
+              <a:t>KNN</a:t>
+            </a:r>
+            <a:r>
+              <a:rPr lang="zh-TW" altLang="en-US" dirty="0"/>
+              <a:t>、回歸演算法、決策樹、隨機森林、降維演算法、貝葉斯演算法、編碼方式；保險知識、資料前處理：醫療保險、意外險、壽險等保單種類跟概況</a:t>
+            </a:r>
+            <a:endParaRPr lang="en-US" altLang="zh-TW" dirty="0"/>
+          </a:p>
+          <a:p>
+            <a:r>
+              <a:rPr lang="zh-TW" altLang="en-US" dirty="0"/>
+              <a:t>何恬：理賠再購資料合併分析、資料特徵解讀及選擇、新增延伸特徵、特徵類型轉換、簡報製作</a:t>
+            </a:r>
+            <a:endParaRPr lang="en-US" altLang="zh-TW" dirty="0"/>
+          </a:p>
+          <a:p>
+            <a:r>
+              <a:rPr lang="zh-TW" altLang="en-US" dirty="0"/>
+              <a:t>陳奕帆 ： 客戶屬性變數分析、合併檔資料分析、再購情形事後比較、不同疾病的再購比例分析、尋找可增加特徵</a:t>
+            </a:r>
+            <a:endParaRPr lang="en-US" altLang="zh-TW" dirty="0"/>
+          </a:p>
+          <a:p>
+            <a:endParaRPr lang="en-US" dirty="0"/>
           </a:p>
         </p:txBody>
       </p:sp>
@@ -24651,7 +24700,7 @@
         <p:spPr>
           <a:xfrm>
             <a:off x="399716" y="594739"/>
-            <a:ext cx="1460656" cy="338554"/>
+            <a:ext cx="2158924" cy="338554"/>
           </a:xfrm>
           <a:prstGeom prst="rect">
             <a:avLst/>
@@ -24700,15 +24749,110 @@
                 <a:ea typeface="標楷體" panose="03000509000000000000" pitchFamily="65" charset="-120"/>
                 <a:cs typeface="Times New Roman" panose="02020603050405020304" pitchFamily="18" charset="0"/>
               </a:rPr>
-              <a:t>result</a:t>
-            </a:r>
+              <a:t>result(</a:t>
+            </a:r>
+            <a:r>
+              <a:rPr lang="zh-TW" altLang="en-US" sz="1600" b="1" kern="100" dirty="0">
+                <a:solidFill>
+                  <a:schemeClr val="accent1"/>
+                </a:solidFill>
+                <a:ea typeface="標楷體" panose="03000509000000000000" pitchFamily="65" charset="-120"/>
+                <a:cs typeface="Times New Roman" panose="02020603050405020304" pitchFamily="18" charset="0"/>
+              </a:rPr>
+              <a:t>理賠檔</a:t>
+            </a:r>
+            <a:r>
+              <a:rPr lang="en-US" altLang="zh-TW" sz="1600" b="1" kern="100" dirty="0">
+                <a:solidFill>
+                  <a:schemeClr val="accent1"/>
+                </a:solidFill>
+                <a:ea typeface="標楷體" panose="03000509000000000000" pitchFamily="65" charset="-120"/>
+                <a:cs typeface="Times New Roman" panose="02020603050405020304" pitchFamily="18" charset="0"/>
+              </a:rPr>
+              <a:t>)</a:t>
+            </a:r>
+          </a:p>
+        </p:txBody>
+      </p:sp>
+      <p:pic>
+        <p:nvPicPr>
+          <p:cNvPr id="15" name="圖片 14">
+            <a:extLst>
+              <a:ext uri="{FF2B5EF4-FFF2-40B4-BE49-F238E27FC236}">
+                <a16:creationId xmlns:a16="http://schemas.microsoft.com/office/drawing/2014/main" id="{E97C6BA0-3194-4281-AAA6-0F3EF72F652B}"/>
+              </a:ext>
+            </a:extLst>
+          </p:cNvPr>
+          <p:cNvPicPr>
+            <a:picLocks noChangeAspect="1"/>
+          </p:cNvPicPr>
+          <p:nvPr/>
+        </p:nvPicPr>
+        <p:blipFill rotWithShape="1">
+          <a:blip r:embed="rId2"/>
+          <a:srcRect r="801"/>
+          <a:stretch/>
+        </p:blipFill>
+        <p:spPr>
+          <a:xfrm>
+            <a:off x="2223824" y="1412776"/>
+            <a:ext cx="7488832" cy="4597420"/>
+          </a:xfrm>
+          <a:prstGeom prst="rect">
+            <a:avLst/>
+          </a:prstGeom>
+        </p:spPr>
+      </p:pic>
+      <p:sp>
+        <p:nvSpPr>
+          <p:cNvPr id="16" name="文字方塊 15">
+            <a:extLst>
+              <a:ext uri="{FF2B5EF4-FFF2-40B4-BE49-F238E27FC236}">
+                <a16:creationId xmlns:a16="http://schemas.microsoft.com/office/drawing/2014/main" id="{CFF5505E-6008-4EE5-B4CD-8DC92E236A20}"/>
+              </a:ext>
+            </a:extLst>
+          </p:cNvPr>
+          <p:cNvSpPr txBox="1"/>
+          <p:nvPr/>
+        </p:nvSpPr>
+        <p:spPr>
+          <a:xfrm>
+            <a:off x="5447928" y="6151363"/>
+            <a:ext cx="1616004" cy="369332"/>
+          </a:xfrm>
+          <a:prstGeom prst="rect">
+            <a:avLst/>
+          </a:prstGeom>
+          <a:noFill/>
+        </p:spPr>
+        <p:txBody>
+          <a:bodyPr wrap="square" rtlCol="0">
+            <a:spAutoFit/>
+          </a:bodyPr>
+          <a:lstStyle/>
+          <a:p>
+            <a:r>
+              <a:rPr lang="en-US" dirty="0"/>
+              <a:t>1. </a:t>
+            </a:r>
+            <a:r>
+              <a:rPr lang="zh-TW" altLang="en-US" dirty="0">
+                <a:latin typeface="標楷體" panose="03000509000000000000" pitchFamily="65" charset="-120"/>
+                <a:ea typeface="標楷體" panose="03000509000000000000" pitchFamily="65" charset="-120"/>
+              </a:rPr>
+              <a:t>欄位說明</a:t>
+            </a:r>
+            <a:endParaRPr lang="en-US" dirty="0">
+              <a:latin typeface="標楷體" panose="03000509000000000000" pitchFamily="65" charset="-120"/>
+              <a:ea typeface="標楷體" panose="03000509000000000000" pitchFamily="65" charset="-120"/>
+            </a:endParaRPr>
           </a:p>
         </p:txBody>
       </p:sp>
     </p:spTree>
     <p:extLst>
       <p:ext uri="{BB962C8B-B14F-4D97-AF65-F5344CB8AC3E}">
-        <p14:creationId xmlns:p14="http://schemas.microsoft.com/office/powerpoint/2010/main" val="1983862535"/>
+        <p14:creationId xmlns:p14="http://schemas.microsoft.com/office/powerpoint/2010/main" val="2742110044"/>
       </p:ext>
     </p:extLst>
   </p:cSld>
@@ -25442,10 +25586,10 @@
       </p:sp>
       <p:pic>
         <p:nvPicPr>
-          <p:cNvPr id="15" name="圖片 14">
-            <a:extLst>
-              <a:ext uri="{FF2B5EF4-FFF2-40B4-BE49-F238E27FC236}">
-                <a16:creationId xmlns:a16="http://schemas.microsoft.com/office/drawing/2014/main" id="{E97C6BA0-3194-4281-AAA6-0F3EF72F652B}"/>
+          <p:cNvPr id="2" name="圖片 1">
+            <a:extLst>
+              <a:ext uri="{FF2B5EF4-FFF2-40B4-BE49-F238E27FC236}">
+                <a16:creationId xmlns:a16="http://schemas.microsoft.com/office/drawing/2014/main" id="{07792CB2-4B0E-4767-98BE-D70E87B50DB0}"/>
               </a:ext>
             </a:extLst>
           </p:cNvPr>
@@ -25456,25 +25600,54 @@
         </p:nvPicPr>
         <p:blipFill rotWithShape="1">
           <a:blip r:embed="rId2"/>
-          <a:srcRect r="801"/>
+          <a:srcRect t="28060"/>
           <a:stretch/>
         </p:blipFill>
         <p:spPr>
           <a:xfrm>
-            <a:off x="2223824" y="1412776"/>
-            <a:ext cx="7488832" cy="4597420"/>
+            <a:off x="1218600" y="1916832"/>
+            <a:ext cx="4132017" cy="3462464"/>
           </a:xfrm>
           <a:prstGeom prst="rect">
             <a:avLst/>
           </a:prstGeom>
         </p:spPr>
       </p:pic>
-      <p:sp>
-        <p:nvSpPr>
-          <p:cNvPr id="16" name="文字方塊 15">
-            <a:extLst>
-              <a:ext uri="{FF2B5EF4-FFF2-40B4-BE49-F238E27FC236}">
-                <a16:creationId xmlns:a16="http://schemas.microsoft.com/office/drawing/2014/main" id="{CFF5505E-6008-4EE5-B4CD-8DC92E236A20}"/>
+      <p:pic>
+        <p:nvPicPr>
+          <p:cNvPr id="3" name="圖片 2">
+            <a:extLst>
+              <a:ext uri="{FF2B5EF4-FFF2-40B4-BE49-F238E27FC236}">
+                <a16:creationId xmlns:a16="http://schemas.microsoft.com/office/drawing/2014/main" id="{9AA60736-B353-4AAF-A5EC-321CE6CDD99A}"/>
+              </a:ext>
+            </a:extLst>
+          </p:cNvPr>
+          <p:cNvPicPr>
+            <a:picLocks noChangeAspect="1"/>
+          </p:cNvPicPr>
+          <p:nvPr/>
+        </p:nvPicPr>
+        <p:blipFill rotWithShape="1">
+          <a:blip r:embed="rId3"/>
+          <a:srcRect r="13059"/>
+          <a:stretch/>
+        </p:blipFill>
+        <p:spPr>
+          <a:xfrm>
+            <a:off x="5951984" y="2008802"/>
+            <a:ext cx="5554031" cy="2859345"/>
+          </a:xfrm>
+          <a:prstGeom prst="rect">
+            <a:avLst/>
+          </a:prstGeom>
+        </p:spPr>
+      </p:pic>
+      <p:sp>
+        <p:nvSpPr>
+          <p:cNvPr id="29" name="文字方塊 28">
+            <a:extLst>
+              <a:ext uri="{FF2B5EF4-FFF2-40B4-BE49-F238E27FC236}">
+                <a16:creationId xmlns:a16="http://schemas.microsoft.com/office/drawing/2014/main" id="{C24E0DA4-0B6B-4EE8-9B57-B2FC3372F984}"/>
               </a:ext>
             </a:extLst>
           </p:cNvPr>
@@ -25483,8 +25656,8 @@
         </p:nvSpPr>
         <p:spPr>
           <a:xfrm>
-            <a:off x="5447928" y="6151363"/>
-            <a:ext cx="1616004" cy="369332"/>
+            <a:off x="2063552" y="5517232"/>
+            <a:ext cx="2088232" cy="369332"/>
           </a:xfrm>
           <a:prstGeom prst="rect">
             <a:avLst/>
@@ -25499,14 +25672,7 @@
           <a:p>
             <a:r>
               <a:rPr lang="en-US" dirty="0"/>
-              <a:t>1. </a:t>
-            </a:r>
-            <a:r>
-              <a:rPr lang="zh-TW" altLang="en-US" dirty="0">
-                <a:latin typeface="標楷體" panose="03000509000000000000" pitchFamily="65" charset="-120"/>
-                <a:ea typeface="標楷體" panose="03000509000000000000" pitchFamily="65" charset="-120"/>
-              </a:rPr>
-              <a:t>欄位說明</a:t>
+              <a:t>2. Missing Value</a:t>
             </a:r>
             <a:endParaRPr lang="en-US" dirty="0">
               <a:latin typeface="標楷體" panose="03000509000000000000" pitchFamily="65" charset="-120"/>
@@ -25515,10 +25681,57 @@
           </a:p>
         </p:txBody>
       </p:sp>
+      <p:sp>
+        <p:nvSpPr>
+          <p:cNvPr id="30" name="文字方塊 29">
+            <a:extLst>
+              <a:ext uri="{FF2B5EF4-FFF2-40B4-BE49-F238E27FC236}">
+                <a16:creationId xmlns:a16="http://schemas.microsoft.com/office/drawing/2014/main" id="{8E3E3F87-1F45-4B8F-A23C-4013E09EB59E}"/>
+              </a:ext>
+            </a:extLst>
+          </p:cNvPr>
+          <p:cNvSpPr txBox="1"/>
+          <p:nvPr/>
+        </p:nvSpPr>
+        <p:spPr>
+          <a:xfrm>
+            <a:off x="7608168" y="5517232"/>
+            <a:ext cx="2952328" cy="369332"/>
+          </a:xfrm>
+          <a:prstGeom prst="rect">
+            <a:avLst/>
+          </a:prstGeom>
+          <a:noFill/>
+        </p:spPr>
+        <p:txBody>
+          <a:bodyPr wrap="square" rtlCol="0">
+            <a:spAutoFit/>
+          </a:bodyPr>
+          <a:lstStyle/>
+          <a:p>
+            <a:r>
+              <a:rPr lang="en-US" dirty="0"/>
+              <a:t>3.</a:t>
+            </a:r>
+            <a:r>
+              <a:rPr lang="zh-TW" altLang="en-US" dirty="0"/>
+              <a:t> 理賠案件型態人數分配</a:t>
+            </a:r>
+            <a:r>
+              <a:rPr lang="en-US" dirty="0"/>
+              <a:t> </a:t>
+            </a:r>
+            <a:endParaRPr lang="en-US" dirty="0">
+              <a:latin typeface="標楷體" panose="03000509000000000000" pitchFamily="65" charset="-120"/>
+              <a:ea typeface="標楷體" panose="03000509000000000000" pitchFamily="65" charset="-120"/>
+            </a:endParaRPr>
+          </a:p>
+        </p:txBody>
+      </p:sp>
     </p:spTree>
     <p:extLst>
       <p:ext uri="{BB962C8B-B14F-4D97-AF65-F5344CB8AC3E}">
-        <p14:creationId xmlns:p14="http://schemas.microsoft.com/office/powerpoint/2010/main" val="2742110044"/>
+        <p14:creationId xmlns:p14="http://schemas.microsoft.com/office/powerpoint/2010/main" val="2033319588"/>
       </p:ext>
     </p:extLst>
   </p:cSld>
@@ -26495,64 +26708,6 @@
           </a:p>
         </p:txBody>
       </p:sp>
-      <p:pic>
-        <p:nvPicPr>
-          <p:cNvPr id="2" name="圖片 1">
-            <a:extLst>
-              <a:ext uri="{FF2B5EF4-FFF2-40B4-BE49-F238E27FC236}">
-                <a16:creationId xmlns:a16="http://schemas.microsoft.com/office/drawing/2014/main" id="{07792CB2-4B0E-4767-98BE-D70E87B50DB0}"/>
-              </a:ext>
-            </a:extLst>
-          </p:cNvPr>
-          <p:cNvPicPr>
-            <a:picLocks noChangeAspect="1"/>
-          </p:cNvPicPr>
-          <p:nvPr/>
-        </p:nvPicPr>
-        <p:blipFill rotWithShape="1">
-          <a:blip r:embed="rId2"/>
-          <a:srcRect t="28060"/>
-          <a:stretch/>
-        </p:blipFill>
-        <p:spPr>
-          <a:xfrm>
-            <a:off x="1218600" y="1916832"/>
-            <a:ext cx="4132017" cy="3462464"/>
-          </a:xfrm>
-          <a:prstGeom prst="rect">
-            <a:avLst/>
-          </a:prstGeom>
-        </p:spPr>
-      </p:pic>
-      <p:pic>
-        <p:nvPicPr>
-          <p:cNvPr id="3" name="圖片 2">
-            <a:extLst>
-              <a:ext uri="{FF2B5EF4-FFF2-40B4-BE49-F238E27FC236}">
-                <a16:creationId xmlns:a16="http://schemas.microsoft.com/office/drawing/2014/main" id="{9AA60736-B353-4AAF-A5EC-321CE6CDD99A}"/>
-              </a:ext>
-            </a:extLst>
-          </p:cNvPr>
-          <p:cNvPicPr>
-            <a:picLocks noChangeAspect="1"/>
-          </p:cNvPicPr>
-          <p:nvPr/>
-        </p:nvPicPr>
-        <p:blipFill rotWithShape="1">
-          <a:blip r:embed="rId3"/>
-          <a:srcRect r="13059"/>
-          <a:stretch/>
-        </p:blipFill>
-        <p:spPr>
-          <a:xfrm>
-            <a:off x="5951984" y="2008802"/>
-            <a:ext cx="5554031" cy="2859345"/>
-          </a:xfrm>
-          <a:prstGeom prst="rect">
-            <a:avLst/>
-          </a:prstGeom>
-        </p:spPr>
-      </p:pic>
       <p:sp>
         <p:nvSpPr>
           <p:cNvPr id="29" name="文字方塊 28">
@@ -26567,7 +26722,7 @@
         </p:nvSpPr>
         <p:spPr>
           <a:xfrm>
-            <a:off x="2063552" y="5517232"/>
+            <a:off x="2022012" y="5517232"/>
             <a:ext cx="2088232" cy="369332"/>
           </a:xfrm>
           <a:prstGeom prst="rect">
@@ -26583,7 +26738,11 @@
           <a:p>
             <a:r>
               <a:rPr lang="en-US" dirty="0"/>
-              <a:t>2. Missing Value</a:t>
+              <a:t>4. </a:t>
+            </a:r>
+            <a:r>
+              <a:rPr lang="zh-TW" altLang="en-US" dirty="0"/>
+              <a:t>各項疾病人數</a:t>
             </a:r>
             <a:endParaRPr lang="en-US" dirty="0">
               <a:latin typeface="標楷體" panose="03000509000000000000" pitchFamily="65" charset="-120"/>
@@ -26606,8 +26765,8 @@
         </p:nvSpPr>
         <p:spPr>
           <a:xfrm>
-            <a:off x="7608168" y="5517232"/>
-            <a:ext cx="2952328" cy="369332"/>
+            <a:off x="6528048" y="5517232"/>
+            <a:ext cx="4104456" cy="369332"/>
           </a:xfrm>
           <a:prstGeom prst="rect">
             <a:avLst/>
@@ -26622,15 +26781,11 @@
           <a:p>
             <a:r>
               <a:rPr lang="en-US" dirty="0"/>
-              <a:t>3.</a:t>
+              <a:t>5.</a:t>
             </a:r>
             <a:r>
               <a:rPr lang="zh-TW" altLang="en-US" dirty="0"/>
-              <a:t> 理賠案件型態人數分配</a:t>
-            </a:r>
-            <a:r>
-              <a:rPr lang="en-US" dirty="0"/>
-              <a:t> </a:t>
+              <a:t> 事故人、被保人、要保人重複情況</a:t>
             </a:r>
             <a:endParaRPr lang="en-US" dirty="0">
               <a:latin typeface="標楷體" panose="03000509000000000000" pitchFamily="65" charset="-120"/>
@@ -26639,10 +26794,70 @@
           </a:p>
         </p:txBody>
       </p:sp>
+      <p:pic>
+        <p:nvPicPr>
+          <p:cNvPr id="5" name="圖片 4">
+            <a:extLst>
+              <a:ext uri="{FF2B5EF4-FFF2-40B4-BE49-F238E27FC236}">
+                <a16:creationId xmlns:a16="http://schemas.microsoft.com/office/drawing/2014/main" id="{6010D881-E42C-474A-918A-BF82006D68AE}"/>
+              </a:ext>
+            </a:extLst>
+          </p:cNvPr>
+          <p:cNvPicPr>
+            <a:picLocks noChangeAspect="1"/>
+          </p:cNvPicPr>
+          <p:nvPr/>
+        </p:nvPicPr>
+        <p:blipFill>
+          <a:blip r:embed="rId2"/>
+          <a:stretch>
+            <a:fillRect/>
+          </a:stretch>
+        </p:blipFill>
+        <p:spPr>
+          <a:xfrm>
+            <a:off x="1847528" y="1916832"/>
+            <a:ext cx="2437200" cy="3183859"/>
+          </a:xfrm>
+          <a:prstGeom prst="rect">
+            <a:avLst/>
+          </a:prstGeom>
+        </p:spPr>
+      </p:pic>
+      <p:pic>
+        <p:nvPicPr>
+          <p:cNvPr id="7" name="圖片 6">
+            <a:extLst>
+              <a:ext uri="{FF2B5EF4-FFF2-40B4-BE49-F238E27FC236}">
+                <a16:creationId xmlns:a16="http://schemas.microsoft.com/office/drawing/2014/main" id="{8692F4DF-4E77-4C73-A541-9967B917FF05}"/>
+              </a:ext>
+            </a:extLst>
+          </p:cNvPr>
+          <p:cNvPicPr>
+            <a:picLocks noChangeAspect="1"/>
+          </p:cNvPicPr>
+          <p:nvPr/>
+        </p:nvPicPr>
+        <p:blipFill>
+          <a:blip r:embed="rId3"/>
+          <a:stretch>
+            <a:fillRect/>
+          </a:stretch>
+        </p:blipFill>
+        <p:spPr>
+          <a:xfrm>
+            <a:off x="4792023" y="1654198"/>
+            <a:ext cx="7249382" cy="3549603"/>
+          </a:xfrm>
+          <a:prstGeom prst="rect">
+            <a:avLst/>
+          </a:prstGeom>
+        </p:spPr>
+      </p:pic>
     </p:spTree>
     <p:extLst>
       <p:ext uri="{BB962C8B-B14F-4D97-AF65-F5344CB8AC3E}">
-        <p14:creationId xmlns:p14="http://schemas.microsoft.com/office/powerpoint/2010/main" val="2033319588"/>
+        <p14:creationId xmlns:p14="http://schemas.microsoft.com/office/powerpoint/2010/main" val="3989306568"/>
       </p:ext>
     </p:extLst>
   </p:cSld>
@@ -27300,7 +27515,7 @@
         <p:spPr>
           <a:xfrm>
             <a:off x="399716" y="594739"/>
-            <a:ext cx="2158924" cy="338554"/>
+            <a:ext cx="2569293" cy="338554"/>
           </a:xfrm>
           <a:prstGeom prst="rect">
             <a:avLst/>
@@ -27359,7 +27574,7 @@
                 <a:ea typeface="標楷體" panose="03000509000000000000" pitchFamily="65" charset="-120"/>
                 <a:cs typeface="Times New Roman" panose="02020603050405020304" pitchFamily="18" charset="0"/>
               </a:rPr>
-              <a:t>理賠檔</a:t>
+              <a:t>再購明細檔</a:t>
             </a:r>
             <a:r>
               <a:rPr lang="en-US" altLang="zh-TW" sz="1600" b="1" kern="100" dirty="0">
@@ -27374,98 +27589,12 @@
           </a:p>
         </p:txBody>
       </p:sp>
-      <p:sp>
-        <p:nvSpPr>
-          <p:cNvPr id="29" name="文字方塊 28">
-            <a:extLst>
-              <a:ext uri="{FF2B5EF4-FFF2-40B4-BE49-F238E27FC236}">
-                <a16:creationId xmlns:a16="http://schemas.microsoft.com/office/drawing/2014/main" id="{C24E0DA4-0B6B-4EE8-9B57-B2FC3372F984}"/>
-              </a:ext>
-            </a:extLst>
-          </p:cNvPr>
-          <p:cNvSpPr txBox="1"/>
-          <p:nvPr/>
-        </p:nvSpPr>
-        <p:spPr>
-          <a:xfrm>
-            <a:off x="2022012" y="5517232"/>
-            <a:ext cx="2088232" cy="369332"/>
-          </a:xfrm>
-          <a:prstGeom prst="rect">
-            <a:avLst/>
-          </a:prstGeom>
-          <a:noFill/>
-        </p:spPr>
-        <p:txBody>
-          <a:bodyPr wrap="square" rtlCol="0">
-            <a:spAutoFit/>
-          </a:bodyPr>
-          <a:lstStyle/>
-          <a:p>
-            <a:r>
-              <a:rPr lang="en-US" dirty="0"/>
-              <a:t>4. </a:t>
-            </a:r>
-            <a:r>
-              <a:rPr lang="zh-TW" altLang="en-US" dirty="0"/>
-              <a:t>各項疾病人數</a:t>
-            </a:r>
-            <a:endParaRPr lang="en-US" dirty="0">
-              <a:latin typeface="標楷體" panose="03000509000000000000" pitchFamily="65" charset="-120"/>
-              <a:ea typeface="標楷體" panose="03000509000000000000" pitchFamily="65" charset="-120"/>
-            </a:endParaRPr>
-          </a:p>
-        </p:txBody>
-      </p:sp>
-      <p:sp>
-        <p:nvSpPr>
-          <p:cNvPr id="30" name="文字方塊 29">
-            <a:extLst>
-              <a:ext uri="{FF2B5EF4-FFF2-40B4-BE49-F238E27FC236}">
-                <a16:creationId xmlns:a16="http://schemas.microsoft.com/office/drawing/2014/main" id="{8E3E3F87-1F45-4B8F-A23C-4013E09EB59E}"/>
-              </a:ext>
-            </a:extLst>
-          </p:cNvPr>
-          <p:cNvSpPr txBox="1"/>
-          <p:nvPr/>
-        </p:nvSpPr>
-        <p:spPr>
-          <a:xfrm>
-            <a:off x="6528048" y="5517232"/>
-            <a:ext cx="4104456" cy="369332"/>
-          </a:xfrm>
-          <a:prstGeom prst="rect">
-            <a:avLst/>
-          </a:prstGeom>
-          <a:noFill/>
-        </p:spPr>
-        <p:txBody>
-          <a:bodyPr wrap="square" rtlCol="0">
-            <a:spAutoFit/>
-          </a:bodyPr>
-          <a:lstStyle/>
-          <a:p>
-            <a:r>
-              <a:rPr lang="en-US" dirty="0"/>
-              <a:t>5.</a:t>
-            </a:r>
-            <a:r>
-              <a:rPr lang="zh-TW" altLang="en-US" dirty="0"/>
-              <a:t> 事故人、被保人、要保人重複情況</a:t>
-            </a:r>
-            <a:endParaRPr lang="en-US" dirty="0">
-              <a:latin typeface="標楷體" panose="03000509000000000000" pitchFamily="65" charset="-120"/>
-              <a:ea typeface="標楷體" panose="03000509000000000000" pitchFamily="65" charset="-120"/>
-            </a:endParaRPr>
-          </a:p>
-        </p:txBody>
-      </p:sp>
       <p:pic>
         <p:nvPicPr>
-          <p:cNvPr id="5" name="圖片 4">
-            <a:extLst>
-              <a:ext uri="{FF2B5EF4-FFF2-40B4-BE49-F238E27FC236}">
-                <a16:creationId xmlns:a16="http://schemas.microsoft.com/office/drawing/2014/main" id="{6010D881-E42C-474A-918A-BF82006D68AE}"/>
+          <p:cNvPr id="2" name="圖片 1">
+            <a:extLst>
+              <a:ext uri="{FF2B5EF4-FFF2-40B4-BE49-F238E27FC236}">
+                <a16:creationId xmlns:a16="http://schemas.microsoft.com/office/drawing/2014/main" id="{24B8EC4F-BD60-4337-95A9-D9F05D6BEADC}"/>
               </a:ext>
             </a:extLst>
           </p:cNvPr>
@@ -27482,48 +27611,62 @@
         </p:blipFill>
         <p:spPr>
           <a:xfrm>
-            <a:off x="1847528" y="1916832"/>
-            <a:ext cx="2437200" cy="3183859"/>
+            <a:off x="1622195" y="1711236"/>
+            <a:ext cx="8947610" cy="3435527"/>
           </a:xfrm>
           <a:prstGeom prst="rect">
             <a:avLst/>
           </a:prstGeom>
         </p:spPr>
       </p:pic>
-      <p:pic>
-        <p:nvPicPr>
-          <p:cNvPr id="7" name="圖片 6">
-            <a:extLst>
-              <a:ext uri="{FF2B5EF4-FFF2-40B4-BE49-F238E27FC236}">
-                <a16:creationId xmlns:a16="http://schemas.microsoft.com/office/drawing/2014/main" id="{8692F4DF-4E77-4C73-A541-9967B917FF05}"/>
-              </a:ext>
-            </a:extLst>
-          </p:cNvPr>
-          <p:cNvPicPr>
-            <a:picLocks noChangeAspect="1"/>
-          </p:cNvPicPr>
-          <p:nvPr/>
-        </p:nvPicPr>
-        <p:blipFill>
-          <a:blip r:embed="rId3"/>
-          <a:stretch>
-            <a:fillRect/>
-          </a:stretch>
-        </p:blipFill>
-        <p:spPr>
-          <a:xfrm>
-            <a:off x="4792023" y="1654198"/>
-            <a:ext cx="7249382" cy="3549603"/>
-          </a:xfrm>
-          <a:prstGeom prst="rect">
-            <a:avLst/>
-          </a:prstGeom>
-        </p:spPr>
-      </p:pic>
+      <p:sp>
+        <p:nvSpPr>
+          <p:cNvPr id="16" name="文字方塊 15">
+            <a:extLst>
+              <a:ext uri="{FF2B5EF4-FFF2-40B4-BE49-F238E27FC236}">
+                <a16:creationId xmlns:a16="http://schemas.microsoft.com/office/drawing/2014/main" id="{E3C8828F-A2B3-4504-BE16-166BC3785E6F}"/>
+              </a:ext>
+            </a:extLst>
+          </p:cNvPr>
+          <p:cNvSpPr txBox="1"/>
+          <p:nvPr/>
+        </p:nvSpPr>
+        <p:spPr>
+          <a:xfrm>
+            <a:off x="4655840" y="5450488"/>
+            <a:ext cx="2088232" cy="369332"/>
+          </a:xfrm>
+          <a:prstGeom prst="rect">
+            <a:avLst/>
+          </a:prstGeom>
+          <a:noFill/>
+        </p:spPr>
+        <p:txBody>
+          <a:bodyPr wrap="square" rtlCol="0">
+            <a:spAutoFit/>
+          </a:bodyPr>
+          <a:lstStyle/>
+          <a:p>
+            <a:pPr algn="ctr"/>
+            <a:r>
+              <a:rPr lang="en-US" dirty="0"/>
+              <a:t>1.</a:t>
+            </a:r>
+            <a:r>
+              <a:rPr lang="zh-TW" altLang="en-US" dirty="0"/>
+              <a:t>欄位說明</a:t>
+            </a:r>
+            <a:endParaRPr lang="en-US" dirty="0">
+              <a:latin typeface="標楷體" panose="03000509000000000000" pitchFamily="65" charset="-120"/>
+              <a:ea typeface="標楷體" panose="03000509000000000000" pitchFamily="65" charset="-120"/>
+            </a:endParaRPr>
+          </a:p>
+        </p:txBody>
+      </p:sp>
     </p:spTree>
     <p:extLst>
       <p:ext uri="{BB962C8B-B14F-4D97-AF65-F5344CB8AC3E}">
-        <p14:creationId xmlns:p14="http://schemas.microsoft.com/office/powerpoint/2010/main" val="3989306568"/>
+        <p14:creationId xmlns:p14="http://schemas.microsoft.com/office/powerpoint/2010/main" val="123997039"/>
       </p:ext>
     </p:extLst>
   </p:cSld>
@@ -28181,7 +28324,7 @@
         <p:spPr>
           <a:xfrm>
             <a:off x="399716" y="594739"/>
-            <a:ext cx="1460656" cy="338554"/>
+            <a:ext cx="2569293" cy="338554"/>
           </a:xfrm>
           <a:prstGeom prst="rect">
             <a:avLst/>
@@ -28230,15 +28373,186 @@
                 <a:ea typeface="標楷體" panose="03000509000000000000" pitchFamily="65" charset="-120"/>
                 <a:cs typeface="Times New Roman" panose="02020603050405020304" pitchFamily="18" charset="0"/>
               </a:rPr>
-              <a:t>result</a:t>
-            </a:r>
+              <a:t>result(</a:t>
+            </a:r>
+            <a:r>
+              <a:rPr lang="zh-TW" altLang="en-US" sz="1600" b="1" kern="100" dirty="0">
+                <a:solidFill>
+                  <a:schemeClr val="accent1"/>
+                </a:solidFill>
+                <a:ea typeface="標楷體" panose="03000509000000000000" pitchFamily="65" charset="-120"/>
+                <a:cs typeface="Times New Roman" panose="02020603050405020304" pitchFamily="18" charset="0"/>
+              </a:rPr>
+              <a:t>再購明細檔</a:t>
+            </a:r>
+            <a:r>
+              <a:rPr lang="en-US" altLang="zh-TW" sz="1600" b="1" kern="100" dirty="0">
+                <a:solidFill>
+                  <a:schemeClr val="accent1"/>
+                </a:solidFill>
+                <a:ea typeface="標楷體" panose="03000509000000000000" pitchFamily="65" charset="-120"/>
+                <a:cs typeface="Times New Roman" panose="02020603050405020304" pitchFamily="18" charset="0"/>
+              </a:rPr>
+              <a:t>)</a:t>
+            </a:r>
+          </a:p>
+        </p:txBody>
+      </p:sp>
+      <p:pic>
+        <p:nvPicPr>
+          <p:cNvPr id="3" name="圖片 2">
+            <a:extLst>
+              <a:ext uri="{FF2B5EF4-FFF2-40B4-BE49-F238E27FC236}">
+                <a16:creationId xmlns:a16="http://schemas.microsoft.com/office/drawing/2014/main" id="{087760FF-99DC-4061-BCDC-D262949B4A46}"/>
+              </a:ext>
+            </a:extLst>
+          </p:cNvPr>
+          <p:cNvPicPr>
+            <a:picLocks noChangeAspect="1"/>
+          </p:cNvPicPr>
+          <p:nvPr/>
+        </p:nvPicPr>
+        <p:blipFill>
+          <a:blip r:embed="rId2"/>
+          <a:stretch>
+            <a:fillRect/>
+          </a:stretch>
+        </p:blipFill>
+        <p:spPr>
+          <a:xfrm>
+            <a:off x="561632" y="1916832"/>
+            <a:ext cx="4238296" cy="3175177"/>
+          </a:xfrm>
+          <a:prstGeom prst="rect">
+            <a:avLst/>
+          </a:prstGeom>
+        </p:spPr>
+      </p:pic>
+      <p:pic>
+        <p:nvPicPr>
+          <p:cNvPr id="5" name="圖片 4">
+            <a:extLst>
+              <a:ext uri="{FF2B5EF4-FFF2-40B4-BE49-F238E27FC236}">
+                <a16:creationId xmlns:a16="http://schemas.microsoft.com/office/drawing/2014/main" id="{23F4E192-F742-4997-AF40-F37B60631B57}"/>
+              </a:ext>
+            </a:extLst>
+          </p:cNvPr>
+          <p:cNvPicPr>
+            <a:picLocks noChangeAspect="1"/>
+          </p:cNvPicPr>
+          <p:nvPr/>
+        </p:nvPicPr>
+        <p:blipFill>
+          <a:blip r:embed="rId3"/>
+          <a:stretch>
+            <a:fillRect/>
+          </a:stretch>
+        </p:blipFill>
+        <p:spPr>
+          <a:xfrm>
+            <a:off x="5792397" y="2204864"/>
+            <a:ext cx="5536517" cy="2267970"/>
+          </a:xfrm>
+          <a:prstGeom prst="rect">
+            <a:avLst/>
+          </a:prstGeom>
+        </p:spPr>
+      </p:pic>
+      <p:sp>
+        <p:nvSpPr>
+          <p:cNvPr id="29" name="文字方塊 28">
+            <a:extLst>
+              <a:ext uri="{FF2B5EF4-FFF2-40B4-BE49-F238E27FC236}">
+                <a16:creationId xmlns:a16="http://schemas.microsoft.com/office/drawing/2014/main" id="{C563AF33-BF96-41BD-96C5-010928A23767}"/>
+              </a:ext>
+            </a:extLst>
+          </p:cNvPr>
+          <p:cNvSpPr txBox="1"/>
+          <p:nvPr/>
+        </p:nvSpPr>
+        <p:spPr>
+          <a:xfrm>
+            <a:off x="1559496" y="5450488"/>
+            <a:ext cx="2088232" cy="369332"/>
+          </a:xfrm>
+          <a:prstGeom prst="rect">
+            <a:avLst/>
+          </a:prstGeom>
+          <a:noFill/>
+        </p:spPr>
+        <p:txBody>
+          <a:bodyPr wrap="square" rtlCol="0">
+            <a:spAutoFit/>
+          </a:bodyPr>
+          <a:lstStyle/>
+          <a:p>
+            <a:pPr algn="ctr"/>
+            <a:r>
+              <a:rPr lang="en-US" dirty="0"/>
+              <a:t>2.</a:t>
+            </a:r>
+            <a:r>
+              <a:rPr lang="en-US" altLang="zh-TW" dirty="0"/>
+              <a:t>Missing Value</a:t>
+            </a:r>
+            <a:endParaRPr lang="en-US" dirty="0">
+              <a:latin typeface="標楷體" panose="03000509000000000000" pitchFamily="65" charset="-120"/>
+              <a:ea typeface="標楷體" panose="03000509000000000000" pitchFamily="65" charset="-120"/>
+            </a:endParaRPr>
+          </a:p>
+        </p:txBody>
+      </p:sp>
+      <p:sp>
+        <p:nvSpPr>
+          <p:cNvPr id="30" name="文字方塊 29">
+            <a:extLst>
+              <a:ext uri="{FF2B5EF4-FFF2-40B4-BE49-F238E27FC236}">
+                <a16:creationId xmlns:a16="http://schemas.microsoft.com/office/drawing/2014/main" id="{B02807F9-2485-4F2E-8886-4798E9443ED1}"/>
+              </a:ext>
+            </a:extLst>
+          </p:cNvPr>
+          <p:cNvSpPr txBox="1"/>
+          <p:nvPr/>
+        </p:nvSpPr>
+        <p:spPr>
+          <a:xfrm>
+            <a:off x="7408657" y="5450488"/>
+            <a:ext cx="2088232" cy="369332"/>
+          </a:xfrm>
+          <a:prstGeom prst="rect">
+            <a:avLst/>
+          </a:prstGeom>
+          <a:noFill/>
+        </p:spPr>
+        <p:txBody>
+          <a:bodyPr wrap="square" rtlCol="0">
+            <a:spAutoFit/>
+          </a:bodyPr>
+          <a:lstStyle/>
+          <a:p>
+            <a:pPr algn="ctr"/>
+            <a:r>
+              <a:rPr lang="en-US" dirty="0"/>
+              <a:t>3.</a:t>
+            </a:r>
+            <a:r>
+              <a:rPr lang="zh-TW" altLang="en-US" dirty="0">
+                <a:latin typeface="標楷體" panose="03000509000000000000" pitchFamily="65" charset="-120"/>
+                <a:ea typeface="標楷體" panose="03000509000000000000" pitchFamily="65" charset="-120"/>
+              </a:rPr>
+              <a:t>主、附約數量</a:t>
+            </a:r>
+            <a:endParaRPr lang="en-US" dirty="0">
+              <a:latin typeface="標楷體" panose="03000509000000000000" pitchFamily="65" charset="-120"/>
+              <a:ea typeface="標楷體" panose="03000509000000000000" pitchFamily="65" charset="-120"/>
+            </a:endParaRPr>
           </a:p>
         </p:txBody>
       </p:sp>
     </p:spTree>
     <p:extLst>
       <p:ext uri="{BB962C8B-B14F-4D97-AF65-F5344CB8AC3E}">
-        <p14:creationId xmlns:p14="http://schemas.microsoft.com/office/powerpoint/2010/main" val="123997039"/>
+        <p14:creationId xmlns:p14="http://schemas.microsoft.com/office/powerpoint/2010/main" val="2587734140"/>
       </p:ext>
     </p:extLst>
   </p:cSld>
@@ -28289,6 +28603,898 @@
             <a:fld id="{BF8CE765-4F4E-465C-81D9-F9DA65D64035}" type="slidenum">
               <a:rPr lang="zh-TW" altLang="en-US" smtClean="0"/>
               <a:t>33</a:t>
+            </a:fld>
+            <a:endParaRPr lang="zh-TW" altLang="en-US"/>
+          </a:p>
+        </p:txBody>
+      </p:sp>
+      <p:sp>
+        <p:nvSpPr>
+          <p:cNvPr id="18" name="矩形 17">
+            <a:extLst>
+              <a:ext uri="{FF2B5EF4-FFF2-40B4-BE49-F238E27FC236}">
+                <a16:creationId xmlns:a16="http://schemas.microsoft.com/office/drawing/2014/main" id="{0FB3A394-9020-469D-91F6-68EEA700FA7B}"/>
+              </a:ext>
+            </a:extLst>
+          </p:cNvPr>
+          <p:cNvSpPr/>
+          <p:nvPr/>
+        </p:nvSpPr>
+        <p:spPr>
+          <a:xfrm>
+            <a:off x="-2880" y="0"/>
+            <a:ext cx="12191760" cy="381800"/>
+          </a:xfrm>
+          <a:prstGeom prst="rect">
+            <a:avLst/>
+          </a:prstGeom>
+          <a:solidFill>
+            <a:schemeClr val="bg1"/>
+          </a:solidFill>
+          <a:ln>
+            <a:solidFill>
+              <a:schemeClr val="bg1"/>
+            </a:solidFill>
+          </a:ln>
+        </p:spPr>
+        <p:style>
+          <a:lnRef idx="2">
+            <a:schemeClr val="accent1">
+              <a:shade val="50000"/>
+            </a:schemeClr>
+          </a:lnRef>
+          <a:fillRef idx="1">
+            <a:schemeClr val="accent1"/>
+          </a:fillRef>
+          <a:effectRef idx="0">
+            <a:schemeClr val="accent1"/>
+          </a:effectRef>
+          <a:fontRef idx="minor">
+            <a:schemeClr val="lt1"/>
+          </a:fontRef>
+        </p:style>
+        <p:txBody>
+          <a:bodyPr rtlCol="0" anchor="ctr"/>
+          <a:lstStyle/>
+          <a:p>
+            <a:pPr algn="ctr"/>
+            <a:endParaRPr lang="en-US"/>
+          </a:p>
+        </p:txBody>
+      </p:sp>
+      <p:sp>
+        <p:nvSpPr>
+          <p:cNvPr id="19" name="矩形 18">
+            <a:extLst>
+              <a:ext uri="{FF2B5EF4-FFF2-40B4-BE49-F238E27FC236}">
+                <a16:creationId xmlns:a16="http://schemas.microsoft.com/office/drawing/2014/main" id="{1B3F5A8A-595D-4FB4-87AE-9EABF3549FA3}"/>
+              </a:ext>
+            </a:extLst>
+          </p:cNvPr>
+          <p:cNvSpPr/>
+          <p:nvPr/>
+        </p:nvSpPr>
+        <p:spPr>
+          <a:xfrm>
+            <a:off x="9754560" y="0"/>
+            <a:ext cx="2437200" cy="381800"/>
+          </a:xfrm>
+          <a:prstGeom prst="rect">
+            <a:avLst/>
+          </a:prstGeom>
+          <a:solidFill>
+            <a:schemeClr val="tx1">
+              <a:lumMod val="75000"/>
+              <a:lumOff val="25000"/>
+              <a:alpha val="30000"/>
+            </a:schemeClr>
+          </a:solidFill>
+          <a:ln w="9525">
+            <a:solidFill>
+              <a:schemeClr val="tx1">
+                <a:lumMod val="50000"/>
+                <a:lumOff val="50000"/>
+              </a:schemeClr>
+            </a:solidFill>
+          </a:ln>
+        </p:spPr>
+        <p:style>
+          <a:lnRef idx="2">
+            <a:schemeClr val="accent3">
+              <a:shade val="50000"/>
+            </a:schemeClr>
+          </a:lnRef>
+          <a:fillRef idx="1">
+            <a:schemeClr val="accent3"/>
+          </a:fillRef>
+          <a:effectRef idx="0">
+            <a:schemeClr val="accent3"/>
+          </a:effectRef>
+          <a:fontRef idx="minor">
+            <a:schemeClr val="lt1"/>
+          </a:fontRef>
+        </p:style>
+        <p:txBody>
+          <a:bodyPr rtlCol="0" anchor="ctr"/>
+          <a:lstStyle/>
+          <a:p>
+            <a:pPr algn="ctr"/>
+            <a:endParaRPr lang="en-US"/>
+          </a:p>
+        </p:txBody>
+      </p:sp>
+      <p:sp>
+        <p:nvSpPr>
+          <p:cNvPr id="20" name="矩形 19">
+            <a:extLst>
+              <a:ext uri="{FF2B5EF4-FFF2-40B4-BE49-F238E27FC236}">
+                <a16:creationId xmlns:a16="http://schemas.microsoft.com/office/drawing/2014/main" id="{6AFEE53B-00F4-4C28-995D-F23DDC78F376}"/>
+              </a:ext>
+            </a:extLst>
+          </p:cNvPr>
+          <p:cNvSpPr/>
+          <p:nvPr/>
+        </p:nvSpPr>
+        <p:spPr>
+          <a:xfrm>
+            <a:off x="0" y="0"/>
+            <a:ext cx="2437200" cy="381800"/>
+          </a:xfrm>
+          <a:prstGeom prst="rect">
+            <a:avLst/>
+          </a:prstGeom>
+          <a:solidFill>
+            <a:schemeClr val="bg1"/>
+          </a:solidFill>
+          <a:ln w="9525">
+            <a:solidFill>
+              <a:schemeClr val="tx1">
+                <a:lumMod val="50000"/>
+                <a:lumOff val="50000"/>
+              </a:schemeClr>
+            </a:solidFill>
+          </a:ln>
+        </p:spPr>
+        <p:style>
+          <a:lnRef idx="2">
+            <a:schemeClr val="accent3">
+              <a:shade val="50000"/>
+            </a:schemeClr>
+          </a:lnRef>
+          <a:fillRef idx="1">
+            <a:schemeClr val="accent3"/>
+          </a:fillRef>
+          <a:effectRef idx="0">
+            <a:schemeClr val="accent3"/>
+          </a:effectRef>
+          <a:fontRef idx="minor">
+            <a:schemeClr val="lt1"/>
+          </a:fontRef>
+        </p:style>
+        <p:txBody>
+          <a:bodyPr rtlCol="0" anchor="ctr"/>
+          <a:lstStyle/>
+          <a:p>
+            <a:pPr algn="ctr"/>
+            <a:endParaRPr lang="en-US"/>
+          </a:p>
+        </p:txBody>
+      </p:sp>
+      <p:sp>
+        <p:nvSpPr>
+          <p:cNvPr id="21" name="矩形 20">
+            <a:extLst>
+              <a:ext uri="{FF2B5EF4-FFF2-40B4-BE49-F238E27FC236}">
+                <a16:creationId xmlns:a16="http://schemas.microsoft.com/office/drawing/2014/main" id="{E90642E8-2512-4DC0-9E3C-EA8FF78F5B36}"/>
+              </a:ext>
+            </a:extLst>
+          </p:cNvPr>
+          <p:cNvSpPr/>
+          <p:nvPr/>
+        </p:nvSpPr>
+        <p:spPr>
+          <a:xfrm>
+            <a:off x="91057" y="44624"/>
+            <a:ext cx="2303999" cy="307777"/>
+          </a:xfrm>
+          <a:prstGeom prst="rect">
+            <a:avLst/>
+          </a:prstGeom>
+          <a:ln w="9525">
+            <a:noFill/>
+          </a:ln>
+        </p:spPr>
+        <p:txBody>
+          <a:bodyPr wrap="square">
+            <a:spAutoFit/>
+          </a:bodyPr>
+          <a:lstStyle/>
+          <a:p>
+            <a:pPr algn="ctr"/>
+            <a:r>
+              <a:rPr lang="en-US" altLang="zh-CN" sz="1400" b="1" kern="100" dirty="0">
+                <a:solidFill>
+                  <a:schemeClr val="accent1"/>
+                </a:solidFill>
+                <a:latin typeface="Times New Roman" panose="02020603050405020304" pitchFamily="18" charset="0"/>
+                <a:cs typeface="Times New Roman" panose="02020603050405020304" pitchFamily="18" charset="0"/>
+              </a:rPr>
+              <a:t>Research Question</a:t>
+            </a:r>
+          </a:p>
+        </p:txBody>
+      </p:sp>
+      <p:sp>
+        <p:nvSpPr>
+          <p:cNvPr id="22" name="矩形 21">
+            <a:extLst>
+              <a:ext uri="{FF2B5EF4-FFF2-40B4-BE49-F238E27FC236}">
+                <a16:creationId xmlns:a16="http://schemas.microsoft.com/office/drawing/2014/main" id="{06A2820E-A5C8-49A8-A65E-659F8CDDCC27}"/>
+              </a:ext>
+            </a:extLst>
+          </p:cNvPr>
+          <p:cNvSpPr/>
+          <p:nvPr/>
+        </p:nvSpPr>
+        <p:spPr>
+          <a:xfrm>
+            <a:off x="2437200" y="0"/>
+            <a:ext cx="2437200" cy="381800"/>
+          </a:xfrm>
+          <a:prstGeom prst="rect">
+            <a:avLst/>
+          </a:prstGeom>
+          <a:solidFill>
+            <a:schemeClr val="bg1">
+              <a:alpha val="30000"/>
+            </a:schemeClr>
+          </a:solidFill>
+          <a:ln w="9525">
+            <a:solidFill>
+              <a:schemeClr val="tx1">
+                <a:lumMod val="50000"/>
+                <a:lumOff val="50000"/>
+              </a:schemeClr>
+            </a:solidFill>
+          </a:ln>
+        </p:spPr>
+        <p:style>
+          <a:lnRef idx="2">
+            <a:schemeClr val="accent3">
+              <a:shade val="50000"/>
+            </a:schemeClr>
+          </a:lnRef>
+          <a:fillRef idx="1">
+            <a:schemeClr val="accent3"/>
+          </a:fillRef>
+          <a:effectRef idx="0">
+            <a:schemeClr val="accent3"/>
+          </a:effectRef>
+          <a:fontRef idx="minor">
+            <a:schemeClr val="lt1"/>
+          </a:fontRef>
+        </p:style>
+        <p:txBody>
+          <a:bodyPr rtlCol="0" anchor="ctr"/>
+          <a:lstStyle/>
+          <a:p>
+            <a:pPr algn="ctr"/>
+            <a:endParaRPr lang="en-US"/>
+          </a:p>
+        </p:txBody>
+      </p:sp>
+      <p:sp>
+        <p:nvSpPr>
+          <p:cNvPr id="23" name="矩形 22">
+            <a:extLst>
+              <a:ext uri="{FF2B5EF4-FFF2-40B4-BE49-F238E27FC236}">
+                <a16:creationId xmlns:a16="http://schemas.microsoft.com/office/drawing/2014/main" id="{0758C2A2-B485-4FAF-90D6-18FF9EFA4647}"/>
+              </a:ext>
+            </a:extLst>
+          </p:cNvPr>
+          <p:cNvSpPr/>
+          <p:nvPr/>
+        </p:nvSpPr>
+        <p:spPr>
+          <a:xfrm>
+            <a:off x="4874400" y="0"/>
+            <a:ext cx="2437200" cy="381800"/>
+          </a:xfrm>
+          <a:prstGeom prst="rect">
+            <a:avLst/>
+          </a:prstGeom>
+          <a:solidFill>
+            <a:schemeClr val="bg1">
+              <a:alpha val="30000"/>
+            </a:schemeClr>
+          </a:solidFill>
+          <a:ln w="9525">
+            <a:solidFill>
+              <a:schemeClr val="tx1">
+                <a:lumMod val="50000"/>
+                <a:lumOff val="50000"/>
+              </a:schemeClr>
+            </a:solidFill>
+          </a:ln>
+        </p:spPr>
+        <p:style>
+          <a:lnRef idx="2">
+            <a:schemeClr val="accent3">
+              <a:shade val="50000"/>
+            </a:schemeClr>
+          </a:lnRef>
+          <a:fillRef idx="1">
+            <a:schemeClr val="accent3"/>
+          </a:fillRef>
+          <a:effectRef idx="0">
+            <a:schemeClr val="accent3"/>
+          </a:effectRef>
+          <a:fontRef idx="minor">
+            <a:schemeClr val="lt1"/>
+          </a:fontRef>
+        </p:style>
+        <p:txBody>
+          <a:bodyPr rtlCol="0" anchor="ctr"/>
+          <a:lstStyle/>
+          <a:p>
+            <a:pPr algn="ctr"/>
+            <a:endParaRPr lang="en-US"/>
+          </a:p>
+        </p:txBody>
+      </p:sp>
+      <p:sp>
+        <p:nvSpPr>
+          <p:cNvPr id="24" name="矩形 23">
+            <a:extLst>
+              <a:ext uri="{FF2B5EF4-FFF2-40B4-BE49-F238E27FC236}">
+                <a16:creationId xmlns:a16="http://schemas.microsoft.com/office/drawing/2014/main" id="{879D0081-A729-47E8-8E14-ED65864460EF}"/>
+              </a:ext>
+            </a:extLst>
+          </p:cNvPr>
+          <p:cNvSpPr/>
+          <p:nvPr/>
+        </p:nvSpPr>
+        <p:spPr>
+          <a:xfrm>
+            <a:off x="4916544" y="44624"/>
+            <a:ext cx="2303999" cy="307777"/>
+          </a:xfrm>
+          <a:prstGeom prst="rect">
+            <a:avLst/>
+          </a:prstGeom>
+          <a:ln w="9525">
+            <a:noFill/>
+          </a:ln>
+        </p:spPr>
+        <p:txBody>
+          <a:bodyPr wrap="square">
+            <a:spAutoFit/>
+          </a:bodyPr>
+          <a:lstStyle/>
+          <a:p>
+            <a:pPr algn="ctr"/>
+            <a:r>
+              <a:rPr lang="en-US" altLang="zh-CN" sz="1400" b="1" kern="100" dirty="0">
+                <a:solidFill>
+                  <a:schemeClr val="accent1"/>
+                </a:solidFill>
+                <a:latin typeface="Times New Roman" panose="02020603050405020304" pitchFamily="18" charset="0"/>
+                <a:cs typeface="Times New Roman" panose="02020603050405020304" pitchFamily="18" charset="0"/>
+              </a:rPr>
+              <a:t>Data pre-processing</a:t>
+            </a:r>
+            <a:endParaRPr lang="zh-CN" altLang="zh-CN" sz="1400" b="1" kern="100" dirty="0">
+              <a:solidFill>
+                <a:schemeClr val="accent1"/>
+              </a:solidFill>
+              <a:latin typeface="Times New Roman" panose="02020603050405020304" pitchFamily="18" charset="0"/>
+              <a:cs typeface="Times New Roman" panose="02020603050405020304" pitchFamily="18" charset="0"/>
+            </a:endParaRPr>
+          </a:p>
+        </p:txBody>
+      </p:sp>
+      <p:sp>
+        <p:nvSpPr>
+          <p:cNvPr id="25" name="矩形 24">
+            <a:extLst>
+              <a:ext uri="{FF2B5EF4-FFF2-40B4-BE49-F238E27FC236}">
+                <a16:creationId xmlns:a16="http://schemas.microsoft.com/office/drawing/2014/main" id="{C990BE16-83C9-4750-AAB0-6E5B2A2FA773}"/>
+              </a:ext>
+            </a:extLst>
+          </p:cNvPr>
+          <p:cNvSpPr/>
+          <p:nvPr/>
+        </p:nvSpPr>
+        <p:spPr>
+          <a:xfrm>
+            <a:off x="7311600" y="0"/>
+            <a:ext cx="2437200" cy="381800"/>
+          </a:xfrm>
+          <a:prstGeom prst="rect">
+            <a:avLst/>
+          </a:prstGeom>
+          <a:solidFill>
+            <a:schemeClr val="bg1">
+              <a:alpha val="30000"/>
+            </a:schemeClr>
+          </a:solidFill>
+          <a:ln w="9525">
+            <a:solidFill>
+              <a:schemeClr val="tx1">
+                <a:lumMod val="50000"/>
+                <a:lumOff val="50000"/>
+              </a:schemeClr>
+            </a:solidFill>
+          </a:ln>
+        </p:spPr>
+        <p:style>
+          <a:lnRef idx="2">
+            <a:schemeClr val="accent3">
+              <a:shade val="50000"/>
+            </a:schemeClr>
+          </a:lnRef>
+          <a:fillRef idx="1">
+            <a:schemeClr val="accent3"/>
+          </a:fillRef>
+          <a:effectRef idx="0">
+            <a:schemeClr val="accent3"/>
+          </a:effectRef>
+          <a:fontRef idx="minor">
+            <a:schemeClr val="lt1"/>
+          </a:fontRef>
+        </p:style>
+        <p:txBody>
+          <a:bodyPr rtlCol="0" anchor="ctr"/>
+          <a:lstStyle/>
+          <a:p>
+            <a:pPr algn="ctr"/>
+            <a:endParaRPr lang="en-US"/>
+          </a:p>
+        </p:txBody>
+      </p:sp>
+      <p:sp>
+        <p:nvSpPr>
+          <p:cNvPr id="26" name="矩形 25">
+            <a:extLst>
+              <a:ext uri="{FF2B5EF4-FFF2-40B4-BE49-F238E27FC236}">
+                <a16:creationId xmlns:a16="http://schemas.microsoft.com/office/drawing/2014/main" id="{371EEEDB-FE8A-46FE-B5DE-83502475004A}"/>
+              </a:ext>
+            </a:extLst>
+          </p:cNvPr>
+          <p:cNvSpPr/>
+          <p:nvPr/>
+        </p:nvSpPr>
+        <p:spPr>
+          <a:xfrm>
+            <a:off x="7408657" y="33290"/>
+            <a:ext cx="2303999" cy="307777"/>
+          </a:xfrm>
+          <a:prstGeom prst="rect">
+            <a:avLst/>
+          </a:prstGeom>
+          <a:ln w="9525">
+            <a:noFill/>
+          </a:ln>
+        </p:spPr>
+        <p:txBody>
+          <a:bodyPr wrap="square">
+            <a:spAutoFit/>
+          </a:bodyPr>
+          <a:lstStyle/>
+          <a:p>
+            <a:pPr algn="ctr"/>
+            <a:r>
+              <a:rPr lang="en-US" altLang="zh-CN" sz="1400" b="1" kern="100" dirty="0">
+                <a:solidFill>
+                  <a:schemeClr val="accent1"/>
+                </a:solidFill>
+                <a:latin typeface="Times New Roman" panose="02020603050405020304" pitchFamily="18" charset="0"/>
+                <a:cs typeface="Times New Roman" panose="02020603050405020304" pitchFamily="18" charset="0"/>
+              </a:rPr>
+              <a:t>Model Training</a:t>
+            </a:r>
+            <a:endParaRPr lang="zh-CN" altLang="zh-CN" sz="1400" b="1" kern="100" dirty="0">
+              <a:solidFill>
+                <a:schemeClr val="accent1"/>
+              </a:solidFill>
+              <a:latin typeface="Times New Roman" panose="02020603050405020304" pitchFamily="18" charset="0"/>
+              <a:cs typeface="Times New Roman" panose="02020603050405020304" pitchFamily="18" charset="0"/>
+            </a:endParaRPr>
+          </a:p>
+        </p:txBody>
+      </p:sp>
+      <p:sp>
+        <p:nvSpPr>
+          <p:cNvPr id="27" name="矩形 26">
+            <a:extLst>
+              <a:ext uri="{FF2B5EF4-FFF2-40B4-BE49-F238E27FC236}">
+                <a16:creationId xmlns:a16="http://schemas.microsoft.com/office/drawing/2014/main" id="{DE395EB8-7179-4B43-99D4-156E65A700AC}"/>
+              </a:ext>
+            </a:extLst>
+          </p:cNvPr>
+          <p:cNvSpPr/>
+          <p:nvPr/>
+        </p:nvSpPr>
+        <p:spPr>
+          <a:xfrm>
+            <a:off x="9821160" y="44624"/>
+            <a:ext cx="2303999" cy="307777"/>
+          </a:xfrm>
+          <a:prstGeom prst="rect">
+            <a:avLst/>
+          </a:prstGeom>
+        </p:spPr>
+        <p:txBody>
+          <a:bodyPr wrap="square">
+            <a:spAutoFit/>
+          </a:bodyPr>
+          <a:lstStyle/>
+          <a:p>
+            <a:pPr algn="ctr"/>
+            <a:r>
+              <a:rPr lang="en-US" altLang="zh-CN" sz="1400" b="1" kern="100" dirty="0">
+                <a:solidFill>
+                  <a:schemeClr val="accent1"/>
+                </a:solidFill>
+                <a:latin typeface="Times New Roman" panose="02020603050405020304" pitchFamily="18" charset="0"/>
+                <a:cs typeface="Times New Roman" panose="02020603050405020304" pitchFamily="18" charset="0"/>
+              </a:rPr>
+              <a:t>Appendix</a:t>
+            </a:r>
+            <a:endParaRPr lang="zh-CN" altLang="zh-CN" sz="1400" b="1" kern="100" dirty="0">
+              <a:solidFill>
+                <a:schemeClr val="accent1"/>
+              </a:solidFill>
+              <a:latin typeface="Times New Roman" panose="02020603050405020304" pitchFamily="18" charset="0"/>
+              <a:cs typeface="Times New Roman" panose="02020603050405020304" pitchFamily="18" charset="0"/>
+            </a:endParaRPr>
+          </a:p>
+        </p:txBody>
+      </p:sp>
+      <p:sp>
+        <p:nvSpPr>
+          <p:cNvPr id="28" name="矩形 27">
+            <a:extLst>
+              <a:ext uri="{FF2B5EF4-FFF2-40B4-BE49-F238E27FC236}">
+                <a16:creationId xmlns:a16="http://schemas.microsoft.com/office/drawing/2014/main" id="{93D8981B-AF20-4DC7-ABF8-10F9897107C3}"/>
+              </a:ext>
+            </a:extLst>
+          </p:cNvPr>
+          <p:cNvSpPr/>
+          <p:nvPr/>
+        </p:nvSpPr>
+        <p:spPr>
+          <a:xfrm>
+            <a:off x="2503800" y="44624"/>
+            <a:ext cx="2303999" cy="307777"/>
+          </a:xfrm>
+          <a:prstGeom prst="rect">
+            <a:avLst/>
+          </a:prstGeom>
+          <a:ln w="9525">
+            <a:noFill/>
+          </a:ln>
+        </p:spPr>
+        <p:txBody>
+          <a:bodyPr wrap="square">
+            <a:spAutoFit/>
+          </a:bodyPr>
+          <a:lstStyle/>
+          <a:p>
+            <a:pPr algn="ctr"/>
+            <a:r>
+              <a:rPr lang="en-US" altLang="zh-CN" sz="1400" b="1" kern="100" dirty="0">
+                <a:solidFill>
+                  <a:schemeClr val="accent1"/>
+                </a:solidFill>
+                <a:latin typeface="Times New Roman" panose="02020603050405020304" pitchFamily="18" charset="0"/>
+                <a:cs typeface="Times New Roman" panose="02020603050405020304" pitchFamily="18" charset="0"/>
+              </a:rPr>
+              <a:t>EDA</a:t>
+            </a:r>
+          </a:p>
+        </p:txBody>
+      </p:sp>
+      <p:sp>
+        <p:nvSpPr>
+          <p:cNvPr id="17" name="矩形 16">
+            <a:extLst>
+              <a:ext uri="{FF2B5EF4-FFF2-40B4-BE49-F238E27FC236}">
+                <a16:creationId xmlns:a16="http://schemas.microsoft.com/office/drawing/2014/main" id="{FF885DDD-0FFE-44BC-8CD2-CA7462B3168D}"/>
+              </a:ext>
+            </a:extLst>
+          </p:cNvPr>
+          <p:cNvSpPr/>
+          <p:nvPr/>
+        </p:nvSpPr>
+        <p:spPr>
+          <a:xfrm>
+            <a:off x="399716" y="594739"/>
+            <a:ext cx="2569293" cy="338554"/>
+          </a:xfrm>
+          <a:prstGeom prst="rect">
+            <a:avLst/>
+          </a:prstGeom>
+        </p:spPr>
+        <p:txBody>
+          <a:bodyPr wrap="none">
+            <a:spAutoFit/>
+          </a:bodyPr>
+          <a:lstStyle/>
+          <a:p>
+            <a:r>
+              <a:rPr lang="en-US" altLang="zh-TW" sz="1600" b="1" kern="100" dirty="0">
+                <a:solidFill>
+                  <a:schemeClr val="accent1"/>
+                </a:solidFill>
+                <a:cs typeface="Times New Roman" panose="02020603050405020304" pitchFamily="18" charset="0"/>
+              </a:rPr>
+              <a:t>C. </a:t>
+            </a:r>
+            <a:r>
+              <a:rPr lang="en-US" altLang="zh-TW" sz="1600" b="1" kern="100" dirty="0">
+                <a:solidFill>
+                  <a:schemeClr val="accent1"/>
+                </a:solidFill>
+                <a:ea typeface="標楷體" panose="03000509000000000000" pitchFamily="65" charset="-120"/>
+                <a:cs typeface="Times New Roman" panose="02020603050405020304" pitchFamily="18" charset="0"/>
+              </a:rPr>
+              <a:t>EDA</a:t>
+            </a:r>
+            <a:r>
+              <a:rPr lang="zh-TW" altLang="en-US" sz="1600" b="1" kern="100" dirty="0">
+                <a:solidFill>
+                  <a:schemeClr val="accent1"/>
+                </a:solidFill>
+                <a:ea typeface="標楷體" panose="03000509000000000000" pitchFamily="65" charset="-120"/>
+                <a:cs typeface="Times New Roman" panose="02020603050405020304" pitchFamily="18" charset="0"/>
+              </a:rPr>
+              <a:t> </a:t>
+            </a:r>
+            <a:r>
+              <a:rPr lang="en-US" altLang="zh-TW" sz="1600" b="1" kern="100" dirty="0">
+                <a:solidFill>
+                  <a:schemeClr val="accent1"/>
+                </a:solidFill>
+                <a:ea typeface="標楷體" panose="03000509000000000000" pitchFamily="65" charset="-120"/>
+                <a:cs typeface="Times New Roman" panose="02020603050405020304" pitchFamily="18" charset="0"/>
+              </a:rPr>
+              <a:t>result(</a:t>
+            </a:r>
+            <a:r>
+              <a:rPr lang="zh-TW" altLang="en-US" sz="1600" b="1" kern="100" dirty="0">
+                <a:solidFill>
+                  <a:schemeClr val="accent1"/>
+                </a:solidFill>
+                <a:ea typeface="標楷體" panose="03000509000000000000" pitchFamily="65" charset="-120"/>
+                <a:cs typeface="Times New Roman" panose="02020603050405020304" pitchFamily="18" charset="0"/>
+              </a:rPr>
+              <a:t>再購明細檔</a:t>
+            </a:r>
+            <a:r>
+              <a:rPr lang="en-US" altLang="zh-TW" sz="1600" b="1" kern="100" dirty="0">
+                <a:solidFill>
+                  <a:schemeClr val="accent1"/>
+                </a:solidFill>
+                <a:ea typeface="標楷體" panose="03000509000000000000" pitchFamily="65" charset="-120"/>
+                <a:cs typeface="Times New Roman" panose="02020603050405020304" pitchFamily="18" charset="0"/>
+              </a:rPr>
+              <a:t>)</a:t>
+            </a:r>
+          </a:p>
+        </p:txBody>
+      </p:sp>
+      <p:pic>
+        <p:nvPicPr>
+          <p:cNvPr id="3" name="圖片 2">
+            <a:extLst>
+              <a:ext uri="{FF2B5EF4-FFF2-40B4-BE49-F238E27FC236}">
+                <a16:creationId xmlns:a16="http://schemas.microsoft.com/office/drawing/2014/main" id="{087760FF-99DC-4061-BCDC-D262949B4A46}"/>
+              </a:ext>
+            </a:extLst>
+          </p:cNvPr>
+          <p:cNvPicPr>
+            <a:picLocks noChangeAspect="1"/>
+          </p:cNvPicPr>
+          <p:nvPr/>
+        </p:nvPicPr>
+        <p:blipFill>
+          <a:blip r:embed="rId2">
+            <a:extLst>
+              <a:ext uri="{28A0092B-C50C-407E-A947-70E740481C1C}">
+                <a14:useLocalDpi xmlns:a14="http://schemas.microsoft.com/office/drawing/2010/main" val="0"/>
+              </a:ext>
+            </a:extLst>
+          </a:blip>
+          <a:stretch>
+            <a:fillRect/>
+          </a:stretch>
+        </p:blipFill>
+        <p:spPr>
+          <a:xfrm>
+            <a:off x="561632" y="2418748"/>
+            <a:ext cx="4238296" cy="2171344"/>
+          </a:xfrm>
+          <a:prstGeom prst="rect">
+            <a:avLst/>
+          </a:prstGeom>
+        </p:spPr>
+      </p:pic>
+      <p:sp>
+        <p:nvSpPr>
+          <p:cNvPr id="29" name="文字方塊 28">
+            <a:extLst>
+              <a:ext uri="{FF2B5EF4-FFF2-40B4-BE49-F238E27FC236}">
+                <a16:creationId xmlns:a16="http://schemas.microsoft.com/office/drawing/2014/main" id="{C563AF33-BF96-41BD-96C5-010928A23767}"/>
+              </a:ext>
+            </a:extLst>
+          </p:cNvPr>
+          <p:cNvSpPr txBox="1"/>
+          <p:nvPr/>
+        </p:nvSpPr>
+        <p:spPr>
+          <a:xfrm>
+            <a:off x="1559496" y="5450488"/>
+            <a:ext cx="2088232" cy="369332"/>
+          </a:xfrm>
+          <a:prstGeom prst="rect">
+            <a:avLst/>
+          </a:prstGeom>
+          <a:noFill/>
+        </p:spPr>
+        <p:txBody>
+          <a:bodyPr wrap="square" rtlCol="0">
+            <a:spAutoFit/>
+          </a:bodyPr>
+          <a:lstStyle/>
+          <a:p>
+            <a:pPr algn="ctr"/>
+            <a:r>
+              <a:rPr lang="en-US" dirty="0"/>
+              <a:t>4.</a:t>
+            </a:r>
+            <a:r>
+              <a:rPr lang="zh-TW" altLang="en-US" dirty="0"/>
+              <a:t>保費繳法</a:t>
+            </a:r>
+            <a:endParaRPr lang="en-US" dirty="0">
+              <a:latin typeface="標楷體" panose="03000509000000000000" pitchFamily="65" charset="-120"/>
+              <a:ea typeface="標楷體" panose="03000509000000000000" pitchFamily="65" charset="-120"/>
+            </a:endParaRPr>
+          </a:p>
+        </p:txBody>
+      </p:sp>
+      <p:sp>
+        <p:nvSpPr>
+          <p:cNvPr id="30" name="文字方塊 29">
+            <a:extLst>
+              <a:ext uri="{FF2B5EF4-FFF2-40B4-BE49-F238E27FC236}">
+                <a16:creationId xmlns:a16="http://schemas.microsoft.com/office/drawing/2014/main" id="{B02807F9-2485-4F2E-8886-4798E9443ED1}"/>
+              </a:ext>
+            </a:extLst>
+          </p:cNvPr>
+          <p:cNvSpPr txBox="1"/>
+          <p:nvPr/>
+        </p:nvSpPr>
+        <p:spPr>
+          <a:xfrm>
+            <a:off x="7408656" y="5450488"/>
+            <a:ext cx="2340143" cy="369332"/>
+          </a:xfrm>
+          <a:prstGeom prst="rect">
+            <a:avLst/>
+          </a:prstGeom>
+          <a:noFill/>
+        </p:spPr>
+        <p:txBody>
+          <a:bodyPr wrap="square" rtlCol="0">
+            <a:spAutoFit/>
+          </a:bodyPr>
+          <a:lstStyle/>
+          <a:p>
+            <a:pPr algn="ctr"/>
+            <a:r>
+              <a:rPr lang="en-US"/>
+              <a:t>5.</a:t>
+            </a:r>
+            <a:r>
+              <a:rPr lang="zh-TW" altLang="en-US" dirty="0">
+                <a:latin typeface="標楷體" panose="03000509000000000000" pitchFamily="65" charset="-120"/>
+                <a:ea typeface="標楷體" panose="03000509000000000000" pitchFamily="65" charset="-120"/>
+              </a:rPr>
+              <a:t>各月份再購案件數</a:t>
+            </a:r>
+            <a:endParaRPr lang="en-US" dirty="0">
+              <a:latin typeface="標楷體" panose="03000509000000000000" pitchFamily="65" charset="-120"/>
+              <a:ea typeface="標楷體" panose="03000509000000000000" pitchFamily="65" charset="-120"/>
+            </a:endParaRPr>
+          </a:p>
+        </p:txBody>
+      </p:sp>
+      <p:pic>
+        <p:nvPicPr>
+          <p:cNvPr id="6" name="圖片 5">
+            <a:extLst>
+              <a:ext uri="{FF2B5EF4-FFF2-40B4-BE49-F238E27FC236}">
+                <a16:creationId xmlns:a16="http://schemas.microsoft.com/office/drawing/2014/main" id="{15CAFA45-5601-42CF-9599-440CF97102B0}"/>
+              </a:ext>
+            </a:extLst>
+          </p:cNvPr>
+          <p:cNvPicPr>
+            <a:picLocks noChangeAspect="1"/>
+          </p:cNvPicPr>
+          <p:nvPr/>
+        </p:nvPicPr>
+        <p:blipFill>
+          <a:blip r:embed="rId3"/>
+          <a:stretch>
+            <a:fillRect/>
+          </a:stretch>
+        </p:blipFill>
+        <p:spPr>
+          <a:xfrm>
+            <a:off x="4146123" y="2276872"/>
+            <a:ext cx="8045877" cy="2716582"/>
+          </a:xfrm>
+          <a:prstGeom prst="rect">
+            <a:avLst/>
+          </a:prstGeom>
+        </p:spPr>
+      </p:pic>
+    </p:spTree>
+    <p:extLst>
+      <p:ext uri="{BB962C8B-B14F-4D97-AF65-F5344CB8AC3E}">
+        <p14:creationId xmlns:p14="http://schemas.microsoft.com/office/powerpoint/2010/main" val="253791763"/>
+      </p:ext>
+    </p:extLst>
+  </p:cSld>
+  <p:clrMapOvr>
+    <a:masterClrMapping/>
+  </p:clrMapOvr>
+</p:sld>
+</file>
+
+<file path=ppt/slides/slide34.xml><?xml version="1.0" encoding="utf-8"?>
+<p:sld xmlns:a="http://schemas.openxmlformats.org/drawingml/2006/main" xmlns:r="http://schemas.openxmlformats.org/officeDocument/2006/relationships" xmlns:p="http://schemas.openxmlformats.org/presentationml/2006/main">
+  <p:cSld>
+    <p:spTree>
+      <p:nvGrpSpPr>
+        <p:cNvPr id="1" name=""/>
+        <p:cNvGrpSpPr/>
+        <p:nvPr/>
+      </p:nvGrpSpPr>
+      <p:grpSpPr>
+        <a:xfrm>
+          <a:off x="0" y="0"/>
+          <a:ext cx="0" cy="0"/>
+          <a:chOff x="0" y="0"/>
+          <a:chExt cx="0" cy="0"/>
+        </a:xfrm>
+      </p:grpSpPr>
+      <p:sp>
+        <p:nvSpPr>
+          <p:cNvPr id="4" name="投影片編號版面配置區 3">
+            <a:extLst>
+              <a:ext uri="{FF2B5EF4-FFF2-40B4-BE49-F238E27FC236}">
+                <a16:creationId xmlns:a16="http://schemas.microsoft.com/office/drawing/2014/main" id="{C5183A82-9DEB-4EC5-9C61-ADE694674CED}"/>
+              </a:ext>
+            </a:extLst>
+          </p:cNvPr>
+          <p:cNvSpPr>
+            <a:spLocks noGrp="1"/>
+          </p:cNvSpPr>
+          <p:nvPr>
+            <p:ph type="sldNum" sz="quarter" idx="12"/>
+          </p:nvPr>
+        </p:nvSpPr>
+        <p:spPr/>
+        <p:txBody>
+          <a:bodyPr/>
+          <a:lstStyle/>
+          <a:p>
+            <a:fld id="{BF8CE765-4F4E-465C-81D9-F9DA65D64035}" type="slidenum">
+              <a:rPr lang="zh-TW" altLang="en-US" smtClean="0"/>
+              <a:t>34</a:t>
             </a:fld>
             <a:endParaRPr lang="zh-TW" altLang="en-US"/>
           </a:p>
@@ -31166,7 +32372,7 @@
                 <a:ea typeface="標楷體" panose="03000509000000000000" pitchFamily="65" charset="-120"/>
                 <a:cs typeface="Times New Roman" panose="02020603050405020304" pitchFamily="18" charset="0"/>
               </a:rPr>
-              <a:t>的案件被保人等於事故人，其餘可能是家庭保單，因此取一位被保人當代表，而代表人並非事故人，因此產生被保人不等於是故人情況，因此理賠再購合併時應注意此種情況，避免漏掉再購。</a:t>
+              <a:t>的案件被保人等於事故人，其餘可能是家庭保單，因此取一位被保人當代表，而代表人並非事故人，因此產生被保人不等於事故人情況，因此理賠再購合併時應注意此種情況，避免漏掉再購。</a:t>
             </a:r>
             <a:endParaRPr lang="en-US" altLang="zh-TW" sz="2000" dirty="0">
               <a:latin typeface="Times New Roman" panose="02020603050405020304" pitchFamily="18" charset="0"/>
@@ -31954,6 +33160,384 @@
                 <a:schemeClr val="accent1"/>
               </a:solidFill>
               <a:latin typeface="Times New Roman" panose="02020603050405020304" pitchFamily="18" charset="0"/>
+              <a:cs typeface="Times New Roman" panose="02020603050405020304" pitchFamily="18" charset="0"/>
+            </a:endParaRPr>
+          </a:p>
+        </p:txBody>
+      </p:sp>
+      <p:sp>
+        <p:nvSpPr>
+          <p:cNvPr id="16" name="內容版面配置區 4">
+            <a:extLst>
+              <a:ext uri="{FF2B5EF4-FFF2-40B4-BE49-F238E27FC236}">
+                <a16:creationId xmlns:a16="http://schemas.microsoft.com/office/drawing/2014/main" id="{30FDAFFD-0152-4DBB-9763-E72E5B299397}"/>
+              </a:ext>
+            </a:extLst>
+          </p:cNvPr>
+          <p:cNvSpPr txBox="1">
+            <a:spLocks/>
+          </p:cNvSpPr>
+          <p:nvPr/>
+        </p:nvSpPr>
+        <p:spPr>
+          <a:xfrm>
+            <a:off x="609600" y="1556794"/>
+            <a:ext cx="10972800" cy="4936084"/>
+          </a:xfrm>
+          <a:prstGeom prst="rect">
+            <a:avLst/>
+          </a:prstGeom>
+        </p:spPr>
+        <p:txBody>
+          <a:bodyPr vert="horz" lIns="91440" tIns="45720" rIns="91440" bIns="45720" rtlCol="0">
+            <a:noAutofit/>
+          </a:bodyPr>
+          <a:lstStyle>
+            <a:lvl1pPr marL="342900" indent="-342900" algn="l" defTabSz="914400" rtl="0" eaLnBrk="1" latinLnBrk="0" hangingPunct="1">
+              <a:spcBef>
+                <a:spcPct val="20000"/>
+              </a:spcBef>
+              <a:buFont typeface="Arial" panose="020B0604020202020204" pitchFamily="34" charset="0"/>
+              <a:buChar char="•"/>
+              <a:defRPr sz="2400" kern="1200">
+                <a:solidFill>
+                  <a:schemeClr val="tx1"/>
+                </a:solidFill>
+                <a:latin typeface="微軟正黑體" panose="020B0604030504040204" pitchFamily="34" charset="-120"/>
+                <a:ea typeface="微軟正黑體" panose="020B0604030504040204" pitchFamily="34" charset="-120"/>
+                <a:cs typeface="+mn-cs"/>
+              </a:defRPr>
+            </a:lvl1pPr>
+            <a:lvl2pPr marL="742950" indent="-285750" algn="l" defTabSz="914400" rtl="0" eaLnBrk="1" latinLnBrk="0" hangingPunct="1">
+              <a:spcBef>
+                <a:spcPct val="20000"/>
+              </a:spcBef>
+              <a:buFont typeface="Arial" panose="020B0604020202020204" pitchFamily="34" charset="0"/>
+              <a:buChar char="–"/>
+              <a:defRPr sz="2400" kern="1200">
+                <a:solidFill>
+                  <a:schemeClr val="tx1"/>
+                </a:solidFill>
+                <a:latin typeface="微軟正黑體" panose="020B0604030504040204" pitchFamily="34" charset="-120"/>
+                <a:ea typeface="微軟正黑體" panose="020B0604030504040204" pitchFamily="34" charset="-120"/>
+                <a:cs typeface="+mn-cs"/>
+              </a:defRPr>
+            </a:lvl2pPr>
+            <a:lvl3pPr marL="1143000" indent="-228600" algn="l" defTabSz="914400" rtl="0" eaLnBrk="1" latinLnBrk="0" hangingPunct="1">
+              <a:spcBef>
+                <a:spcPct val="20000"/>
+              </a:spcBef>
+              <a:buFont typeface="Arial" panose="020B0604020202020204" pitchFamily="34" charset="0"/>
+              <a:buChar char="•"/>
+              <a:defRPr sz="2400" kern="1200">
+                <a:solidFill>
+                  <a:schemeClr val="tx1"/>
+                </a:solidFill>
+                <a:latin typeface="微軟正黑體" panose="020B0604030504040204" pitchFamily="34" charset="-120"/>
+                <a:ea typeface="微軟正黑體" panose="020B0604030504040204" pitchFamily="34" charset="-120"/>
+                <a:cs typeface="+mn-cs"/>
+              </a:defRPr>
+            </a:lvl3pPr>
+            <a:lvl4pPr marL="1600200" indent="-228600" algn="l" defTabSz="914400" rtl="0" eaLnBrk="1" latinLnBrk="0" hangingPunct="1">
+              <a:spcBef>
+                <a:spcPct val="20000"/>
+              </a:spcBef>
+              <a:buFont typeface="Arial" panose="020B0604020202020204" pitchFamily="34" charset="0"/>
+              <a:buChar char="–"/>
+              <a:defRPr sz="2400" kern="1200">
+                <a:solidFill>
+                  <a:schemeClr val="tx1"/>
+                </a:solidFill>
+                <a:latin typeface="微軟正黑體" panose="020B0604030504040204" pitchFamily="34" charset="-120"/>
+                <a:ea typeface="微軟正黑體" panose="020B0604030504040204" pitchFamily="34" charset="-120"/>
+                <a:cs typeface="+mn-cs"/>
+              </a:defRPr>
+            </a:lvl4pPr>
+            <a:lvl5pPr marL="2057400" indent="-228600" algn="l" defTabSz="914400" rtl="0" eaLnBrk="1" latinLnBrk="0" hangingPunct="1">
+              <a:spcBef>
+                <a:spcPct val="20000"/>
+              </a:spcBef>
+              <a:buFont typeface="Arial" panose="020B0604020202020204" pitchFamily="34" charset="0"/>
+              <a:buChar char="»"/>
+              <a:defRPr sz="2400" kern="1200">
+                <a:solidFill>
+                  <a:schemeClr val="tx1"/>
+                </a:solidFill>
+                <a:latin typeface="微軟正黑體" panose="020B0604030504040204" pitchFamily="34" charset="-120"/>
+                <a:ea typeface="微軟正黑體" panose="020B0604030504040204" pitchFamily="34" charset="-120"/>
+                <a:cs typeface="+mn-cs"/>
+              </a:defRPr>
+            </a:lvl5pPr>
+            <a:lvl6pPr marL="2514600" indent="-228600" algn="l" defTabSz="914400" rtl="0" eaLnBrk="1" latinLnBrk="0" hangingPunct="1">
+              <a:spcBef>
+                <a:spcPct val="20000"/>
+              </a:spcBef>
+              <a:buFont typeface="Arial" panose="020B0604020202020204" pitchFamily="34" charset="0"/>
+              <a:buChar char="•"/>
+              <a:defRPr sz="2000" kern="1200">
+                <a:solidFill>
+                  <a:schemeClr val="tx1"/>
+                </a:solidFill>
+                <a:latin typeface="+mn-lt"/>
+                <a:ea typeface="+mn-ea"/>
+                <a:cs typeface="+mn-cs"/>
+              </a:defRPr>
+            </a:lvl6pPr>
+            <a:lvl7pPr marL="2971800" indent="-228600" algn="l" defTabSz="914400" rtl="0" eaLnBrk="1" latinLnBrk="0" hangingPunct="1">
+              <a:spcBef>
+                <a:spcPct val="20000"/>
+              </a:spcBef>
+              <a:buFont typeface="Arial" panose="020B0604020202020204" pitchFamily="34" charset="0"/>
+              <a:buChar char="•"/>
+              <a:defRPr sz="2000" kern="1200">
+                <a:solidFill>
+                  <a:schemeClr val="tx1"/>
+                </a:solidFill>
+                <a:latin typeface="+mn-lt"/>
+                <a:ea typeface="+mn-ea"/>
+                <a:cs typeface="+mn-cs"/>
+              </a:defRPr>
+            </a:lvl7pPr>
+            <a:lvl8pPr marL="3429000" indent="-228600" algn="l" defTabSz="914400" rtl="0" eaLnBrk="1" latinLnBrk="0" hangingPunct="1">
+              <a:spcBef>
+                <a:spcPct val="20000"/>
+              </a:spcBef>
+              <a:buFont typeface="Arial" panose="020B0604020202020204" pitchFamily="34" charset="0"/>
+              <a:buChar char="•"/>
+              <a:defRPr sz="2000" kern="1200">
+                <a:solidFill>
+                  <a:schemeClr val="tx1"/>
+                </a:solidFill>
+                <a:latin typeface="+mn-lt"/>
+                <a:ea typeface="+mn-ea"/>
+                <a:cs typeface="+mn-cs"/>
+              </a:defRPr>
+            </a:lvl8pPr>
+            <a:lvl9pPr marL="3886200" indent="-228600" algn="l" defTabSz="914400" rtl="0" eaLnBrk="1" latinLnBrk="0" hangingPunct="1">
+              <a:spcBef>
+                <a:spcPct val="20000"/>
+              </a:spcBef>
+              <a:buFont typeface="Arial" panose="020B0604020202020204" pitchFamily="34" charset="0"/>
+              <a:buChar char="•"/>
+              <a:defRPr sz="2000" kern="1200">
+                <a:solidFill>
+                  <a:schemeClr val="tx1"/>
+                </a:solidFill>
+                <a:latin typeface="+mn-lt"/>
+                <a:ea typeface="+mn-ea"/>
+                <a:cs typeface="+mn-cs"/>
+              </a:defRPr>
+            </a:lvl9pPr>
+          </a:lstStyle>
+          <a:p>
+            <a:pPr>
+              <a:lnSpc>
+                <a:spcPct val="90000"/>
+              </a:lnSpc>
+              <a:spcBef>
+                <a:spcPts val="1000"/>
+              </a:spcBef>
+            </a:pPr>
+            <a:r>
+              <a:rPr lang="zh-TW" altLang="en-US" sz="2000" dirty="0">
+                <a:latin typeface="Times New Roman" panose="02020603050405020304" pitchFamily="18" charset="0"/>
+                <a:ea typeface="標楷體" panose="03000509000000000000" pitchFamily="65" charset="-120"/>
+                <a:cs typeface="Times New Roman" panose="02020603050405020304" pitchFamily="18" charset="0"/>
+              </a:rPr>
+              <a:t>共</a:t>
+            </a:r>
+            <a:r>
+              <a:rPr lang="en-US" altLang="zh-TW" sz="2000" dirty="0">
+                <a:latin typeface="Times New Roman" panose="02020603050405020304" pitchFamily="18" charset="0"/>
+                <a:ea typeface="標楷體" panose="03000509000000000000" pitchFamily="65" charset="-120"/>
+                <a:cs typeface="Times New Roman" panose="02020603050405020304" pitchFamily="18" charset="0"/>
+              </a:rPr>
+              <a:t>134472</a:t>
+            </a:r>
+            <a:r>
+              <a:rPr lang="zh-TW" altLang="en-US" sz="2000" dirty="0">
+                <a:latin typeface="Times New Roman" panose="02020603050405020304" pitchFamily="18" charset="0"/>
+                <a:ea typeface="標楷體" panose="03000509000000000000" pitchFamily="65" charset="-120"/>
+                <a:cs typeface="Times New Roman" panose="02020603050405020304" pitchFamily="18" charset="0"/>
+              </a:rPr>
+              <a:t>筆資料，</a:t>
+            </a:r>
+            <a:r>
+              <a:rPr lang="en-US" altLang="zh-TW" sz="2000" dirty="0">
+                <a:latin typeface="Times New Roman" panose="02020603050405020304" pitchFamily="18" charset="0"/>
+                <a:ea typeface="標楷體" panose="03000509000000000000" pitchFamily="65" charset="-120"/>
+                <a:cs typeface="Times New Roman" panose="02020603050405020304" pitchFamily="18" charset="0"/>
+              </a:rPr>
+              <a:t>11</a:t>
+            </a:r>
+            <a:r>
+              <a:rPr lang="zh-TW" altLang="en-US" sz="2000" dirty="0">
+                <a:latin typeface="Times New Roman" panose="02020603050405020304" pitchFamily="18" charset="0"/>
+                <a:ea typeface="標楷體" panose="03000509000000000000" pitchFamily="65" charset="-120"/>
+                <a:cs typeface="Times New Roman" panose="02020603050405020304" pitchFamily="18" charset="0"/>
+              </a:rPr>
+              <a:t>個</a:t>
+            </a:r>
+            <a:r>
+              <a:rPr lang="en-US" altLang="zh-TW" sz="2000" dirty="0">
+                <a:latin typeface="Times New Roman" panose="02020603050405020304" pitchFamily="18" charset="0"/>
+                <a:ea typeface="標楷體" panose="03000509000000000000" pitchFamily="65" charset="-120"/>
+                <a:cs typeface="Times New Roman" panose="02020603050405020304" pitchFamily="18" charset="0"/>
+              </a:rPr>
+              <a:t>feature</a:t>
+            </a:r>
+          </a:p>
+          <a:p>
+            <a:pPr>
+              <a:lnSpc>
+                <a:spcPct val="90000"/>
+              </a:lnSpc>
+              <a:spcBef>
+                <a:spcPts val="1000"/>
+              </a:spcBef>
+            </a:pPr>
+            <a:r>
+              <a:rPr lang="zh-TW" altLang="en-US" sz="2000" dirty="0">
+                <a:latin typeface="Times New Roman" panose="02020603050405020304" pitchFamily="18" charset="0"/>
+                <a:ea typeface="標楷體" panose="03000509000000000000" pitchFamily="65" charset="-120"/>
+                <a:cs typeface="Times New Roman" panose="02020603050405020304" pitchFamily="18" charset="0"/>
+              </a:rPr>
+              <a:t>再購檔的資料是</a:t>
+            </a:r>
+            <a:r>
+              <a:rPr lang="en-US" altLang="zh-TW" sz="2000" dirty="0">
+                <a:latin typeface="Times New Roman" panose="02020603050405020304" pitchFamily="18" charset="0"/>
+                <a:ea typeface="標楷體" panose="03000509000000000000" pitchFamily="65" charset="-120"/>
+                <a:cs typeface="Times New Roman" panose="02020603050405020304" pitchFamily="18" charset="0"/>
+              </a:rPr>
+              <a:t>Dependent Variable</a:t>
+            </a:r>
+            <a:r>
+              <a:rPr lang="zh-TW" altLang="en-US" sz="2000" dirty="0">
+                <a:latin typeface="Times New Roman" panose="02020603050405020304" pitchFamily="18" charset="0"/>
+                <a:ea typeface="標楷體" panose="03000509000000000000" pitchFamily="65" charset="-120"/>
+                <a:cs typeface="Times New Roman" panose="02020603050405020304" pitchFamily="18" charset="0"/>
+              </a:rPr>
+              <a:t>，可視所需來產生對應的</a:t>
+            </a:r>
+            <a:r>
+              <a:rPr lang="en-US" altLang="zh-TW" sz="2000" dirty="0">
+                <a:latin typeface="Times New Roman" panose="02020603050405020304" pitchFamily="18" charset="0"/>
+                <a:ea typeface="標楷體" panose="03000509000000000000" pitchFamily="65" charset="-120"/>
+                <a:cs typeface="Times New Roman" panose="02020603050405020304" pitchFamily="18" charset="0"/>
+              </a:rPr>
+              <a:t>Y</a:t>
+            </a:r>
+            <a:r>
+              <a:rPr lang="zh-TW" altLang="en-US" sz="2000" dirty="0">
+                <a:latin typeface="Times New Roman" panose="02020603050405020304" pitchFamily="18" charset="0"/>
+                <a:ea typeface="標楷體" panose="03000509000000000000" pitchFamily="65" charset="-120"/>
+                <a:cs typeface="Times New Roman" panose="02020603050405020304" pitchFamily="18" charset="0"/>
+              </a:rPr>
+              <a:t>，例如是否再購、再購什麼</a:t>
+            </a:r>
+            <a:r>
+              <a:rPr lang="en-US" altLang="zh-TW" sz="2000" dirty="0">
+                <a:latin typeface="Times New Roman" panose="02020603050405020304" pitchFamily="18" charset="0"/>
+                <a:ea typeface="標楷體" panose="03000509000000000000" pitchFamily="65" charset="-120"/>
+                <a:cs typeface="Times New Roman" panose="02020603050405020304" pitchFamily="18" charset="0"/>
+              </a:rPr>
+              <a:t>…</a:t>
+            </a:r>
+            <a:r>
+              <a:rPr lang="zh-TW" altLang="en-US" sz="2000" dirty="0">
+                <a:latin typeface="Times New Roman" panose="02020603050405020304" pitchFamily="18" charset="0"/>
+                <a:ea typeface="標楷體" panose="03000509000000000000" pitchFamily="65" charset="-120"/>
+                <a:cs typeface="Times New Roman" panose="02020603050405020304" pitchFamily="18" charset="0"/>
+              </a:rPr>
+              <a:t>等。</a:t>
+            </a:r>
+            <a:endParaRPr lang="en-US" altLang="zh-TW" sz="2000" dirty="0">
+              <a:latin typeface="Times New Roman" panose="02020603050405020304" pitchFamily="18" charset="0"/>
+              <a:ea typeface="標楷體" panose="03000509000000000000" pitchFamily="65" charset="-120"/>
+              <a:cs typeface="Times New Roman" panose="02020603050405020304" pitchFamily="18" charset="0"/>
+            </a:endParaRPr>
+          </a:p>
+          <a:p>
+            <a:pPr>
+              <a:lnSpc>
+                <a:spcPct val="90000"/>
+              </a:lnSpc>
+              <a:spcBef>
+                <a:spcPts val="1000"/>
+              </a:spcBef>
+            </a:pPr>
+            <a:r>
+              <a:rPr lang="zh-TW" altLang="en-US" sz="2000" dirty="0">
+                <a:latin typeface="Times New Roman" panose="02020603050405020304" pitchFamily="18" charset="0"/>
+                <a:ea typeface="標楷體" panose="03000509000000000000" pitchFamily="65" charset="-120"/>
+                <a:cs typeface="Times New Roman" panose="02020603050405020304" pitchFamily="18" charset="0"/>
+              </a:rPr>
+              <a:t>產品細項欄位有多項只有一筆資料，是否該刪除此類資料</a:t>
+            </a:r>
+            <a:r>
+              <a:rPr lang="en-US" altLang="zh-TW" sz="2000" dirty="0">
+                <a:latin typeface="Times New Roman" panose="02020603050405020304" pitchFamily="18" charset="0"/>
+                <a:ea typeface="標楷體" panose="03000509000000000000" pitchFamily="65" charset="-120"/>
+                <a:cs typeface="Times New Roman" panose="02020603050405020304" pitchFamily="18" charset="0"/>
+              </a:rPr>
+              <a:t>?</a:t>
+            </a:r>
+          </a:p>
+          <a:p>
+            <a:pPr>
+              <a:lnSpc>
+                <a:spcPct val="90000"/>
+              </a:lnSpc>
+              <a:spcBef>
+                <a:spcPts val="1000"/>
+              </a:spcBef>
+            </a:pPr>
+            <a:r>
+              <a:rPr lang="zh-TW" altLang="en-US" sz="2000" dirty="0">
+                <a:latin typeface="Times New Roman" panose="02020603050405020304" pitchFamily="18" charset="0"/>
+                <a:ea typeface="標楷體" panose="03000509000000000000" pitchFamily="65" charset="-120"/>
+                <a:cs typeface="Times New Roman" panose="02020603050405020304" pitchFamily="18" charset="0"/>
+              </a:rPr>
+              <a:t>大多數保單生效日在</a:t>
+            </a:r>
+            <a:r>
+              <a:rPr lang="en-US" altLang="zh-TW" sz="2000" dirty="0">
+                <a:latin typeface="Times New Roman" panose="02020603050405020304" pitchFamily="18" charset="0"/>
+                <a:ea typeface="標楷體" panose="03000509000000000000" pitchFamily="65" charset="-120"/>
+                <a:cs typeface="Times New Roman" panose="02020603050405020304" pitchFamily="18" charset="0"/>
+              </a:rPr>
+              <a:t>3~6</a:t>
+            </a:r>
+            <a:r>
+              <a:rPr lang="zh-TW" altLang="en-US" sz="2000" dirty="0">
+                <a:latin typeface="Times New Roman" panose="02020603050405020304" pitchFamily="18" charset="0"/>
+                <a:ea typeface="標楷體" panose="03000509000000000000" pitchFamily="65" charset="-120"/>
+                <a:cs typeface="Times New Roman" panose="02020603050405020304" pitchFamily="18" charset="0"/>
+              </a:rPr>
+              <a:t>月，是否有什麼經濟意義</a:t>
+            </a:r>
+            <a:r>
+              <a:rPr lang="en-US" altLang="zh-TW" sz="2000" dirty="0">
+                <a:latin typeface="Times New Roman" panose="02020603050405020304" pitchFamily="18" charset="0"/>
+                <a:ea typeface="標楷體" panose="03000509000000000000" pitchFamily="65" charset="-120"/>
+                <a:cs typeface="Times New Roman" panose="02020603050405020304" pitchFamily="18" charset="0"/>
+              </a:rPr>
+              <a:t>?</a:t>
+            </a:r>
+          </a:p>
+          <a:p>
+            <a:pPr>
+              <a:lnSpc>
+                <a:spcPct val="90000"/>
+              </a:lnSpc>
+              <a:spcBef>
+                <a:spcPts val="1000"/>
+              </a:spcBef>
+            </a:pPr>
+            <a:endParaRPr lang="en-US" altLang="zh-TW" sz="2000" dirty="0">
+              <a:latin typeface="Times New Roman" panose="02020603050405020304" pitchFamily="18" charset="0"/>
+              <a:ea typeface="標楷體" panose="03000509000000000000" pitchFamily="65" charset="-120"/>
               <a:cs typeface="Times New Roman" panose="02020603050405020304" pitchFamily="18" charset="0"/>
             </a:endParaRPr>
           </a:p>

--- a/南山_題目一_組別二.pptx
+++ b/南山_題目一_組別二.pptx
@@ -7,10 +7,10 @@
     <p:sldMasterId id="2147483732" r:id="rId3"/>
   </p:sldMasterIdLst>
   <p:notesMasterIdLst>
-    <p:notesMasterId r:id="rId38"/>
+    <p:notesMasterId r:id="rId41"/>
   </p:notesMasterIdLst>
   <p:handoutMasterIdLst>
-    <p:handoutMasterId r:id="rId39"/>
+    <p:handoutMasterId r:id="rId42"/>
   </p:handoutMasterIdLst>
   <p:sldIdLst>
     <p:sldId id="393" r:id="rId4"/>
@@ -43,10 +43,13 @@
     <p:sldId id="425" r:id="rId31"/>
     <p:sldId id="426" r:id="rId32"/>
     <p:sldId id="427" r:id="rId33"/>
-    <p:sldId id="424" r:id="rId34"/>
-    <p:sldId id="429" r:id="rId35"/>
-    <p:sldId id="428" r:id="rId36"/>
-    <p:sldId id="422" r:id="rId37"/>
+    <p:sldId id="430" r:id="rId34"/>
+    <p:sldId id="424" r:id="rId35"/>
+    <p:sldId id="429" r:id="rId36"/>
+    <p:sldId id="428" r:id="rId37"/>
+    <p:sldId id="431" r:id="rId38"/>
+    <p:sldId id="432" r:id="rId39"/>
+    <p:sldId id="422" r:id="rId40"/>
   </p:sldIdLst>
   <p:sldSz cx="12192000" cy="6858000"/>
   <p:notesSz cx="6735763" cy="9866313"/>
@@ -246,7 +249,7 @@
           <a:p>
             <a:fld id="{3D523724-7DCC-44FC-B192-0450E89EDEAE}" type="datetimeFigureOut">
               <a:rPr lang="zh-TW" altLang="en-US" smtClean="0"/>
-              <a:t>2020/6/18</a:t>
+              <a:t>2020/6/19</a:t>
             </a:fld>
             <a:endParaRPr lang="zh-TW" altLang="en-US"/>
           </a:p>
@@ -411,7 +414,7 @@
           <a:p>
             <a:fld id="{33C6E176-6976-46F5-862E-5E9B90003857}" type="datetimeFigureOut">
               <a:rPr lang="zh-TW" altLang="en-US" smtClean="0"/>
-              <a:t>2020/6/18</a:t>
+              <a:t>2020/6/19</a:t>
             </a:fld>
             <a:endParaRPr lang="zh-TW" altLang="en-US"/>
           </a:p>
@@ -27515,7 +27518,7 @@
         <p:spPr>
           <a:xfrm>
             <a:off x="399716" y="594739"/>
-            <a:ext cx="2569293" cy="338554"/>
+            <a:ext cx="2158924" cy="338554"/>
           </a:xfrm>
           <a:prstGeom prst="rect">
             <a:avLst/>
@@ -27574,7 +27577,7 @@
                 <a:ea typeface="標楷體" panose="03000509000000000000" pitchFamily="65" charset="-120"/>
                 <a:cs typeface="Times New Roman" panose="02020603050405020304" pitchFamily="18" charset="0"/>
               </a:rPr>
-              <a:t>再購明細檔</a:t>
+              <a:t>理賠檔</a:t>
             </a:r>
             <a:r>
               <a:rPr lang="en-US" altLang="zh-TW" sz="1600" b="1" kern="100" dirty="0">
@@ -27589,84 +27592,10 @@
           </a:p>
         </p:txBody>
       </p:sp>
-      <p:pic>
-        <p:nvPicPr>
-          <p:cNvPr id="2" name="圖片 1">
-            <a:extLst>
-              <a:ext uri="{FF2B5EF4-FFF2-40B4-BE49-F238E27FC236}">
-                <a16:creationId xmlns:a16="http://schemas.microsoft.com/office/drawing/2014/main" id="{24B8EC4F-BD60-4337-95A9-D9F05D6BEADC}"/>
-              </a:ext>
-            </a:extLst>
-          </p:cNvPr>
-          <p:cNvPicPr>
-            <a:picLocks noChangeAspect="1"/>
-          </p:cNvPicPr>
-          <p:nvPr/>
-        </p:nvPicPr>
-        <p:blipFill>
-          <a:blip r:embed="rId2"/>
-          <a:stretch>
-            <a:fillRect/>
-          </a:stretch>
-        </p:blipFill>
-        <p:spPr>
-          <a:xfrm>
-            <a:off x="1622195" y="1711236"/>
-            <a:ext cx="8947610" cy="3435527"/>
-          </a:xfrm>
-          <a:prstGeom prst="rect">
-            <a:avLst/>
-          </a:prstGeom>
-        </p:spPr>
-      </p:pic>
-      <p:sp>
-        <p:nvSpPr>
-          <p:cNvPr id="16" name="文字方塊 15">
-            <a:extLst>
-              <a:ext uri="{FF2B5EF4-FFF2-40B4-BE49-F238E27FC236}">
-                <a16:creationId xmlns:a16="http://schemas.microsoft.com/office/drawing/2014/main" id="{E3C8828F-A2B3-4504-BE16-166BC3785E6F}"/>
-              </a:ext>
-            </a:extLst>
-          </p:cNvPr>
-          <p:cNvSpPr txBox="1"/>
-          <p:nvPr/>
-        </p:nvSpPr>
-        <p:spPr>
-          <a:xfrm>
-            <a:off x="4655840" y="5450488"/>
-            <a:ext cx="2088232" cy="369332"/>
-          </a:xfrm>
-          <a:prstGeom prst="rect">
-            <a:avLst/>
-          </a:prstGeom>
-          <a:noFill/>
-        </p:spPr>
-        <p:txBody>
-          <a:bodyPr wrap="square" rtlCol="0">
-            <a:spAutoFit/>
-          </a:bodyPr>
-          <a:lstStyle/>
-          <a:p>
-            <a:pPr algn="ctr"/>
-            <a:r>
-              <a:rPr lang="en-US" dirty="0"/>
-              <a:t>1.</a:t>
-            </a:r>
-            <a:r>
-              <a:rPr lang="zh-TW" altLang="en-US" dirty="0"/>
-              <a:t>欄位說明</a:t>
-            </a:r>
-            <a:endParaRPr lang="en-US" dirty="0">
-              <a:latin typeface="標楷體" panose="03000509000000000000" pitchFamily="65" charset="-120"/>
-              <a:ea typeface="標楷體" panose="03000509000000000000" pitchFamily="65" charset="-120"/>
-            </a:endParaRPr>
-          </a:p>
-        </p:txBody>
-      </p:sp>
     </p:spTree>
     <p:extLst>
       <p:ext uri="{BB962C8B-B14F-4D97-AF65-F5344CB8AC3E}">
-        <p14:creationId xmlns:p14="http://schemas.microsoft.com/office/powerpoint/2010/main" val="123997039"/>
+        <p14:creationId xmlns:p14="http://schemas.microsoft.com/office/powerpoint/2010/main" val="3407198322"/>
       </p:ext>
     </p:extLst>
   </p:cSld>
@@ -28400,10 +28329,10 @@
       </p:sp>
       <p:pic>
         <p:nvPicPr>
-          <p:cNvPr id="3" name="圖片 2">
-            <a:extLst>
-              <a:ext uri="{FF2B5EF4-FFF2-40B4-BE49-F238E27FC236}">
-                <a16:creationId xmlns:a16="http://schemas.microsoft.com/office/drawing/2014/main" id="{087760FF-99DC-4061-BCDC-D262949B4A46}"/>
+          <p:cNvPr id="2" name="圖片 1">
+            <a:extLst>
+              <a:ext uri="{FF2B5EF4-FFF2-40B4-BE49-F238E27FC236}">
+                <a16:creationId xmlns:a16="http://schemas.microsoft.com/office/drawing/2014/main" id="{24B8EC4F-BD60-4337-95A9-D9F05D6BEADC}"/>
               </a:ext>
             </a:extLst>
           </p:cNvPr>
@@ -28420,50 +28349,20 @@
         </p:blipFill>
         <p:spPr>
           <a:xfrm>
-            <a:off x="561632" y="1916832"/>
-            <a:ext cx="4238296" cy="3175177"/>
+            <a:off x="1622195" y="1711236"/>
+            <a:ext cx="8947610" cy="3435527"/>
           </a:xfrm>
           <a:prstGeom prst="rect">
             <a:avLst/>
           </a:prstGeom>
         </p:spPr>
       </p:pic>
-      <p:pic>
-        <p:nvPicPr>
-          <p:cNvPr id="5" name="圖片 4">
-            <a:extLst>
-              <a:ext uri="{FF2B5EF4-FFF2-40B4-BE49-F238E27FC236}">
-                <a16:creationId xmlns:a16="http://schemas.microsoft.com/office/drawing/2014/main" id="{23F4E192-F742-4997-AF40-F37B60631B57}"/>
-              </a:ext>
-            </a:extLst>
-          </p:cNvPr>
-          <p:cNvPicPr>
-            <a:picLocks noChangeAspect="1"/>
-          </p:cNvPicPr>
-          <p:nvPr/>
-        </p:nvPicPr>
-        <p:blipFill>
-          <a:blip r:embed="rId3"/>
-          <a:stretch>
-            <a:fillRect/>
-          </a:stretch>
-        </p:blipFill>
-        <p:spPr>
-          <a:xfrm>
-            <a:off x="5792397" y="2204864"/>
-            <a:ext cx="5536517" cy="2267970"/>
-          </a:xfrm>
-          <a:prstGeom prst="rect">
-            <a:avLst/>
-          </a:prstGeom>
-        </p:spPr>
-      </p:pic>
-      <p:sp>
-        <p:nvSpPr>
-          <p:cNvPr id="29" name="文字方塊 28">
-            <a:extLst>
-              <a:ext uri="{FF2B5EF4-FFF2-40B4-BE49-F238E27FC236}">
-                <a16:creationId xmlns:a16="http://schemas.microsoft.com/office/drawing/2014/main" id="{C563AF33-BF96-41BD-96C5-010928A23767}"/>
+      <p:sp>
+        <p:nvSpPr>
+          <p:cNvPr id="16" name="文字方塊 15">
+            <a:extLst>
+              <a:ext uri="{FF2B5EF4-FFF2-40B4-BE49-F238E27FC236}">
+                <a16:creationId xmlns:a16="http://schemas.microsoft.com/office/drawing/2014/main" id="{E3C8828F-A2B3-4504-BE16-166BC3785E6F}"/>
               </a:ext>
             </a:extLst>
           </p:cNvPr>
@@ -28472,7 +28371,7 @@
         </p:nvSpPr>
         <p:spPr>
           <a:xfrm>
-            <a:off x="1559496" y="5450488"/>
+            <a:off x="4655840" y="5450488"/>
             <a:ext cx="2088232" cy="369332"/>
           </a:xfrm>
           <a:prstGeom prst="rect">
@@ -28489,11 +28388,11 @@
             <a:pPr algn="ctr"/>
             <a:r>
               <a:rPr lang="en-US" dirty="0"/>
-              <a:t>2.</a:t>
-            </a:r>
-            <a:r>
-              <a:rPr lang="en-US" altLang="zh-TW" dirty="0"/>
-              <a:t>Missing Value</a:t>
+              <a:t>1.</a:t>
+            </a:r>
+            <a:r>
+              <a:rPr lang="zh-TW" altLang="en-US" dirty="0"/>
+              <a:t>欄位說明</a:t>
             </a:r>
             <a:endParaRPr lang="en-US" dirty="0">
               <a:latin typeface="標楷體" panose="03000509000000000000" pitchFamily="65" charset="-120"/>
@@ -28502,57 +28401,10 @@
           </a:p>
         </p:txBody>
       </p:sp>
-      <p:sp>
-        <p:nvSpPr>
-          <p:cNvPr id="30" name="文字方塊 29">
-            <a:extLst>
-              <a:ext uri="{FF2B5EF4-FFF2-40B4-BE49-F238E27FC236}">
-                <a16:creationId xmlns:a16="http://schemas.microsoft.com/office/drawing/2014/main" id="{B02807F9-2485-4F2E-8886-4798E9443ED1}"/>
-              </a:ext>
-            </a:extLst>
-          </p:cNvPr>
-          <p:cNvSpPr txBox="1"/>
-          <p:nvPr/>
-        </p:nvSpPr>
-        <p:spPr>
-          <a:xfrm>
-            <a:off x="7408657" y="5450488"/>
-            <a:ext cx="2088232" cy="369332"/>
-          </a:xfrm>
-          <a:prstGeom prst="rect">
-            <a:avLst/>
-          </a:prstGeom>
-          <a:noFill/>
-        </p:spPr>
-        <p:txBody>
-          <a:bodyPr wrap="square" rtlCol="0">
-            <a:spAutoFit/>
-          </a:bodyPr>
-          <a:lstStyle/>
-          <a:p>
-            <a:pPr algn="ctr"/>
-            <a:r>
-              <a:rPr lang="en-US" dirty="0"/>
-              <a:t>3.</a:t>
-            </a:r>
-            <a:r>
-              <a:rPr lang="zh-TW" altLang="en-US" dirty="0">
-                <a:latin typeface="標楷體" panose="03000509000000000000" pitchFamily="65" charset="-120"/>
-                <a:ea typeface="標楷體" panose="03000509000000000000" pitchFamily="65" charset="-120"/>
-              </a:rPr>
-              <a:t>主、附約數量</a:t>
-            </a:r>
-            <a:endParaRPr lang="en-US" dirty="0">
-              <a:latin typeface="標楷體" panose="03000509000000000000" pitchFamily="65" charset="-120"/>
-              <a:ea typeface="標楷體" panose="03000509000000000000" pitchFamily="65" charset="-120"/>
-            </a:endParaRPr>
-          </a:p>
-        </p:txBody>
-      </p:sp>
     </p:spTree>
     <p:extLst>
       <p:ext uri="{BB962C8B-B14F-4D97-AF65-F5344CB8AC3E}">
-        <p14:creationId xmlns:p14="http://schemas.microsoft.com/office/powerpoint/2010/main" val="2587734140"/>
+        <p14:creationId xmlns:p14="http://schemas.microsoft.com/office/powerpoint/2010/main" val="123997039"/>
       </p:ext>
     </p:extLst>
   </p:cSld>
@@ -29299,124 +29151,27 @@
           <p:nvPr/>
         </p:nvPicPr>
         <p:blipFill>
-          <a:blip r:embed="rId2">
-            <a:extLst>
-              <a:ext uri="{28A0092B-C50C-407E-A947-70E740481C1C}">
-                <a14:useLocalDpi xmlns:a14="http://schemas.microsoft.com/office/drawing/2010/main" val="0"/>
-              </a:ext>
-            </a:extLst>
-          </a:blip>
+          <a:blip r:embed="rId2"/>
           <a:stretch>
             <a:fillRect/>
           </a:stretch>
         </p:blipFill>
         <p:spPr>
           <a:xfrm>
-            <a:off x="561632" y="2418748"/>
-            <a:ext cx="4238296" cy="2171344"/>
+            <a:off x="561632" y="1916832"/>
+            <a:ext cx="4238296" cy="3175177"/>
           </a:xfrm>
           <a:prstGeom prst="rect">
             <a:avLst/>
           </a:prstGeom>
         </p:spPr>
       </p:pic>
-      <p:sp>
-        <p:nvSpPr>
-          <p:cNvPr id="29" name="文字方塊 28">
-            <a:extLst>
-              <a:ext uri="{FF2B5EF4-FFF2-40B4-BE49-F238E27FC236}">
-                <a16:creationId xmlns:a16="http://schemas.microsoft.com/office/drawing/2014/main" id="{C563AF33-BF96-41BD-96C5-010928A23767}"/>
-              </a:ext>
-            </a:extLst>
-          </p:cNvPr>
-          <p:cNvSpPr txBox="1"/>
-          <p:nvPr/>
-        </p:nvSpPr>
-        <p:spPr>
-          <a:xfrm>
-            <a:off x="1559496" y="5450488"/>
-            <a:ext cx="2088232" cy="369332"/>
-          </a:xfrm>
-          <a:prstGeom prst="rect">
-            <a:avLst/>
-          </a:prstGeom>
-          <a:noFill/>
-        </p:spPr>
-        <p:txBody>
-          <a:bodyPr wrap="square" rtlCol="0">
-            <a:spAutoFit/>
-          </a:bodyPr>
-          <a:lstStyle/>
-          <a:p>
-            <a:pPr algn="ctr"/>
-            <a:r>
-              <a:rPr lang="en-US" dirty="0"/>
-              <a:t>4.</a:t>
-            </a:r>
-            <a:r>
-              <a:rPr lang="zh-TW" altLang="en-US" dirty="0"/>
-              <a:t>保費繳法</a:t>
-            </a:r>
-            <a:endParaRPr lang="en-US" dirty="0">
-              <a:latin typeface="標楷體" panose="03000509000000000000" pitchFamily="65" charset="-120"/>
-              <a:ea typeface="標楷體" panose="03000509000000000000" pitchFamily="65" charset="-120"/>
-            </a:endParaRPr>
-          </a:p>
-        </p:txBody>
-      </p:sp>
-      <p:sp>
-        <p:nvSpPr>
-          <p:cNvPr id="30" name="文字方塊 29">
-            <a:extLst>
-              <a:ext uri="{FF2B5EF4-FFF2-40B4-BE49-F238E27FC236}">
-                <a16:creationId xmlns:a16="http://schemas.microsoft.com/office/drawing/2014/main" id="{B02807F9-2485-4F2E-8886-4798E9443ED1}"/>
-              </a:ext>
-            </a:extLst>
-          </p:cNvPr>
-          <p:cNvSpPr txBox="1"/>
-          <p:nvPr/>
-        </p:nvSpPr>
-        <p:spPr>
-          <a:xfrm>
-            <a:off x="7408656" y="5450488"/>
-            <a:ext cx="2340143" cy="369332"/>
-          </a:xfrm>
-          <a:prstGeom prst="rect">
-            <a:avLst/>
-          </a:prstGeom>
-          <a:noFill/>
-        </p:spPr>
-        <p:txBody>
-          <a:bodyPr wrap="square" rtlCol="0">
-            <a:spAutoFit/>
-          </a:bodyPr>
-          <a:lstStyle/>
-          <a:p>
-            <a:pPr algn="ctr"/>
-            <a:r>
-              <a:rPr lang="en-US"/>
-              <a:t>5.</a:t>
-            </a:r>
-            <a:r>
-              <a:rPr lang="zh-TW" altLang="en-US" dirty="0">
-                <a:latin typeface="標楷體" panose="03000509000000000000" pitchFamily="65" charset="-120"/>
-                <a:ea typeface="標楷體" panose="03000509000000000000" pitchFamily="65" charset="-120"/>
-              </a:rPr>
-              <a:t>各月份再購案件數</a:t>
-            </a:r>
-            <a:endParaRPr lang="en-US" dirty="0">
-              <a:latin typeface="標楷體" panose="03000509000000000000" pitchFamily="65" charset="-120"/>
-              <a:ea typeface="標楷體" panose="03000509000000000000" pitchFamily="65" charset="-120"/>
-            </a:endParaRPr>
-          </a:p>
-        </p:txBody>
-      </p:sp>
       <p:pic>
         <p:nvPicPr>
-          <p:cNvPr id="6" name="圖片 5">
-            <a:extLst>
-              <a:ext uri="{FF2B5EF4-FFF2-40B4-BE49-F238E27FC236}">
-                <a16:creationId xmlns:a16="http://schemas.microsoft.com/office/drawing/2014/main" id="{15CAFA45-5601-42CF-9599-440CF97102B0}"/>
+          <p:cNvPr id="5" name="圖片 4">
+            <a:extLst>
+              <a:ext uri="{FF2B5EF4-FFF2-40B4-BE49-F238E27FC236}">
+                <a16:creationId xmlns:a16="http://schemas.microsoft.com/office/drawing/2014/main" id="{23F4E192-F742-4997-AF40-F37B60631B57}"/>
               </a:ext>
             </a:extLst>
           </p:cNvPr>
@@ -29433,18 +29188,109 @@
         </p:blipFill>
         <p:spPr>
           <a:xfrm>
-            <a:off x="4146123" y="2276872"/>
-            <a:ext cx="8045877" cy="2716582"/>
+            <a:off x="5792397" y="2204864"/>
+            <a:ext cx="5536517" cy="2267970"/>
           </a:xfrm>
           <a:prstGeom prst="rect">
             <a:avLst/>
           </a:prstGeom>
         </p:spPr>
       </p:pic>
+      <p:sp>
+        <p:nvSpPr>
+          <p:cNvPr id="29" name="文字方塊 28">
+            <a:extLst>
+              <a:ext uri="{FF2B5EF4-FFF2-40B4-BE49-F238E27FC236}">
+                <a16:creationId xmlns:a16="http://schemas.microsoft.com/office/drawing/2014/main" id="{C563AF33-BF96-41BD-96C5-010928A23767}"/>
+              </a:ext>
+            </a:extLst>
+          </p:cNvPr>
+          <p:cNvSpPr txBox="1"/>
+          <p:nvPr/>
+        </p:nvSpPr>
+        <p:spPr>
+          <a:xfrm>
+            <a:off x="1559496" y="5450488"/>
+            <a:ext cx="2088232" cy="369332"/>
+          </a:xfrm>
+          <a:prstGeom prst="rect">
+            <a:avLst/>
+          </a:prstGeom>
+          <a:noFill/>
+        </p:spPr>
+        <p:txBody>
+          <a:bodyPr wrap="square" rtlCol="0">
+            <a:spAutoFit/>
+          </a:bodyPr>
+          <a:lstStyle/>
+          <a:p>
+            <a:pPr algn="ctr"/>
+            <a:r>
+              <a:rPr lang="en-US" dirty="0"/>
+              <a:t>2.</a:t>
+            </a:r>
+            <a:r>
+              <a:rPr lang="en-US" altLang="zh-TW" dirty="0"/>
+              <a:t>Missing Value</a:t>
+            </a:r>
+            <a:endParaRPr lang="en-US" dirty="0">
+              <a:latin typeface="標楷體" panose="03000509000000000000" pitchFamily="65" charset="-120"/>
+              <a:ea typeface="標楷體" panose="03000509000000000000" pitchFamily="65" charset="-120"/>
+            </a:endParaRPr>
+          </a:p>
+        </p:txBody>
+      </p:sp>
+      <p:sp>
+        <p:nvSpPr>
+          <p:cNvPr id="30" name="文字方塊 29">
+            <a:extLst>
+              <a:ext uri="{FF2B5EF4-FFF2-40B4-BE49-F238E27FC236}">
+                <a16:creationId xmlns:a16="http://schemas.microsoft.com/office/drawing/2014/main" id="{B02807F9-2485-4F2E-8886-4798E9443ED1}"/>
+              </a:ext>
+            </a:extLst>
+          </p:cNvPr>
+          <p:cNvSpPr txBox="1"/>
+          <p:nvPr/>
+        </p:nvSpPr>
+        <p:spPr>
+          <a:xfrm>
+            <a:off x="7408657" y="5450488"/>
+            <a:ext cx="2088232" cy="369332"/>
+          </a:xfrm>
+          <a:prstGeom prst="rect">
+            <a:avLst/>
+          </a:prstGeom>
+          <a:noFill/>
+        </p:spPr>
+        <p:txBody>
+          <a:bodyPr wrap="square" rtlCol="0">
+            <a:spAutoFit/>
+          </a:bodyPr>
+          <a:lstStyle/>
+          <a:p>
+            <a:pPr algn="ctr"/>
+            <a:r>
+              <a:rPr lang="en-US" dirty="0"/>
+              <a:t>3.</a:t>
+            </a:r>
+            <a:r>
+              <a:rPr lang="zh-TW" altLang="en-US" dirty="0">
+                <a:latin typeface="標楷體" panose="03000509000000000000" pitchFamily="65" charset="-120"/>
+                <a:ea typeface="標楷體" panose="03000509000000000000" pitchFamily="65" charset="-120"/>
+              </a:rPr>
+              <a:t>主、附約數量</a:t>
+            </a:r>
+            <a:endParaRPr lang="en-US" dirty="0">
+              <a:latin typeface="標楷體" panose="03000509000000000000" pitchFamily="65" charset="-120"/>
+              <a:ea typeface="標楷體" panose="03000509000000000000" pitchFamily="65" charset="-120"/>
+            </a:endParaRPr>
+          </a:p>
+        </p:txBody>
+      </p:sp>
     </p:spTree>
     <p:extLst>
       <p:ext uri="{BB962C8B-B14F-4D97-AF65-F5344CB8AC3E}">
-        <p14:creationId xmlns:p14="http://schemas.microsoft.com/office/powerpoint/2010/main" val="253791763"/>
+        <p14:creationId xmlns:p14="http://schemas.microsoft.com/office/powerpoint/2010/main" val="2587734140"/>
       </p:ext>
     </p:extLst>
   </p:cSld>
@@ -29495,6 +29341,3048 @@
             <a:fld id="{BF8CE765-4F4E-465C-81D9-F9DA65D64035}" type="slidenum">
               <a:rPr lang="zh-TW" altLang="en-US" smtClean="0"/>
               <a:t>34</a:t>
+            </a:fld>
+            <a:endParaRPr lang="zh-TW" altLang="en-US"/>
+          </a:p>
+        </p:txBody>
+      </p:sp>
+      <p:sp>
+        <p:nvSpPr>
+          <p:cNvPr id="18" name="矩形 17">
+            <a:extLst>
+              <a:ext uri="{FF2B5EF4-FFF2-40B4-BE49-F238E27FC236}">
+                <a16:creationId xmlns:a16="http://schemas.microsoft.com/office/drawing/2014/main" id="{0FB3A394-9020-469D-91F6-68EEA700FA7B}"/>
+              </a:ext>
+            </a:extLst>
+          </p:cNvPr>
+          <p:cNvSpPr/>
+          <p:nvPr/>
+        </p:nvSpPr>
+        <p:spPr>
+          <a:xfrm>
+            <a:off x="-2880" y="0"/>
+            <a:ext cx="12191760" cy="381800"/>
+          </a:xfrm>
+          <a:prstGeom prst="rect">
+            <a:avLst/>
+          </a:prstGeom>
+          <a:solidFill>
+            <a:schemeClr val="bg1"/>
+          </a:solidFill>
+          <a:ln>
+            <a:solidFill>
+              <a:schemeClr val="bg1"/>
+            </a:solidFill>
+          </a:ln>
+        </p:spPr>
+        <p:style>
+          <a:lnRef idx="2">
+            <a:schemeClr val="accent1">
+              <a:shade val="50000"/>
+            </a:schemeClr>
+          </a:lnRef>
+          <a:fillRef idx="1">
+            <a:schemeClr val="accent1"/>
+          </a:fillRef>
+          <a:effectRef idx="0">
+            <a:schemeClr val="accent1"/>
+          </a:effectRef>
+          <a:fontRef idx="minor">
+            <a:schemeClr val="lt1"/>
+          </a:fontRef>
+        </p:style>
+        <p:txBody>
+          <a:bodyPr rtlCol="0" anchor="ctr"/>
+          <a:lstStyle/>
+          <a:p>
+            <a:pPr algn="ctr"/>
+            <a:endParaRPr lang="en-US"/>
+          </a:p>
+        </p:txBody>
+      </p:sp>
+      <p:sp>
+        <p:nvSpPr>
+          <p:cNvPr id="19" name="矩形 18">
+            <a:extLst>
+              <a:ext uri="{FF2B5EF4-FFF2-40B4-BE49-F238E27FC236}">
+                <a16:creationId xmlns:a16="http://schemas.microsoft.com/office/drawing/2014/main" id="{1B3F5A8A-595D-4FB4-87AE-9EABF3549FA3}"/>
+              </a:ext>
+            </a:extLst>
+          </p:cNvPr>
+          <p:cNvSpPr/>
+          <p:nvPr/>
+        </p:nvSpPr>
+        <p:spPr>
+          <a:xfrm>
+            <a:off x="9754560" y="0"/>
+            <a:ext cx="2437200" cy="381800"/>
+          </a:xfrm>
+          <a:prstGeom prst="rect">
+            <a:avLst/>
+          </a:prstGeom>
+          <a:solidFill>
+            <a:schemeClr val="tx1">
+              <a:lumMod val="75000"/>
+              <a:lumOff val="25000"/>
+              <a:alpha val="30000"/>
+            </a:schemeClr>
+          </a:solidFill>
+          <a:ln w="9525">
+            <a:solidFill>
+              <a:schemeClr val="tx1">
+                <a:lumMod val="50000"/>
+                <a:lumOff val="50000"/>
+              </a:schemeClr>
+            </a:solidFill>
+          </a:ln>
+        </p:spPr>
+        <p:style>
+          <a:lnRef idx="2">
+            <a:schemeClr val="accent3">
+              <a:shade val="50000"/>
+            </a:schemeClr>
+          </a:lnRef>
+          <a:fillRef idx="1">
+            <a:schemeClr val="accent3"/>
+          </a:fillRef>
+          <a:effectRef idx="0">
+            <a:schemeClr val="accent3"/>
+          </a:effectRef>
+          <a:fontRef idx="minor">
+            <a:schemeClr val="lt1"/>
+          </a:fontRef>
+        </p:style>
+        <p:txBody>
+          <a:bodyPr rtlCol="0" anchor="ctr"/>
+          <a:lstStyle/>
+          <a:p>
+            <a:pPr algn="ctr"/>
+            <a:endParaRPr lang="en-US"/>
+          </a:p>
+        </p:txBody>
+      </p:sp>
+      <p:sp>
+        <p:nvSpPr>
+          <p:cNvPr id="20" name="矩形 19">
+            <a:extLst>
+              <a:ext uri="{FF2B5EF4-FFF2-40B4-BE49-F238E27FC236}">
+                <a16:creationId xmlns:a16="http://schemas.microsoft.com/office/drawing/2014/main" id="{6AFEE53B-00F4-4C28-995D-F23DDC78F376}"/>
+              </a:ext>
+            </a:extLst>
+          </p:cNvPr>
+          <p:cNvSpPr/>
+          <p:nvPr/>
+        </p:nvSpPr>
+        <p:spPr>
+          <a:xfrm>
+            <a:off x="0" y="0"/>
+            <a:ext cx="2437200" cy="381800"/>
+          </a:xfrm>
+          <a:prstGeom prst="rect">
+            <a:avLst/>
+          </a:prstGeom>
+          <a:solidFill>
+            <a:schemeClr val="bg1"/>
+          </a:solidFill>
+          <a:ln w="9525">
+            <a:solidFill>
+              <a:schemeClr val="tx1">
+                <a:lumMod val="50000"/>
+                <a:lumOff val="50000"/>
+              </a:schemeClr>
+            </a:solidFill>
+          </a:ln>
+        </p:spPr>
+        <p:style>
+          <a:lnRef idx="2">
+            <a:schemeClr val="accent3">
+              <a:shade val="50000"/>
+            </a:schemeClr>
+          </a:lnRef>
+          <a:fillRef idx="1">
+            <a:schemeClr val="accent3"/>
+          </a:fillRef>
+          <a:effectRef idx="0">
+            <a:schemeClr val="accent3"/>
+          </a:effectRef>
+          <a:fontRef idx="minor">
+            <a:schemeClr val="lt1"/>
+          </a:fontRef>
+        </p:style>
+        <p:txBody>
+          <a:bodyPr rtlCol="0" anchor="ctr"/>
+          <a:lstStyle/>
+          <a:p>
+            <a:pPr algn="ctr"/>
+            <a:endParaRPr lang="en-US"/>
+          </a:p>
+        </p:txBody>
+      </p:sp>
+      <p:sp>
+        <p:nvSpPr>
+          <p:cNvPr id="21" name="矩形 20">
+            <a:extLst>
+              <a:ext uri="{FF2B5EF4-FFF2-40B4-BE49-F238E27FC236}">
+                <a16:creationId xmlns:a16="http://schemas.microsoft.com/office/drawing/2014/main" id="{E90642E8-2512-4DC0-9E3C-EA8FF78F5B36}"/>
+              </a:ext>
+            </a:extLst>
+          </p:cNvPr>
+          <p:cNvSpPr/>
+          <p:nvPr/>
+        </p:nvSpPr>
+        <p:spPr>
+          <a:xfrm>
+            <a:off x="91057" y="44624"/>
+            <a:ext cx="2303999" cy="307777"/>
+          </a:xfrm>
+          <a:prstGeom prst="rect">
+            <a:avLst/>
+          </a:prstGeom>
+          <a:ln w="9525">
+            <a:noFill/>
+          </a:ln>
+        </p:spPr>
+        <p:txBody>
+          <a:bodyPr wrap="square">
+            <a:spAutoFit/>
+          </a:bodyPr>
+          <a:lstStyle/>
+          <a:p>
+            <a:pPr algn="ctr"/>
+            <a:r>
+              <a:rPr lang="en-US" altLang="zh-CN" sz="1400" b="1" kern="100" dirty="0">
+                <a:solidFill>
+                  <a:schemeClr val="accent1"/>
+                </a:solidFill>
+                <a:latin typeface="Times New Roman" panose="02020603050405020304" pitchFamily="18" charset="0"/>
+                <a:cs typeface="Times New Roman" panose="02020603050405020304" pitchFamily="18" charset="0"/>
+              </a:rPr>
+              <a:t>Research Question</a:t>
+            </a:r>
+          </a:p>
+        </p:txBody>
+      </p:sp>
+      <p:sp>
+        <p:nvSpPr>
+          <p:cNvPr id="22" name="矩形 21">
+            <a:extLst>
+              <a:ext uri="{FF2B5EF4-FFF2-40B4-BE49-F238E27FC236}">
+                <a16:creationId xmlns:a16="http://schemas.microsoft.com/office/drawing/2014/main" id="{06A2820E-A5C8-49A8-A65E-659F8CDDCC27}"/>
+              </a:ext>
+            </a:extLst>
+          </p:cNvPr>
+          <p:cNvSpPr/>
+          <p:nvPr/>
+        </p:nvSpPr>
+        <p:spPr>
+          <a:xfrm>
+            <a:off x="2437200" y="0"/>
+            <a:ext cx="2437200" cy="381800"/>
+          </a:xfrm>
+          <a:prstGeom prst="rect">
+            <a:avLst/>
+          </a:prstGeom>
+          <a:solidFill>
+            <a:schemeClr val="bg1">
+              <a:alpha val="30000"/>
+            </a:schemeClr>
+          </a:solidFill>
+          <a:ln w="9525">
+            <a:solidFill>
+              <a:schemeClr val="tx1">
+                <a:lumMod val="50000"/>
+                <a:lumOff val="50000"/>
+              </a:schemeClr>
+            </a:solidFill>
+          </a:ln>
+        </p:spPr>
+        <p:style>
+          <a:lnRef idx="2">
+            <a:schemeClr val="accent3">
+              <a:shade val="50000"/>
+            </a:schemeClr>
+          </a:lnRef>
+          <a:fillRef idx="1">
+            <a:schemeClr val="accent3"/>
+          </a:fillRef>
+          <a:effectRef idx="0">
+            <a:schemeClr val="accent3"/>
+          </a:effectRef>
+          <a:fontRef idx="minor">
+            <a:schemeClr val="lt1"/>
+          </a:fontRef>
+        </p:style>
+        <p:txBody>
+          <a:bodyPr rtlCol="0" anchor="ctr"/>
+          <a:lstStyle/>
+          <a:p>
+            <a:pPr algn="ctr"/>
+            <a:endParaRPr lang="en-US"/>
+          </a:p>
+        </p:txBody>
+      </p:sp>
+      <p:sp>
+        <p:nvSpPr>
+          <p:cNvPr id="23" name="矩形 22">
+            <a:extLst>
+              <a:ext uri="{FF2B5EF4-FFF2-40B4-BE49-F238E27FC236}">
+                <a16:creationId xmlns:a16="http://schemas.microsoft.com/office/drawing/2014/main" id="{0758C2A2-B485-4FAF-90D6-18FF9EFA4647}"/>
+              </a:ext>
+            </a:extLst>
+          </p:cNvPr>
+          <p:cNvSpPr/>
+          <p:nvPr/>
+        </p:nvSpPr>
+        <p:spPr>
+          <a:xfrm>
+            <a:off x="4874400" y="0"/>
+            <a:ext cx="2437200" cy="381800"/>
+          </a:xfrm>
+          <a:prstGeom prst="rect">
+            <a:avLst/>
+          </a:prstGeom>
+          <a:solidFill>
+            <a:schemeClr val="bg1">
+              <a:alpha val="30000"/>
+            </a:schemeClr>
+          </a:solidFill>
+          <a:ln w="9525">
+            <a:solidFill>
+              <a:schemeClr val="tx1">
+                <a:lumMod val="50000"/>
+                <a:lumOff val="50000"/>
+              </a:schemeClr>
+            </a:solidFill>
+          </a:ln>
+        </p:spPr>
+        <p:style>
+          <a:lnRef idx="2">
+            <a:schemeClr val="accent3">
+              <a:shade val="50000"/>
+            </a:schemeClr>
+          </a:lnRef>
+          <a:fillRef idx="1">
+            <a:schemeClr val="accent3"/>
+          </a:fillRef>
+          <a:effectRef idx="0">
+            <a:schemeClr val="accent3"/>
+          </a:effectRef>
+          <a:fontRef idx="minor">
+            <a:schemeClr val="lt1"/>
+          </a:fontRef>
+        </p:style>
+        <p:txBody>
+          <a:bodyPr rtlCol="0" anchor="ctr"/>
+          <a:lstStyle/>
+          <a:p>
+            <a:pPr algn="ctr"/>
+            <a:endParaRPr lang="en-US"/>
+          </a:p>
+        </p:txBody>
+      </p:sp>
+      <p:sp>
+        <p:nvSpPr>
+          <p:cNvPr id="24" name="矩形 23">
+            <a:extLst>
+              <a:ext uri="{FF2B5EF4-FFF2-40B4-BE49-F238E27FC236}">
+                <a16:creationId xmlns:a16="http://schemas.microsoft.com/office/drawing/2014/main" id="{879D0081-A729-47E8-8E14-ED65864460EF}"/>
+              </a:ext>
+            </a:extLst>
+          </p:cNvPr>
+          <p:cNvSpPr/>
+          <p:nvPr/>
+        </p:nvSpPr>
+        <p:spPr>
+          <a:xfrm>
+            <a:off x="4916544" y="44624"/>
+            <a:ext cx="2303999" cy="307777"/>
+          </a:xfrm>
+          <a:prstGeom prst="rect">
+            <a:avLst/>
+          </a:prstGeom>
+          <a:ln w="9525">
+            <a:noFill/>
+          </a:ln>
+        </p:spPr>
+        <p:txBody>
+          <a:bodyPr wrap="square">
+            <a:spAutoFit/>
+          </a:bodyPr>
+          <a:lstStyle/>
+          <a:p>
+            <a:pPr algn="ctr"/>
+            <a:r>
+              <a:rPr lang="en-US" altLang="zh-CN" sz="1400" b="1" kern="100" dirty="0">
+                <a:solidFill>
+                  <a:schemeClr val="accent1"/>
+                </a:solidFill>
+                <a:latin typeface="Times New Roman" panose="02020603050405020304" pitchFamily="18" charset="0"/>
+                <a:cs typeface="Times New Roman" panose="02020603050405020304" pitchFamily="18" charset="0"/>
+              </a:rPr>
+              <a:t>Data pre-processing</a:t>
+            </a:r>
+            <a:endParaRPr lang="zh-CN" altLang="zh-CN" sz="1400" b="1" kern="100" dirty="0">
+              <a:solidFill>
+                <a:schemeClr val="accent1"/>
+              </a:solidFill>
+              <a:latin typeface="Times New Roman" panose="02020603050405020304" pitchFamily="18" charset="0"/>
+              <a:cs typeface="Times New Roman" panose="02020603050405020304" pitchFamily="18" charset="0"/>
+            </a:endParaRPr>
+          </a:p>
+        </p:txBody>
+      </p:sp>
+      <p:sp>
+        <p:nvSpPr>
+          <p:cNvPr id="25" name="矩形 24">
+            <a:extLst>
+              <a:ext uri="{FF2B5EF4-FFF2-40B4-BE49-F238E27FC236}">
+                <a16:creationId xmlns:a16="http://schemas.microsoft.com/office/drawing/2014/main" id="{C990BE16-83C9-4750-AAB0-6E5B2A2FA773}"/>
+              </a:ext>
+            </a:extLst>
+          </p:cNvPr>
+          <p:cNvSpPr/>
+          <p:nvPr/>
+        </p:nvSpPr>
+        <p:spPr>
+          <a:xfrm>
+            <a:off x="7311600" y="0"/>
+            <a:ext cx="2437200" cy="381800"/>
+          </a:xfrm>
+          <a:prstGeom prst="rect">
+            <a:avLst/>
+          </a:prstGeom>
+          <a:solidFill>
+            <a:schemeClr val="bg1">
+              <a:alpha val="30000"/>
+            </a:schemeClr>
+          </a:solidFill>
+          <a:ln w="9525">
+            <a:solidFill>
+              <a:schemeClr val="tx1">
+                <a:lumMod val="50000"/>
+                <a:lumOff val="50000"/>
+              </a:schemeClr>
+            </a:solidFill>
+          </a:ln>
+        </p:spPr>
+        <p:style>
+          <a:lnRef idx="2">
+            <a:schemeClr val="accent3">
+              <a:shade val="50000"/>
+            </a:schemeClr>
+          </a:lnRef>
+          <a:fillRef idx="1">
+            <a:schemeClr val="accent3"/>
+          </a:fillRef>
+          <a:effectRef idx="0">
+            <a:schemeClr val="accent3"/>
+          </a:effectRef>
+          <a:fontRef idx="minor">
+            <a:schemeClr val="lt1"/>
+          </a:fontRef>
+        </p:style>
+        <p:txBody>
+          <a:bodyPr rtlCol="0" anchor="ctr"/>
+          <a:lstStyle/>
+          <a:p>
+            <a:pPr algn="ctr"/>
+            <a:endParaRPr lang="en-US"/>
+          </a:p>
+        </p:txBody>
+      </p:sp>
+      <p:sp>
+        <p:nvSpPr>
+          <p:cNvPr id="26" name="矩形 25">
+            <a:extLst>
+              <a:ext uri="{FF2B5EF4-FFF2-40B4-BE49-F238E27FC236}">
+                <a16:creationId xmlns:a16="http://schemas.microsoft.com/office/drawing/2014/main" id="{371EEEDB-FE8A-46FE-B5DE-83502475004A}"/>
+              </a:ext>
+            </a:extLst>
+          </p:cNvPr>
+          <p:cNvSpPr/>
+          <p:nvPr/>
+        </p:nvSpPr>
+        <p:spPr>
+          <a:xfrm>
+            <a:off x="7408657" y="33290"/>
+            <a:ext cx="2303999" cy="307777"/>
+          </a:xfrm>
+          <a:prstGeom prst="rect">
+            <a:avLst/>
+          </a:prstGeom>
+          <a:ln w="9525">
+            <a:noFill/>
+          </a:ln>
+        </p:spPr>
+        <p:txBody>
+          <a:bodyPr wrap="square">
+            <a:spAutoFit/>
+          </a:bodyPr>
+          <a:lstStyle/>
+          <a:p>
+            <a:pPr algn="ctr"/>
+            <a:r>
+              <a:rPr lang="en-US" altLang="zh-CN" sz="1400" b="1" kern="100" dirty="0">
+                <a:solidFill>
+                  <a:schemeClr val="accent1"/>
+                </a:solidFill>
+                <a:latin typeface="Times New Roman" panose="02020603050405020304" pitchFamily="18" charset="0"/>
+                <a:cs typeface="Times New Roman" panose="02020603050405020304" pitchFamily="18" charset="0"/>
+              </a:rPr>
+              <a:t>Model Training</a:t>
+            </a:r>
+            <a:endParaRPr lang="zh-CN" altLang="zh-CN" sz="1400" b="1" kern="100" dirty="0">
+              <a:solidFill>
+                <a:schemeClr val="accent1"/>
+              </a:solidFill>
+              <a:latin typeface="Times New Roman" panose="02020603050405020304" pitchFamily="18" charset="0"/>
+              <a:cs typeface="Times New Roman" panose="02020603050405020304" pitchFamily="18" charset="0"/>
+            </a:endParaRPr>
+          </a:p>
+        </p:txBody>
+      </p:sp>
+      <p:sp>
+        <p:nvSpPr>
+          <p:cNvPr id="27" name="矩形 26">
+            <a:extLst>
+              <a:ext uri="{FF2B5EF4-FFF2-40B4-BE49-F238E27FC236}">
+                <a16:creationId xmlns:a16="http://schemas.microsoft.com/office/drawing/2014/main" id="{DE395EB8-7179-4B43-99D4-156E65A700AC}"/>
+              </a:ext>
+            </a:extLst>
+          </p:cNvPr>
+          <p:cNvSpPr/>
+          <p:nvPr/>
+        </p:nvSpPr>
+        <p:spPr>
+          <a:xfrm>
+            <a:off x="9821160" y="44624"/>
+            <a:ext cx="2303999" cy="307777"/>
+          </a:xfrm>
+          <a:prstGeom prst="rect">
+            <a:avLst/>
+          </a:prstGeom>
+        </p:spPr>
+        <p:txBody>
+          <a:bodyPr wrap="square">
+            <a:spAutoFit/>
+          </a:bodyPr>
+          <a:lstStyle/>
+          <a:p>
+            <a:pPr algn="ctr"/>
+            <a:r>
+              <a:rPr lang="en-US" altLang="zh-CN" sz="1400" b="1" kern="100" dirty="0">
+                <a:solidFill>
+                  <a:schemeClr val="accent1"/>
+                </a:solidFill>
+                <a:latin typeface="Times New Roman" panose="02020603050405020304" pitchFamily="18" charset="0"/>
+                <a:cs typeface="Times New Roman" panose="02020603050405020304" pitchFamily="18" charset="0"/>
+              </a:rPr>
+              <a:t>Appendix</a:t>
+            </a:r>
+            <a:endParaRPr lang="zh-CN" altLang="zh-CN" sz="1400" b="1" kern="100" dirty="0">
+              <a:solidFill>
+                <a:schemeClr val="accent1"/>
+              </a:solidFill>
+              <a:latin typeface="Times New Roman" panose="02020603050405020304" pitchFamily="18" charset="0"/>
+              <a:cs typeface="Times New Roman" panose="02020603050405020304" pitchFamily="18" charset="0"/>
+            </a:endParaRPr>
+          </a:p>
+        </p:txBody>
+      </p:sp>
+      <p:sp>
+        <p:nvSpPr>
+          <p:cNvPr id="28" name="矩形 27">
+            <a:extLst>
+              <a:ext uri="{FF2B5EF4-FFF2-40B4-BE49-F238E27FC236}">
+                <a16:creationId xmlns:a16="http://schemas.microsoft.com/office/drawing/2014/main" id="{93D8981B-AF20-4DC7-ABF8-10F9897107C3}"/>
+              </a:ext>
+            </a:extLst>
+          </p:cNvPr>
+          <p:cNvSpPr/>
+          <p:nvPr/>
+        </p:nvSpPr>
+        <p:spPr>
+          <a:xfrm>
+            <a:off x="2503800" y="44624"/>
+            <a:ext cx="2303999" cy="307777"/>
+          </a:xfrm>
+          <a:prstGeom prst="rect">
+            <a:avLst/>
+          </a:prstGeom>
+          <a:ln w="9525">
+            <a:noFill/>
+          </a:ln>
+        </p:spPr>
+        <p:txBody>
+          <a:bodyPr wrap="square">
+            <a:spAutoFit/>
+          </a:bodyPr>
+          <a:lstStyle/>
+          <a:p>
+            <a:pPr algn="ctr"/>
+            <a:r>
+              <a:rPr lang="en-US" altLang="zh-CN" sz="1400" b="1" kern="100" dirty="0">
+                <a:solidFill>
+                  <a:schemeClr val="accent1"/>
+                </a:solidFill>
+                <a:latin typeface="Times New Roman" panose="02020603050405020304" pitchFamily="18" charset="0"/>
+                <a:cs typeface="Times New Roman" panose="02020603050405020304" pitchFamily="18" charset="0"/>
+              </a:rPr>
+              <a:t>EDA</a:t>
+            </a:r>
+          </a:p>
+        </p:txBody>
+      </p:sp>
+      <p:sp>
+        <p:nvSpPr>
+          <p:cNvPr id="17" name="矩形 16">
+            <a:extLst>
+              <a:ext uri="{FF2B5EF4-FFF2-40B4-BE49-F238E27FC236}">
+                <a16:creationId xmlns:a16="http://schemas.microsoft.com/office/drawing/2014/main" id="{FF885DDD-0FFE-44BC-8CD2-CA7462B3168D}"/>
+              </a:ext>
+            </a:extLst>
+          </p:cNvPr>
+          <p:cNvSpPr/>
+          <p:nvPr/>
+        </p:nvSpPr>
+        <p:spPr>
+          <a:xfrm>
+            <a:off x="399716" y="594739"/>
+            <a:ext cx="2569293" cy="338554"/>
+          </a:xfrm>
+          <a:prstGeom prst="rect">
+            <a:avLst/>
+          </a:prstGeom>
+        </p:spPr>
+        <p:txBody>
+          <a:bodyPr wrap="none">
+            <a:spAutoFit/>
+          </a:bodyPr>
+          <a:lstStyle/>
+          <a:p>
+            <a:r>
+              <a:rPr lang="en-US" altLang="zh-TW" sz="1600" b="1" kern="100" dirty="0">
+                <a:solidFill>
+                  <a:schemeClr val="accent1"/>
+                </a:solidFill>
+                <a:cs typeface="Times New Roman" panose="02020603050405020304" pitchFamily="18" charset="0"/>
+              </a:rPr>
+              <a:t>C. </a:t>
+            </a:r>
+            <a:r>
+              <a:rPr lang="en-US" altLang="zh-TW" sz="1600" b="1" kern="100" dirty="0">
+                <a:solidFill>
+                  <a:schemeClr val="accent1"/>
+                </a:solidFill>
+                <a:ea typeface="標楷體" panose="03000509000000000000" pitchFamily="65" charset="-120"/>
+                <a:cs typeface="Times New Roman" panose="02020603050405020304" pitchFamily="18" charset="0"/>
+              </a:rPr>
+              <a:t>EDA</a:t>
+            </a:r>
+            <a:r>
+              <a:rPr lang="zh-TW" altLang="en-US" sz="1600" b="1" kern="100" dirty="0">
+                <a:solidFill>
+                  <a:schemeClr val="accent1"/>
+                </a:solidFill>
+                <a:ea typeface="標楷體" panose="03000509000000000000" pitchFamily="65" charset="-120"/>
+                <a:cs typeface="Times New Roman" panose="02020603050405020304" pitchFamily="18" charset="0"/>
+              </a:rPr>
+              <a:t> </a:t>
+            </a:r>
+            <a:r>
+              <a:rPr lang="en-US" altLang="zh-TW" sz="1600" b="1" kern="100" dirty="0">
+                <a:solidFill>
+                  <a:schemeClr val="accent1"/>
+                </a:solidFill>
+                <a:ea typeface="標楷體" panose="03000509000000000000" pitchFamily="65" charset="-120"/>
+                <a:cs typeface="Times New Roman" panose="02020603050405020304" pitchFamily="18" charset="0"/>
+              </a:rPr>
+              <a:t>result(</a:t>
+            </a:r>
+            <a:r>
+              <a:rPr lang="zh-TW" altLang="en-US" sz="1600" b="1" kern="100" dirty="0">
+                <a:solidFill>
+                  <a:schemeClr val="accent1"/>
+                </a:solidFill>
+                <a:ea typeface="標楷體" panose="03000509000000000000" pitchFamily="65" charset="-120"/>
+                <a:cs typeface="Times New Roman" panose="02020603050405020304" pitchFamily="18" charset="0"/>
+              </a:rPr>
+              <a:t>再購明細檔</a:t>
+            </a:r>
+            <a:r>
+              <a:rPr lang="en-US" altLang="zh-TW" sz="1600" b="1" kern="100" dirty="0">
+                <a:solidFill>
+                  <a:schemeClr val="accent1"/>
+                </a:solidFill>
+                <a:ea typeface="標楷體" panose="03000509000000000000" pitchFamily="65" charset="-120"/>
+                <a:cs typeface="Times New Roman" panose="02020603050405020304" pitchFamily="18" charset="0"/>
+              </a:rPr>
+              <a:t>)</a:t>
+            </a:r>
+          </a:p>
+        </p:txBody>
+      </p:sp>
+      <p:pic>
+        <p:nvPicPr>
+          <p:cNvPr id="3" name="圖片 2">
+            <a:extLst>
+              <a:ext uri="{FF2B5EF4-FFF2-40B4-BE49-F238E27FC236}">
+                <a16:creationId xmlns:a16="http://schemas.microsoft.com/office/drawing/2014/main" id="{087760FF-99DC-4061-BCDC-D262949B4A46}"/>
+              </a:ext>
+            </a:extLst>
+          </p:cNvPr>
+          <p:cNvPicPr>
+            <a:picLocks noChangeAspect="1"/>
+          </p:cNvPicPr>
+          <p:nvPr/>
+        </p:nvPicPr>
+        <p:blipFill>
+          <a:blip r:embed="rId2">
+            <a:extLst>
+              <a:ext uri="{28A0092B-C50C-407E-A947-70E740481C1C}">
+                <a14:useLocalDpi xmlns:a14="http://schemas.microsoft.com/office/drawing/2010/main" val="0"/>
+              </a:ext>
+            </a:extLst>
+          </a:blip>
+          <a:stretch>
+            <a:fillRect/>
+          </a:stretch>
+        </p:blipFill>
+        <p:spPr>
+          <a:xfrm>
+            <a:off x="561632" y="2418748"/>
+            <a:ext cx="4238296" cy="2171344"/>
+          </a:xfrm>
+          <a:prstGeom prst="rect">
+            <a:avLst/>
+          </a:prstGeom>
+        </p:spPr>
+      </p:pic>
+      <p:sp>
+        <p:nvSpPr>
+          <p:cNvPr id="29" name="文字方塊 28">
+            <a:extLst>
+              <a:ext uri="{FF2B5EF4-FFF2-40B4-BE49-F238E27FC236}">
+                <a16:creationId xmlns:a16="http://schemas.microsoft.com/office/drawing/2014/main" id="{C563AF33-BF96-41BD-96C5-010928A23767}"/>
+              </a:ext>
+            </a:extLst>
+          </p:cNvPr>
+          <p:cNvSpPr txBox="1"/>
+          <p:nvPr/>
+        </p:nvSpPr>
+        <p:spPr>
+          <a:xfrm>
+            <a:off x="1559496" y="5450488"/>
+            <a:ext cx="2088232" cy="369332"/>
+          </a:xfrm>
+          <a:prstGeom prst="rect">
+            <a:avLst/>
+          </a:prstGeom>
+          <a:noFill/>
+        </p:spPr>
+        <p:txBody>
+          <a:bodyPr wrap="square" rtlCol="0">
+            <a:spAutoFit/>
+          </a:bodyPr>
+          <a:lstStyle/>
+          <a:p>
+            <a:pPr algn="ctr"/>
+            <a:r>
+              <a:rPr lang="en-US" dirty="0"/>
+              <a:t>4.</a:t>
+            </a:r>
+            <a:r>
+              <a:rPr lang="zh-TW" altLang="en-US" dirty="0"/>
+              <a:t>保費繳法</a:t>
+            </a:r>
+            <a:endParaRPr lang="en-US" dirty="0">
+              <a:latin typeface="標楷體" panose="03000509000000000000" pitchFamily="65" charset="-120"/>
+              <a:ea typeface="標楷體" panose="03000509000000000000" pitchFamily="65" charset="-120"/>
+            </a:endParaRPr>
+          </a:p>
+        </p:txBody>
+      </p:sp>
+      <p:sp>
+        <p:nvSpPr>
+          <p:cNvPr id="30" name="文字方塊 29">
+            <a:extLst>
+              <a:ext uri="{FF2B5EF4-FFF2-40B4-BE49-F238E27FC236}">
+                <a16:creationId xmlns:a16="http://schemas.microsoft.com/office/drawing/2014/main" id="{B02807F9-2485-4F2E-8886-4798E9443ED1}"/>
+              </a:ext>
+            </a:extLst>
+          </p:cNvPr>
+          <p:cNvSpPr txBox="1"/>
+          <p:nvPr/>
+        </p:nvSpPr>
+        <p:spPr>
+          <a:xfrm>
+            <a:off x="7408656" y="5450488"/>
+            <a:ext cx="2340143" cy="369332"/>
+          </a:xfrm>
+          <a:prstGeom prst="rect">
+            <a:avLst/>
+          </a:prstGeom>
+          <a:noFill/>
+        </p:spPr>
+        <p:txBody>
+          <a:bodyPr wrap="square" rtlCol="0">
+            <a:spAutoFit/>
+          </a:bodyPr>
+          <a:lstStyle/>
+          <a:p>
+            <a:pPr algn="ctr"/>
+            <a:r>
+              <a:rPr lang="en-US"/>
+              <a:t>5.</a:t>
+            </a:r>
+            <a:r>
+              <a:rPr lang="zh-TW" altLang="en-US" dirty="0">
+                <a:latin typeface="標楷體" panose="03000509000000000000" pitchFamily="65" charset="-120"/>
+                <a:ea typeface="標楷體" panose="03000509000000000000" pitchFamily="65" charset="-120"/>
+              </a:rPr>
+              <a:t>各月份再購案件數</a:t>
+            </a:r>
+            <a:endParaRPr lang="en-US" dirty="0">
+              <a:latin typeface="標楷體" panose="03000509000000000000" pitchFamily="65" charset="-120"/>
+              <a:ea typeface="標楷體" panose="03000509000000000000" pitchFamily="65" charset="-120"/>
+            </a:endParaRPr>
+          </a:p>
+        </p:txBody>
+      </p:sp>
+      <p:pic>
+        <p:nvPicPr>
+          <p:cNvPr id="6" name="圖片 5">
+            <a:extLst>
+              <a:ext uri="{FF2B5EF4-FFF2-40B4-BE49-F238E27FC236}">
+                <a16:creationId xmlns:a16="http://schemas.microsoft.com/office/drawing/2014/main" id="{15CAFA45-5601-42CF-9599-440CF97102B0}"/>
+              </a:ext>
+            </a:extLst>
+          </p:cNvPr>
+          <p:cNvPicPr>
+            <a:picLocks noChangeAspect="1"/>
+          </p:cNvPicPr>
+          <p:nvPr/>
+        </p:nvPicPr>
+        <p:blipFill>
+          <a:blip r:embed="rId3"/>
+          <a:stretch>
+            <a:fillRect/>
+          </a:stretch>
+        </p:blipFill>
+        <p:spPr>
+          <a:xfrm>
+            <a:off x="4146123" y="2276872"/>
+            <a:ext cx="8045877" cy="2716582"/>
+          </a:xfrm>
+          <a:prstGeom prst="rect">
+            <a:avLst/>
+          </a:prstGeom>
+        </p:spPr>
+      </p:pic>
+    </p:spTree>
+    <p:extLst>
+      <p:ext uri="{BB962C8B-B14F-4D97-AF65-F5344CB8AC3E}">
+        <p14:creationId xmlns:p14="http://schemas.microsoft.com/office/powerpoint/2010/main" val="253791763"/>
+      </p:ext>
+    </p:extLst>
+  </p:cSld>
+  <p:clrMapOvr>
+    <a:masterClrMapping/>
+  </p:clrMapOvr>
+</p:sld>
+</file>
+
+<file path=ppt/slides/slide35.xml><?xml version="1.0" encoding="utf-8"?>
+<p:sld xmlns:a="http://schemas.openxmlformats.org/drawingml/2006/main" xmlns:r="http://schemas.openxmlformats.org/officeDocument/2006/relationships" xmlns:p="http://schemas.openxmlformats.org/presentationml/2006/main">
+  <p:cSld>
+    <p:spTree>
+      <p:nvGrpSpPr>
+        <p:cNvPr id="1" name=""/>
+        <p:cNvGrpSpPr/>
+        <p:nvPr/>
+      </p:nvGrpSpPr>
+      <p:grpSpPr>
+        <a:xfrm>
+          <a:off x="0" y="0"/>
+          <a:ext cx="0" cy="0"/>
+          <a:chOff x="0" y="0"/>
+          <a:chExt cx="0" cy="0"/>
+        </a:xfrm>
+      </p:grpSpPr>
+      <p:sp>
+        <p:nvSpPr>
+          <p:cNvPr id="41" name="語音泡泡: 矩形 40">
+            <a:extLst>
+              <a:ext uri="{FF2B5EF4-FFF2-40B4-BE49-F238E27FC236}">
+                <a16:creationId xmlns:a16="http://schemas.microsoft.com/office/drawing/2014/main" id="{33F7CA35-ED83-4C58-901F-CEB006AC773B}"/>
+              </a:ext>
+            </a:extLst>
+          </p:cNvPr>
+          <p:cNvSpPr/>
+          <p:nvPr/>
+        </p:nvSpPr>
+        <p:spPr>
+          <a:xfrm>
+            <a:off x="8164719" y="1196752"/>
+            <a:ext cx="3810387" cy="1569660"/>
+          </a:xfrm>
+          <a:prstGeom prst="wedgeRectCallout">
+            <a:avLst>
+              <a:gd name="adj1" fmla="val -73628"/>
+              <a:gd name="adj2" fmla="val -11289"/>
+            </a:avLst>
+          </a:prstGeom>
+          <a:solidFill>
+            <a:schemeClr val="bg1"/>
+          </a:solidFill>
+        </p:spPr>
+        <p:style>
+          <a:lnRef idx="2">
+            <a:schemeClr val="accent1">
+              <a:shade val="50000"/>
+            </a:schemeClr>
+          </a:lnRef>
+          <a:fillRef idx="1">
+            <a:schemeClr val="accent1"/>
+          </a:fillRef>
+          <a:effectRef idx="0">
+            <a:schemeClr val="accent1"/>
+          </a:effectRef>
+          <a:fontRef idx="minor">
+            <a:schemeClr val="lt1"/>
+          </a:fontRef>
+        </p:style>
+        <p:txBody>
+          <a:bodyPr rtlCol="0" anchor="ctr"/>
+          <a:lstStyle/>
+          <a:p>
+            <a:pPr algn="ctr"/>
+            <a:endParaRPr lang="en-US"/>
+          </a:p>
+        </p:txBody>
+      </p:sp>
+      <p:sp>
+        <p:nvSpPr>
+          <p:cNvPr id="4" name="投影片編號版面配置區 3">
+            <a:extLst>
+              <a:ext uri="{FF2B5EF4-FFF2-40B4-BE49-F238E27FC236}">
+                <a16:creationId xmlns:a16="http://schemas.microsoft.com/office/drawing/2014/main" id="{C5183A82-9DEB-4EC5-9C61-ADE694674CED}"/>
+              </a:ext>
+            </a:extLst>
+          </p:cNvPr>
+          <p:cNvSpPr>
+            <a:spLocks noGrp="1"/>
+          </p:cNvSpPr>
+          <p:nvPr>
+            <p:ph type="sldNum" sz="quarter" idx="12"/>
+          </p:nvPr>
+        </p:nvSpPr>
+        <p:spPr/>
+        <p:txBody>
+          <a:bodyPr/>
+          <a:lstStyle/>
+          <a:p>
+            <a:fld id="{BF8CE765-4F4E-465C-81D9-F9DA65D64035}" type="slidenum">
+              <a:rPr lang="zh-TW" altLang="en-US" smtClean="0"/>
+              <a:t>35</a:t>
+            </a:fld>
+            <a:endParaRPr lang="zh-TW" altLang="en-US"/>
+          </a:p>
+        </p:txBody>
+      </p:sp>
+      <p:sp>
+        <p:nvSpPr>
+          <p:cNvPr id="18" name="矩形 17">
+            <a:extLst>
+              <a:ext uri="{FF2B5EF4-FFF2-40B4-BE49-F238E27FC236}">
+                <a16:creationId xmlns:a16="http://schemas.microsoft.com/office/drawing/2014/main" id="{0FB3A394-9020-469D-91F6-68EEA700FA7B}"/>
+              </a:ext>
+            </a:extLst>
+          </p:cNvPr>
+          <p:cNvSpPr/>
+          <p:nvPr/>
+        </p:nvSpPr>
+        <p:spPr>
+          <a:xfrm>
+            <a:off x="-2880" y="0"/>
+            <a:ext cx="12191760" cy="381800"/>
+          </a:xfrm>
+          <a:prstGeom prst="rect">
+            <a:avLst/>
+          </a:prstGeom>
+          <a:solidFill>
+            <a:schemeClr val="bg1"/>
+          </a:solidFill>
+          <a:ln>
+            <a:solidFill>
+              <a:schemeClr val="bg1"/>
+            </a:solidFill>
+          </a:ln>
+        </p:spPr>
+        <p:style>
+          <a:lnRef idx="2">
+            <a:schemeClr val="accent1">
+              <a:shade val="50000"/>
+            </a:schemeClr>
+          </a:lnRef>
+          <a:fillRef idx="1">
+            <a:schemeClr val="accent1"/>
+          </a:fillRef>
+          <a:effectRef idx="0">
+            <a:schemeClr val="accent1"/>
+          </a:effectRef>
+          <a:fontRef idx="minor">
+            <a:schemeClr val="lt1"/>
+          </a:fontRef>
+        </p:style>
+        <p:txBody>
+          <a:bodyPr rtlCol="0" anchor="ctr"/>
+          <a:lstStyle/>
+          <a:p>
+            <a:pPr algn="ctr"/>
+            <a:endParaRPr lang="en-US"/>
+          </a:p>
+        </p:txBody>
+      </p:sp>
+      <p:sp>
+        <p:nvSpPr>
+          <p:cNvPr id="19" name="矩形 18">
+            <a:extLst>
+              <a:ext uri="{FF2B5EF4-FFF2-40B4-BE49-F238E27FC236}">
+                <a16:creationId xmlns:a16="http://schemas.microsoft.com/office/drawing/2014/main" id="{1B3F5A8A-595D-4FB4-87AE-9EABF3549FA3}"/>
+              </a:ext>
+            </a:extLst>
+          </p:cNvPr>
+          <p:cNvSpPr/>
+          <p:nvPr/>
+        </p:nvSpPr>
+        <p:spPr>
+          <a:xfrm>
+            <a:off x="9754560" y="0"/>
+            <a:ext cx="2437200" cy="381800"/>
+          </a:xfrm>
+          <a:prstGeom prst="rect">
+            <a:avLst/>
+          </a:prstGeom>
+          <a:solidFill>
+            <a:schemeClr val="tx1">
+              <a:lumMod val="75000"/>
+              <a:lumOff val="25000"/>
+              <a:alpha val="30000"/>
+            </a:schemeClr>
+          </a:solidFill>
+          <a:ln w="9525">
+            <a:solidFill>
+              <a:schemeClr val="tx1">
+                <a:lumMod val="50000"/>
+                <a:lumOff val="50000"/>
+              </a:schemeClr>
+            </a:solidFill>
+          </a:ln>
+        </p:spPr>
+        <p:style>
+          <a:lnRef idx="2">
+            <a:schemeClr val="accent3">
+              <a:shade val="50000"/>
+            </a:schemeClr>
+          </a:lnRef>
+          <a:fillRef idx="1">
+            <a:schemeClr val="accent3"/>
+          </a:fillRef>
+          <a:effectRef idx="0">
+            <a:schemeClr val="accent3"/>
+          </a:effectRef>
+          <a:fontRef idx="minor">
+            <a:schemeClr val="lt1"/>
+          </a:fontRef>
+        </p:style>
+        <p:txBody>
+          <a:bodyPr rtlCol="0" anchor="ctr"/>
+          <a:lstStyle/>
+          <a:p>
+            <a:pPr algn="ctr"/>
+            <a:endParaRPr lang="en-US"/>
+          </a:p>
+        </p:txBody>
+      </p:sp>
+      <p:sp>
+        <p:nvSpPr>
+          <p:cNvPr id="20" name="矩形 19">
+            <a:extLst>
+              <a:ext uri="{FF2B5EF4-FFF2-40B4-BE49-F238E27FC236}">
+                <a16:creationId xmlns:a16="http://schemas.microsoft.com/office/drawing/2014/main" id="{6AFEE53B-00F4-4C28-995D-F23DDC78F376}"/>
+              </a:ext>
+            </a:extLst>
+          </p:cNvPr>
+          <p:cNvSpPr/>
+          <p:nvPr/>
+        </p:nvSpPr>
+        <p:spPr>
+          <a:xfrm>
+            <a:off x="0" y="0"/>
+            <a:ext cx="2437200" cy="381800"/>
+          </a:xfrm>
+          <a:prstGeom prst="rect">
+            <a:avLst/>
+          </a:prstGeom>
+          <a:solidFill>
+            <a:schemeClr val="bg1"/>
+          </a:solidFill>
+          <a:ln w="9525">
+            <a:solidFill>
+              <a:schemeClr val="tx1">
+                <a:lumMod val="50000"/>
+                <a:lumOff val="50000"/>
+              </a:schemeClr>
+            </a:solidFill>
+          </a:ln>
+        </p:spPr>
+        <p:style>
+          <a:lnRef idx="2">
+            <a:schemeClr val="accent3">
+              <a:shade val="50000"/>
+            </a:schemeClr>
+          </a:lnRef>
+          <a:fillRef idx="1">
+            <a:schemeClr val="accent3"/>
+          </a:fillRef>
+          <a:effectRef idx="0">
+            <a:schemeClr val="accent3"/>
+          </a:effectRef>
+          <a:fontRef idx="minor">
+            <a:schemeClr val="lt1"/>
+          </a:fontRef>
+        </p:style>
+        <p:txBody>
+          <a:bodyPr rtlCol="0" anchor="ctr"/>
+          <a:lstStyle/>
+          <a:p>
+            <a:pPr algn="ctr"/>
+            <a:endParaRPr lang="en-US"/>
+          </a:p>
+        </p:txBody>
+      </p:sp>
+      <p:sp>
+        <p:nvSpPr>
+          <p:cNvPr id="21" name="矩形 20">
+            <a:extLst>
+              <a:ext uri="{FF2B5EF4-FFF2-40B4-BE49-F238E27FC236}">
+                <a16:creationId xmlns:a16="http://schemas.microsoft.com/office/drawing/2014/main" id="{E90642E8-2512-4DC0-9E3C-EA8FF78F5B36}"/>
+              </a:ext>
+            </a:extLst>
+          </p:cNvPr>
+          <p:cNvSpPr/>
+          <p:nvPr/>
+        </p:nvSpPr>
+        <p:spPr>
+          <a:xfrm>
+            <a:off x="91057" y="44624"/>
+            <a:ext cx="2303999" cy="307777"/>
+          </a:xfrm>
+          <a:prstGeom prst="rect">
+            <a:avLst/>
+          </a:prstGeom>
+          <a:ln w="9525">
+            <a:noFill/>
+          </a:ln>
+        </p:spPr>
+        <p:txBody>
+          <a:bodyPr wrap="square">
+            <a:spAutoFit/>
+          </a:bodyPr>
+          <a:lstStyle/>
+          <a:p>
+            <a:pPr algn="ctr"/>
+            <a:r>
+              <a:rPr lang="en-US" altLang="zh-CN" sz="1400" b="1" kern="100" dirty="0">
+                <a:solidFill>
+                  <a:schemeClr val="accent1"/>
+                </a:solidFill>
+                <a:latin typeface="Times New Roman" panose="02020603050405020304" pitchFamily="18" charset="0"/>
+                <a:cs typeface="Times New Roman" panose="02020603050405020304" pitchFamily="18" charset="0"/>
+              </a:rPr>
+              <a:t>Research Question</a:t>
+            </a:r>
+          </a:p>
+        </p:txBody>
+      </p:sp>
+      <p:sp>
+        <p:nvSpPr>
+          <p:cNvPr id="22" name="矩形 21">
+            <a:extLst>
+              <a:ext uri="{FF2B5EF4-FFF2-40B4-BE49-F238E27FC236}">
+                <a16:creationId xmlns:a16="http://schemas.microsoft.com/office/drawing/2014/main" id="{06A2820E-A5C8-49A8-A65E-659F8CDDCC27}"/>
+              </a:ext>
+            </a:extLst>
+          </p:cNvPr>
+          <p:cNvSpPr/>
+          <p:nvPr/>
+        </p:nvSpPr>
+        <p:spPr>
+          <a:xfrm>
+            <a:off x="2437200" y="0"/>
+            <a:ext cx="2437200" cy="381800"/>
+          </a:xfrm>
+          <a:prstGeom prst="rect">
+            <a:avLst/>
+          </a:prstGeom>
+          <a:solidFill>
+            <a:schemeClr val="bg1">
+              <a:alpha val="30000"/>
+            </a:schemeClr>
+          </a:solidFill>
+          <a:ln w="9525">
+            <a:solidFill>
+              <a:schemeClr val="tx1">
+                <a:lumMod val="50000"/>
+                <a:lumOff val="50000"/>
+              </a:schemeClr>
+            </a:solidFill>
+          </a:ln>
+        </p:spPr>
+        <p:style>
+          <a:lnRef idx="2">
+            <a:schemeClr val="accent3">
+              <a:shade val="50000"/>
+            </a:schemeClr>
+          </a:lnRef>
+          <a:fillRef idx="1">
+            <a:schemeClr val="accent3"/>
+          </a:fillRef>
+          <a:effectRef idx="0">
+            <a:schemeClr val="accent3"/>
+          </a:effectRef>
+          <a:fontRef idx="minor">
+            <a:schemeClr val="lt1"/>
+          </a:fontRef>
+        </p:style>
+        <p:txBody>
+          <a:bodyPr rtlCol="0" anchor="ctr"/>
+          <a:lstStyle/>
+          <a:p>
+            <a:pPr algn="ctr"/>
+            <a:endParaRPr lang="en-US"/>
+          </a:p>
+        </p:txBody>
+      </p:sp>
+      <p:sp>
+        <p:nvSpPr>
+          <p:cNvPr id="23" name="矩形 22">
+            <a:extLst>
+              <a:ext uri="{FF2B5EF4-FFF2-40B4-BE49-F238E27FC236}">
+                <a16:creationId xmlns:a16="http://schemas.microsoft.com/office/drawing/2014/main" id="{0758C2A2-B485-4FAF-90D6-18FF9EFA4647}"/>
+              </a:ext>
+            </a:extLst>
+          </p:cNvPr>
+          <p:cNvSpPr/>
+          <p:nvPr/>
+        </p:nvSpPr>
+        <p:spPr>
+          <a:xfrm>
+            <a:off x="4874400" y="0"/>
+            <a:ext cx="2437200" cy="381800"/>
+          </a:xfrm>
+          <a:prstGeom prst="rect">
+            <a:avLst/>
+          </a:prstGeom>
+          <a:solidFill>
+            <a:schemeClr val="bg1">
+              <a:alpha val="30000"/>
+            </a:schemeClr>
+          </a:solidFill>
+          <a:ln w="9525">
+            <a:solidFill>
+              <a:schemeClr val="tx1">
+                <a:lumMod val="50000"/>
+                <a:lumOff val="50000"/>
+              </a:schemeClr>
+            </a:solidFill>
+          </a:ln>
+        </p:spPr>
+        <p:style>
+          <a:lnRef idx="2">
+            <a:schemeClr val="accent3">
+              <a:shade val="50000"/>
+            </a:schemeClr>
+          </a:lnRef>
+          <a:fillRef idx="1">
+            <a:schemeClr val="accent3"/>
+          </a:fillRef>
+          <a:effectRef idx="0">
+            <a:schemeClr val="accent3"/>
+          </a:effectRef>
+          <a:fontRef idx="minor">
+            <a:schemeClr val="lt1"/>
+          </a:fontRef>
+        </p:style>
+        <p:txBody>
+          <a:bodyPr rtlCol="0" anchor="ctr"/>
+          <a:lstStyle/>
+          <a:p>
+            <a:pPr algn="ctr"/>
+            <a:endParaRPr lang="en-US"/>
+          </a:p>
+        </p:txBody>
+      </p:sp>
+      <p:sp>
+        <p:nvSpPr>
+          <p:cNvPr id="24" name="矩形 23">
+            <a:extLst>
+              <a:ext uri="{FF2B5EF4-FFF2-40B4-BE49-F238E27FC236}">
+                <a16:creationId xmlns:a16="http://schemas.microsoft.com/office/drawing/2014/main" id="{879D0081-A729-47E8-8E14-ED65864460EF}"/>
+              </a:ext>
+            </a:extLst>
+          </p:cNvPr>
+          <p:cNvSpPr/>
+          <p:nvPr/>
+        </p:nvSpPr>
+        <p:spPr>
+          <a:xfrm>
+            <a:off x="4916544" y="44624"/>
+            <a:ext cx="2303999" cy="307777"/>
+          </a:xfrm>
+          <a:prstGeom prst="rect">
+            <a:avLst/>
+          </a:prstGeom>
+          <a:ln w="9525">
+            <a:noFill/>
+          </a:ln>
+        </p:spPr>
+        <p:txBody>
+          <a:bodyPr wrap="square">
+            <a:spAutoFit/>
+          </a:bodyPr>
+          <a:lstStyle/>
+          <a:p>
+            <a:pPr algn="ctr"/>
+            <a:r>
+              <a:rPr lang="en-US" altLang="zh-CN" sz="1400" b="1" kern="100" dirty="0">
+                <a:solidFill>
+                  <a:schemeClr val="accent1"/>
+                </a:solidFill>
+                <a:latin typeface="Times New Roman" panose="02020603050405020304" pitchFamily="18" charset="0"/>
+                <a:cs typeface="Times New Roman" panose="02020603050405020304" pitchFamily="18" charset="0"/>
+              </a:rPr>
+              <a:t>Data pre-processing</a:t>
+            </a:r>
+            <a:endParaRPr lang="zh-CN" altLang="zh-CN" sz="1400" b="1" kern="100" dirty="0">
+              <a:solidFill>
+                <a:schemeClr val="accent1"/>
+              </a:solidFill>
+              <a:latin typeface="Times New Roman" panose="02020603050405020304" pitchFamily="18" charset="0"/>
+              <a:cs typeface="Times New Roman" panose="02020603050405020304" pitchFamily="18" charset="0"/>
+            </a:endParaRPr>
+          </a:p>
+        </p:txBody>
+      </p:sp>
+      <p:sp>
+        <p:nvSpPr>
+          <p:cNvPr id="25" name="矩形 24">
+            <a:extLst>
+              <a:ext uri="{FF2B5EF4-FFF2-40B4-BE49-F238E27FC236}">
+                <a16:creationId xmlns:a16="http://schemas.microsoft.com/office/drawing/2014/main" id="{C990BE16-83C9-4750-AAB0-6E5B2A2FA773}"/>
+              </a:ext>
+            </a:extLst>
+          </p:cNvPr>
+          <p:cNvSpPr/>
+          <p:nvPr/>
+        </p:nvSpPr>
+        <p:spPr>
+          <a:xfrm>
+            <a:off x="7311600" y="0"/>
+            <a:ext cx="2437200" cy="381800"/>
+          </a:xfrm>
+          <a:prstGeom prst="rect">
+            <a:avLst/>
+          </a:prstGeom>
+          <a:solidFill>
+            <a:schemeClr val="bg1">
+              <a:alpha val="30000"/>
+            </a:schemeClr>
+          </a:solidFill>
+          <a:ln w="9525">
+            <a:solidFill>
+              <a:schemeClr val="tx1">
+                <a:lumMod val="50000"/>
+                <a:lumOff val="50000"/>
+              </a:schemeClr>
+            </a:solidFill>
+          </a:ln>
+        </p:spPr>
+        <p:style>
+          <a:lnRef idx="2">
+            <a:schemeClr val="accent3">
+              <a:shade val="50000"/>
+            </a:schemeClr>
+          </a:lnRef>
+          <a:fillRef idx="1">
+            <a:schemeClr val="accent3"/>
+          </a:fillRef>
+          <a:effectRef idx="0">
+            <a:schemeClr val="accent3"/>
+          </a:effectRef>
+          <a:fontRef idx="minor">
+            <a:schemeClr val="lt1"/>
+          </a:fontRef>
+        </p:style>
+        <p:txBody>
+          <a:bodyPr rtlCol="0" anchor="ctr"/>
+          <a:lstStyle/>
+          <a:p>
+            <a:pPr algn="ctr"/>
+            <a:endParaRPr lang="en-US"/>
+          </a:p>
+        </p:txBody>
+      </p:sp>
+      <p:sp>
+        <p:nvSpPr>
+          <p:cNvPr id="26" name="矩形 25">
+            <a:extLst>
+              <a:ext uri="{FF2B5EF4-FFF2-40B4-BE49-F238E27FC236}">
+                <a16:creationId xmlns:a16="http://schemas.microsoft.com/office/drawing/2014/main" id="{371EEEDB-FE8A-46FE-B5DE-83502475004A}"/>
+              </a:ext>
+            </a:extLst>
+          </p:cNvPr>
+          <p:cNvSpPr/>
+          <p:nvPr/>
+        </p:nvSpPr>
+        <p:spPr>
+          <a:xfrm>
+            <a:off x="7408657" y="33290"/>
+            <a:ext cx="2303999" cy="307777"/>
+          </a:xfrm>
+          <a:prstGeom prst="rect">
+            <a:avLst/>
+          </a:prstGeom>
+          <a:ln w="9525">
+            <a:noFill/>
+          </a:ln>
+        </p:spPr>
+        <p:txBody>
+          <a:bodyPr wrap="square">
+            <a:spAutoFit/>
+          </a:bodyPr>
+          <a:lstStyle/>
+          <a:p>
+            <a:pPr algn="ctr"/>
+            <a:r>
+              <a:rPr lang="en-US" altLang="zh-CN" sz="1400" b="1" kern="100" dirty="0">
+                <a:solidFill>
+                  <a:schemeClr val="accent1"/>
+                </a:solidFill>
+                <a:latin typeface="Times New Roman" panose="02020603050405020304" pitchFamily="18" charset="0"/>
+                <a:cs typeface="Times New Roman" panose="02020603050405020304" pitchFamily="18" charset="0"/>
+              </a:rPr>
+              <a:t>Model Training</a:t>
+            </a:r>
+            <a:endParaRPr lang="zh-CN" altLang="zh-CN" sz="1400" b="1" kern="100" dirty="0">
+              <a:solidFill>
+                <a:schemeClr val="accent1"/>
+              </a:solidFill>
+              <a:latin typeface="Times New Roman" panose="02020603050405020304" pitchFamily="18" charset="0"/>
+              <a:cs typeface="Times New Roman" panose="02020603050405020304" pitchFamily="18" charset="0"/>
+            </a:endParaRPr>
+          </a:p>
+        </p:txBody>
+      </p:sp>
+      <p:sp>
+        <p:nvSpPr>
+          <p:cNvPr id="27" name="矩形 26">
+            <a:extLst>
+              <a:ext uri="{FF2B5EF4-FFF2-40B4-BE49-F238E27FC236}">
+                <a16:creationId xmlns:a16="http://schemas.microsoft.com/office/drawing/2014/main" id="{DE395EB8-7179-4B43-99D4-156E65A700AC}"/>
+              </a:ext>
+            </a:extLst>
+          </p:cNvPr>
+          <p:cNvSpPr/>
+          <p:nvPr/>
+        </p:nvSpPr>
+        <p:spPr>
+          <a:xfrm>
+            <a:off x="9821160" y="44624"/>
+            <a:ext cx="2303999" cy="307777"/>
+          </a:xfrm>
+          <a:prstGeom prst="rect">
+            <a:avLst/>
+          </a:prstGeom>
+        </p:spPr>
+        <p:txBody>
+          <a:bodyPr wrap="square">
+            <a:spAutoFit/>
+          </a:bodyPr>
+          <a:lstStyle/>
+          <a:p>
+            <a:pPr algn="ctr"/>
+            <a:r>
+              <a:rPr lang="en-US" altLang="zh-CN" sz="1400" b="1" kern="100" dirty="0">
+                <a:solidFill>
+                  <a:schemeClr val="accent1"/>
+                </a:solidFill>
+                <a:latin typeface="Times New Roman" panose="02020603050405020304" pitchFamily="18" charset="0"/>
+                <a:cs typeface="Times New Roman" panose="02020603050405020304" pitchFamily="18" charset="0"/>
+              </a:rPr>
+              <a:t>Appendix</a:t>
+            </a:r>
+            <a:endParaRPr lang="zh-CN" altLang="zh-CN" sz="1400" b="1" kern="100" dirty="0">
+              <a:solidFill>
+                <a:schemeClr val="accent1"/>
+              </a:solidFill>
+              <a:latin typeface="Times New Roman" panose="02020603050405020304" pitchFamily="18" charset="0"/>
+              <a:cs typeface="Times New Roman" panose="02020603050405020304" pitchFamily="18" charset="0"/>
+            </a:endParaRPr>
+          </a:p>
+        </p:txBody>
+      </p:sp>
+      <p:sp>
+        <p:nvSpPr>
+          <p:cNvPr id="28" name="矩形 27">
+            <a:extLst>
+              <a:ext uri="{FF2B5EF4-FFF2-40B4-BE49-F238E27FC236}">
+                <a16:creationId xmlns:a16="http://schemas.microsoft.com/office/drawing/2014/main" id="{93D8981B-AF20-4DC7-ABF8-10F9897107C3}"/>
+              </a:ext>
+            </a:extLst>
+          </p:cNvPr>
+          <p:cNvSpPr/>
+          <p:nvPr/>
+        </p:nvSpPr>
+        <p:spPr>
+          <a:xfrm>
+            <a:off x="2503800" y="44624"/>
+            <a:ext cx="2303999" cy="307777"/>
+          </a:xfrm>
+          <a:prstGeom prst="rect">
+            <a:avLst/>
+          </a:prstGeom>
+          <a:ln w="9525">
+            <a:noFill/>
+          </a:ln>
+        </p:spPr>
+        <p:txBody>
+          <a:bodyPr wrap="square">
+            <a:spAutoFit/>
+          </a:bodyPr>
+          <a:lstStyle/>
+          <a:p>
+            <a:pPr algn="ctr"/>
+            <a:r>
+              <a:rPr lang="en-US" altLang="zh-CN" sz="1400" b="1" kern="100" dirty="0">
+                <a:solidFill>
+                  <a:schemeClr val="accent1"/>
+                </a:solidFill>
+                <a:latin typeface="Times New Roman" panose="02020603050405020304" pitchFamily="18" charset="0"/>
+                <a:cs typeface="Times New Roman" panose="02020603050405020304" pitchFamily="18" charset="0"/>
+              </a:rPr>
+              <a:t>EDA</a:t>
+            </a:r>
+          </a:p>
+        </p:txBody>
+      </p:sp>
+      <p:sp>
+        <p:nvSpPr>
+          <p:cNvPr id="17" name="矩形 16">
+            <a:extLst>
+              <a:ext uri="{FF2B5EF4-FFF2-40B4-BE49-F238E27FC236}">
+                <a16:creationId xmlns:a16="http://schemas.microsoft.com/office/drawing/2014/main" id="{FF885DDD-0FFE-44BC-8CD2-CA7462B3168D}"/>
+              </a:ext>
+            </a:extLst>
+          </p:cNvPr>
+          <p:cNvSpPr/>
+          <p:nvPr/>
+        </p:nvSpPr>
+        <p:spPr>
+          <a:xfrm>
+            <a:off x="399716" y="594739"/>
+            <a:ext cx="2569293" cy="338554"/>
+          </a:xfrm>
+          <a:prstGeom prst="rect">
+            <a:avLst/>
+          </a:prstGeom>
+        </p:spPr>
+        <p:txBody>
+          <a:bodyPr wrap="none">
+            <a:spAutoFit/>
+          </a:bodyPr>
+          <a:lstStyle/>
+          <a:p>
+            <a:r>
+              <a:rPr lang="en-US" altLang="zh-TW" sz="1600" b="1" kern="100" dirty="0">
+                <a:solidFill>
+                  <a:schemeClr val="accent1"/>
+                </a:solidFill>
+                <a:cs typeface="Times New Roman" panose="02020603050405020304" pitchFamily="18" charset="0"/>
+              </a:rPr>
+              <a:t>C. </a:t>
+            </a:r>
+            <a:r>
+              <a:rPr lang="en-US" altLang="zh-TW" sz="1600" b="1" kern="100" dirty="0">
+                <a:solidFill>
+                  <a:schemeClr val="accent1"/>
+                </a:solidFill>
+                <a:ea typeface="標楷體" panose="03000509000000000000" pitchFamily="65" charset="-120"/>
+                <a:cs typeface="Times New Roman" panose="02020603050405020304" pitchFamily="18" charset="0"/>
+              </a:rPr>
+              <a:t>EDA</a:t>
+            </a:r>
+            <a:r>
+              <a:rPr lang="zh-TW" altLang="en-US" sz="1600" b="1" kern="100" dirty="0">
+                <a:solidFill>
+                  <a:schemeClr val="accent1"/>
+                </a:solidFill>
+                <a:ea typeface="標楷體" panose="03000509000000000000" pitchFamily="65" charset="-120"/>
+                <a:cs typeface="Times New Roman" panose="02020603050405020304" pitchFamily="18" charset="0"/>
+              </a:rPr>
+              <a:t> </a:t>
+            </a:r>
+            <a:r>
+              <a:rPr lang="en-US" altLang="zh-TW" sz="1600" b="1" kern="100" dirty="0">
+                <a:solidFill>
+                  <a:schemeClr val="accent1"/>
+                </a:solidFill>
+                <a:ea typeface="標楷體" panose="03000509000000000000" pitchFamily="65" charset="-120"/>
+                <a:cs typeface="Times New Roman" panose="02020603050405020304" pitchFamily="18" charset="0"/>
+              </a:rPr>
+              <a:t>result(</a:t>
+            </a:r>
+            <a:r>
+              <a:rPr lang="zh-TW" altLang="en-US" sz="1600" b="1" kern="100" dirty="0">
+                <a:solidFill>
+                  <a:schemeClr val="accent1"/>
+                </a:solidFill>
+                <a:ea typeface="標楷體" panose="03000509000000000000" pitchFamily="65" charset="-120"/>
+                <a:cs typeface="Times New Roman" panose="02020603050405020304" pitchFamily="18" charset="0"/>
+              </a:rPr>
+              <a:t>客戶屬性檔</a:t>
+            </a:r>
+            <a:r>
+              <a:rPr lang="en-US" altLang="zh-TW" sz="1600" b="1" kern="100" dirty="0">
+                <a:solidFill>
+                  <a:schemeClr val="accent1"/>
+                </a:solidFill>
+                <a:ea typeface="標楷體" panose="03000509000000000000" pitchFamily="65" charset="-120"/>
+                <a:cs typeface="Times New Roman" panose="02020603050405020304" pitchFamily="18" charset="0"/>
+              </a:rPr>
+              <a:t>)</a:t>
+            </a:r>
+          </a:p>
+        </p:txBody>
+      </p:sp>
+      <p:pic>
+        <p:nvPicPr>
+          <p:cNvPr id="3" name="圖片 2">
+            <a:extLst>
+              <a:ext uri="{FF2B5EF4-FFF2-40B4-BE49-F238E27FC236}">
+                <a16:creationId xmlns:a16="http://schemas.microsoft.com/office/drawing/2014/main" id="{675D7D59-2FF2-4A3B-9169-EBBA6A2FB548}"/>
+              </a:ext>
+            </a:extLst>
+          </p:cNvPr>
+          <p:cNvPicPr>
+            <a:picLocks noChangeAspect="1"/>
+          </p:cNvPicPr>
+          <p:nvPr/>
+        </p:nvPicPr>
+        <p:blipFill>
+          <a:blip r:embed="rId2"/>
+          <a:stretch>
+            <a:fillRect/>
+          </a:stretch>
+        </p:blipFill>
+        <p:spPr>
+          <a:xfrm>
+            <a:off x="216894" y="1082548"/>
+            <a:ext cx="6909222" cy="5730827"/>
+          </a:xfrm>
+          <a:prstGeom prst="rect">
+            <a:avLst/>
+          </a:prstGeom>
+        </p:spPr>
+      </p:pic>
+      <p:sp>
+        <p:nvSpPr>
+          <p:cNvPr id="5" name="矩形 4">
+            <a:extLst>
+              <a:ext uri="{FF2B5EF4-FFF2-40B4-BE49-F238E27FC236}">
+                <a16:creationId xmlns:a16="http://schemas.microsoft.com/office/drawing/2014/main" id="{DEBC3C7C-CAC1-496B-85D8-D35AFE18EB14}"/>
+              </a:ext>
+            </a:extLst>
+          </p:cNvPr>
+          <p:cNvSpPr/>
+          <p:nvPr/>
+        </p:nvSpPr>
+        <p:spPr>
+          <a:xfrm>
+            <a:off x="8164719" y="1196752"/>
+            <a:ext cx="3960440" cy="1569660"/>
+          </a:xfrm>
+          <a:prstGeom prst="rect">
+            <a:avLst/>
+          </a:prstGeom>
+          <a:ln w="19050">
+            <a:noFill/>
+          </a:ln>
+        </p:spPr>
+        <p:txBody>
+          <a:bodyPr wrap="square">
+            <a:spAutoFit/>
+          </a:bodyPr>
+          <a:lstStyle/>
+          <a:p>
+            <a:r>
+              <a:rPr lang="zh-TW" altLang="en-US" sz="1600" dirty="0">
+                <a:latin typeface="標楷體" panose="03000509000000000000" pitchFamily="65" charset="-120"/>
+                <a:ea typeface="標楷體" panose="03000509000000000000" pitchFamily="65" charset="-120"/>
+              </a:rPr>
+              <a:t>分析客戶與公司契約關係時長，一般來說若戶齡越大且最近生效日距今越小者，屬於較忠誠之客戶。但單獨看其中一個變數並無法確定其與忠誠度間的關係，例如戶齡與最近生效日距今數值同樣大表示此客戶僅買過一次公司保單。</a:t>
+            </a:r>
+          </a:p>
+        </p:txBody>
+      </p:sp>
+      <p:sp>
+        <p:nvSpPr>
+          <p:cNvPr id="7" name="右大括弧 6">
+            <a:extLst>
+              <a:ext uri="{FF2B5EF4-FFF2-40B4-BE49-F238E27FC236}">
+                <a16:creationId xmlns:a16="http://schemas.microsoft.com/office/drawing/2014/main" id="{7BD5C504-8089-4795-A97B-0125D3D35518}"/>
+              </a:ext>
+            </a:extLst>
+          </p:cNvPr>
+          <p:cNvSpPr/>
+          <p:nvPr/>
+        </p:nvSpPr>
+        <p:spPr>
+          <a:xfrm>
+            <a:off x="7126116" y="1700808"/>
+            <a:ext cx="94427" cy="216024"/>
+          </a:xfrm>
+          <a:prstGeom prst="rightBrace">
+            <a:avLst/>
+          </a:prstGeom>
+          <a:ln w="19050">
+            <a:solidFill>
+              <a:srgbClr val="002060"/>
+            </a:solidFill>
+          </a:ln>
+        </p:spPr>
+        <p:style>
+          <a:lnRef idx="1">
+            <a:schemeClr val="accent1"/>
+          </a:lnRef>
+          <a:fillRef idx="0">
+            <a:schemeClr val="accent1"/>
+          </a:fillRef>
+          <a:effectRef idx="0">
+            <a:schemeClr val="accent1"/>
+          </a:effectRef>
+          <a:fontRef idx="minor">
+            <a:schemeClr val="tx1"/>
+          </a:fontRef>
+        </p:style>
+        <p:txBody>
+          <a:bodyPr rtlCol="0" anchor="ctr"/>
+          <a:lstStyle/>
+          <a:p>
+            <a:pPr algn="ctr"/>
+            <a:endParaRPr lang="en-US"/>
+          </a:p>
+        </p:txBody>
+      </p:sp>
+      <p:sp>
+        <p:nvSpPr>
+          <p:cNvPr id="10" name="矩形 9">
+            <a:extLst>
+              <a:ext uri="{FF2B5EF4-FFF2-40B4-BE49-F238E27FC236}">
+                <a16:creationId xmlns:a16="http://schemas.microsoft.com/office/drawing/2014/main" id="{4AC63854-0F86-4AE1-8D76-8DF6BCE540BA}"/>
+              </a:ext>
+            </a:extLst>
+          </p:cNvPr>
+          <p:cNvSpPr/>
+          <p:nvPr/>
+        </p:nvSpPr>
+        <p:spPr>
+          <a:xfrm>
+            <a:off x="8164719" y="2965861"/>
+            <a:ext cx="3523225" cy="584775"/>
+          </a:xfrm>
+          <a:prstGeom prst="rect">
+            <a:avLst/>
+          </a:prstGeom>
+          <a:ln w="19050">
+            <a:noFill/>
+          </a:ln>
+        </p:spPr>
+        <p:txBody>
+          <a:bodyPr wrap="square">
+            <a:spAutoFit/>
+          </a:bodyPr>
+          <a:lstStyle/>
+          <a:p>
+            <a:r>
+              <a:rPr lang="zh-TW" altLang="en-US" sz="1600" dirty="0">
+                <a:latin typeface="標楷體" panose="03000509000000000000" pitchFamily="65" charset="-120"/>
+                <a:ea typeface="標楷體" panose="03000509000000000000" pitchFamily="65" charset="-120"/>
+              </a:rPr>
+              <a:t>可用來</a:t>
+            </a:r>
+            <a:r>
+              <a:rPr lang="zh-TW" altLang="zh-TW" sz="1600" dirty="0">
+                <a:latin typeface="標楷體" panose="03000509000000000000" pitchFamily="65" charset="-120"/>
+                <a:ea typeface="標楷體" panose="03000509000000000000" pitchFamily="65" charset="-120"/>
+              </a:rPr>
+              <a:t>分析客戶黏著度及忠誠度</a:t>
+            </a:r>
+            <a:r>
+              <a:rPr lang="zh-TW" altLang="en-US" sz="1600" dirty="0">
+                <a:latin typeface="標楷體" panose="03000509000000000000" pitchFamily="65" charset="-120"/>
+                <a:ea typeface="標楷體" panose="03000509000000000000" pitchFamily="65" charset="-120"/>
+              </a:rPr>
+              <a:t>及判斷未來是否有其他險種需求。</a:t>
+            </a:r>
+            <a:endParaRPr lang="en-US" sz="1600" dirty="0">
+              <a:latin typeface="標楷體" panose="03000509000000000000" pitchFamily="65" charset="-120"/>
+              <a:ea typeface="標楷體" panose="03000509000000000000" pitchFamily="65" charset="-120"/>
+            </a:endParaRPr>
+          </a:p>
+        </p:txBody>
+      </p:sp>
+      <p:sp>
+        <p:nvSpPr>
+          <p:cNvPr id="11" name="右大括弧 10">
+            <a:extLst>
+              <a:ext uri="{FF2B5EF4-FFF2-40B4-BE49-F238E27FC236}">
+                <a16:creationId xmlns:a16="http://schemas.microsoft.com/office/drawing/2014/main" id="{64E735CB-22A1-4CD9-9DB9-0DA37EDB82B6}"/>
+              </a:ext>
+            </a:extLst>
+          </p:cNvPr>
+          <p:cNvSpPr/>
+          <p:nvPr/>
+        </p:nvSpPr>
+        <p:spPr>
+          <a:xfrm>
+            <a:off x="7126116" y="2060848"/>
+            <a:ext cx="282541" cy="2412268"/>
+          </a:xfrm>
+          <a:prstGeom prst="rightBrace">
+            <a:avLst/>
+          </a:prstGeom>
+          <a:ln w="19050">
+            <a:solidFill>
+              <a:srgbClr val="002060"/>
+            </a:solidFill>
+          </a:ln>
+        </p:spPr>
+        <p:style>
+          <a:lnRef idx="1">
+            <a:schemeClr val="accent1"/>
+          </a:lnRef>
+          <a:fillRef idx="0">
+            <a:schemeClr val="accent1"/>
+          </a:fillRef>
+          <a:effectRef idx="0">
+            <a:schemeClr val="accent1"/>
+          </a:effectRef>
+          <a:fontRef idx="minor">
+            <a:schemeClr val="tx1"/>
+          </a:fontRef>
+        </p:style>
+        <p:txBody>
+          <a:bodyPr rtlCol="0" anchor="ctr"/>
+          <a:lstStyle/>
+          <a:p>
+            <a:pPr algn="ctr"/>
+            <a:endParaRPr lang="en-US"/>
+          </a:p>
+        </p:txBody>
+      </p:sp>
+      <p:sp>
+        <p:nvSpPr>
+          <p:cNvPr id="14" name="矩形 13">
+            <a:extLst>
+              <a:ext uri="{FF2B5EF4-FFF2-40B4-BE49-F238E27FC236}">
+                <a16:creationId xmlns:a16="http://schemas.microsoft.com/office/drawing/2014/main" id="{301860A7-AFA1-4157-81DA-1A41013B160D}"/>
+              </a:ext>
+            </a:extLst>
+          </p:cNvPr>
+          <p:cNvSpPr/>
+          <p:nvPr/>
+        </p:nvSpPr>
+        <p:spPr>
+          <a:xfrm>
+            <a:off x="8179135" y="3811396"/>
+            <a:ext cx="3946024" cy="1323439"/>
+          </a:xfrm>
+          <a:prstGeom prst="rect">
+            <a:avLst/>
+          </a:prstGeom>
+          <a:ln w="19050">
+            <a:noFill/>
+          </a:ln>
+        </p:spPr>
+        <p:txBody>
+          <a:bodyPr wrap="square">
+            <a:spAutoFit/>
+          </a:bodyPr>
+          <a:lstStyle/>
+          <a:p>
+            <a:r>
+              <a:rPr lang="zh-TW" altLang="zh-TW" sz="1600" dirty="0">
+                <a:latin typeface="標楷體" panose="03000509000000000000" pitchFamily="65" charset="-120"/>
+                <a:ea typeface="標楷體" panose="03000509000000000000" pitchFamily="65" charset="-120"/>
+              </a:rPr>
+              <a:t>理論上應與客戶年收入、總資產兩變數有高度相關，但客戶年收入之遺漏值相當多，總資產雖然也有許多遺漏值但相較客戶年收入還算少大致能夠看出與財富等級高度相關</a:t>
+            </a:r>
+            <a:r>
+              <a:rPr lang="zh-TW" altLang="en-US" sz="1600" dirty="0">
+                <a:latin typeface="標楷體" panose="03000509000000000000" pitchFamily="65" charset="-120"/>
+                <a:ea typeface="標楷體" panose="03000509000000000000" pitchFamily="65" charset="-120"/>
+              </a:rPr>
+              <a:t>。</a:t>
+            </a:r>
+            <a:endParaRPr lang="en-US" sz="1600" dirty="0">
+              <a:latin typeface="標楷體" panose="03000509000000000000" pitchFamily="65" charset="-120"/>
+              <a:ea typeface="標楷體" panose="03000509000000000000" pitchFamily="65" charset="-120"/>
+            </a:endParaRPr>
+          </a:p>
+        </p:txBody>
+      </p:sp>
+      <p:sp>
+        <p:nvSpPr>
+          <p:cNvPr id="16" name="右大括弧 15">
+            <a:extLst>
+              <a:ext uri="{FF2B5EF4-FFF2-40B4-BE49-F238E27FC236}">
+                <a16:creationId xmlns:a16="http://schemas.microsoft.com/office/drawing/2014/main" id="{163CA436-6A6A-4A35-9666-F59CA1CE8E24}"/>
+              </a:ext>
+            </a:extLst>
+          </p:cNvPr>
+          <p:cNvSpPr/>
+          <p:nvPr/>
+        </p:nvSpPr>
+        <p:spPr>
+          <a:xfrm>
+            <a:off x="7176120" y="4581129"/>
+            <a:ext cx="135480" cy="432048"/>
+          </a:xfrm>
+          <a:prstGeom prst="rightBrace">
+            <a:avLst/>
+          </a:prstGeom>
+          <a:ln w="19050">
+            <a:solidFill>
+              <a:srgbClr val="002060"/>
+            </a:solidFill>
+          </a:ln>
+        </p:spPr>
+        <p:style>
+          <a:lnRef idx="1">
+            <a:schemeClr val="accent1"/>
+          </a:lnRef>
+          <a:fillRef idx="0">
+            <a:schemeClr val="accent1"/>
+          </a:fillRef>
+          <a:effectRef idx="0">
+            <a:schemeClr val="accent1"/>
+          </a:effectRef>
+          <a:fontRef idx="minor">
+            <a:schemeClr val="tx1"/>
+          </a:fontRef>
+        </p:style>
+        <p:txBody>
+          <a:bodyPr rtlCol="0" anchor="ctr"/>
+          <a:lstStyle/>
+          <a:p>
+            <a:pPr algn="ctr"/>
+            <a:endParaRPr lang="en-US"/>
+          </a:p>
+        </p:txBody>
+      </p:sp>
+      <p:sp>
+        <p:nvSpPr>
+          <p:cNvPr id="30" name="矩形 29">
+            <a:extLst>
+              <a:ext uri="{FF2B5EF4-FFF2-40B4-BE49-F238E27FC236}">
+                <a16:creationId xmlns:a16="http://schemas.microsoft.com/office/drawing/2014/main" id="{4D2B3833-2777-4503-BF60-D7214E27B7DB}"/>
+              </a:ext>
+            </a:extLst>
+          </p:cNvPr>
+          <p:cNvSpPr/>
+          <p:nvPr/>
+        </p:nvSpPr>
+        <p:spPr>
+          <a:xfrm>
+            <a:off x="8179135" y="5291916"/>
+            <a:ext cx="1415772" cy="338554"/>
+          </a:xfrm>
+          <a:prstGeom prst="rect">
+            <a:avLst/>
+          </a:prstGeom>
+          <a:ln w="19050">
+            <a:noFill/>
+          </a:ln>
+        </p:spPr>
+        <p:txBody>
+          <a:bodyPr wrap="none">
+            <a:spAutoFit/>
+          </a:bodyPr>
+          <a:lstStyle/>
+          <a:p>
+            <a:r>
+              <a:rPr lang="zh-TW" altLang="zh-TW" sz="1600" dirty="0">
+                <a:latin typeface="標楷體" panose="03000509000000000000" pitchFamily="65" charset="-120"/>
+                <a:ea typeface="標楷體" panose="03000509000000000000" pitchFamily="65" charset="-120"/>
+              </a:rPr>
+              <a:t>遺漏值非常多</a:t>
+            </a:r>
+            <a:endParaRPr lang="en-US" sz="1600" dirty="0">
+              <a:latin typeface="標楷體" panose="03000509000000000000" pitchFamily="65" charset="-120"/>
+              <a:ea typeface="標楷體" panose="03000509000000000000" pitchFamily="65" charset="-120"/>
+            </a:endParaRPr>
+          </a:p>
+        </p:txBody>
+      </p:sp>
+      <p:sp>
+        <p:nvSpPr>
+          <p:cNvPr id="36" name="矩形 35">
+            <a:extLst>
+              <a:ext uri="{FF2B5EF4-FFF2-40B4-BE49-F238E27FC236}">
+                <a16:creationId xmlns:a16="http://schemas.microsoft.com/office/drawing/2014/main" id="{B3437A4A-2817-4CAF-A1C4-31B54084AD7F}"/>
+              </a:ext>
+            </a:extLst>
+          </p:cNvPr>
+          <p:cNvSpPr/>
+          <p:nvPr/>
+        </p:nvSpPr>
+        <p:spPr>
+          <a:xfrm>
+            <a:off x="8179135" y="5733256"/>
+            <a:ext cx="3946024" cy="584775"/>
+          </a:xfrm>
+          <a:prstGeom prst="rect">
+            <a:avLst/>
+          </a:prstGeom>
+          <a:ln w="19050">
+            <a:noFill/>
+          </a:ln>
+        </p:spPr>
+        <p:txBody>
+          <a:bodyPr wrap="square">
+            <a:spAutoFit/>
+          </a:bodyPr>
+          <a:lstStyle/>
+          <a:p>
+            <a:r>
+              <a:rPr lang="zh-TW" altLang="zh-TW" sz="1600" dirty="0">
+                <a:latin typeface="標楷體" panose="03000509000000000000" pitchFamily="65" charset="-120"/>
+                <a:ea typeface="標楷體" panose="03000509000000000000" pitchFamily="65" charset="-120"/>
+              </a:rPr>
+              <a:t>可能單純為客戶使用或接觸公司之方式，因沒有顯著與</a:t>
+            </a:r>
+            <a:r>
+              <a:rPr lang="en-US" altLang="zh-TW" sz="1600" dirty="0">
+                <a:latin typeface="標楷體" panose="03000509000000000000" pitchFamily="65" charset="-120"/>
+                <a:ea typeface="標楷體" panose="03000509000000000000" pitchFamily="65" charset="-120"/>
+              </a:rPr>
+              <a:t>VIP</a:t>
+            </a:r>
+            <a:r>
+              <a:rPr lang="zh-TW" altLang="zh-TW" sz="1600" dirty="0">
+                <a:latin typeface="標楷體" panose="03000509000000000000" pitchFamily="65" charset="-120"/>
+                <a:ea typeface="標楷體" panose="03000509000000000000" pitchFamily="65" charset="-120"/>
+              </a:rPr>
+              <a:t>或是財富等變數相關</a:t>
+            </a:r>
+            <a:endParaRPr lang="en-US" sz="1600" dirty="0">
+              <a:latin typeface="標楷體" panose="03000509000000000000" pitchFamily="65" charset="-120"/>
+              <a:ea typeface="標楷體" panose="03000509000000000000" pitchFamily="65" charset="-120"/>
+            </a:endParaRPr>
+          </a:p>
+        </p:txBody>
+      </p:sp>
+      <p:sp>
+        <p:nvSpPr>
+          <p:cNvPr id="42" name="語音泡泡: 矩形 41">
+            <a:extLst>
+              <a:ext uri="{FF2B5EF4-FFF2-40B4-BE49-F238E27FC236}">
+                <a16:creationId xmlns:a16="http://schemas.microsoft.com/office/drawing/2014/main" id="{D097DECD-532D-44AE-860D-AA29DC98680C}"/>
+              </a:ext>
+            </a:extLst>
+          </p:cNvPr>
+          <p:cNvSpPr/>
+          <p:nvPr/>
+        </p:nvSpPr>
+        <p:spPr>
+          <a:xfrm>
+            <a:off x="8164719" y="2965861"/>
+            <a:ext cx="3523225" cy="614069"/>
+          </a:xfrm>
+          <a:prstGeom prst="wedgeRectCallout">
+            <a:avLst>
+              <a:gd name="adj1" fmla="val -69568"/>
+              <a:gd name="adj2" fmla="val -3681"/>
+            </a:avLst>
+          </a:prstGeom>
+          <a:noFill/>
+        </p:spPr>
+        <p:style>
+          <a:lnRef idx="2">
+            <a:schemeClr val="accent1">
+              <a:shade val="50000"/>
+            </a:schemeClr>
+          </a:lnRef>
+          <a:fillRef idx="1">
+            <a:schemeClr val="accent1"/>
+          </a:fillRef>
+          <a:effectRef idx="0">
+            <a:schemeClr val="accent1"/>
+          </a:effectRef>
+          <a:fontRef idx="minor">
+            <a:schemeClr val="lt1"/>
+          </a:fontRef>
+        </p:style>
+        <p:txBody>
+          <a:bodyPr rtlCol="0" anchor="ctr"/>
+          <a:lstStyle/>
+          <a:p>
+            <a:pPr algn="ctr"/>
+            <a:endParaRPr lang="en-US"/>
+          </a:p>
+        </p:txBody>
+      </p:sp>
+      <p:sp>
+        <p:nvSpPr>
+          <p:cNvPr id="43" name="語音泡泡: 矩形 42">
+            <a:extLst>
+              <a:ext uri="{FF2B5EF4-FFF2-40B4-BE49-F238E27FC236}">
+                <a16:creationId xmlns:a16="http://schemas.microsoft.com/office/drawing/2014/main" id="{0B669CDA-C5B4-45DB-A8DE-1CE00559A763}"/>
+              </a:ext>
+            </a:extLst>
+          </p:cNvPr>
+          <p:cNvSpPr/>
+          <p:nvPr/>
+        </p:nvSpPr>
+        <p:spPr>
+          <a:xfrm>
+            <a:off x="8179135" y="5291916"/>
+            <a:ext cx="1415772" cy="338554"/>
+          </a:xfrm>
+          <a:prstGeom prst="wedgeRectCallout">
+            <a:avLst>
+              <a:gd name="adj1" fmla="val -126325"/>
+              <a:gd name="adj2" fmla="val -69260"/>
+            </a:avLst>
+          </a:prstGeom>
+          <a:noFill/>
+        </p:spPr>
+        <p:style>
+          <a:lnRef idx="2">
+            <a:schemeClr val="accent1">
+              <a:shade val="50000"/>
+            </a:schemeClr>
+          </a:lnRef>
+          <a:fillRef idx="1">
+            <a:schemeClr val="accent1"/>
+          </a:fillRef>
+          <a:effectRef idx="0">
+            <a:schemeClr val="accent1"/>
+          </a:effectRef>
+          <a:fontRef idx="minor">
+            <a:schemeClr val="lt1"/>
+          </a:fontRef>
+        </p:style>
+        <p:txBody>
+          <a:bodyPr rtlCol="0" anchor="ctr"/>
+          <a:lstStyle/>
+          <a:p>
+            <a:pPr algn="ctr"/>
+            <a:endParaRPr lang="en-US"/>
+          </a:p>
+        </p:txBody>
+      </p:sp>
+      <p:sp>
+        <p:nvSpPr>
+          <p:cNvPr id="44" name="語音泡泡: 矩形 43">
+            <a:extLst>
+              <a:ext uri="{FF2B5EF4-FFF2-40B4-BE49-F238E27FC236}">
+                <a16:creationId xmlns:a16="http://schemas.microsoft.com/office/drawing/2014/main" id="{012BC183-663D-4F17-808F-A0DF083C7705}"/>
+              </a:ext>
+            </a:extLst>
+          </p:cNvPr>
+          <p:cNvSpPr/>
+          <p:nvPr/>
+        </p:nvSpPr>
+        <p:spPr>
+          <a:xfrm>
+            <a:off x="8179135" y="3779379"/>
+            <a:ext cx="3946024" cy="1377813"/>
+          </a:xfrm>
+          <a:prstGeom prst="wedgeRectCallout">
+            <a:avLst>
+              <a:gd name="adj1" fmla="val -70526"/>
+              <a:gd name="adj2" fmla="val 23418"/>
+            </a:avLst>
+          </a:prstGeom>
+          <a:noFill/>
+        </p:spPr>
+        <p:style>
+          <a:lnRef idx="2">
+            <a:schemeClr val="accent1">
+              <a:shade val="50000"/>
+            </a:schemeClr>
+          </a:lnRef>
+          <a:fillRef idx="1">
+            <a:schemeClr val="accent1"/>
+          </a:fillRef>
+          <a:effectRef idx="0">
+            <a:schemeClr val="accent1"/>
+          </a:effectRef>
+          <a:fontRef idx="minor">
+            <a:schemeClr val="lt1"/>
+          </a:fontRef>
+        </p:style>
+        <p:txBody>
+          <a:bodyPr rtlCol="0" anchor="ctr"/>
+          <a:lstStyle/>
+          <a:p>
+            <a:pPr algn="ctr"/>
+            <a:endParaRPr lang="en-US"/>
+          </a:p>
+        </p:txBody>
+      </p:sp>
+      <p:sp>
+        <p:nvSpPr>
+          <p:cNvPr id="45" name="語音泡泡: 矩形 44">
+            <a:extLst>
+              <a:ext uri="{FF2B5EF4-FFF2-40B4-BE49-F238E27FC236}">
+                <a16:creationId xmlns:a16="http://schemas.microsoft.com/office/drawing/2014/main" id="{A9DE74F1-BDB0-40AC-B8C7-8DDE1A64CE0D}"/>
+              </a:ext>
+            </a:extLst>
+          </p:cNvPr>
+          <p:cNvSpPr/>
+          <p:nvPr/>
+        </p:nvSpPr>
+        <p:spPr>
+          <a:xfrm>
+            <a:off x="8179135" y="5733256"/>
+            <a:ext cx="3946024" cy="630942"/>
+          </a:xfrm>
+          <a:prstGeom prst="wedgeRectCallout">
+            <a:avLst>
+              <a:gd name="adj1" fmla="val -77992"/>
+              <a:gd name="adj2" fmla="val -71154"/>
+            </a:avLst>
+          </a:prstGeom>
+          <a:noFill/>
+        </p:spPr>
+        <p:style>
+          <a:lnRef idx="2">
+            <a:schemeClr val="accent1">
+              <a:shade val="50000"/>
+            </a:schemeClr>
+          </a:lnRef>
+          <a:fillRef idx="1">
+            <a:schemeClr val="accent1"/>
+          </a:fillRef>
+          <a:effectRef idx="0">
+            <a:schemeClr val="accent1"/>
+          </a:effectRef>
+          <a:fontRef idx="minor">
+            <a:schemeClr val="lt1"/>
+          </a:fontRef>
+        </p:style>
+        <p:txBody>
+          <a:bodyPr rtlCol="0" anchor="ctr"/>
+          <a:lstStyle/>
+          <a:p>
+            <a:pPr algn="ctr"/>
+            <a:endParaRPr lang="en-US"/>
+          </a:p>
+        </p:txBody>
+      </p:sp>
+    </p:spTree>
+    <p:extLst>
+      <p:ext uri="{BB962C8B-B14F-4D97-AF65-F5344CB8AC3E}">
+        <p14:creationId xmlns:p14="http://schemas.microsoft.com/office/powerpoint/2010/main" val="3341703656"/>
+      </p:ext>
+    </p:extLst>
+  </p:cSld>
+  <p:clrMapOvr>
+    <a:masterClrMapping/>
+  </p:clrMapOvr>
+</p:sld>
+</file>
+
+<file path=ppt/slides/slide36.xml><?xml version="1.0" encoding="utf-8"?>
+<p:sld xmlns:a="http://schemas.openxmlformats.org/drawingml/2006/main" xmlns:r="http://schemas.openxmlformats.org/officeDocument/2006/relationships" xmlns:p="http://schemas.openxmlformats.org/presentationml/2006/main">
+  <p:cSld>
+    <p:spTree>
+      <p:nvGrpSpPr>
+        <p:cNvPr id="1" name=""/>
+        <p:cNvGrpSpPr/>
+        <p:nvPr/>
+      </p:nvGrpSpPr>
+      <p:grpSpPr>
+        <a:xfrm>
+          <a:off x="0" y="0"/>
+          <a:ext cx="0" cy="0"/>
+          <a:chOff x="0" y="0"/>
+          <a:chExt cx="0" cy="0"/>
+        </a:xfrm>
+      </p:grpSpPr>
+      <p:sp>
+        <p:nvSpPr>
+          <p:cNvPr id="4" name="投影片編號版面配置區 3">
+            <a:extLst>
+              <a:ext uri="{FF2B5EF4-FFF2-40B4-BE49-F238E27FC236}">
+                <a16:creationId xmlns:a16="http://schemas.microsoft.com/office/drawing/2014/main" id="{C5183A82-9DEB-4EC5-9C61-ADE694674CED}"/>
+              </a:ext>
+            </a:extLst>
+          </p:cNvPr>
+          <p:cNvSpPr>
+            <a:spLocks noGrp="1"/>
+          </p:cNvSpPr>
+          <p:nvPr>
+            <p:ph type="sldNum" sz="quarter" idx="12"/>
+          </p:nvPr>
+        </p:nvSpPr>
+        <p:spPr/>
+        <p:txBody>
+          <a:bodyPr/>
+          <a:lstStyle/>
+          <a:p>
+            <a:fld id="{BF8CE765-4F4E-465C-81D9-F9DA65D64035}" type="slidenum">
+              <a:rPr lang="zh-TW" altLang="en-US" smtClean="0"/>
+              <a:t>36</a:t>
+            </a:fld>
+            <a:endParaRPr lang="zh-TW" altLang="en-US"/>
+          </a:p>
+        </p:txBody>
+      </p:sp>
+      <p:sp>
+        <p:nvSpPr>
+          <p:cNvPr id="18" name="矩形 17">
+            <a:extLst>
+              <a:ext uri="{FF2B5EF4-FFF2-40B4-BE49-F238E27FC236}">
+                <a16:creationId xmlns:a16="http://schemas.microsoft.com/office/drawing/2014/main" id="{0FB3A394-9020-469D-91F6-68EEA700FA7B}"/>
+              </a:ext>
+            </a:extLst>
+          </p:cNvPr>
+          <p:cNvSpPr/>
+          <p:nvPr/>
+        </p:nvSpPr>
+        <p:spPr>
+          <a:xfrm>
+            <a:off x="-2880" y="0"/>
+            <a:ext cx="12191760" cy="381800"/>
+          </a:xfrm>
+          <a:prstGeom prst="rect">
+            <a:avLst/>
+          </a:prstGeom>
+          <a:solidFill>
+            <a:schemeClr val="bg1"/>
+          </a:solidFill>
+          <a:ln>
+            <a:solidFill>
+              <a:schemeClr val="bg1"/>
+            </a:solidFill>
+          </a:ln>
+        </p:spPr>
+        <p:style>
+          <a:lnRef idx="2">
+            <a:schemeClr val="accent1">
+              <a:shade val="50000"/>
+            </a:schemeClr>
+          </a:lnRef>
+          <a:fillRef idx="1">
+            <a:schemeClr val="accent1"/>
+          </a:fillRef>
+          <a:effectRef idx="0">
+            <a:schemeClr val="accent1"/>
+          </a:effectRef>
+          <a:fontRef idx="minor">
+            <a:schemeClr val="lt1"/>
+          </a:fontRef>
+        </p:style>
+        <p:txBody>
+          <a:bodyPr rtlCol="0" anchor="ctr"/>
+          <a:lstStyle/>
+          <a:p>
+            <a:pPr algn="ctr"/>
+            <a:endParaRPr lang="en-US"/>
+          </a:p>
+        </p:txBody>
+      </p:sp>
+      <p:sp>
+        <p:nvSpPr>
+          <p:cNvPr id="19" name="矩形 18">
+            <a:extLst>
+              <a:ext uri="{FF2B5EF4-FFF2-40B4-BE49-F238E27FC236}">
+                <a16:creationId xmlns:a16="http://schemas.microsoft.com/office/drawing/2014/main" id="{1B3F5A8A-595D-4FB4-87AE-9EABF3549FA3}"/>
+              </a:ext>
+            </a:extLst>
+          </p:cNvPr>
+          <p:cNvSpPr/>
+          <p:nvPr/>
+        </p:nvSpPr>
+        <p:spPr>
+          <a:xfrm>
+            <a:off x="9754560" y="0"/>
+            <a:ext cx="2437200" cy="381800"/>
+          </a:xfrm>
+          <a:prstGeom prst="rect">
+            <a:avLst/>
+          </a:prstGeom>
+          <a:solidFill>
+            <a:schemeClr val="tx1">
+              <a:lumMod val="75000"/>
+              <a:lumOff val="25000"/>
+              <a:alpha val="30000"/>
+            </a:schemeClr>
+          </a:solidFill>
+          <a:ln w="9525">
+            <a:solidFill>
+              <a:schemeClr val="tx1">
+                <a:lumMod val="50000"/>
+                <a:lumOff val="50000"/>
+              </a:schemeClr>
+            </a:solidFill>
+          </a:ln>
+        </p:spPr>
+        <p:style>
+          <a:lnRef idx="2">
+            <a:schemeClr val="accent3">
+              <a:shade val="50000"/>
+            </a:schemeClr>
+          </a:lnRef>
+          <a:fillRef idx="1">
+            <a:schemeClr val="accent3"/>
+          </a:fillRef>
+          <a:effectRef idx="0">
+            <a:schemeClr val="accent3"/>
+          </a:effectRef>
+          <a:fontRef idx="minor">
+            <a:schemeClr val="lt1"/>
+          </a:fontRef>
+        </p:style>
+        <p:txBody>
+          <a:bodyPr rtlCol="0" anchor="ctr"/>
+          <a:lstStyle/>
+          <a:p>
+            <a:pPr algn="ctr"/>
+            <a:endParaRPr lang="en-US"/>
+          </a:p>
+        </p:txBody>
+      </p:sp>
+      <p:sp>
+        <p:nvSpPr>
+          <p:cNvPr id="20" name="矩形 19">
+            <a:extLst>
+              <a:ext uri="{FF2B5EF4-FFF2-40B4-BE49-F238E27FC236}">
+                <a16:creationId xmlns:a16="http://schemas.microsoft.com/office/drawing/2014/main" id="{6AFEE53B-00F4-4C28-995D-F23DDC78F376}"/>
+              </a:ext>
+            </a:extLst>
+          </p:cNvPr>
+          <p:cNvSpPr/>
+          <p:nvPr/>
+        </p:nvSpPr>
+        <p:spPr>
+          <a:xfrm>
+            <a:off x="0" y="0"/>
+            <a:ext cx="2437200" cy="381800"/>
+          </a:xfrm>
+          <a:prstGeom prst="rect">
+            <a:avLst/>
+          </a:prstGeom>
+          <a:solidFill>
+            <a:schemeClr val="bg1"/>
+          </a:solidFill>
+          <a:ln w="9525">
+            <a:solidFill>
+              <a:schemeClr val="tx1">
+                <a:lumMod val="50000"/>
+                <a:lumOff val="50000"/>
+              </a:schemeClr>
+            </a:solidFill>
+          </a:ln>
+        </p:spPr>
+        <p:style>
+          <a:lnRef idx="2">
+            <a:schemeClr val="accent3">
+              <a:shade val="50000"/>
+            </a:schemeClr>
+          </a:lnRef>
+          <a:fillRef idx="1">
+            <a:schemeClr val="accent3"/>
+          </a:fillRef>
+          <a:effectRef idx="0">
+            <a:schemeClr val="accent3"/>
+          </a:effectRef>
+          <a:fontRef idx="minor">
+            <a:schemeClr val="lt1"/>
+          </a:fontRef>
+        </p:style>
+        <p:txBody>
+          <a:bodyPr rtlCol="0" anchor="ctr"/>
+          <a:lstStyle/>
+          <a:p>
+            <a:pPr algn="ctr"/>
+            <a:endParaRPr lang="en-US"/>
+          </a:p>
+        </p:txBody>
+      </p:sp>
+      <p:sp>
+        <p:nvSpPr>
+          <p:cNvPr id="21" name="矩形 20">
+            <a:extLst>
+              <a:ext uri="{FF2B5EF4-FFF2-40B4-BE49-F238E27FC236}">
+                <a16:creationId xmlns:a16="http://schemas.microsoft.com/office/drawing/2014/main" id="{E90642E8-2512-4DC0-9E3C-EA8FF78F5B36}"/>
+              </a:ext>
+            </a:extLst>
+          </p:cNvPr>
+          <p:cNvSpPr/>
+          <p:nvPr/>
+        </p:nvSpPr>
+        <p:spPr>
+          <a:xfrm>
+            <a:off x="91057" y="44624"/>
+            <a:ext cx="2303999" cy="307777"/>
+          </a:xfrm>
+          <a:prstGeom prst="rect">
+            <a:avLst/>
+          </a:prstGeom>
+          <a:ln w="9525">
+            <a:noFill/>
+          </a:ln>
+        </p:spPr>
+        <p:txBody>
+          <a:bodyPr wrap="square">
+            <a:spAutoFit/>
+          </a:bodyPr>
+          <a:lstStyle/>
+          <a:p>
+            <a:pPr algn="ctr"/>
+            <a:r>
+              <a:rPr lang="en-US" altLang="zh-CN" sz="1400" b="1" kern="100" dirty="0">
+                <a:solidFill>
+                  <a:schemeClr val="accent1"/>
+                </a:solidFill>
+                <a:latin typeface="Times New Roman" panose="02020603050405020304" pitchFamily="18" charset="0"/>
+                <a:cs typeface="Times New Roman" panose="02020603050405020304" pitchFamily="18" charset="0"/>
+              </a:rPr>
+              <a:t>Research Question</a:t>
+            </a:r>
+          </a:p>
+        </p:txBody>
+      </p:sp>
+      <p:sp>
+        <p:nvSpPr>
+          <p:cNvPr id="22" name="矩形 21">
+            <a:extLst>
+              <a:ext uri="{FF2B5EF4-FFF2-40B4-BE49-F238E27FC236}">
+                <a16:creationId xmlns:a16="http://schemas.microsoft.com/office/drawing/2014/main" id="{06A2820E-A5C8-49A8-A65E-659F8CDDCC27}"/>
+              </a:ext>
+            </a:extLst>
+          </p:cNvPr>
+          <p:cNvSpPr/>
+          <p:nvPr/>
+        </p:nvSpPr>
+        <p:spPr>
+          <a:xfrm>
+            <a:off x="2437200" y="0"/>
+            <a:ext cx="2437200" cy="381800"/>
+          </a:xfrm>
+          <a:prstGeom prst="rect">
+            <a:avLst/>
+          </a:prstGeom>
+          <a:solidFill>
+            <a:schemeClr val="bg1">
+              <a:alpha val="30000"/>
+            </a:schemeClr>
+          </a:solidFill>
+          <a:ln w="9525">
+            <a:solidFill>
+              <a:schemeClr val="tx1">
+                <a:lumMod val="50000"/>
+                <a:lumOff val="50000"/>
+              </a:schemeClr>
+            </a:solidFill>
+          </a:ln>
+        </p:spPr>
+        <p:style>
+          <a:lnRef idx="2">
+            <a:schemeClr val="accent3">
+              <a:shade val="50000"/>
+            </a:schemeClr>
+          </a:lnRef>
+          <a:fillRef idx="1">
+            <a:schemeClr val="accent3"/>
+          </a:fillRef>
+          <a:effectRef idx="0">
+            <a:schemeClr val="accent3"/>
+          </a:effectRef>
+          <a:fontRef idx="minor">
+            <a:schemeClr val="lt1"/>
+          </a:fontRef>
+        </p:style>
+        <p:txBody>
+          <a:bodyPr rtlCol="0" anchor="ctr"/>
+          <a:lstStyle/>
+          <a:p>
+            <a:pPr algn="ctr"/>
+            <a:endParaRPr lang="en-US"/>
+          </a:p>
+        </p:txBody>
+      </p:sp>
+      <p:sp>
+        <p:nvSpPr>
+          <p:cNvPr id="23" name="矩形 22">
+            <a:extLst>
+              <a:ext uri="{FF2B5EF4-FFF2-40B4-BE49-F238E27FC236}">
+                <a16:creationId xmlns:a16="http://schemas.microsoft.com/office/drawing/2014/main" id="{0758C2A2-B485-4FAF-90D6-18FF9EFA4647}"/>
+              </a:ext>
+            </a:extLst>
+          </p:cNvPr>
+          <p:cNvSpPr/>
+          <p:nvPr/>
+        </p:nvSpPr>
+        <p:spPr>
+          <a:xfrm>
+            <a:off x="4874400" y="0"/>
+            <a:ext cx="2437200" cy="381800"/>
+          </a:xfrm>
+          <a:prstGeom prst="rect">
+            <a:avLst/>
+          </a:prstGeom>
+          <a:solidFill>
+            <a:schemeClr val="bg1">
+              <a:alpha val="30000"/>
+            </a:schemeClr>
+          </a:solidFill>
+          <a:ln w="9525">
+            <a:solidFill>
+              <a:schemeClr val="tx1">
+                <a:lumMod val="50000"/>
+                <a:lumOff val="50000"/>
+              </a:schemeClr>
+            </a:solidFill>
+          </a:ln>
+        </p:spPr>
+        <p:style>
+          <a:lnRef idx="2">
+            <a:schemeClr val="accent3">
+              <a:shade val="50000"/>
+            </a:schemeClr>
+          </a:lnRef>
+          <a:fillRef idx="1">
+            <a:schemeClr val="accent3"/>
+          </a:fillRef>
+          <a:effectRef idx="0">
+            <a:schemeClr val="accent3"/>
+          </a:effectRef>
+          <a:fontRef idx="minor">
+            <a:schemeClr val="lt1"/>
+          </a:fontRef>
+        </p:style>
+        <p:txBody>
+          <a:bodyPr rtlCol="0" anchor="ctr"/>
+          <a:lstStyle/>
+          <a:p>
+            <a:pPr algn="ctr"/>
+            <a:endParaRPr lang="en-US"/>
+          </a:p>
+        </p:txBody>
+      </p:sp>
+      <p:sp>
+        <p:nvSpPr>
+          <p:cNvPr id="24" name="矩形 23">
+            <a:extLst>
+              <a:ext uri="{FF2B5EF4-FFF2-40B4-BE49-F238E27FC236}">
+                <a16:creationId xmlns:a16="http://schemas.microsoft.com/office/drawing/2014/main" id="{879D0081-A729-47E8-8E14-ED65864460EF}"/>
+              </a:ext>
+            </a:extLst>
+          </p:cNvPr>
+          <p:cNvSpPr/>
+          <p:nvPr/>
+        </p:nvSpPr>
+        <p:spPr>
+          <a:xfrm>
+            <a:off x="4916544" y="44624"/>
+            <a:ext cx="2303999" cy="307777"/>
+          </a:xfrm>
+          <a:prstGeom prst="rect">
+            <a:avLst/>
+          </a:prstGeom>
+          <a:ln w="9525">
+            <a:noFill/>
+          </a:ln>
+        </p:spPr>
+        <p:txBody>
+          <a:bodyPr wrap="square">
+            <a:spAutoFit/>
+          </a:bodyPr>
+          <a:lstStyle/>
+          <a:p>
+            <a:pPr algn="ctr"/>
+            <a:r>
+              <a:rPr lang="en-US" altLang="zh-CN" sz="1400" b="1" kern="100" dirty="0">
+                <a:solidFill>
+                  <a:schemeClr val="accent1"/>
+                </a:solidFill>
+                <a:latin typeface="Times New Roman" panose="02020603050405020304" pitchFamily="18" charset="0"/>
+                <a:cs typeface="Times New Roman" panose="02020603050405020304" pitchFamily="18" charset="0"/>
+              </a:rPr>
+              <a:t>Data pre-processing</a:t>
+            </a:r>
+            <a:endParaRPr lang="zh-CN" altLang="zh-CN" sz="1400" b="1" kern="100" dirty="0">
+              <a:solidFill>
+                <a:schemeClr val="accent1"/>
+              </a:solidFill>
+              <a:latin typeface="Times New Roman" panose="02020603050405020304" pitchFamily="18" charset="0"/>
+              <a:cs typeface="Times New Roman" panose="02020603050405020304" pitchFamily="18" charset="0"/>
+            </a:endParaRPr>
+          </a:p>
+        </p:txBody>
+      </p:sp>
+      <p:sp>
+        <p:nvSpPr>
+          <p:cNvPr id="25" name="矩形 24">
+            <a:extLst>
+              <a:ext uri="{FF2B5EF4-FFF2-40B4-BE49-F238E27FC236}">
+                <a16:creationId xmlns:a16="http://schemas.microsoft.com/office/drawing/2014/main" id="{C990BE16-83C9-4750-AAB0-6E5B2A2FA773}"/>
+              </a:ext>
+            </a:extLst>
+          </p:cNvPr>
+          <p:cNvSpPr/>
+          <p:nvPr/>
+        </p:nvSpPr>
+        <p:spPr>
+          <a:xfrm>
+            <a:off x="7311600" y="0"/>
+            <a:ext cx="2437200" cy="381800"/>
+          </a:xfrm>
+          <a:prstGeom prst="rect">
+            <a:avLst/>
+          </a:prstGeom>
+          <a:solidFill>
+            <a:schemeClr val="bg1">
+              <a:alpha val="30000"/>
+            </a:schemeClr>
+          </a:solidFill>
+          <a:ln w="9525">
+            <a:solidFill>
+              <a:schemeClr val="tx1">
+                <a:lumMod val="50000"/>
+                <a:lumOff val="50000"/>
+              </a:schemeClr>
+            </a:solidFill>
+          </a:ln>
+        </p:spPr>
+        <p:style>
+          <a:lnRef idx="2">
+            <a:schemeClr val="accent3">
+              <a:shade val="50000"/>
+            </a:schemeClr>
+          </a:lnRef>
+          <a:fillRef idx="1">
+            <a:schemeClr val="accent3"/>
+          </a:fillRef>
+          <a:effectRef idx="0">
+            <a:schemeClr val="accent3"/>
+          </a:effectRef>
+          <a:fontRef idx="minor">
+            <a:schemeClr val="lt1"/>
+          </a:fontRef>
+        </p:style>
+        <p:txBody>
+          <a:bodyPr rtlCol="0" anchor="ctr"/>
+          <a:lstStyle/>
+          <a:p>
+            <a:pPr algn="ctr"/>
+            <a:endParaRPr lang="en-US"/>
+          </a:p>
+        </p:txBody>
+      </p:sp>
+      <p:sp>
+        <p:nvSpPr>
+          <p:cNvPr id="26" name="矩形 25">
+            <a:extLst>
+              <a:ext uri="{FF2B5EF4-FFF2-40B4-BE49-F238E27FC236}">
+                <a16:creationId xmlns:a16="http://schemas.microsoft.com/office/drawing/2014/main" id="{371EEEDB-FE8A-46FE-B5DE-83502475004A}"/>
+              </a:ext>
+            </a:extLst>
+          </p:cNvPr>
+          <p:cNvSpPr/>
+          <p:nvPr/>
+        </p:nvSpPr>
+        <p:spPr>
+          <a:xfrm>
+            <a:off x="7408657" y="33290"/>
+            <a:ext cx="2303999" cy="307777"/>
+          </a:xfrm>
+          <a:prstGeom prst="rect">
+            <a:avLst/>
+          </a:prstGeom>
+          <a:ln w="9525">
+            <a:noFill/>
+          </a:ln>
+        </p:spPr>
+        <p:txBody>
+          <a:bodyPr wrap="square">
+            <a:spAutoFit/>
+          </a:bodyPr>
+          <a:lstStyle/>
+          <a:p>
+            <a:pPr algn="ctr"/>
+            <a:r>
+              <a:rPr lang="en-US" altLang="zh-CN" sz="1400" b="1" kern="100" dirty="0">
+                <a:solidFill>
+                  <a:schemeClr val="accent1"/>
+                </a:solidFill>
+                <a:latin typeface="Times New Roman" panose="02020603050405020304" pitchFamily="18" charset="0"/>
+                <a:cs typeface="Times New Roman" panose="02020603050405020304" pitchFamily="18" charset="0"/>
+              </a:rPr>
+              <a:t>Model Training</a:t>
+            </a:r>
+            <a:endParaRPr lang="zh-CN" altLang="zh-CN" sz="1400" b="1" kern="100" dirty="0">
+              <a:solidFill>
+                <a:schemeClr val="accent1"/>
+              </a:solidFill>
+              <a:latin typeface="Times New Roman" panose="02020603050405020304" pitchFamily="18" charset="0"/>
+              <a:cs typeface="Times New Roman" panose="02020603050405020304" pitchFamily="18" charset="0"/>
+            </a:endParaRPr>
+          </a:p>
+        </p:txBody>
+      </p:sp>
+      <p:sp>
+        <p:nvSpPr>
+          <p:cNvPr id="27" name="矩形 26">
+            <a:extLst>
+              <a:ext uri="{FF2B5EF4-FFF2-40B4-BE49-F238E27FC236}">
+                <a16:creationId xmlns:a16="http://schemas.microsoft.com/office/drawing/2014/main" id="{DE395EB8-7179-4B43-99D4-156E65A700AC}"/>
+              </a:ext>
+            </a:extLst>
+          </p:cNvPr>
+          <p:cNvSpPr/>
+          <p:nvPr/>
+        </p:nvSpPr>
+        <p:spPr>
+          <a:xfrm>
+            <a:off x="9821160" y="44624"/>
+            <a:ext cx="2303999" cy="307777"/>
+          </a:xfrm>
+          <a:prstGeom prst="rect">
+            <a:avLst/>
+          </a:prstGeom>
+        </p:spPr>
+        <p:txBody>
+          <a:bodyPr wrap="square">
+            <a:spAutoFit/>
+          </a:bodyPr>
+          <a:lstStyle/>
+          <a:p>
+            <a:pPr algn="ctr"/>
+            <a:r>
+              <a:rPr lang="en-US" altLang="zh-CN" sz="1400" b="1" kern="100" dirty="0">
+                <a:solidFill>
+                  <a:schemeClr val="accent1"/>
+                </a:solidFill>
+                <a:latin typeface="Times New Roman" panose="02020603050405020304" pitchFamily="18" charset="0"/>
+                <a:cs typeface="Times New Roman" panose="02020603050405020304" pitchFamily="18" charset="0"/>
+              </a:rPr>
+              <a:t>Appendix</a:t>
+            </a:r>
+            <a:endParaRPr lang="zh-CN" altLang="zh-CN" sz="1400" b="1" kern="100" dirty="0">
+              <a:solidFill>
+                <a:schemeClr val="accent1"/>
+              </a:solidFill>
+              <a:latin typeface="Times New Roman" panose="02020603050405020304" pitchFamily="18" charset="0"/>
+              <a:cs typeface="Times New Roman" panose="02020603050405020304" pitchFamily="18" charset="0"/>
+            </a:endParaRPr>
+          </a:p>
+        </p:txBody>
+      </p:sp>
+      <p:sp>
+        <p:nvSpPr>
+          <p:cNvPr id="28" name="矩形 27">
+            <a:extLst>
+              <a:ext uri="{FF2B5EF4-FFF2-40B4-BE49-F238E27FC236}">
+                <a16:creationId xmlns:a16="http://schemas.microsoft.com/office/drawing/2014/main" id="{93D8981B-AF20-4DC7-ABF8-10F9897107C3}"/>
+              </a:ext>
+            </a:extLst>
+          </p:cNvPr>
+          <p:cNvSpPr/>
+          <p:nvPr/>
+        </p:nvSpPr>
+        <p:spPr>
+          <a:xfrm>
+            <a:off x="2503800" y="44624"/>
+            <a:ext cx="2303999" cy="307777"/>
+          </a:xfrm>
+          <a:prstGeom prst="rect">
+            <a:avLst/>
+          </a:prstGeom>
+          <a:ln w="9525">
+            <a:noFill/>
+          </a:ln>
+        </p:spPr>
+        <p:txBody>
+          <a:bodyPr wrap="square">
+            <a:spAutoFit/>
+          </a:bodyPr>
+          <a:lstStyle/>
+          <a:p>
+            <a:pPr algn="ctr"/>
+            <a:r>
+              <a:rPr lang="en-US" altLang="zh-CN" sz="1400" b="1" kern="100" dirty="0">
+                <a:solidFill>
+                  <a:schemeClr val="accent1"/>
+                </a:solidFill>
+                <a:latin typeface="Times New Roman" panose="02020603050405020304" pitchFamily="18" charset="0"/>
+                <a:cs typeface="Times New Roman" panose="02020603050405020304" pitchFamily="18" charset="0"/>
+              </a:rPr>
+              <a:t>EDA</a:t>
+            </a:r>
+          </a:p>
+        </p:txBody>
+      </p:sp>
+      <p:sp>
+        <p:nvSpPr>
+          <p:cNvPr id="17" name="矩形 16">
+            <a:extLst>
+              <a:ext uri="{FF2B5EF4-FFF2-40B4-BE49-F238E27FC236}">
+                <a16:creationId xmlns:a16="http://schemas.microsoft.com/office/drawing/2014/main" id="{FF885DDD-0FFE-44BC-8CD2-CA7462B3168D}"/>
+              </a:ext>
+            </a:extLst>
+          </p:cNvPr>
+          <p:cNvSpPr/>
+          <p:nvPr/>
+        </p:nvSpPr>
+        <p:spPr>
+          <a:xfrm>
+            <a:off x="399716" y="594739"/>
+            <a:ext cx="2569293" cy="338554"/>
+          </a:xfrm>
+          <a:prstGeom prst="rect">
+            <a:avLst/>
+          </a:prstGeom>
+        </p:spPr>
+        <p:txBody>
+          <a:bodyPr wrap="none">
+            <a:spAutoFit/>
+          </a:bodyPr>
+          <a:lstStyle/>
+          <a:p>
+            <a:r>
+              <a:rPr lang="en-US" altLang="zh-TW" sz="1600" b="1" kern="100" dirty="0">
+                <a:solidFill>
+                  <a:schemeClr val="accent1"/>
+                </a:solidFill>
+                <a:cs typeface="Times New Roman" panose="02020603050405020304" pitchFamily="18" charset="0"/>
+              </a:rPr>
+              <a:t>C. </a:t>
+            </a:r>
+            <a:r>
+              <a:rPr lang="en-US" altLang="zh-TW" sz="1600" b="1" kern="100" dirty="0">
+                <a:solidFill>
+                  <a:schemeClr val="accent1"/>
+                </a:solidFill>
+                <a:ea typeface="標楷體" panose="03000509000000000000" pitchFamily="65" charset="-120"/>
+                <a:cs typeface="Times New Roman" panose="02020603050405020304" pitchFamily="18" charset="0"/>
+              </a:rPr>
+              <a:t>EDA</a:t>
+            </a:r>
+            <a:r>
+              <a:rPr lang="zh-TW" altLang="en-US" sz="1600" b="1" kern="100" dirty="0">
+                <a:solidFill>
+                  <a:schemeClr val="accent1"/>
+                </a:solidFill>
+                <a:ea typeface="標楷體" panose="03000509000000000000" pitchFamily="65" charset="-120"/>
+                <a:cs typeface="Times New Roman" panose="02020603050405020304" pitchFamily="18" charset="0"/>
+              </a:rPr>
+              <a:t> </a:t>
+            </a:r>
+            <a:r>
+              <a:rPr lang="en-US" altLang="zh-TW" sz="1600" b="1" kern="100" dirty="0">
+                <a:solidFill>
+                  <a:schemeClr val="accent1"/>
+                </a:solidFill>
+                <a:ea typeface="標楷體" panose="03000509000000000000" pitchFamily="65" charset="-120"/>
+                <a:cs typeface="Times New Roman" panose="02020603050405020304" pitchFamily="18" charset="0"/>
+              </a:rPr>
+              <a:t>result(</a:t>
+            </a:r>
+            <a:r>
+              <a:rPr lang="zh-TW" altLang="en-US" sz="1600" b="1" kern="100" dirty="0">
+                <a:solidFill>
+                  <a:schemeClr val="accent1"/>
+                </a:solidFill>
+                <a:ea typeface="標楷體" panose="03000509000000000000" pitchFamily="65" charset="-120"/>
+                <a:cs typeface="Times New Roman" panose="02020603050405020304" pitchFamily="18" charset="0"/>
+              </a:rPr>
+              <a:t>客戶屬性檔</a:t>
+            </a:r>
+            <a:r>
+              <a:rPr lang="en-US" altLang="zh-TW" sz="1600" b="1" kern="100" dirty="0">
+                <a:solidFill>
+                  <a:schemeClr val="accent1"/>
+                </a:solidFill>
+                <a:ea typeface="標楷體" panose="03000509000000000000" pitchFamily="65" charset="-120"/>
+                <a:cs typeface="Times New Roman" panose="02020603050405020304" pitchFamily="18" charset="0"/>
+              </a:rPr>
+              <a:t>)</a:t>
+            </a:r>
+          </a:p>
+        </p:txBody>
+      </p:sp>
+    </p:spTree>
+    <p:extLst>
+      <p:ext uri="{BB962C8B-B14F-4D97-AF65-F5344CB8AC3E}">
+        <p14:creationId xmlns:p14="http://schemas.microsoft.com/office/powerpoint/2010/main" val="283940289"/>
+      </p:ext>
+    </p:extLst>
+  </p:cSld>
+  <p:clrMapOvr>
+    <a:masterClrMapping/>
+  </p:clrMapOvr>
+</p:sld>
+</file>
+
+<file path=ppt/slides/slide37.xml><?xml version="1.0" encoding="utf-8"?>
+<p:sld xmlns:a="http://schemas.openxmlformats.org/drawingml/2006/main" xmlns:r="http://schemas.openxmlformats.org/officeDocument/2006/relationships" xmlns:p="http://schemas.openxmlformats.org/presentationml/2006/main">
+  <p:cSld>
+    <p:spTree>
+      <p:nvGrpSpPr>
+        <p:cNvPr id="1" name=""/>
+        <p:cNvGrpSpPr/>
+        <p:nvPr/>
+      </p:nvGrpSpPr>
+      <p:grpSpPr>
+        <a:xfrm>
+          <a:off x="0" y="0"/>
+          <a:ext cx="0" cy="0"/>
+          <a:chOff x="0" y="0"/>
+          <a:chExt cx="0" cy="0"/>
+        </a:xfrm>
+      </p:grpSpPr>
+      <p:sp>
+        <p:nvSpPr>
+          <p:cNvPr id="4" name="投影片編號版面配置區 3">
+            <a:extLst>
+              <a:ext uri="{FF2B5EF4-FFF2-40B4-BE49-F238E27FC236}">
+                <a16:creationId xmlns:a16="http://schemas.microsoft.com/office/drawing/2014/main" id="{C5183A82-9DEB-4EC5-9C61-ADE694674CED}"/>
+              </a:ext>
+            </a:extLst>
+          </p:cNvPr>
+          <p:cNvSpPr>
+            <a:spLocks noGrp="1"/>
+          </p:cNvSpPr>
+          <p:nvPr>
+            <p:ph type="sldNum" sz="quarter" idx="12"/>
+          </p:nvPr>
+        </p:nvSpPr>
+        <p:spPr/>
+        <p:txBody>
+          <a:bodyPr/>
+          <a:lstStyle/>
+          <a:p>
+            <a:fld id="{BF8CE765-4F4E-465C-81D9-F9DA65D64035}" type="slidenum">
+              <a:rPr lang="zh-TW" altLang="en-US" smtClean="0"/>
+              <a:t>37</a:t>
             </a:fld>
             <a:endParaRPr lang="zh-TW" altLang="en-US"/>
           </a:p>

--- a/南山_題目一_組別二.pptx
+++ b/南山_題目一_組別二.pptx
@@ -249,7 +249,7 @@
           <a:p>
             <a:fld id="{3D523724-7DCC-44FC-B192-0450E89EDEAE}" type="datetimeFigureOut">
               <a:rPr lang="zh-TW" altLang="en-US" smtClean="0"/>
-              <a:t>2020/6/19</a:t>
+              <a:t>2020/6/24</a:t>
             </a:fld>
             <a:endParaRPr lang="zh-TW" altLang="en-US"/>
           </a:p>
@@ -414,7 +414,7 @@
           <a:p>
             <a:fld id="{33C6E176-6976-46F5-862E-5E9B90003857}" type="datetimeFigureOut">
               <a:rPr lang="zh-TW" altLang="en-US" smtClean="0"/>
-              <a:t>2020/6/19</a:t>
+              <a:t>2020/6/24</a:t>
             </a:fld>
             <a:endParaRPr lang="zh-TW" altLang="en-US"/>
           </a:p>
@@ -25896,6 +25896,7 @@
                   <a:schemeClr val="accent1"/>
                 </a:solidFill>
                 <a:latin typeface="+mj-ea"/>
+                <a:ea typeface="+mj-ea"/>
                 <a:cs typeface="Times New Roman" panose="02020603050405020304" pitchFamily="18" charset="0"/>
               </a:rPr>
               <a:t>研究問題</a:t>
@@ -25905,6 +25906,7 @@
                 <a:schemeClr val="accent1"/>
               </a:solidFill>
               <a:latin typeface="+mj-ea"/>
+              <a:ea typeface="+mj-ea"/>
               <a:cs typeface="Times New Roman" panose="02020603050405020304" pitchFamily="18" charset="0"/>
             </a:endParaRPr>
           </a:p>
@@ -33115,12 +33117,30 @@
             <p:ph idx="1"/>
           </p:nvPr>
         </p:nvSpPr>
-        <p:spPr/>
+        <p:spPr>
+          <a:xfrm>
+            <a:off x="480998" y="1202108"/>
+            <a:ext cx="5846440" cy="576061"/>
+          </a:xfrm>
+        </p:spPr>
         <p:txBody>
           <a:bodyPr/>
           <a:lstStyle/>
           <a:p>
-            <a:endParaRPr lang="en-US"/>
+            <a:pPr marL="0" indent="0">
+              <a:buNone/>
+            </a:pPr>
+            <a:r>
+              <a:rPr lang="zh-TW" altLang="en-US" b="1" dirty="0">
+                <a:latin typeface="標楷體" panose="03000509000000000000" pitchFamily="65" charset="-120"/>
+                <a:ea typeface="標楷體" panose="03000509000000000000" pitchFamily="65" charset="-120"/>
+              </a:rPr>
+              <a:t>題目：理賠客戶再購與商品推薦</a:t>
+            </a:r>
+            <a:endParaRPr lang="en-US" altLang="zh-TW" b="1" dirty="0">
+              <a:latin typeface="標楷體" panose="03000509000000000000" pitchFamily="65" charset="-120"/>
+              <a:ea typeface="標楷體" panose="03000509000000000000" pitchFamily="65" charset="-120"/>
+            </a:endParaRPr>
           </a:p>
         </p:txBody>
       </p:sp>
@@ -33719,6 +33739,222 @@
           </a:p>
         </p:txBody>
       </p:sp>
+      <p:pic>
+        <p:nvPicPr>
+          <p:cNvPr id="3" name="圖片 2">
+            <a:extLst>
+              <a:ext uri="{FF2B5EF4-FFF2-40B4-BE49-F238E27FC236}">
+                <a16:creationId xmlns:a16="http://schemas.microsoft.com/office/drawing/2014/main" id="{E7943E8A-236F-4149-87D9-059F75A874B6}"/>
+              </a:ext>
+            </a:extLst>
+          </p:cNvPr>
+          <p:cNvPicPr>
+            <a:picLocks noChangeAspect="1"/>
+          </p:cNvPicPr>
+          <p:nvPr/>
+        </p:nvPicPr>
+        <p:blipFill>
+          <a:blip r:embed="rId2" cstate="print">
+            <a:extLst>
+              <a:ext uri="{28A0092B-C50C-407E-A947-70E740481C1C}">
+                <a14:useLocalDpi xmlns:a14="http://schemas.microsoft.com/office/drawing/2010/main" val="0"/>
+              </a:ext>
+            </a:extLst>
+          </a:blip>
+          <a:stretch>
+            <a:fillRect/>
+          </a:stretch>
+        </p:blipFill>
+        <p:spPr>
+          <a:xfrm>
+            <a:off x="8040216" y="2204864"/>
+            <a:ext cx="1934039" cy="1934039"/>
+          </a:xfrm>
+          <a:prstGeom prst="rect">
+            <a:avLst/>
+          </a:prstGeom>
+        </p:spPr>
+      </p:pic>
+      <p:sp>
+        <p:nvSpPr>
+          <p:cNvPr id="8" name="矩形 7">
+            <a:extLst>
+              <a:ext uri="{FF2B5EF4-FFF2-40B4-BE49-F238E27FC236}">
+                <a16:creationId xmlns:a16="http://schemas.microsoft.com/office/drawing/2014/main" id="{FBC29E57-6CEC-4F46-B846-8799284B277C}"/>
+              </a:ext>
+            </a:extLst>
+          </p:cNvPr>
+          <p:cNvSpPr/>
+          <p:nvPr/>
+        </p:nvSpPr>
+        <p:spPr>
+          <a:xfrm>
+            <a:off x="6744072" y="4336075"/>
+            <a:ext cx="4830419" cy="1323439"/>
+          </a:xfrm>
+          <a:prstGeom prst="rect">
+            <a:avLst/>
+          </a:prstGeom>
+        </p:spPr>
+        <p:txBody>
+          <a:bodyPr wrap="square">
+            <a:spAutoFit/>
+          </a:bodyPr>
+          <a:lstStyle/>
+          <a:p>
+            <a:pPr lvl="0">
+              <a:spcBef>
+                <a:spcPct val="20000"/>
+              </a:spcBef>
+            </a:pPr>
+            <a:r>
+              <a:rPr lang="zh-TW" altLang="en-US" sz="2000" dirty="0">
+                <a:solidFill>
+                  <a:prstClr val="black"/>
+                </a:solidFill>
+                <a:latin typeface="標楷體" panose="03000509000000000000" pitchFamily="65" charset="-120"/>
+                <a:ea typeface="標楷體" panose="03000509000000000000" pitchFamily="65" charset="-120"/>
+              </a:rPr>
+              <a:t>解讀出特徵影響再購的關聯和特性，透過結合保險知識和實際數據來做出合理的判斷和解釋，進而做出解釋性高的機器學習模型。</a:t>
+            </a:r>
+            <a:endParaRPr lang="en-US" altLang="zh-TW" sz="2000" dirty="0">
+              <a:solidFill>
+                <a:prstClr val="black"/>
+              </a:solidFill>
+              <a:latin typeface="標楷體" panose="03000509000000000000" pitchFamily="65" charset="-120"/>
+              <a:ea typeface="標楷體" panose="03000509000000000000" pitchFamily="65" charset="-120"/>
+            </a:endParaRPr>
+          </a:p>
+        </p:txBody>
+      </p:sp>
+      <p:sp>
+        <p:nvSpPr>
+          <p:cNvPr id="10" name="矩形 9">
+            <a:extLst>
+              <a:ext uri="{FF2B5EF4-FFF2-40B4-BE49-F238E27FC236}">
+                <a16:creationId xmlns:a16="http://schemas.microsoft.com/office/drawing/2014/main" id="{D5132EF7-CAB7-4628-B73F-2FB0AB516211}"/>
+              </a:ext>
+            </a:extLst>
+          </p:cNvPr>
+          <p:cNvSpPr/>
+          <p:nvPr/>
+        </p:nvSpPr>
+        <p:spPr>
+          <a:xfrm>
+            <a:off x="803160" y="4331709"/>
+            <a:ext cx="5280446" cy="1323439"/>
+          </a:xfrm>
+          <a:prstGeom prst="rect">
+            <a:avLst/>
+          </a:prstGeom>
+        </p:spPr>
+        <p:txBody>
+          <a:bodyPr wrap="square">
+            <a:spAutoFit/>
+          </a:bodyPr>
+          <a:lstStyle/>
+          <a:p>
+            <a:pPr lvl="0">
+              <a:spcBef>
+                <a:spcPct val="20000"/>
+              </a:spcBef>
+            </a:pPr>
+            <a:r>
+              <a:rPr lang="zh-TW" altLang="en-US" sz="2000" dirty="0">
+                <a:solidFill>
+                  <a:prstClr val="black"/>
+                </a:solidFill>
+                <a:latin typeface="標楷體" panose="03000509000000000000" pitchFamily="65" charset="-120"/>
+                <a:ea typeface="標楷體" panose="03000509000000000000" pitchFamily="65" charset="-120"/>
+              </a:rPr>
+              <a:t>利用理賠內容、客戶屬性、再購商品等資料，透過機器學習的方法來判斷</a:t>
+            </a:r>
+            <a:r>
+              <a:rPr lang="zh-TW" altLang="en-US" sz="2000" b="1" dirty="0">
+                <a:solidFill>
+                  <a:prstClr val="black"/>
+                </a:solidFill>
+                <a:latin typeface="標楷體" panose="03000509000000000000" pitchFamily="65" charset="-120"/>
+                <a:ea typeface="標楷體" panose="03000509000000000000" pitchFamily="65" charset="-120"/>
+              </a:rPr>
+              <a:t>未來理賠客戶是否再購</a:t>
+            </a:r>
+            <a:r>
+              <a:rPr lang="zh-TW" altLang="en-US" sz="2000" dirty="0">
+                <a:solidFill>
+                  <a:prstClr val="black"/>
+                </a:solidFill>
+                <a:latin typeface="標楷體" panose="03000509000000000000" pitchFamily="65" charset="-120"/>
+                <a:ea typeface="標楷體" panose="03000509000000000000" pitchFamily="65" charset="-120"/>
+              </a:rPr>
+              <a:t>及</a:t>
+            </a:r>
+            <a:r>
+              <a:rPr lang="zh-TW" altLang="en-US" sz="2000" b="1" dirty="0">
+                <a:solidFill>
+                  <a:prstClr val="black"/>
+                </a:solidFill>
+                <a:latin typeface="標楷體" panose="03000509000000000000" pitchFamily="65" charset="-120"/>
+                <a:ea typeface="標楷體" panose="03000509000000000000" pitchFamily="65" charset="-120"/>
+              </a:rPr>
+              <a:t>傾向再購哪類型的商品</a:t>
+            </a:r>
+            <a:r>
+              <a:rPr lang="zh-TW" altLang="en-US" sz="2000" dirty="0">
+                <a:solidFill>
+                  <a:prstClr val="black"/>
+                </a:solidFill>
+                <a:latin typeface="標楷體" panose="03000509000000000000" pitchFamily="65" charset="-120"/>
+                <a:ea typeface="標楷體" panose="03000509000000000000" pitchFamily="65" charset="-120"/>
+              </a:rPr>
+              <a:t>，以利未來接觸理賠客戶時能夠精準推薦商品，提高再購機會。</a:t>
+            </a:r>
+            <a:endParaRPr lang="en-US" altLang="zh-TW" sz="2000" dirty="0">
+              <a:solidFill>
+                <a:prstClr val="black"/>
+              </a:solidFill>
+              <a:latin typeface="標楷體" panose="03000509000000000000" pitchFamily="65" charset="-120"/>
+              <a:ea typeface="標楷體" panose="03000509000000000000" pitchFamily="65" charset="-120"/>
+            </a:endParaRPr>
+          </a:p>
+        </p:txBody>
+      </p:sp>
+      <p:pic>
+        <p:nvPicPr>
+          <p:cNvPr id="14" name="圖片 13">
+            <a:extLst>
+              <a:ext uri="{FF2B5EF4-FFF2-40B4-BE49-F238E27FC236}">
+                <a16:creationId xmlns:a16="http://schemas.microsoft.com/office/drawing/2014/main" id="{7005A3DC-9177-4E7E-9635-1D52C16FC3D2}"/>
+              </a:ext>
+            </a:extLst>
+          </p:cNvPr>
+          <p:cNvPicPr>
+            <a:picLocks noChangeAspect="1"/>
+          </p:cNvPicPr>
+          <p:nvPr/>
+        </p:nvPicPr>
+        <p:blipFill>
+          <a:blip r:embed="rId3" cstate="print">
+            <a:extLst>
+              <a:ext uri="{28A0092B-C50C-407E-A947-70E740481C1C}">
+                <a14:useLocalDpi xmlns:a14="http://schemas.microsoft.com/office/drawing/2010/main" val="0"/>
+              </a:ext>
+            </a:extLst>
+          </a:blip>
+          <a:stretch>
+            <a:fillRect/>
+          </a:stretch>
+        </p:blipFill>
+        <p:spPr>
+          <a:xfrm>
+            <a:off x="2437199" y="2362598"/>
+            <a:ext cx="1934038" cy="1934038"/>
+          </a:xfrm>
+          <a:prstGeom prst="rect">
+            <a:avLst/>
+          </a:prstGeom>
+        </p:spPr>
+      </p:pic>
     </p:spTree>
     <p:extLst>
       <p:ext uri="{BB962C8B-B14F-4D97-AF65-F5344CB8AC3E}">
@@ -33884,6 +34120,7 @@
                   <a:schemeClr val="accent1"/>
                 </a:solidFill>
                 <a:latin typeface="+mj-ea"/>
+                <a:ea typeface="+mj-ea"/>
                 <a:cs typeface="Times New Roman" panose="02020603050405020304" pitchFamily="18" charset="0"/>
               </a:rPr>
               <a:t>探索性資料分析</a:t>
@@ -33893,6 +34130,7 @@
                 <a:schemeClr val="accent1"/>
               </a:solidFill>
               <a:latin typeface="+mj-ea"/>
+              <a:ea typeface="+mj-ea"/>
               <a:cs typeface="Times New Roman" panose="02020603050405020304" pitchFamily="18" charset="0"/>
             </a:endParaRPr>
           </a:p>
